--- a/0201-0300/LeetCode 第 300 题：“最长上升子序列”题解配图（动态规划）.pptx
+++ b/0201-0300/LeetCode 第 300 题：“最长上升子序列”题解配图（动态规划）.pptx
@@ -354,7 +354,7 @@
           <a:p>
             <a:fld id="{7C955CD6-C544-6447-88CB-A2D8D4C328B3}" type="datetimeFigureOut">
               <a:rPr kumimoji="1" lang="zh-CN" altLang="en-US" smtClean="0"/>
-              <a:t>2019/6/30</a:t>
+              <a:t>2019/7/26</a:t>
             </a:fld>
             <a:endParaRPr kumimoji="1" lang="zh-CN" altLang="en-US"/>
           </a:p>
@@ -781,10 +781,10 @@
       </p:pic>
       <p:sp>
         <p:nvSpPr>
-          <p:cNvPr id="12" name="矩形 11">
+          <p:cNvPr id="8" name="矩形 7">
             <a:extLst>
               <a:ext uri="{FF2B5EF4-FFF2-40B4-BE49-F238E27FC236}">
-                <a16:creationId xmlns:a16="http://schemas.microsoft.com/office/drawing/2014/main" id="{5B06EE1D-E348-AD4D-855D-D9037738BC17}"/>
+                <a16:creationId xmlns:a16="http://schemas.microsoft.com/office/drawing/2014/main" id="{65A036AC-A198-5A4E-9E7F-BA8BFA4318D1}"/>
               </a:ext>
             </a:extLst>
           </p:cNvPr>
@@ -793,8 +793,404 @@
         </p:nvSpPr>
         <p:spPr>
           <a:xfrm>
-            <a:off x="808475" y="1516857"/>
-            <a:ext cx="8448276" cy="400110"/>
+            <a:off x="2161880" y="92573"/>
+            <a:ext cx="6494085" cy="461665"/>
+          </a:xfrm>
+          <a:prstGeom prst="rect">
+            <a:avLst/>
+          </a:prstGeom>
+        </p:spPr>
+        <p:txBody>
+          <a:bodyPr wrap="none">
+            <a:spAutoFit/>
+          </a:bodyPr>
+          <a:lstStyle/>
+          <a:p>
+            <a:r>
+              <a:rPr kumimoji="1" lang="zh-CN" altLang="en-US" sz="2400" dirty="0">
+                <a:solidFill>
+                  <a:schemeClr val="bg1"/>
+                </a:solidFill>
+                <a:latin typeface="Times New Roman" charset="0"/>
+                <a:ea typeface="黑体" charset="-122"/>
+              </a:rPr>
+              <a:t>第 </a:t>
+            </a:r>
+            <a:r>
+              <a:rPr kumimoji="1" lang="en-US" altLang="zh-CN" sz="2400" dirty="0">
+                <a:solidFill>
+                  <a:schemeClr val="bg1"/>
+                </a:solidFill>
+                <a:latin typeface="Times New Roman" charset="0"/>
+                <a:ea typeface="黑体" charset="-122"/>
+              </a:rPr>
+              <a:t>300</a:t>
+            </a:r>
+            <a:r>
+              <a:rPr kumimoji="1" lang="zh-CN" altLang="en-US" sz="2400" dirty="0">
+                <a:solidFill>
+                  <a:schemeClr val="bg1"/>
+                </a:solidFill>
+                <a:latin typeface="Times New Roman" charset="0"/>
+                <a:ea typeface="黑体" charset="-122"/>
+              </a:rPr>
+              <a:t> 题</a:t>
+            </a:r>
+            <a:r>
+              <a:rPr kumimoji="1" lang="zh-CN" altLang="en-US" sz="2400" dirty="0">
+                <a:solidFill>
+                  <a:schemeClr val="bg1"/>
+                </a:solidFill>
+                <a:latin typeface="KaiTi" panose="02010609060101010101" pitchFamily="49" charset="-122"/>
+                <a:ea typeface="KaiTi" panose="02010609060101010101" pitchFamily="49" charset="-122"/>
+              </a:rPr>
+              <a:t>：“最长上升子序列”题解配图（</a:t>
+            </a:r>
+            <a:r>
+              <a:rPr kumimoji="1" lang="en-US" altLang="zh-CN" sz="2400" dirty="0">
+                <a:solidFill>
+                  <a:schemeClr val="bg1"/>
+                </a:solidFill>
+                <a:latin typeface="Times New Roman" panose="02020603050405020304" pitchFamily="18" charset="0"/>
+                <a:ea typeface="KaiTi" panose="02010609060101010101" pitchFamily="49" charset="-122"/>
+                <a:cs typeface="Times New Roman" panose="02020603050405020304" pitchFamily="18" charset="0"/>
+              </a:rPr>
+              <a:t>1</a:t>
+            </a:r>
+            <a:r>
+              <a:rPr kumimoji="1" lang="zh-CN" altLang="en-US" sz="2400" dirty="0">
+                <a:solidFill>
+                  <a:schemeClr val="bg1"/>
+                </a:solidFill>
+                <a:latin typeface="KaiTi" panose="02010609060101010101" pitchFamily="49" charset="-122"/>
+                <a:ea typeface="KaiTi" panose="02010609060101010101" pitchFamily="49" charset="-122"/>
+              </a:rPr>
+              <a:t>）</a:t>
+            </a:r>
+            <a:endParaRPr lang="zh-CN" altLang="en-US" dirty="0">
+              <a:solidFill>
+                <a:schemeClr val="bg1"/>
+              </a:solidFill>
+            </a:endParaRPr>
+          </a:p>
+        </p:txBody>
+      </p:sp>
+      <p:grpSp>
+        <p:nvGrpSpPr>
+          <p:cNvPr id="10" name="组合 9">
+            <a:extLst>
+              <a:ext uri="{FF2B5EF4-FFF2-40B4-BE49-F238E27FC236}">
+                <a16:creationId xmlns:a16="http://schemas.microsoft.com/office/drawing/2014/main" id="{1E346AB6-94F6-E440-A961-2C3DB93E5D69}"/>
+              </a:ext>
+            </a:extLst>
+          </p:cNvPr>
+          <p:cNvGrpSpPr/>
+          <p:nvPr/>
+        </p:nvGrpSpPr>
+        <p:grpSpPr>
+          <a:xfrm>
+            <a:off x="180985" y="5154034"/>
+            <a:ext cx="5353035" cy="1604167"/>
+            <a:chOff x="6519671" y="1084169"/>
+            <a:chExt cx="5353035" cy="1604167"/>
+          </a:xfrm>
+        </p:grpSpPr>
+        <p:sp>
+          <p:nvSpPr>
+            <p:cNvPr id="13" name="矩形 12">
+              <a:extLst>
+                <a:ext uri="{FF2B5EF4-FFF2-40B4-BE49-F238E27FC236}">
+                  <a16:creationId xmlns:a16="http://schemas.microsoft.com/office/drawing/2014/main" id="{62DEB650-C023-4140-A548-BC3D81DFFC1C}"/>
+                </a:ext>
+              </a:extLst>
+            </p:cNvPr>
+            <p:cNvSpPr/>
+            <p:nvPr/>
+          </p:nvSpPr>
+          <p:spPr>
+            <a:xfrm>
+              <a:off x="6519671" y="1084170"/>
+              <a:ext cx="5353035" cy="1604166"/>
+            </a:xfrm>
+            <a:prstGeom prst="rect">
+              <a:avLst/>
+            </a:prstGeom>
+            <a:solidFill>
+              <a:srgbClr val="FFFF00">
+                <a:alpha val="20000"/>
+              </a:srgbClr>
+            </a:solidFill>
+            <a:ln>
+              <a:noFill/>
+            </a:ln>
+          </p:spPr>
+          <p:style>
+            <a:lnRef idx="2">
+              <a:schemeClr val="accent1">
+                <a:shade val="50000"/>
+              </a:schemeClr>
+            </a:lnRef>
+            <a:fillRef idx="1">
+              <a:schemeClr val="accent1"/>
+            </a:fillRef>
+            <a:effectRef idx="0">
+              <a:schemeClr val="accent1"/>
+            </a:effectRef>
+            <a:fontRef idx="minor">
+              <a:schemeClr val="lt1"/>
+            </a:fontRef>
+          </p:style>
+          <p:txBody>
+            <a:bodyPr rtlCol="0" anchor="ctr"/>
+            <a:lstStyle/>
+            <a:p>
+              <a:pPr algn="ctr"/>
+              <a:endParaRPr kumimoji="1" lang="zh-CN" altLang="en-US" dirty="0"/>
+            </a:p>
+          </p:txBody>
+        </p:sp>
+        <p:sp>
+          <p:nvSpPr>
+            <p:cNvPr id="14" name="矩形 13">
+              <a:extLst>
+                <a:ext uri="{FF2B5EF4-FFF2-40B4-BE49-F238E27FC236}">
+                  <a16:creationId xmlns:a16="http://schemas.microsoft.com/office/drawing/2014/main" id="{27E7BC84-6791-BD4F-A3FF-9DABF43565E4}"/>
+                </a:ext>
+              </a:extLst>
+            </p:cNvPr>
+            <p:cNvSpPr/>
+            <p:nvPr/>
+          </p:nvSpPr>
+          <p:spPr>
+            <a:xfrm>
+              <a:off x="6625393" y="1471134"/>
+              <a:ext cx="2756351" cy="307777"/>
+            </a:xfrm>
+            <a:prstGeom prst="rect">
+              <a:avLst/>
+            </a:prstGeom>
+            <a:solidFill>
+              <a:srgbClr val="0432FF"/>
+            </a:solidFill>
+            <a:effectLst>
+              <a:softEdge rad="31750"/>
+            </a:effectLst>
+          </p:spPr>
+          <p:txBody>
+            <a:bodyPr wrap="square">
+              <a:spAutoFit/>
+            </a:bodyPr>
+            <a:lstStyle/>
+            <a:p>
+              <a:r>
+                <a:rPr lang="zh-CN" altLang="en-US" sz="1400" dirty="0">
+                  <a:solidFill>
+                    <a:schemeClr val="bg1"/>
+                  </a:solidFill>
+                  <a:latin typeface="Times New Roman" panose="02020603050405020304" pitchFamily="18" charset="0"/>
+                  <a:ea typeface="KaiTi_GB2312" panose="02010609030101010101" pitchFamily="49" charset="-122"/>
+                  <a:cs typeface="Times New Roman" panose="02020603050405020304" pitchFamily="18" charset="0"/>
+                </a:rPr>
+                <a:t>蓝色结点表示算法还没看到的数。</a:t>
+              </a:r>
+              <a:endParaRPr lang="en-US" altLang="zh-CN" sz="1400" dirty="0">
+                <a:solidFill>
+                  <a:schemeClr val="bg1"/>
+                </a:solidFill>
+                <a:latin typeface="Times New Roman" panose="02020603050405020304" pitchFamily="18" charset="0"/>
+                <a:ea typeface="KaiTi_GB2312" panose="02010609030101010101" pitchFamily="49" charset="-122"/>
+                <a:cs typeface="Times New Roman" panose="02020603050405020304" pitchFamily="18" charset="0"/>
+              </a:endParaRPr>
+            </a:p>
+          </p:txBody>
+        </p:sp>
+        <p:sp>
+          <p:nvSpPr>
+            <p:cNvPr id="15" name="矩形 14">
+              <a:extLst>
+                <a:ext uri="{FF2B5EF4-FFF2-40B4-BE49-F238E27FC236}">
+                  <a16:creationId xmlns:a16="http://schemas.microsoft.com/office/drawing/2014/main" id="{D901933C-E4A3-0E47-BC3B-CBBE68BCD556}"/>
+                </a:ext>
+              </a:extLst>
+            </p:cNvPr>
+            <p:cNvSpPr/>
+            <p:nvPr/>
+          </p:nvSpPr>
+          <p:spPr>
+            <a:xfrm>
+              <a:off x="6625393" y="1850720"/>
+              <a:ext cx="2756352" cy="307777"/>
+            </a:xfrm>
+            <a:prstGeom prst="rect">
+              <a:avLst/>
+            </a:prstGeom>
+            <a:solidFill>
+              <a:srgbClr val="FF0000"/>
+            </a:solidFill>
+            <a:effectLst>
+              <a:softEdge rad="31750"/>
+            </a:effectLst>
+          </p:spPr>
+          <p:txBody>
+            <a:bodyPr wrap="square">
+              <a:spAutoFit/>
+            </a:bodyPr>
+            <a:lstStyle/>
+            <a:p>
+              <a:r>
+                <a:rPr lang="zh-CN" altLang="en-US" sz="1400" dirty="0">
+                  <a:solidFill>
+                    <a:schemeClr val="bg1"/>
+                  </a:solidFill>
+                  <a:latin typeface="Times New Roman" panose="02020603050405020304" pitchFamily="18" charset="0"/>
+                  <a:ea typeface="KaiTi_GB2312" panose="02010609030101010101" pitchFamily="49" charset="-122"/>
+                  <a:cs typeface="Times New Roman" panose="02020603050405020304" pitchFamily="18" charset="0"/>
+                </a:rPr>
+                <a:t>红色结点表示算法当前看到的数。</a:t>
+              </a:r>
+              <a:endParaRPr lang="en-US" altLang="zh-CN" sz="1400" dirty="0">
+                <a:solidFill>
+                  <a:schemeClr val="bg1"/>
+                </a:solidFill>
+                <a:latin typeface="Times New Roman" panose="02020603050405020304" pitchFamily="18" charset="0"/>
+                <a:ea typeface="KaiTi_GB2312" panose="02010609030101010101" pitchFamily="49" charset="-122"/>
+                <a:cs typeface="Times New Roman" panose="02020603050405020304" pitchFamily="18" charset="0"/>
+              </a:endParaRPr>
+            </a:p>
+          </p:txBody>
+        </p:sp>
+        <p:sp>
+          <p:nvSpPr>
+            <p:cNvPr id="16" name="矩形 15">
+              <a:extLst>
+                <a:ext uri="{FF2B5EF4-FFF2-40B4-BE49-F238E27FC236}">
+                  <a16:creationId xmlns:a16="http://schemas.microsoft.com/office/drawing/2014/main" id="{F0194166-FC2D-6A40-8772-B76B8180DAA4}"/>
+                </a:ext>
+              </a:extLst>
+            </p:cNvPr>
+            <p:cNvSpPr/>
+            <p:nvPr/>
+          </p:nvSpPr>
+          <p:spPr>
+            <a:xfrm>
+              <a:off x="6625392" y="2231453"/>
+              <a:ext cx="5097216" cy="307777"/>
+            </a:xfrm>
+            <a:prstGeom prst="rect">
+              <a:avLst/>
+            </a:prstGeom>
+            <a:solidFill>
+              <a:srgbClr val="FF40FF"/>
+            </a:solidFill>
+            <a:effectLst>
+              <a:softEdge rad="31750"/>
+            </a:effectLst>
+          </p:spPr>
+          <p:txBody>
+            <a:bodyPr wrap="square">
+              <a:spAutoFit/>
+            </a:bodyPr>
+            <a:lstStyle/>
+            <a:p>
+              <a:r>
+                <a:rPr lang="zh-CN" altLang="en-US" sz="1400" dirty="0">
+                  <a:solidFill>
+                    <a:schemeClr val="bg1"/>
+                  </a:solidFill>
+                  <a:latin typeface="Times New Roman" panose="02020603050405020304" pitchFamily="18" charset="0"/>
+                  <a:ea typeface="KaiTi_GB2312" panose="02010609030101010101" pitchFamily="49" charset="-122"/>
+                  <a:cs typeface="Times New Roman" panose="02020603050405020304" pitchFamily="18" charset="0"/>
+                </a:rPr>
+                <a:t>粉色结点表示之前遍历过的数里，</a:t>
+              </a:r>
+              <a:r>
+                <a:rPr lang="zh-CN" altLang="en-US" sz="1400" b="1" dirty="0">
+                  <a:solidFill>
+                    <a:schemeClr val="bg1"/>
+                  </a:solidFill>
+                  <a:latin typeface="Times New Roman" panose="02020603050405020304" pitchFamily="18" charset="0"/>
+                  <a:ea typeface="KaiTi_GB2312" panose="02010609030101010101" pitchFamily="49" charset="-122"/>
+                  <a:cs typeface="Times New Roman" panose="02020603050405020304" pitchFamily="18" charset="0"/>
+                </a:rPr>
+                <a:t>严格</a:t>
+              </a:r>
+              <a:r>
+                <a:rPr lang="zh-CN" altLang="en-US" sz="1400" dirty="0">
+                  <a:solidFill>
+                    <a:schemeClr val="bg1"/>
+                  </a:solidFill>
+                  <a:latin typeface="Times New Roman" panose="02020603050405020304" pitchFamily="18" charset="0"/>
+                  <a:ea typeface="KaiTi_GB2312" panose="02010609030101010101" pitchFamily="49" charset="-122"/>
+                  <a:cs typeface="Times New Roman" panose="02020603050405020304" pitchFamily="18" charset="0"/>
+                </a:rPr>
+                <a:t>小于当前遍历看到的数。</a:t>
+              </a:r>
+              <a:endParaRPr lang="en-US" altLang="zh-CN" sz="1400" dirty="0">
+                <a:solidFill>
+                  <a:schemeClr val="bg1"/>
+                </a:solidFill>
+                <a:latin typeface="Times New Roman" panose="02020603050405020304" pitchFamily="18" charset="0"/>
+                <a:ea typeface="KaiTi_GB2312" panose="02010609030101010101" pitchFamily="49" charset="-122"/>
+                <a:cs typeface="Times New Roman" panose="02020603050405020304" pitchFamily="18" charset="0"/>
+              </a:endParaRPr>
+            </a:p>
+          </p:txBody>
+        </p:sp>
+        <p:sp>
+          <p:nvSpPr>
+            <p:cNvPr id="17" name="矩形 16">
+              <a:extLst>
+                <a:ext uri="{FF2B5EF4-FFF2-40B4-BE49-F238E27FC236}">
+                  <a16:creationId xmlns:a16="http://schemas.microsoft.com/office/drawing/2014/main" id="{D93CB19C-C3F5-C54B-8DE4-C49CEC37B6CE}"/>
+                </a:ext>
+              </a:extLst>
+            </p:cNvPr>
+            <p:cNvSpPr/>
+            <p:nvPr/>
+          </p:nvSpPr>
+          <p:spPr>
+            <a:xfrm>
+              <a:off x="6625392" y="1084169"/>
+              <a:ext cx="790598" cy="338554"/>
+            </a:xfrm>
+            <a:prstGeom prst="rect">
+              <a:avLst/>
+            </a:prstGeom>
+          </p:spPr>
+          <p:txBody>
+            <a:bodyPr wrap="square">
+              <a:spAutoFit/>
+            </a:bodyPr>
+            <a:lstStyle/>
+            <a:p>
+              <a:r>
+                <a:rPr lang="zh-CN" altLang="en-US" sz="1600" dirty="0">
+                  <a:latin typeface="Times New Roman" charset="0"/>
+                  <a:ea typeface="楷体" charset="-122"/>
+                  <a:cs typeface="Times New Roman" charset="0"/>
+                </a:rPr>
+                <a:t>图例：</a:t>
+              </a:r>
+            </a:p>
+          </p:txBody>
+        </p:sp>
+      </p:grpSp>
+      <p:sp>
+        <p:nvSpPr>
+          <p:cNvPr id="18" name="矩形 17">
+            <a:extLst>
+              <a:ext uri="{FF2B5EF4-FFF2-40B4-BE49-F238E27FC236}">
+                <a16:creationId xmlns:a16="http://schemas.microsoft.com/office/drawing/2014/main" id="{EE924920-D2E5-BB41-8BB6-DBE3FCE863CF}"/>
+              </a:ext>
+            </a:extLst>
+          </p:cNvPr>
+          <p:cNvSpPr/>
+          <p:nvPr/>
+        </p:nvSpPr>
+        <p:spPr>
+          <a:xfrm>
+            <a:off x="808474" y="1370591"/>
+            <a:ext cx="9451093" cy="1015663"/>
           </a:xfrm>
           <a:prstGeom prst="rect">
             <a:avLst/>
@@ -812,7 +1208,47 @@
                 <a:ea typeface="KaiTi_GB2312" panose="02010609030101010101" pitchFamily="49" charset="-122"/>
                 <a:cs typeface="Times New Roman" panose="02020603050405020304" pitchFamily="18" charset="0"/>
               </a:rPr>
-              <a:t>状态：以 </a:t>
+              <a:t>状态 </a:t>
+            </a:r>
+            <a:r>
+              <a:rPr lang="en-US" altLang="zh-CN" sz="2000" dirty="0" err="1">
+                <a:latin typeface="Times New Roman" panose="02020603050405020304" pitchFamily="18" charset="0"/>
+                <a:ea typeface="KaiTi_GB2312" panose="02010609030101010101" pitchFamily="49" charset="-122"/>
+                <a:cs typeface="Times New Roman" panose="02020603050405020304" pitchFamily="18" charset="0"/>
+              </a:rPr>
+              <a:t>dp</a:t>
+            </a:r>
+            <a:r>
+              <a:rPr lang="en-US" altLang="zh-CN" sz="2000" dirty="0">
+                <a:latin typeface="Times New Roman" panose="02020603050405020304" pitchFamily="18" charset="0"/>
+                <a:ea typeface="KaiTi_GB2312" panose="02010609030101010101" pitchFamily="49" charset="-122"/>
+                <a:cs typeface="Times New Roman" panose="02020603050405020304" pitchFamily="18" charset="0"/>
+              </a:rPr>
+              <a:t>[</a:t>
+            </a:r>
+            <a:r>
+              <a:rPr lang="en-US" altLang="zh-CN" sz="2000" dirty="0" err="1">
+                <a:latin typeface="Times New Roman" panose="02020603050405020304" pitchFamily="18" charset="0"/>
+                <a:ea typeface="KaiTi_GB2312" panose="02010609030101010101" pitchFamily="49" charset="-122"/>
+                <a:cs typeface="Times New Roman" panose="02020603050405020304" pitchFamily="18" charset="0"/>
+              </a:rPr>
+              <a:t>i</a:t>
+            </a:r>
+            <a:r>
+              <a:rPr lang="en-US" altLang="zh-CN" sz="2000" dirty="0">
+                <a:latin typeface="Times New Roman" panose="02020603050405020304" pitchFamily="18" charset="0"/>
+                <a:ea typeface="KaiTi_GB2312" panose="02010609030101010101" pitchFamily="49" charset="-122"/>
+                <a:cs typeface="Times New Roman" panose="02020603050405020304" pitchFamily="18" charset="0"/>
+              </a:rPr>
+              <a:t>]</a:t>
+            </a:r>
+            <a:r>
+              <a:rPr lang="zh-CN" altLang="en-US" sz="2000" dirty="0">
+                <a:latin typeface="Times New Roman" panose="02020603050405020304" pitchFamily="18" charset="0"/>
+                <a:ea typeface="KaiTi_GB2312" panose="02010609030101010101" pitchFamily="49" charset="-122"/>
+                <a:cs typeface="Times New Roman" panose="02020603050405020304" pitchFamily="18" charset="0"/>
+              </a:rPr>
+              <a:t>：以 </a:t>
             </a:r>
             <a:r>
               <a:rPr lang="en-US" altLang="zh-CN" sz="2000" dirty="0" err="1">
@@ -879,14 +1315,180 @@
               <a:cs typeface="Times New Roman" panose="02020603050405020304" pitchFamily="18" charset="0"/>
             </a:endParaRPr>
           </a:p>
+          <a:p>
+            <a:endParaRPr lang="en-US" altLang="zh-CN" sz="2000" dirty="0">
+              <a:latin typeface="Times New Roman" panose="02020603050405020304" pitchFamily="18" charset="0"/>
+              <a:ea typeface="KaiTi_GB2312" panose="02010609030101010101" pitchFamily="49" charset="-122"/>
+              <a:cs typeface="Times New Roman" panose="02020603050405020304" pitchFamily="18" charset="0"/>
+            </a:endParaRPr>
+          </a:p>
+          <a:p>
+            <a:r>
+              <a:rPr lang="zh-CN" altLang="en-US" sz="2000" dirty="0">
+                <a:latin typeface="Times New Roman" panose="02020603050405020304" pitchFamily="18" charset="0"/>
+                <a:ea typeface="KaiTi_GB2312" panose="02010609030101010101" pitchFamily="49" charset="-122"/>
+                <a:cs typeface="Times New Roman" panose="02020603050405020304" pitchFamily="18" charset="0"/>
+              </a:rPr>
+              <a:t>状态转移方程：</a:t>
+            </a:r>
+            <a:r>
+              <a:rPr lang="en-US" altLang="zh-CN" dirty="0" err="1">
+                <a:latin typeface="Consolas" panose="020B0609020204030204" pitchFamily="49" charset="0"/>
+                <a:cs typeface="Consolas" panose="020B0609020204030204" pitchFamily="49" charset="0"/>
+              </a:rPr>
+              <a:t>dp</a:t>
+            </a:r>
+            <a:r>
+              <a:rPr lang="en-US" altLang="zh-CN" dirty="0">
+                <a:latin typeface="Consolas" panose="020B0609020204030204" pitchFamily="49" charset="0"/>
+                <a:cs typeface="Consolas" panose="020B0609020204030204" pitchFamily="49" charset="0"/>
+              </a:rPr>
+              <a:t>[</a:t>
+            </a:r>
+            <a:r>
+              <a:rPr lang="en-US" altLang="zh-CN" dirty="0" err="1">
+                <a:latin typeface="Consolas" panose="020B0609020204030204" pitchFamily="49" charset="0"/>
+                <a:cs typeface="Consolas" panose="020B0609020204030204" pitchFamily="49" charset="0"/>
+              </a:rPr>
+              <a:t>i</a:t>
+            </a:r>
+            <a:r>
+              <a:rPr lang="en-US" altLang="zh-CN" dirty="0">
+                <a:latin typeface="Consolas" panose="020B0609020204030204" pitchFamily="49" charset="0"/>
+                <a:cs typeface="Consolas" panose="020B0609020204030204" pitchFamily="49" charset="0"/>
+              </a:rPr>
+              <a:t>] = </a:t>
+            </a:r>
+            <a:r>
+              <a:rPr lang="en-US" altLang="zh-CN" dirty="0">
+                <a:solidFill>
+                  <a:srgbClr val="FF40FF"/>
+                </a:solidFill>
+                <a:latin typeface="Consolas" panose="020B0609020204030204" pitchFamily="49" charset="0"/>
+                <a:cs typeface="Consolas" panose="020B0609020204030204" pitchFamily="49" charset="0"/>
+              </a:rPr>
+              <a:t>max</a:t>
+            </a:r>
+            <a:r>
+              <a:rPr lang="en-US" altLang="zh-CN" dirty="0">
+                <a:latin typeface="Consolas" panose="020B0609020204030204" pitchFamily="49" charset="0"/>
+                <a:cs typeface="Consolas" panose="020B0609020204030204" pitchFamily="49" charset="0"/>
+              </a:rPr>
+              <a:t>{1 + </a:t>
+            </a:r>
+            <a:r>
+              <a:rPr lang="en-US" altLang="zh-CN" dirty="0" err="1">
+                <a:latin typeface="Consolas" panose="020B0609020204030204" pitchFamily="49" charset="0"/>
+                <a:cs typeface="Consolas" panose="020B0609020204030204" pitchFamily="49" charset="0"/>
+              </a:rPr>
+              <a:t>dp</a:t>
+            </a:r>
+            <a:r>
+              <a:rPr lang="en-US" altLang="zh-CN" dirty="0">
+                <a:latin typeface="Consolas" panose="020B0609020204030204" pitchFamily="49" charset="0"/>
+                <a:cs typeface="Consolas" panose="020B0609020204030204" pitchFamily="49" charset="0"/>
+              </a:rPr>
+              <a:t>[j] </a:t>
+            </a:r>
+            <a:r>
+              <a:rPr lang="en-US" altLang="zh-CN" dirty="0">
+                <a:solidFill>
+                  <a:srgbClr val="FF40FF"/>
+                </a:solidFill>
+                <a:latin typeface="Consolas" panose="020B0609020204030204" pitchFamily="49" charset="0"/>
+                <a:cs typeface="Consolas" panose="020B0609020204030204" pitchFamily="49" charset="0"/>
+              </a:rPr>
+              <a:t>for</a:t>
+            </a:r>
+            <a:r>
+              <a:rPr lang="en-US" altLang="zh-CN" dirty="0">
+                <a:latin typeface="Consolas" panose="020B0609020204030204" pitchFamily="49" charset="0"/>
+                <a:cs typeface="Consolas" panose="020B0609020204030204" pitchFamily="49" charset="0"/>
+              </a:rPr>
+              <a:t> j &lt; </a:t>
+            </a:r>
+            <a:r>
+              <a:rPr lang="en-US" altLang="zh-CN" dirty="0" err="1">
+                <a:latin typeface="Consolas" panose="020B0609020204030204" pitchFamily="49" charset="0"/>
+                <a:cs typeface="Consolas" panose="020B0609020204030204" pitchFamily="49" charset="0"/>
+              </a:rPr>
+              <a:t>i</a:t>
+            </a:r>
+            <a:r>
+              <a:rPr lang="en-US" altLang="zh-CN" dirty="0">
+                <a:latin typeface="Consolas" panose="020B0609020204030204" pitchFamily="49" charset="0"/>
+                <a:cs typeface="Consolas" panose="020B0609020204030204" pitchFamily="49" charset="0"/>
+              </a:rPr>
+              <a:t> </a:t>
+            </a:r>
+            <a:r>
+              <a:rPr lang="en-US" altLang="zh-CN" dirty="0">
+                <a:solidFill>
+                  <a:srgbClr val="FF40FF"/>
+                </a:solidFill>
+                <a:latin typeface="Consolas" panose="020B0609020204030204" pitchFamily="49" charset="0"/>
+                <a:cs typeface="Consolas" panose="020B0609020204030204" pitchFamily="49" charset="0"/>
+              </a:rPr>
+              <a:t>if</a:t>
+            </a:r>
+            <a:r>
+              <a:rPr lang="en-US" altLang="zh-CN" dirty="0">
+                <a:latin typeface="Consolas" panose="020B0609020204030204" pitchFamily="49" charset="0"/>
+                <a:cs typeface="Consolas" panose="020B0609020204030204" pitchFamily="49" charset="0"/>
+              </a:rPr>
+              <a:t> </a:t>
+            </a:r>
+            <a:r>
+              <a:rPr lang="en-US" altLang="zh-CN" dirty="0" err="1">
+                <a:latin typeface="Consolas" panose="020B0609020204030204" pitchFamily="49" charset="0"/>
+                <a:cs typeface="Consolas" panose="020B0609020204030204" pitchFamily="49" charset="0"/>
+              </a:rPr>
+              <a:t>nums</a:t>
+            </a:r>
+            <a:r>
+              <a:rPr lang="en-US" altLang="zh-CN" dirty="0">
+                <a:latin typeface="Consolas" panose="020B0609020204030204" pitchFamily="49" charset="0"/>
+                <a:cs typeface="Consolas" panose="020B0609020204030204" pitchFamily="49" charset="0"/>
+              </a:rPr>
+              <a:t>[j] &lt; </a:t>
+            </a:r>
+            <a:r>
+              <a:rPr lang="en-US" altLang="zh-CN" dirty="0" err="1">
+                <a:latin typeface="Consolas" panose="020B0609020204030204" pitchFamily="49" charset="0"/>
+                <a:cs typeface="Consolas" panose="020B0609020204030204" pitchFamily="49" charset="0"/>
+              </a:rPr>
+              <a:t>nums</a:t>
+            </a:r>
+            <a:r>
+              <a:rPr lang="en-US" altLang="zh-CN" dirty="0">
+                <a:latin typeface="Consolas" panose="020B0609020204030204" pitchFamily="49" charset="0"/>
+                <a:cs typeface="Consolas" panose="020B0609020204030204" pitchFamily="49" charset="0"/>
+              </a:rPr>
+              <a:t>[</a:t>
+            </a:r>
+            <a:r>
+              <a:rPr lang="en-US" altLang="zh-CN" dirty="0" err="1">
+                <a:latin typeface="Consolas" panose="020B0609020204030204" pitchFamily="49" charset="0"/>
+                <a:cs typeface="Consolas" panose="020B0609020204030204" pitchFamily="49" charset="0"/>
+              </a:rPr>
+              <a:t>i</a:t>
+            </a:r>
+            <a:r>
+              <a:rPr lang="en-US" altLang="zh-CN" dirty="0">
+                <a:latin typeface="Consolas" panose="020B0609020204030204" pitchFamily="49" charset="0"/>
+                <a:cs typeface="Consolas" panose="020B0609020204030204" pitchFamily="49" charset="0"/>
+              </a:rPr>
+              <a:t>]}</a:t>
+            </a:r>
+          </a:p>
         </p:txBody>
       </p:sp>
       <p:sp>
         <p:nvSpPr>
-          <p:cNvPr id="7" name="文本框 6">
+          <p:cNvPr id="19" name="文本框 18">
             <a:extLst>
               <a:ext uri="{FF2B5EF4-FFF2-40B4-BE49-F238E27FC236}">
-                <a16:creationId xmlns:a16="http://schemas.microsoft.com/office/drawing/2014/main" id="{BB3D7342-0C24-B146-8647-8DB888D0C532}"/>
+                <a16:creationId xmlns:a16="http://schemas.microsoft.com/office/drawing/2014/main" id="{20BA352A-CEA1-AE40-8B92-093136878940}"/>
               </a:ext>
             </a:extLst>
           </p:cNvPr>
@@ -895,8 +1497,8 @@
         </p:nvSpPr>
         <p:spPr>
           <a:xfrm flipH="1">
-            <a:off x="808475" y="804715"/>
-            <a:ext cx="3050881" cy="461665"/>
+            <a:off x="808474" y="835492"/>
+            <a:ext cx="2472607" cy="400110"/>
           </a:xfrm>
           <a:prstGeom prst="rect">
             <a:avLst/>
@@ -926,7 +1528,7 @@
               <a:buChar char="Ø"/>
             </a:pPr>
             <a:r>
-              <a:rPr kumimoji="1" lang="zh-CN" altLang="en-US" sz="2400" b="1" dirty="0">
+              <a:rPr kumimoji="1" lang="zh-CN" altLang="en-US" sz="2000" b="1" dirty="0">
                 <a:solidFill>
                   <a:schemeClr val="bg1"/>
                 </a:solidFill>
@@ -936,102 +1538,6 @@
               </a:rPr>
               <a:t>思想：动态规划。</a:t>
             </a:r>
-          </a:p>
-        </p:txBody>
-      </p:sp>
-      <p:sp>
-        <p:nvSpPr>
-          <p:cNvPr id="8" name="矩形 7">
-            <a:extLst>
-              <a:ext uri="{FF2B5EF4-FFF2-40B4-BE49-F238E27FC236}">
-                <a16:creationId xmlns:a16="http://schemas.microsoft.com/office/drawing/2014/main" id="{65A036AC-A198-5A4E-9E7F-BA8BFA4318D1}"/>
-              </a:ext>
-            </a:extLst>
-          </p:cNvPr>
-          <p:cNvSpPr/>
-          <p:nvPr/>
-        </p:nvSpPr>
-        <p:spPr>
-          <a:xfrm>
-            <a:off x="2161880" y="92573"/>
-            <a:ext cx="6494085" cy="461665"/>
-          </a:xfrm>
-          <a:prstGeom prst="rect">
-            <a:avLst/>
-          </a:prstGeom>
-        </p:spPr>
-        <p:txBody>
-          <a:bodyPr wrap="none">
-            <a:spAutoFit/>
-          </a:bodyPr>
-          <a:lstStyle/>
-          <a:p>
-            <a:r>
-              <a:rPr kumimoji="1" lang="zh-CN" altLang="en-US" sz="2400" dirty="0">
-                <a:solidFill>
-                  <a:schemeClr val="bg1"/>
-                </a:solidFill>
-                <a:latin typeface="Times New Roman" charset="0"/>
-                <a:ea typeface="黑体" charset="-122"/>
-              </a:rPr>
-              <a:t>第 </a:t>
-            </a:r>
-            <a:r>
-              <a:rPr kumimoji="1" lang="en-US" altLang="zh-CN" sz="2400" dirty="0">
-                <a:solidFill>
-                  <a:schemeClr val="bg1"/>
-                </a:solidFill>
-                <a:latin typeface="Times New Roman" charset="0"/>
-                <a:ea typeface="黑体" charset="-122"/>
-              </a:rPr>
-              <a:t>300</a:t>
-            </a:r>
-            <a:r>
-              <a:rPr kumimoji="1" lang="zh-CN" altLang="en-US" sz="2400" dirty="0">
-                <a:solidFill>
-                  <a:schemeClr val="bg1"/>
-                </a:solidFill>
-                <a:latin typeface="Times New Roman" charset="0"/>
-                <a:ea typeface="黑体" charset="-122"/>
-              </a:rPr>
-              <a:t> 题</a:t>
-            </a:r>
-            <a:r>
-              <a:rPr kumimoji="1" lang="zh-CN" altLang="en-US" sz="2400" dirty="0">
-                <a:solidFill>
-                  <a:schemeClr val="bg1"/>
-                </a:solidFill>
-                <a:latin typeface="KaiTi" panose="02010609060101010101" pitchFamily="49" charset="-122"/>
-                <a:ea typeface="KaiTi" panose="02010609060101010101" pitchFamily="49" charset="-122"/>
-              </a:rPr>
-              <a:t>：“最长上升子序列”题解配图（</a:t>
-            </a:r>
-            <a:r>
-              <a:rPr kumimoji="1" lang="en-US" altLang="zh-CN" sz="2400" dirty="0">
-                <a:solidFill>
-                  <a:schemeClr val="bg1"/>
-                </a:solidFill>
-                <a:latin typeface="Times New Roman" panose="02020603050405020304" pitchFamily="18" charset="0"/>
-                <a:ea typeface="KaiTi" panose="02010609060101010101" pitchFamily="49" charset="-122"/>
-                <a:cs typeface="Times New Roman" panose="02020603050405020304" pitchFamily="18" charset="0"/>
-              </a:rPr>
-              <a:t>1</a:t>
-            </a:r>
-            <a:r>
-              <a:rPr kumimoji="1" lang="zh-CN" altLang="en-US" sz="2400" dirty="0">
-                <a:solidFill>
-                  <a:schemeClr val="bg1"/>
-                </a:solidFill>
-                <a:latin typeface="KaiTi" panose="02010609060101010101" pitchFamily="49" charset="-122"/>
-                <a:ea typeface="KaiTi" panose="02010609060101010101" pitchFamily="49" charset="-122"/>
-              </a:rPr>
-              <a:t>）</a:t>
-            </a:r>
-            <a:endParaRPr lang="zh-CN" altLang="en-US" dirty="0">
-              <a:solidFill>
-                <a:schemeClr val="bg1"/>
-              </a:solidFill>
-            </a:endParaRPr>
           </a:p>
         </p:txBody>
       </p:sp>
@@ -1065,76 +1571,6 @@
           <a:chExt cx="0" cy="0"/>
         </a:xfrm>
       </p:grpSpPr>
-      <p:sp>
-        <p:nvSpPr>
-          <p:cNvPr id="8" name="矩形 7">
-            <a:extLst>
-              <a:ext uri="{FF2B5EF4-FFF2-40B4-BE49-F238E27FC236}">
-                <a16:creationId xmlns:a16="http://schemas.microsoft.com/office/drawing/2014/main" id="{50C958EE-4211-6C46-916B-94AB9B3B8134}"/>
-              </a:ext>
-            </a:extLst>
-          </p:cNvPr>
-          <p:cNvSpPr/>
-          <p:nvPr/>
-        </p:nvSpPr>
-        <p:spPr>
-          <a:xfrm>
-            <a:off x="2356189" y="4956157"/>
-            <a:ext cx="8045792" cy="400110"/>
-          </a:xfrm>
-          <a:prstGeom prst="rect">
-            <a:avLst/>
-          </a:prstGeom>
-        </p:spPr>
-        <p:txBody>
-          <a:bodyPr wrap="none">
-            <a:spAutoFit/>
-          </a:bodyPr>
-          <a:lstStyle/>
-          <a:p>
-            <a:r>
-              <a:rPr lang="zh-CN" altLang="en-US" sz="2000" dirty="0">
-                <a:latin typeface="Times New Roman" panose="02020603050405020304" pitchFamily="18" charset="0"/>
-                <a:ea typeface="KaiTi_GB2312" panose="02010609030101010101" pitchFamily="49" charset="-122"/>
-                <a:cs typeface="Times New Roman" panose="02020603050405020304" pitchFamily="18" charset="0"/>
-              </a:rPr>
-              <a:t>以 </a:t>
-            </a:r>
-            <a:r>
-              <a:rPr lang="en-US" altLang="zh-CN" sz="2000" dirty="0">
-                <a:latin typeface="Times New Roman" panose="02020603050405020304" pitchFamily="18" charset="0"/>
-                <a:ea typeface="KaiTi_GB2312" panose="02010609030101010101" pitchFamily="49" charset="-122"/>
-                <a:cs typeface="Times New Roman" panose="02020603050405020304" pitchFamily="18" charset="0"/>
-              </a:rPr>
-              <a:t>9</a:t>
-            </a:r>
-            <a:r>
-              <a:rPr lang="zh-CN" altLang="en-US" sz="2000" dirty="0">
-                <a:latin typeface="Times New Roman" panose="02020603050405020304" pitchFamily="18" charset="0"/>
-                <a:ea typeface="KaiTi_GB2312" panose="02010609030101010101" pitchFamily="49" charset="-122"/>
-                <a:cs typeface="Times New Roman" panose="02020603050405020304" pitchFamily="18" charset="0"/>
-              </a:rPr>
-              <a:t> 结尾的“上升子序列”的元素就只有它自己，因此这一位填 </a:t>
-            </a:r>
-            <a:r>
-              <a:rPr lang="en-US" altLang="zh-CN" sz="2000" dirty="0">
-                <a:latin typeface="Times New Roman" panose="02020603050405020304" pitchFamily="18" charset="0"/>
-                <a:ea typeface="KaiTi_GB2312" panose="02010609030101010101" pitchFamily="49" charset="-122"/>
-                <a:cs typeface="Times New Roman" panose="02020603050405020304" pitchFamily="18" charset="0"/>
-              </a:rPr>
-              <a:t>1</a:t>
-            </a:r>
-            <a:r>
-              <a:rPr lang="zh-CN" altLang="en-US" sz="2000" dirty="0">
-                <a:latin typeface="Times New Roman" panose="02020603050405020304" pitchFamily="18" charset="0"/>
-                <a:ea typeface="KaiTi_GB2312" panose="02010609030101010101" pitchFamily="49" charset="-122"/>
-                <a:cs typeface="Times New Roman" panose="02020603050405020304" pitchFamily="18" charset="0"/>
-              </a:rPr>
-              <a:t>。</a:t>
-            </a:r>
-          </a:p>
-        </p:txBody>
-      </p:sp>
       <p:pic>
         <p:nvPicPr>
           <p:cNvPr id="9" name="图片 8">
@@ -1291,12 +1727,312 @@
           </a:p>
         </p:txBody>
       </p:sp>
+      <p:grpSp>
+        <p:nvGrpSpPr>
+          <p:cNvPr id="2" name="组合 1">
+            <a:extLst>
+              <a:ext uri="{FF2B5EF4-FFF2-40B4-BE49-F238E27FC236}">
+                <a16:creationId xmlns:a16="http://schemas.microsoft.com/office/drawing/2014/main" id="{70F5F9C8-13A1-D845-BFEF-E3EB5FFA5A56}"/>
+              </a:ext>
+            </a:extLst>
+          </p:cNvPr>
+          <p:cNvGrpSpPr/>
+          <p:nvPr/>
+        </p:nvGrpSpPr>
+        <p:grpSpPr>
+          <a:xfrm>
+            <a:off x="180985" y="5154034"/>
+            <a:ext cx="5353035" cy="1604167"/>
+            <a:chOff x="6519671" y="1084169"/>
+            <a:chExt cx="5353035" cy="1604167"/>
+          </a:xfrm>
+        </p:grpSpPr>
+        <p:sp>
+          <p:nvSpPr>
+            <p:cNvPr id="17" name="矩形 16">
+              <a:extLst>
+                <a:ext uri="{FF2B5EF4-FFF2-40B4-BE49-F238E27FC236}">
+                  <a16:creationId xmlns:a16="http://schemas.microsoft.com/office/drawing/2014/main" id="{A5A31F90-B2F1-FD47-9631-D5414D257C27}"/>
+                </a:ext>
+              </a:extLst>
+            </p:cNvPr>
+            <p:cNvSpPr/>
+            <p:nvPr/>
+          </p:nvSpPr>
+          <p:spPr>
+            <a:xfrm>
+              <a:off x="6519671" y="1084170"/>
+              <a:ext cx="5353035" cy="1604166"/>
+            </a:xfrm>
+            <a:prstGeom prst="rect">
+              <a:avLst/>
+            </a:prstGeom>
+            <a:solidFill>
+              <a:srgbClr val="FFFF00">
+                <a:alpha val="20000"/>
+              </a:srgbClr>
+            </a:solidFill>
+            <a:ln>
+              <a:noFill/>
+            </a:ln>
+          </p:spPr>
+          <p:style>
+            <a:lnRef idx="2">
+              <a:schemeClr val="accent1">
+                <a:shade val="50000"/>
+              </a:schemeClr>
+            </a:lnRef>
+            <a:fillRef idx="1">
+              <a:schemeClr val="accent1"/>
+            </a:fillRef>
+            <a:effectRef idx="0">
+              <a:schemeClr val="accent1"/>
+            </a:effectRef>
+            <a:fontRef idx="minor">
+              <a:schemeClr val="lt1"/>
+            </a:fontRef>
+          </p:style>
+          <p:txBody>
+            <a:bodyPr rtlCol="0" anchor="ctr"/>
+            <a:lstStyle/>
+            <a:p>
+              <a:pPr algn="ctr"/>
+              <a:endParaRPr kumimoji="1" lang="zh-CN" altLang="en-US" dirty="0"/>
+            </a:p>
+          </p:txBody>
+        </p:sp>
+        <p:sp>
+          <p:nvSpPr>
+            <p:cNvPr id="18" name="矩形 17">
+              <a:extLst>
+                <a:ext uri="{FF2B5EF4-FFF2-40B4-BE49-F238E27FC236}">
+                  <a16:creationId xmlns:a16="http://schemas.microsoft.com/office/drawing/2014/main" id="{C23DB8C9-80AC-2644-999D-3F39450DD4A3}"/>
+                </a:ext>
+              </a:extLst>
+            </p:cNvPr>
+            <p:cNvSpPr/>
+            <p:nvPr/>
+          </p:nvSpPr>
+          <p:spPr>
+            <a:xfrm>
+              <a:off x="6625393" y="1471134"/>
+              <a:ext cx="2756351" cy="307777"/>
+            </a:xfrm>
+            <a:prstGeom prst="rect">
+              <a:avLst/>
+            </a:prstGeom>
+            <a:solidFill>
+              <a:srgbClr val="0432FF"/>
+            </a:solidFill>
+            <a:effectLst>
+              <a:softEdge rad="31750"/>
+            </a:effectLst>
+          </p:spPr>
+          <p:txBody>
+            <a:bodyPr wrap="square">
+              <a:spAutoFit/>
+            </a:bodyPr>
+            <a:lstStyle/>
+            <a:p>
+              <a:r>
+                <a:rPr lang="zh-CN" altLang="en-US" sz="1400" dirty="0">
+                  <a:solidFill>
+                    <a:schemeClr val="bg1"/>
+                  </a:solidFill>
+                  <a:latin typeface="Times New Roman" panose="02020603050405020304" pitchFamily="18" charset="0"/>
+                  <a:ea typeface="KaiTi_GB2312" panose="02010609030101010101" pitchFamily="49" charset="-122"/>
+                  <a:cs typeface="Times New Roman" panose="02020603050405020304" pitchFamily="18" charset="0"/>
+                </a:rPr>
+                <a:t>蓝色结点表示算法还没看到的数。</a:t>
+              </a:r>
+              <a:endParaRPr lang="en-US" altLang="zh-CN" sz="1400" dirty="0">
+                <a:solidFill>
+                  <a:schemeClr val="bg1"/>
+                </a:solidFill>
+                <a:latin typeface="Times New Roman" panose="02020603050405020304" pitchFamily="18" charset="0"/>
+                <a:ea typeface="KaiTi_GB2312" panose="02010609030101010101" pitchFamily="49" charset="-122"/>
+                <a:cs typeface="Times New Roman" panose="02020603050405020304" pitchFamily="18" charset="0"/>
+              </a:endParaRPr>
+            </a:p>
+          </p:txBody>
+        </p:sp>
+        <p:sp>
+          <p:nvSpPr>
+            <p:cNvPr id="19" name="矩形 18">
+              <a:extLst>
+                <a:ext uri="{FF2B5EF4-FFF2-40B4-BE49-F238E27FC236}">
+                  <a16:creationId xmlns:a16="http://schemas.microsoft.com/office/drawing/2014/main" id="{2895D12B-53D8-1947-B17E-E7040ACFF61D}"/>
+                </a:ext>
+              </a:extLst>
+            </p:cNvPr>
+            <p:cNvSpPr/>
+            <p:nvPr/>
+          </p:nvSpPr>
+          <p:spPr>
+            <a:xfrm>
+              <a:off x="6625393" y="1850720"/>
+              <a:ext cx="2756352" cy="307777"/>
+            </a:xfrm>
+            <a:prstGeom prst="rect">
+              <a:avLst/>
+            </a:prstGeom>
+            <a:solidFill>
+              <a:srgbClr val="FF0000"/>
+            </a:solidFill>
+            <a:effectLst>
+              <a:softEdge rad="31750"/>
+            </a:effectLst>
+          </p:spPr>
+          <p:txBody>
+            <a:bodyPr wrap="square">
+              <a:spAutoFit/>
+            </a:bodyPr>
+            <a:lstStyle/>
+            <a:p>
+              <a:r>
+                <a:rPr lang="zh-CN" altLang="en-US" sz="1400" dirty="0">
+                  <a:solidFill>
+                    <a:schemeClr val="bg1"/>
+                  </a:solidFill>
+                  <a:latin typeface="Times New Roman" panose="02020603050405020304" pitchFamily="18" charset="0"/>
+                  <a:ea typeface="KaiTi_GB2312" panose="02010609030101010101" pitchFamily="49" charset="-122"/>
+                  <a:cs typeface="Times New Roman" panose="02020603050405020304" pitchFamily="18" charset="0"/>
+                </a:rPr>
+                <a:t>红色结点表示算法当前看到的数。</a:t>
+              </a:r>
+              <a:endParaRPr lang="en-US" altLang="zh-CN" sz="1400" dirty="0">
+                <a:solidFill>
+                  <a:schemeClr val="bg1"/>
+                </a:solidFill>
+                <a:latin typeface="Times New Roman" panose="02020603050405020304" pitchFamily="18" charset="0"/>
+                <a:ea typeface="KaiTi_GB2312" panose="02010609030101010101" pitchFamily="49" charset="-122"/>
+                <a:cs typeface="Times New Roman" panose="02020603050405020304" pitchFamily="18" charset="0"/>
+              </a:endParaRPr>
+            </a:p>
+          </p:txBody>
+        </p:sp>
+        <p:sp>
+          <p:nvSpPr>
+            <p:cNvPr id="20" name="矩形 19">
+              <a:extLst>
+                <a:ext uri="{FF2B5EF4-FFF2-40B4-BE49-F238E27FC236}">
+                  <a16:creationId xmlns:a16="http://schemas.microsoft.com/office/drawing/2014/main" id="{5B74ADDB-B5D7-604D-9394-4057C90A2977}"/>
+                </a:ext>
+              </a:extLst>
+            </p:cNvPr>
+            <p:cNvSpPr/>
+            <p:nvPr/>
+          </p:nvSpPr>
+          <p:spPr>
+            <a:xfrm>
+              <a:off x="6625392" y="2231453"/>
+              <a:ext cx="5097216" cy="307777"/>
+            </a:xfrm>
+            <a:prstGeom prst="rect">
+              <a:avLst/>
+            </a:prstGeom>
+            <a:solidFill>
+              <a:srgbClr val="FF40FF"/>
+            </a:solidFill>
+            <a:effectLst>
+              <a:softEdge rad="31750"/>
+            </a:effectLst>
+          </p:spPr>
+          <p:txBody>
+            <a:bodyPr wrap="square">
+              <a:spAutoFit/>
+            </a:bodyPr>
+            <a:lstStyle/>
+            <a:p>
+              <a:r>
+                <a:rPr lang="zh-CN" altLang="en-US" sz="1400" dirty="0">
+                  <a:solidFill>
+                    <a:schemeClr val="bg1"/>
+                  </a:solidFill>
+                  <a:latin typeface="Times New Roman" panose="02020603050405020304" pitchFamily="18" charset="0"/>
+                  <a:ea typeface="KaiTi_GB2312" panose="02010609030101010101" pitchFamily="49" charset="-122"/>
+                  <a:cs typeface="Times New Roman" panose="02020603050405020304" pitchFamily="18" charset="0"/>
+                </a:rPr>
+                <a:t>粉色结点表示之前遍历过的数里，</a:t>
+              </a:r>
+              <a:r>
+                <a:rPr lang="zh-CN" altLang="en-US" sz="1400" b="1" dirty="0">
+                  <a:solidFill>
+                    <a:schemeClr val="bg1"/>
+                  </a:solidFill>
+                  <a:latin typeface="Times New Roman" panose="02020603050405020304" pitchFamily="18" charset="0"/>
+                  <a:ea typeface="KaiTi_GB2312" panose="02010609030101010101" pitchFamily="49" charset="-122"/>
+                  <a:cs typeface="Times New Roman" panose="02020603050405020304" pitchFamily="18" charset="0"/>
+                </a:rPr>
+                <a:t>严格</a:t>
+              </a:r>
+              <a:r>
+                <a:rPr lang="zh-CN" altLang="en-US" sz="1400" dirty="0">
+                  <a:solidFill>
+                    <a:schemeClr val="bg1"/>
+                  </a:solidFill>
+                  <a:latin typeface="Times New Roman" panose="02020603050405020304" pitchFamily="18" charset="0"/>
+                  <a:ea typeface="KaiTi_GB2312" panose="02010609030101010101" pitchFamily="49" charset="-122"/>
+                  <a:cs typeface="Times New Roman" panose="02020603050405020304" pitchFamily="18" charset="0"/>
+                </a:rPr>
+                <a:t>小于当前遍历看到的数。</a:t>
+              </a:r>
+              <a:endParaRPr lang="en-US" altLang="zh-CN" sz="1400" dirty="0">
+                <a:solidFill>
+                  <a:schemeClr val="bg1"/>
+                </a:solidFill>
+                <a:latin typeface="Times New Roman" panose="02020603050405020304" pitchFamily="18" charset="0"/>
+                <a:ea typeface="KaiTi_GB2312" panose="02010609030101010101" pitchFamily="49" charset="-122"/>
+                <a:cs typeface="Times New Roman" panose="02020603050405020304" pitchFamily="18" charset="0"/>
+              </a:endParaRPr>
+            </a:p>
+          </p:txBody>
+        </p:sp>
+        <p:sp>
+          <p:nvSpPr>
+            <p:cNvPr id="21" name="矩形 20">
+              <a:extLst>
+                <a:ext uri="{FF2B5EF4-FFF2-40B4-BE49-F238E27FC236}">
+                  <a16:creationId xmlns:a16="http://schemas.microsoft.com/office/drawing/2014/main" id="{2AF6F8BB-1AF5-F241-89D0-869807E241AA}"/>
+                </a:ext>
+              </a:extLst>
+            </p:cNvPr>
+            <p:cNvSpPr/>
+            <p:nvPr/>
+          </p:nvSpPr>
+          <p:spPr>
+            <a:xfrm>
+              <a:off x="6625392" y="1084169"/>
+              <a:ext cx="790598" cy="338554"/>
+            </a:xfrm>
+            <a:prstGeom prst="rect">
+              <a:avLst/>
+            </a:prstGeom>
+          </p:spPr>
+          <p:txBody>
+            <a:bodyPr wrap="square">
+              <a:spAutoFit/>
+            </a:bodyPr>
+            <a:lstStyle/>
+            <a:p>
+              <a:r>
+                <a:rPr lang="zh-CN" altLang="en-US" sz="1600" dirty="0">
+                  <a:latin typeface="Times New Roman" charset="0"/>
+                  <a:ea typeface="楷体" charset="-122"/>
+                  <a:cs typeface="Times New Roman" charset="0"/>
+                </a:rPr>
+                <a:t>图例：</a:t>
+              </a:r>
+            </a:p>
+          </p:txBody>
+        </p:sp>
+      </p:grpSp>
       <p:sp>
         <p:nvSpPr>
-          <p:cNvPr id="12" name="矩形 11">
+          <p:cNvPr id="22" name="矩形 21">
             <a:extLst>
               <a:ext uri="{FF2B5EF4-FFF2-40B4-BE49-F238E27FC236}">
-                <a16:creationId xmlns:a16="http://schemas.microsoft.com/office/drawing/2014/main" id="{B713115A-AE56-2C40-9C14-4A5D1E53AFFD}"/>
+                <a16:creationId xmlns:a16="http://schemas.microsoft.com/office/drawing/2014/main" id="{97A77238-ED8C-5447-AA6C-184FC0D15292}"/>
               </a:ext>
             </a:extLst>
           </p:cNvPr>
@@ -1305,8 +2041,8 @@
         </p:nvSpPr>
         <p:spPr>
           <a:xfrm>
-            <a:off x="808475" y="1516857"/>
-            <a:ext cx="8448276" cy="400110"/>
+            <a:off x="808474" y="1370591"/>
+            <a:ext cx="9451093" cy="1015663"/>
           </a:xfrm>
           <a:prstGeom prst="rect">
             <a:avLst/>
@@ -1324,7 +2060,47 @@
                 <a:ea typeface="KaiTi_GB2312" panose="02010609030101010101" pitchFamily="49" charset="-122"/>
                 <a:cs typeface="Times New Roman" panose="02020603050405020304" pitchFamily="18" charset="0"/>
               </a:rPr>
-              <a:t>状态：以 </a:t>
+              <a:t>状态 </a:t>
+            </a:r>
+            <a:r>
+              <a:rPr lang="en-US" altLang="zh-CN" sz="2000" dirty="0" err="1">
+                <a:latin typeface="Times New Roman" panose="02020603050405020304" pitchFamily="18" charset="0"/>
+                <a:ea typeface="KaiTi_GB2312" panose="02010609030101010101" pitchFamily="49" charset="-122"/>
+                <a:cs typeface="Times New Roman" panose="02020603050405020304" pitchFamily="18" charset="0"/>
+              </a:rPr>
+              <a:t>dp</a:t>
+            </a:r>
+            <a:r>
+              <a:rPr lang="en-US" altLang="zh-CN" sz="2000" dirty="0">
+                <a:latin typeface="Times New Roman" panose="02020603050405020304" pitchFamily="18" charset="0"/>
+                <a:ea typeface="KaiTi_GB2312" panose="02010609030101010101" pitchFamily="49" charset="-122"/>
+                <a:cs typeface="Times New Roman" panose="02020603050405020304" pitchFamily="18" charset="0"/>
+              </a:rPr>
+              <a:t>[</a:t>
+            </a:r>
+            <a:r>
+              <a:rPr lang="en-US" altLang="zh-CN" sz="2000" dirty="0" err="1">
+                <a:latin typeface="Times New Roman" panose="02020603050405020304" pitchFamily="18" charset="0"/>
+                <a:ea typeface="KaiTi_GB2312" panose="02010609030101010101" pitchFamily="49" charset="-122"/>
+                <a:cs typeface="Times New Roman" panose="02020603050405020304" pitchFamily="18" charset="0"/>
+              </a:rPr>
+              <a:t>i</a:t>
+            </a:r>
+            <a:r>
+              <a:rPr lang="en-US" altLang="zh-CN" sz="2000" dirty="0">
+                <a:latin typeface="Times New Roman" panose="02020603050405020304" pitchFamily="18" charset="0"/>
+                <a:ea typeface="KaiTi_GB2312" panose="02010609030101010101" pitchFamily="49" charset="-122"/>
+                <a:cs typeface="Times New Roman" panose="02020603050405020304" pitchFamily="18" charset="0"/>
+              </a:rPr>
+              <a:t>]</a:t>
+            </a:r>
+            <a:r>
+              <a:rPr lang="zh-CN" altLang="en-US" sz="2000" dirty="0">
+                <a:latin typeface="Times New Roman" panose="02020603050405020304" pitchFamily="18" charset="0"/>
+                <a:ea typeface="KaiTi_GB2312" panose="02010609030101010101" pitchFamily="49" charset="-122"/>
+                <a:cs typeface="Times New Roman" panose="02020603050405020304" pitchFamily="18" charset="0"/>
+              </a:rPr>
+              <a:t>：以 </a:t>
             </a:r>
             <a:r>
               <a:rPr lang="en-US" altLang="zh-CN" sz="2000" dirty="0" err="1">
@@ -1391,14 +2167,250 @@
               <a:cs typeface="Times New Roman" panose="02020603050405020304" pitchFamily="18" charset="0"/>
             </a:endParaRPr>
           </a:p>
+          <a:p>
+            <a:endParaRPr lang="en-US" altLang="zh-CN" sz="2000" dirty="0">
+              <a:latin typeface="Times New Roman" panose="02020603050405020304" pitchFamily="18" charset="0"/>
+              <a:ea typeface="KaiTi_GB2312" panose="02010609030101010101" pitchFamily="49" charset="-122"/>
+              <a:cs typeface="Times New Roman" panose="02020603050405020304" pitchFamily="18" charset="0"/>
+            </a:endParaRPr>
+          </a:p>
+          <a:p>
+            <a:r>
+              <a:rPr lang="zh-CN" altLang="en-US" sz="2000" dirty="0">
+                <a:latin typeface="Times New Roman" panose="02020603050405020304" pitchFamily="18" charset="0"/>
+                <a:ea typeface="KaiTi_GB2312" panose="02010609030101010101" pitchFamily="49" charset="-122"/>
+                <a:cs typeface="Times New Roman" panose="02020603050405020304" pitchFamily="18" charset="0"/>
+              </a:rPr>
+              <a:t>状态转移方程：</a:t>
+            </a:r>
+            <a:r>
+              <a:rPr lang="en-US" altLang="zh-CN" dirty="0" err="1">
+                <a:latin typeface="Consolas" panose="020B0609020204030204" pitchFamily="49" charset="0"/>
+                <a:cs typeface="Consolas" panose="020B0609020204030204" pitchFamily="49" charset="0"/>
+              </a:rPr>
+              <a:t>dp</a:t>
+            </a:r>
+            <a:r>
+              <a:rPr lang="en-US" altLang="zh-CN" dirty="0">
+                <a:latin typeface="Consolas" panose="020B0609020204030204" pitchFamily="49" charset="0"/>
+                <a:cs typeface="Consolas" panose="020B0609020204030204" pitchFamily="49" charset="0"/>
+              </a:rPr>
+              <a:t>[</a:t>
+            </a:r>
+            <a:r>
+              <a:rPr lang="en-US" altLang="zh-CN" dirty="0" err="1">
+                <a:latin typeface="Consolas" panose="020B0609020204030204" pitchFamily="49" charset="0"/>
+                <a:cs typeface="Consolas" panose="020B0609020204030204" pitchFamily="49" charset="0"/>
+              </a:rPr>
+              <a:t>i</a:t>
+            </a:r>
+            <a:r>
+              <a:rPr lang="en-US" altLang="zh-CN" dirty="0">
+                <a:latin typeface="Consolas" panose="020B0609020204030204" pitchFamily="49" charset="0"/>
+                <a:cs typeface="Consolas" panose="020B0609020204030204" pitchFamily="49" charset="0"/>
+              </a:rPr>
+              <a:t>] = </a:t>
+            </a:r>
+            <a:r>
+              <a:rPr lang="en-US" altLang="zh-CN" dirty="0">
+                <a:solidFill>
+                  <a:srgbClr val="FF40FF"/>
+                </a:solidFill>
+                <a:latin typeface="Consolas" panose="020B0609020204030204" pitchFamily="49" charset="0"/>
+                <a:cs typeface="Consolas" panose="020B0609020204030204" pitchFamily="49" charset="0"/>
+              </a:rPr>
+              <a:t>max</a:t>
+            </a:r>
+            <a:r>
+              <a:rPr lang="en-US" altLang="zh-CN" dirty="0">
+                <a:latin typeface="Consolas" panose="020B0609020204030204" pitchFamily="49" charset="0"/>
+                <a:cs typeface="Consolas" panose="020B0609020204030204" pitchFamily="49" charset="0"/>
+              </a:rPr>
+              <a:t>{1 + </a:t>
+            </a:r>
+            <a:r>
+              <a:rPr lang="en-US" altLang="zh-CN" dirty="0" err="1">
+                <a:latin typeface="Consolas" panose="020B0609020204030204" pitchFamily="49" charset="0"/>
+                <a:cs typeface="Consolas" panose="020B0609020204030204" pitchFamily="49" charset="0"/>
+              </a:rPr>
+              <a:t>dp</a:t>
+            </a:r>
+            <a:r>
+              <a:rPr lang="en-US" altLang="zh-CN" dirty="0">
+                <a:latin typeface="Consolas" panose="020B0609020204030204" pitchFamily="49" charset="0"/>
+                <a:cs typeface="Consolas" panose="020B0609020204030204" pitchFamily="49" charset="0"/>
+              </a:rPr>
+              <a:t>[j] </a:t>
+            </a:r>
+            <a:r>
+              <a:rPr lang="en-US" altLang="zh-CN" dirty="0">
+                <a:solidFill>
+                  <a:srgbClr val="FF40FF"/>
+                </a:solidFill>
+                <a:latin typeface="Consolas" panose="020B0609020204030204" pitchFamily="49" charset="0"/>
+                <a:cs typeface="Consolas" panose="020B0609020204030204" pitchFamily="49" charset="0"/>
+              </a:rPr>
+              <a:t>for</a:t>
+            </a:r>
+            <a:r>
+              <a:rPr lang="en-US" altLang="zh-CN" dirty="0">
+                <a:latin typeface="Consolas" panose="020B0609020204030204" pitchFamily="49" charset="0"/>
+                <a:cs typeface="Consolas" panose="020B0609020204030204" pitchFamily="49" charset="0"/>
+              </a:rPr>
+              <a:t> j &lt; </a:t>
+            </a:r>
+            <a:r>
+              <a:rPr lang="en-US" altLang="zh-CN" dirty="0" err="1">
+                <a:latin typeface="Consolas" panose="020B0609020204030204" pitchFamily="49" charset="0"/>
+                <a:cs typeface="Consolas" panose="020B0609020204030204" pitchFamily="49" charset="0"/>
+              </a:rPr>
+              <a:t>i</a:t>
+            </a:r>
+            <a:r>
+              <a:rPr lang="en-US" altLang="zh-CN" dirty="0">
+                <a:latin typeface="Consolas" panose="020B0609020204030204" pitchFamily="49" charset="0"/>
+                <a:cs typeface="Consolas" panose="020B0609020204030204" pitchFamily="49" charset="0"/>
+              </a:rPr>
+              <a:t> </a:t>
+            </a:r>
+            <a:r>
+              <a:rPr lang="en-US" altLang="zh-CN" dirty="0">
+                <a:solidFill>
+                  <a:srgbClr val="FF40FF"/>
+                </a:solidFill>
+                <a:latin typeface="Consolas" panose="020B0609020204030204" pitchFamily="49" charset="0"/>
+                <a:cs typeface="Consolas" panose="020B0609020204030204" pitchFamily="49" charset="0"/>
+              </a:rPr>
+              <a:t>if</a:t>
+            </a:r>
+            <a:r>
+              <a:rPr lang="en-US" altLang="zh-CN" dirty="0">
+                <a:latin typeface="Consolas" panose="020B0609020204030204" pitchFamily="49" charset="0"/>
+                <a:cs typeface="Consolas" panose="020B0609020204030204" pitchFamily="49" charset="0"/>
+              </a:rPr>
+              <a:t> </a:t>
+            </a:r>
+            <a:r>
+              <a:rPr lang="en-US" altLang="zh-CN" dirty="0" err="1">
+                <a:latin typeface="Consolas" panose="020B0609020204030204" pitchFamily="49" charset="0"/>
+                <a:cs typeface="Consolas" panose="020B0609020204030204" pitchFamily="49" charset="0"/>
+              </a:rPr>
+              <a:t>nums</a:t>
+            </a:r>
+            <a:r>
+              <a:rPr lang="en-US" altLang="zh-CN" dirty="0">
+                <a:latin typeface="Consolas" panose="020B0609020204030204" pitchFamily="49" charset="0"/>
+                <a:cs typeface="Consolas" panose="020B0609020204030204" pitchFamily="49" charset="0"/>
+              </a:rPr>
+              <a:t>[j] &lt; </a:t>
+            </a:r>
+            <a:r>
+              <a:rPr lang="en-US" altLang="zh-CN" dirty="0" err="1">
+                <a:latin typeface="Consolas" panose="020B0609020204030204" pitchFamily="49" charset="0"/>
+                <a:cs typeface="Consolas" panose="020B0609020204030204" pitchFamily="49" charset="0"/>
+              </a:rPr>
+              <a:t>nums</a:t>
+            </a:r>
+            <a:r>
+              <a:rPr lang="en-US" altLang="zh-CN" dirty="0">
+                <a:latin typeface="Consolas" panose="020B0609020204030204" pitchFamily="49" charset="0"/>
+                <a:cs typeface="Consolas" panose="020B0609020204030204" pitchFamily="49" charset="0"/>
+              </a:rPr>
+              <a:t>[</a:t>
+            </a:r>
+            <a:r>
+              <a:rPr lang="en-US" altLang="zh-CN" dirty="0" err="1">
+                <a:latin typeface="Consolas" panose="020B0609020204030204" pitchFamily="49" charset="0"/>
+                <a:cs typeface="Consolas" panose="020B0609020204030204" pitchFamily="49" charset="0"/>
+              </a:rPr>
+              <a:t>i</a:t>
+            </a:r>
+            <a:r>
+              <a:rPr lang="en-US" altLang="zh-CN" dirty="0">
+                <a:latin typeface="Consolas" panose="020B0609020204030204" pitchFamily="49" charset="0"/>
+                <a:cs typeface="Consolas" panose="020B0609020204030204" pitchFamily="49" charset="0"/>
+              </a:rPr>
+              <a:t>]}</a:t>
+            </a:r>
+          </a:p>
         </p:txBody>
       </p:sp>
       <p:sp>
         <p:nvSpPr>
-          <p:cNvPr id="13" name="文本框 12">
+          <p:cNvPr id="8" name="矩形 7">
             <a:extLst>
               <a:ext uri="{FF2B5EF4-FFF2-40B4-BE49-F238E27FC236}">
-                <a16:creationId xmlns:a16="http://schemas.microsoft.com/office/drawing/2014/main" id="{083CB558-2581-4F4E-850E-601E48DD8BC4}"/>
+                <a16:creationId xmlns:a16="http://schemas.microsoft.com/office/drawing/2014/main" id="{50C958EE-4211-6C46-916B-94AB9B3B8134}"/>
+              </a:ext>
+            </a:extLst>
+          </p:cNvPr>
+          <p:cNvSpPr/>
+          <p:nvPr/>
+        </p:nvSpPr>
+        <p:spPr>
+          <a:xfrm>
+            <a:off x="2356189" y="4685564"/>
+            <a:ext cx="8045792" cy="400110"/>
+          </a:xfrm>
+          <a:prstGeom prst="rect">
+            <a:avLst/>
+          </a:prstGeom>
+        </p:spPr>
+        <p:txBody>
+          <a:bodyPr wrap="none">
+            <a:spAutoFit/>
+          </a:bodyPr>
+          <a:lstStyle/>
+          <a:p>
+            <a:r>
+              <a:rPr lang="zh-CN" altLang="en-US" sz="2000" dirty="0">
+                <a:latin typeface="Times New Roman" panose="02020603050405020304" pitchFamily="18" charset="0"/>
+                <a:ea typeface="KaiTi_GB2312" panose="02010609030101010101" pitchFamily="49" charset="-122"/>
+                <a:cs typeface="Times New Roman" panose="02020603050405020304" pitchFamily="18" charset="0"/>
+              </a:rPr>
+              <a:t>以 </a:t>
+            </a:r>
+            <a:r>
+              <a:rPr lang="en-US" altLang="zh-CN" sz="2000" dirty="0">
+                <a:latin typeface="Times New Roman" panose="02020603050405020304" pitchFamily="18" charset="0"/>
+                <a:ea typeface="KaiTi_GB2312" panose="02010609030101010101" pitchFamily="49" charset="-122"/>
+                <a:cs typeface="Times New Roman" panose="02020603050405020304" pitchFamily="18" charset="0"/>
+              </a:rPr>
+              <a:t>9</a:t>
+            </a:r>
+            <a:r>
+              <a:rPr lang="zh-CN" altLang="en-US" sz="2000" dirty="0">
+                <a:latin typeface="Times New Roman" panose="02020603050405020304" pitchFamily="18" charset="0"/>
+                <a:ea typeface="KaiTi_GB2312" panose="02010609030101010101" pitchFamily="49" charset="-122"/>
+                <a:cs typeface="Times New Roman" panose="02020603050405020304" pitchFamily="18" charset="0"/>
+              </a:rPr>
+              <a:t> 结尾的“上升子序列”的元素就只有它自己，因此这一位填 </a:t>
+            </a:r>
+            <a:r>
+              <a:rPr lang="en-US" altLang="zh-CN" sz="2000" dirty="0">
+                <a:latin typeface="Times New Roman" panose="02020603050405020304" pitchFamily="18" charset="0"/>
+                <a:ea typeface="KaiTi_GB2312" panose="02010609030101010101" pitchFamily="49" charset="-122"/>
+                <a:cs typeface="Times New Roman" panose="02020603050405020304" pitchFamily="18" charset="0"/>
+              </a:rPr>
+              <a:t>1</a:t>
+            </a:r>
+            <a:r>
+              <a:rPr lang="zh-CN" altLang="en-US" sz="2000" dirty="0">
+                <a:latin typeface="Times New Roman" panose="02020603050405020304" pitchFamily="18" charset="0"/>
+                <a:ea typeface="KaiTi_GB2312" panose="02010609030101010101" pitchFamily="49" charset="-122"/>
+                <a:cs typeface="Times New Roman" panose="02020603050405020304" pitchFamily="18" charset="0"/>
+              </a:rPr>
+              <a:t>。</a:t>
+            </a:r>
+          </a:p>
+        </p:txBody>
+      </p:sp>
+      <p:sp>
+        <p:nvSpPr>
+          <p:cNvPr id="23" name="文本框 22">
+            <a:extLst>
+              <a:ext uri="{FF2B5EF4-FFF2-40B4-BE49-F238E27FC236}">
+                <a16:creationId xmlns:a16="http://schemas.microsoft.com/office/drawing/2014/main" id="{27D50C62-2957-D04E-8A48-C49EA1CA72CE}"/>
               </a:ext>
             </a:extLst>
           </p:cNvPr>
@@ -1407,8 +2419,8 @@
         </p:nvSpPr>
         <p:spPr>
           <a:xfrm flipH="1">
-            <a:off x="808475" y="804715"/>
-            <a:ext cx="3050881" cy="461665"/>
+            <a:off x="808474" y="835492"/>
+            <a:ext cx="2472607" cy="400110"/>
           </a:xfrm>
           <a:prstGeom prst="rect">
             <a:avLst/>
@@ -1438,7 +2450,7 @@
               <a:buChar char="Ø"/>
             </a:pPr>
             <a:r>
-              <a:rPr kumimoji="1" lang="zh-CN" altLang="en-US" sz="2400" b="1" dirty="0">
+              <a:rPr kumimoji="1" lang="zh-CN" altLang="en-US" sz="2000" b="1" dirty="0">
                 <a:solidFill>
                   <a:schemeClr val="bg1"/>
                 </a:solidFill>
@@ -1447,73 +2459,6 @@
                 <a:cs typeface="Times New Roman" panose="02020603050405020304" pitchFamily="18" charset="0"/>
               </a:rPr>
               <a:t>思想：动态规划。</a:t>
-            </a:r>
-          </a:p>
-        </p:txBody>
-      </p:sp>
-      <p:sp>
-        <p:nvSpPr>
-          <p:cNvPr id="15" name="矩形 14">
-            <a:extLst>
-              <a:ext uri="{FF2B5EF4-FFF2-40B4-BE49-F238E27FC236}">
-                <a16:creationId xmlns:a16="http://schemas.microsoft.com/office/drawing/2014/main" id="{74680E84-C902-044F-B037-05CFF4C5C434}"/>
-              </a:ext>
-            </a:extLst>
-          </p:cNvPr>
-          <p:cNvSpPr/>
-          <p:nvPr/>
-        </p:nvSpPr>
-        <p:spPr>
-          <a:xfrm>
-            <a:off x="808475" y="1876685"/>
-            <a:ext cx="7144283" cy="523220"/>
-          </a:xfrm>
-          <a:prstGeom prst="rect">
-            <a:avLst/>
-          </a:prstGeom>
-        </p:spPr>
-        <p:txBody>
-          <a:bodyPr wrap="square">
-            <a:spAutoFit/>
-          </a:bodyPr>
-          <a:lstStyle/>
-          <a:p>
-            <a:r>
-              <a:rPr lang="zh-CN" altLang="en-US" sz="1400" dirty="0">
-                <a:latin typeface="Times New Roman" panose="02020603050405020304" pitchFamily="18" charset="0"/>
-                <a:ea typeface="KaiTi_GB2312" panose="02010609030101010101" pitchFamily="49" charset="-122"/>
-                <a:cs typeface="Times New Roman" panose="02020603050405020304" pitchFamily="18" charset="0"/>
-              </a:rPr>
-              <a:t>图例：</a:t>
-            </a:r>
-            <a:endParaRPr lang="en-US" altLang="zh-CN" sz="1400" dirty="0">
-              <a:latin typeface="Times New Roman" panose="02020603050405020304" pitchFamily="18" charset="0"/>
-              <a:ea typeface="KaiTi_GB2312" panose="02010609030101010101" pitchFamily="49" charset="-122"/>
-              <a:cs typeface="Times New Roman" panose="02020603050405020304" pitchFamily="18" charset="0"/>
-            </a:endParaRPr>
-          </a:p>
-          <a:p>
-            <a:r>
-              <a:rPr lang="zh-CN" altLang="en-US" sz="1400" b="1" dirty="0">
-                <a:solidFill>
-                  <a:schemeClr val="bg1"/>
-                </a:solidFill>
-                <a:highlight>
-                  <a:srgbClr val="FF0000"/>
-                </a:highlight>
-                <a:latin typeface="Times New Roman" panose="02020603050405020304" pitchFamily="18" charset="0"/>
-                <a:ea typeface="KaiTi_GB2312" panose="02010609030101010101" pitchFamily="49" charset="-122"/>
-                <a:cs typeface="Times New Roman" panose="02020603050405020304" pitchFamily="18" charset="0"/>
-              </a:rPr>
-              <a:t>红色</a:t>
-            </a:r>
-            <a:r>
-              <a:rPr lang="zh-CN" altLang="en-US" sz="1400" dirty="0">
-                <a:latin typeface="Times New Roman" panose="02020603050405020304" pitchFamily="18" charset="0"/>
-                <a:ea typeface="KaiTi_GB2312" panose="02010609030101010101" pitchFamily="49" charset="-122"/>
-                <a:cs typeface="Times New Roman" panose="02020603050405020304" pitchFamily="18" charset="0"/>
-              </a:rPr>
-              <a:t>表示代码在当前遍历看到的数。</a:t>
             </a:r>
           </a:p>
         </p:txBody>
@@ -1548,250 +2493,36 @@
           <a:chExt cx="0" cy="0"/>
         </a:xfrm>
       </p:grpSpPr>
-      <p:sp>
-        <p:nvSpPr>
-          <p:cNvPr id="8" name="矩形 7">
+      <p:pic>
+        <p:nvPicPr>
+          <p:cNvPr id="12" name="图片 11">
             <a:extLst>
               <a:ext uri="{FF2B5EF4-FFF2-40B4-BE49-F238E27FC236}">
-                <a16:creationId xmlns:a16="http://schemas.microsoft.com/office/drawing/2014/main" id="{50C958EE-4211-6C46-916B-94AB9B3B8134}"/>
+                <a16:creationId xmlns:a16="http://schemas.microsoft.com/office/drawing/2014/main" id="{5D5B45B0-322C-E249-B02D-F144410CF141}"/>
               </a:ext>
             </a:extLst>
           </p:cNvPr>
-          <p:cNvSpPr/>
+          <p:cNvPicPr>
+            <a:picLocks noChangeAspect="1"/>
+          </p:cNvPicPr>
           <p:nvPr/>
-        </p:nvSpPr>
+        </p:nvPicPr>
+        <p:blipFill>
+          <a:blip r:embed="rId2"/>
+          <a:stretch>
+            <a:fillRect/>
+          </a:stretch>
+        </p:blipFill>
         <p:spPr>
           <a:xfrm>
-            <a:off x="2354050" y="5101557"/>
-            <a:ext cx="9247924" cy="1015663"/>
+            <a:off x="2354050" y="3093658"/>
+            <a:ext cx="7509264" cy="1884644"/>
           </a:xfrm>
           <a:prstGeom prst="rect">
             <a:avLst/>
           </a:prstGeom>
         </p:spPr>
-        <p:txBody>
-          <a:bodyPr wrap="square">
-            <a:spAutoFit/>
-          </a:bodyPr>
-          <a:lstStyle/>
-          <a:p>
-            <a:r>
-              <a:rPr lang="en-US" altLang="zh-CN" sz="2000" dirty="0">
-                <a:latin typeface="Times New Roman" panose="02020603050405020304" pitchFamily="18" charset="0"/>
-                <a:ea typeface="KaiTi_GB2312" panose="02010609030101010101" pitchFamily="49" charset="-122"/>
-                <a:cs typeface="Times New Roman" panose="02020603050405020304" pitchFamily="18" charset="0"/>
-              </a:rPr>
-              <a:t>14</a:t>
-            </a:r>
-            <a:r>
-              <a:rPr lang="zh-CN" altLang="en-US" sz="2000" dirty="0">
-                <a:latin typeface="Times New Roman" panose="02020603050405020304" pitchFamily="18" charset="0"/>
-                <a:ea typeface="KaiTi_GB2312" panose="02010609030101010101" pitchFamily="49" charset="-122"/>
-                <a:cs typeface="Times New Roman" panose="02020603050405020304" pitchFamily="18" charset="0"/>
-              </a:rPr>
-              <a:t> 可以接在 </a:t>
-            </a:r>
-            <a:r>
-              <a:rPr lang="en-US" altLang="zh-CN" sz="2000" dirty="0">
-                <a:latin typeface="Times New Roman" panose="02020603050405020304" pitchFamily="18" charset="0"/>
-                <a:ea typeface="KaiTi_GB2312" panose="02010609030101010101" pitchFamily="49" charset="-122"/>
-                <a:cs typeface="Times New Roman" panose="02020603050405020304" pitchFamily="18" charset="0"/>
-              </a:rPr>
-              <a:t>9</a:t>
-            </a:r>
-            <a:r>
-              <a:rPr lang="zh-CN" altLang="en-US" sz="2000" dirty="0">
-                <a:latin typeface="Times New Roman" panose="02020603050405020304" pitchFamily="18" charset="0"/>
-                <a:ea typeface="KaiTi_GB2312" panose="02010609030101010101" pitchFamily="49" charset="-122"/>
-                <a:cs typeface="Times New Roman" panose="02020603050405020304" pitchFamily="18" charset="0"/>
-              </a:rPr>
-              <a:t> 的后面，形成一个更长的“上升子序列”（以 </a:t>
-            </a:r>
-            <a:r>
-              <a:rPr lang="en-US" altLang="zh-CN" sz="2000" dirty="0">
-                <a:latin typeface="Times New Roman" panose="02020603050405020304" pitchFamily="18" charset="0"/>
-                <a:ea typeface="KaiTi_GB2312" panose="02010609030101010101" pitchFamily="49" charset="-122"/>
-                <a:cs typeface="Times New Roman" panose="02020603050405020304" pitchFamily="18" charset="0"/>
-              </a:rPr>
-              <a:t>14</a:t>
-            </a:r>
-            <a:r>
-              <a:rPr lang="zh-CN" altLang="en-US" sz="2000" dirty="0">
-                <a:latin typeface="Times New Roman" panose="02020603050405020304" pitchFamily="18" charset="0"/>
-                <a:ea typeface="KaiTi_GB2312" panose="02010609030101010101" pitchFamily="49" charset="-122"/>
-                <a:cs typeface="Times New Roman" panose="02020603050405020304" pitchFamily="18" charset="0"/>
-              </a:rPr>
-              <a:t> 结尾） 。</a:t>
-            </a:r>
-          </a:p>
-          <a:p>
-            <a:endParaRPr lang="en-US" altLang="zh-CN" sz="2000" dirty="0">
-              <a:latin typeface="Times New Roman" panose="02020603050405020304" pitchFamily="18" charset="0"/>
-              <a:ea typeface="KaiTi_GB2312" panose="02010609030101010101" pitchFamily="49" charset="-122"/>
-              <a:cs typeface="Times New Roman" panose="02020603050405020304" pitchFamily="18" charset="0"/>
-            </a:endParaRPr>
-          </a:p>
-          <a:p>
-            <a:r>
-              <a:rPr lang="zh-CN" altLang="en-US" sz="2000" dirty="0">
-                <a:latin typeface="Times New Roman" panose="02020603050405020304" pitchFamily="18" charset="0"/>
-                <a:ea typeface="KaiTi_GB2312" panose="02010609030101010101" pitchFamily="49" charset="-122"/>
-                <a:cs typeface="Times New Roman" panose="02020603050405020304" pitchFamily="18" charset="0"/>
-              </a:rPr>
-              <a:t>因此 </a:t>
-            </a:r>
-            <a:r>
-              <a:rPr lang="en-US" altLang="zh-CN" sz="2000" dirty="0">
-                <a:latin typeface="Times New Roman" panose="02020603050405020304" pitchFamily="18" charset="0"/>
-                <a:ea typeface="KaiTi_GB2312" panose="02010609030101010101" pitchFamily="49" charset="-122"/>
-                <a:cs typeface="Times New Roman" panose="02020603050405020304" pitchFamily="18" charset="0"/>
-              </a:rPr>
-              <a:t>14</a:t>
-            </a:r>
-            <a:r>
-              <a:rPr lang="zh-CN" altLang="en-US" sz="2000" dirty="0">
-                <a:latin typeface="Times New Roman" panose="02020603050405020304" pitchFamily="18" charset="0"/>
-                <a:ea typeface="KaiTi_GB2312" panose="02010609030101010101" pitchFamily="49" charset="-122"/>
-                <a:cs typeface="Times New Roman" panose="02020603050405020304" pitchFamily="18" charset="0"/>
-              </a:rPr>
-              <a:t> 的下面填写 </a:t>
-            </a:r>
-            <a:r>
-              <a:rPr lang="en-US" altLang="zh-CN" sz="2000" dirty="0">
-                <a:latin typeface="Times New Roman" panose="02020603050405020304" pitchFamily="18" charset="0"/>
-                <a:ea typeface="KaiTi_GB2312" panose="02010609030101010101" pitchFamily="49" charset="-122"/>
-                <a:cs typeface="Times New Roman" panose="02020603050405020304" pitchFamily="18" charset="0"/>
-              </a:rPr>
-              <a:t>9</a:t>
-            </a:r>
-            <a:r>
-              <a:rPr lang="zh-CN" altLang="en-US" sz="2000" dirty="0">
-                <a:latin typeface="Times New Roman" panose="02020603050405020304" pitchFamily="18" charset="0"/>
-                <a:ea typeface="KaiTi_GB2312" panose="02010609030101010101" pitchFamily="49" charset="-122"/>
-                <a:cs typeface="Times New Roman" panose="02020603050405020304" pitchFamily="18" charset="0"/>
-              </a:rPr>
-              <a:t> 下面的数 </a:t>
-            </a:r>
-            <a:r>
-              <a:rPr lang="en-US" altLang="zh-CN" sz="2000" dirty="0">
-                <a:latin typeface="Times New Roman" panose="02020603050405020304" pitchFamily="18" charset="0"/>
-                <a:ea typeface="KaiTi_GB2312" panose="02010609030101010101" pitchFamily="49" charset="-122"/>
-                <a:cs typeface="Times New Roman" panose="02020603050405020304" pitchFamily="18" charset="0"/>
-              </a:rPr>
-              <a:t>+</a:t>
-            </a:r>
-            <a:r>
-              <a:rPr lang="zh-CN" altLang="en-US" sz="2000" dirty="0">
-                <a:latin typeface="Times New Roman" panose="02020603050405020304" pitchFamily="18" charset="0"/>
-                <a:ea typeface="KaiTi_GB2312" panose="02010609030101010101" pitchFamily="49" charset="-122"/>
-                <a:cs typeface="Times New Roman" panose="02020603050405020304" pitchFamily="18" charset="0"/>
-              </a:rPr>
-              <a:t> </a:t>
-            </a:r>
-            <a:r>
-              <a:rPr lang="en-US" altLang="zh-CN" sz="2000" dirty="0">
-                <a:latin typeface="Times New Roman" panose="02020603050405020304" pitchFamily="18" charset="0"/>
-                <a:ea typeface="KaiTi_GB2312" panose="02010609030101010101" pitchFamily="49" charset="-122"/>
-                <a:cs typeface="Times New Roman" panose="02020603050405020304" pitchFamily="18" charset="0"/>
-              </a:rPr>
-              <a:t>1</a:t>
-            </a:r>
-            <a:r>
-              <a:rPr lang="zh-CN" altLang="en-US" sz="2000" dirty="0">
-                <a:latin typeface="Times New Roman" panose="02020603050405020304" pitchFamily="18" charset="0"/>
-                <a:ea typeface="KaiTi_GB2312" panose="02010609030101010101" pitchFamily="49" charset="-122"/>
-                <a:cs typeface="Times New Roman" panose="02020603050405020304" pitchFamily="18" charset="0"/>
-              </a:rPr>
-              <a:t>，即 </a:t>
-            </a:r>
-            <a:r>
-              <a:rPr lang="en-US" altLang="zh-CN" sz="2000" dirty="0">
-                <a:latin typeface="Times New Roman" panose="02020603050405020304" pitchFamily="18" charset="0"/>
-                <a:ea typeface="KaiTi_GB2312" panose="02010609030101010101" pitchFamily="49" charset="-122"/>
-                <a:cs typeface="Times New Roman" panose="02020603050405020304" pitchFamily="18" charset="0"/>
-              </a:rPr>
-              <a:t>1</a:t>
-            </a:r>
-            <a:r>
-              <a:rPr lang="zh-CN" altLang="en-US" sz="2000" dirty="0">
-                <a:latin typeface="Times New Roman" panose="02020603050405020304" pitchFamily="18" charset="0"/>
-                <a:ea typeface="KaiTi_GB2312" panose="02010609030101010101" pitchFamily="49" charset="-122"/>
-                <a:cs typeface="Times New Roman" panose="02020603050405020304" pitchFamily="18" charset="0"/>
-              </a:rPr>
-              <a:t> </a:t>
-            </a:r>
-            <a:r>
-              <a:rPr lang="en-US" altLang="zh-CN" sz="2000" dirty="0">
-                <a:latin typeface="Times New Roman" panose="02020603050405020304" pitchFamily="18" charset="0"/>
-                <a:ea typeface="KaiTi_GB2312" panose="02010609030101010101" pitchFamily="49" charset="-122"/>
-                <a:cs typeface="Times New Roman" panose="02020603050405020304" pitchFamily="18" charset="0"/>
-              </a:rPr>
-              <a:t>+</a:t>
-            </a:r>
-            <a:r>
-              <a:rPr lang="zh-CN" altLang="en-US" sz="2000" dirty="0">
-                <a:latin typeface="Times New Roman" panose="02020603050405020304" pitchFamily="18" charset="0"/>
-                <a:ea typeface="KaiTi_GB2312" panose="02010609030101010101" pitchFamily="49" charset="-122"/>
-                <a:cs typeface="Times New Roman" panose="02020603050405020304" pitchFamily="18" charset="0"/>
-              </a:rPr>
-              <a:t> </a:t>
-            </a:r>
-            <a:r>
-              <a:rPr lang="en-US" altLang="zh-CN" sz="2000" dirty="0">
-                <a:latin typeface="Times New Roman" panose="02020603050405020304" pitchFamily="18" charset="0"/>
-                <a:ea typeface="KaiTi_GB2312" panose="02010609030101010101" pitchFamily="49" charset="-122"/>
-                <a:cs typeface="Times New Roman" panose="02020603050405020304" pitchFamily="18" charset="0"/>
-              </a:rPr>
-              <a:t>1</a:t>
-            </a:r>
-            <a:r>
-              <a:rPr lang="zh-CN" altLang="en-US" sz="2000" dirty="0">
-                <a:latin typeface="Times New Roman" panose="02020603050405020304" pitchFamily="18" charset="0"/>
-                <a:ea typeface="KaiTi_GB2312" panose="02010609030101010101" pitchFamily="49" charset="-122"/>
-                <a:cs typeface="Times New Roman" panose="02020603050405020304" pitchFamily="18" charset="0"/>
-              </a:rPr>
-              <a:t> </a:t>
-            </a:r>
-            <a:r>
-              <a:rPr lang="en-US" altLang="zh-CN" sz="2000" dirty="0">
-                <a:latin typeface="Times New Roman" panose="02020603050405020304" pitchFamily="18" charset="0"/>
-                <a:ea typeface="KaiTi_GB2312" panose="02010609030101010101" pitchFamily="49" charset="-122"/>
-                <a:cs typeface="Times New Roman" panose="02020603050405020304" pitchFamily="18" charset="0"/>
-              </a:rPr>
-              <a:t>=</a:t>
-            </a:r>
-            <a:r>
-              <a:rPr lang="zh-CN" altLang="en-US" sz="2000" dirty="0">
-                <a:latin typeface="Times New Roman" panose="02020603050405020304" pitchFamily="18" charset="0"/>
-                <a:ea typeface="KaiTi_GB2312" panose="02010609030101010101" pitchFamily="49" charset="-122"/>
-                <a:cs typeface="Times New Roman" panose="02020603050405020304" pitchFamily="18" charset="0"/>
-              </a:rPr>
-              <a:t> </a:t>
-            </a:r>
-            <a:r>
-              <a:rPr lang="en-US" altLang="zh-CN" sz="2000" dirty="0">
-                <a:latin typeface="Times New Roman" panose="02020603050405020304" pitchFamily="18" charset="0"/>
-                <a:ea typeface="KaiTi_GB2312" panose="02010609030101010101" pitchFamily="49" charset="-122"/>
-                <a:cs typeface="Times New Roman" panose="02020603050405020304" pitchFamily="18" charset="0"/>
-              </a:rPr>
-              <a:t>2</a:t>
-            </a:r>
-            <a:r>
-              <a:rPr lang="zh-CN" altLang="en-US" sz="2000" dirty="0">
-                <a:latin typeface="Times New Roman" panose="02020603050405020304" pitchFamily="18" charset="0"/>
-                <a:ea typeface="KaiTi_GB2312" panose="02010609030101010101" pitchFamily="49" charset="-122"/>
-                <a:cs typeface="Times New Roman" panose="02020603050405020304" pitchFamily="18" charset="0"/>
-              </a:rPr>
-              <a:t>。</a:t>
-            </a:r>
-            <a:endParaRPr lang="en-US" altLang="zh-CN" sz="2000" dirty="0">
-              <a:latin typeface="Times New Roman" panose="02020603050405020304" pitchFamily="18" charset="0"/>
-              <a:ea typeface="KaiTi_GB2312" panose="02010609030101010101" pitchFamily="49" charset="-122"/>
-              <a:cs typeface="Times New Roman" panose="02020603050405020304" pitchFamily="18" charset="0"/>
-            </a:endParaRPr>
-          </a:p>
-        </p:txBody>
-      </p:sp>
+      </p:pic>
       <p:sp>
         <p:nvSpPr>
           <p:cNvPr id="10" name="矩形 9">
@@ -1867,66 +2598,6 @@
           </a:p>
         </p:txBody>
       </p:sp>
-      <p:pic>
-        <p:nvPicPr>
-          <p:cNvPr id="11" name="图片 10">
-            <a:extLst>
-              <a:ext uri="{FF2B5EF4-FFF2-40B4-BE49-F238E27FC236}">
-                <a16:creationId xmlns:a16="http://schemas.microsoft.com/office/drawing/2014/main" id="{07BEDFF6-C90D-A641-87F5-7D28E380DC35}"/>
-              </a:ext>
-            </a:extLst>
-          </p:cNvPr>
-          <p:cNvPicPr>
-            <a:picLocks noChangeAspect="1"/>
-          </p:cNvPicPr>
-          <p:nvPr/>
-        </p:nvPicPr>
-        <p:blipFill>
-          <a:blip r:embed="rId2"/>
-          <a:stretch>
-            <a:fillRect/>
-          </a:stretch>
-        </p:blipFill>
-        <p:spPr>
-          <a:xfrm>
-            <a:off x="2356189" y="3093658"/>
-            <a:ext cx="7507125" cy="1846014"/>
-          </a:xfrm>
-          <a:prstGeom prst="rect">
-            <a:avLst/>
-          </a:prstGeom>
-        </p:spPr>
-      </p:pic>
-      <p:pic>
-        <p:nvPicPr>
-          <p:cNvPr id="12" name="图片 11">
-            <a:extLst>
-              <a:ext uri="{FF2B5EF4-FFF2-40B4-BE49-F238E27FC236}">
-                <a16:creationId xmlns:a16="http://schemas.microsoft.com/office/drawing/2014/main" id="{5D5B45B0-322C-E249-B02D-F144410CF141}"/>
-              </a:ext>
-            </a:extLst>
-          </p:cNvPr>
-          <p:cNvPicPr>
-            <a:picLocks noChangeAspect="1"/>
-          </p:cNvPicPr>
-          <p:nvPr/>
-        </p:nvPicPr>
-        <p:blipFill>
-          <a:blip r:embed="rId3"/>
-          <a:stretch>
-            <a:fillRect/>
-          </a:stretch>
-        </p:blipFill>
-        <p:spPr>
-          <a:xfrm>
-            <a:off x="2354050" y="3093658"/>
-            <a:ext cx="7509264" cy="1884644"/>
-          </a:xfrm>
-          <a:prstGeom prst="rect">
-            <a:avLst/>
-          </a:prstGeom>
-        </p:spPr>
-      </p:pic>
       <p:sp>
         <p:nvSpPr>
           <p:cNvPr id="14" name="椭圆 13">
@@ -2077,12 +2748,312 @@
           </a:p>
         </p:txBody>
       </p:sp>
+      <p:grpSp>
+        <p:nvGrpSpPr>
+          <p:cNvPr id="18" name="组合 17">
+            <a:extLst>
+              <a:ext uri="{FF2B5EF4-FFF2-40B4-BE49-F238E27FC236}">
+                <a16:creationId xmlns:a16="http://schemas.microsoft.com/office/drawing/2014/main" id="{F331F54F-EDE3-BB47-9378-5339B69EA55B}"/>
+              </a:ext>
+            </a:extLst>
+          </p:cNvPr>
+          <p:cNvGrpSpPr/>
+          <p:nvPr/>
+        </p:nvGrpSpPr>
+        <p:grpSpPr>
+          <a:xfrm>
+            <a:off x="180985" y="5154034"/>
+            <a:ext cx="5353035" cy="1604167"/>
+            <a:chOff x="6519671" y="1084169"/>
+            <a:chExt cx="5353035" cy="1604167"/>
+          </a:xfrm>
+        </p:grpSpPr>
+        <p:sp>
+          <p:nvSpPr>
+            <p:cNvPr id="19" name="矩形 18">
+              <a:extLst>
+                <a:ext uri="{FF2B5EF4-FFF2-40B4-BE49-F238E27FC236}">
+                  <a16:creationId xmlns:a16="http://schemas.microsoft.com/office/drawing/2014/main" id="{0C90CAF9-2046-414A-8D77-61E5AD494DDF}"/>
+                </a:ext>
+              </a:extLst>
+            </p:cNvPr>
+            <p:cNvSpPr/>
+            <p:nvPr/>
+          </p:nvSpPr>
+          <p:spPr>
+            <a:xfrm>
+              <a:off x="6519671" y="1084170"/>
+              <a:ext cx="5353035" cy="1604166"/>
+            </a:xfrm>
+            <a:prstGeom prst="rect">
+              <a:avLst/>
+            </a:prstGeom>
+            <a:solidFill>
+              <a:srgbClr val="FFFF00">
+                <a:alpha val="20000"/>
+              </a:srgbClr>
+            </a:solidFill>
+            <a:ln>
+              <a:noFill/>
+            </a:ln>
+          </p:spPr>
+          <p:style>
+            <a:lnRef idx="2">
+              <a:schemeClr val="accent1">
+                <a:shade val="50000"/>
+              </a:schemeClr>
+            </a:lnRef>
+            <a:fillRef idx="1">
+              <a:schemeClr val="accent1"/>
+            </a:fillRef>
+            <a:effectRef idx="0">
+              <a:schemeClr val="accent1"/>
+            </a:effectRef>
+            <a:fontRef idx="minor">
+              <a:schemeClr val="lt1"/>
+            </a:fontRef>
+          </p:style>
+          <p:txBody>
+            <a:bodyPr rtlCol="0" anchor="ctr"/>
+            <a:lstStyle/>
+            <a:p>
+              <a:pPr algn="ctr"/>
+              <a:endParaRPr kumimoji="1" lang="zh-CN" altLang="en-US" dirty="0"/>
+            </a:p>
+          </p:txBody>
+        </p:sp>
+        <p:sp>
+          <p:nvSpPr>
+            <p:cNvPr id="20" name="矩形 19">
+              <a:extLst>
+                <a:ext uri="{FF2B5EF4-FFF2-40B4-BE49-F238E27FC236}">
+                  <a16:creationId xmlns:a16="http://schemas.microsoft.com/office/drawing/2014/main" id="{38872135-535D-B248-AD3A-700CDC044C90}"/>
+                </a:ext>
+              </a:extLst>
+            </p:cNvPr>
+            <p:cNvSpPr/>
+            <p:nvPr/>
+          </p:nvSpPr>
+          <p:spPr>
+            <a:xfrm>
+              <a:off x="6625393" y="1471134"/>
+              <a:ext cx="2756351" cy="307777"/>
+            </a:xfrm>
+            <a:prstGeom prst="rect">
+              <a:avLst/>
+            </a:prstGeom>
+            <a:solidFill>
+              <a:srgbClr val="0432FF"/>
+            </a:solidFill>
+            <a:effectLst>
+              <a:softEdge rad="31750"/>
+            </a:effectLst>
+          </p:spPr>
+          <p:txBody>
+            <a:bodyPr wrap="square">
+              <a:spAutoFit/>
+            </a:bodyPr>
+            <a:lstStyle/>
+            <a:p>
+              <a:r>
+                <a:rPr lang="zh-CN" altLang="en-US" sz="1400" dirty="0">
+                  <a:solidFill>
+                    <a:schemeClr val="bg1"/>
+                  </a:solidFill>
+                  <a:latin typeface="Times New Roman" panose="02020603050405020304" pitchFamily="18" charset="0"/>
+                  <a:ea typeface="KaiTi_GB2312" panose="02010609030101010101" pitchFamily="49" charset="-122"/>
+                  <a:cs typeface="Times New Roman" panose="02020603050405020304" pitchFamily="18" charset="0"/>
+                </a:rPr>
+                <a:t>蓝色结点表示算法还没看到的数。</a:t>
+              </a:r>
+              <a:endParaRPr lang="en-US" altLang="zh-CN" sz="1400" dirty="0">
+                <a:solidFill>
+                  <a:schemeClr val="bg1"/>
+                </a:solidFill>
+                <a:latin typeface="Times New Roman" panose="02020603050405020304" pitchFamily="18" charset="0"/>
+                <a:ea typeface="KaiTi_GB2312" panose="02010609030101010101" pitchFamily="49" charset="-122"/>
+                <a:cs typeface="Times New Roman" panose="02020603050405020304" pitchFamily="18" charset="0"/>
+              </a:endParaRPr>
+            </a:p>
+          </p:txBody>
+        </p:sp>
+        <p:sp>
+          <p:nvSpPr>
+            <p:cNvPr id="21" name="矩形 20">
+              <a:extLst>
+                <a:ext uri="{FF2B5EF4-FFF2-40B4-BE49-F238E27FC236}">
+                  <a16:creationId xmlns:a16="http://schemas.microsoft.com/office/drawing/2014/main" id="{DA869D00-7746-994C-BF62-838739674E01}"/>
+                </a:ext>
+              </a:extLst>
+            </p:cNvPr>
+            <p:cNvSpPr/>
+            <p:nvPr/>
+          </p:nvSpPr>
+          <p:spPr>
+            <a:xfrm>
+              <a:off x="6625393" y="1850720"/>
+              <a:ext cx="2756352" cy="307777"/>
+            </a:xfrm>
+            <a:prstGeom prst="rect">
+              <a:avLst/>
+            </a:prstGeom>
+            <a:solidFill>
+              <a:srgbClr val="FF0000"/>
+            </a:solidFill>
+            <a:effectLst>
+              <a:softEdge rad="31750"/>
+            </a:effectLst>
+          </p:spPr>
+          <p:txBody>
+            <a:bodyPr wrap="square">
+              <a:spAutoFit/>
+            </a:bodyPr>
+            <a:lstStyle/>
+            <a:p>
+              <a:r>
+                <a:rPr lang="zh-CN" altLang="en-US" sz="1400" dirty="0">
+                  <a:solidFill>
+                    <a:schemeClr val="bg1"/>
+                  </a:solidFill>
+                  <a:latin typeface="Times New Roman" panose="02020603050405020304" pitchFamily="18" charset="0"/>
+                  <a:ea typeface="KaiTi_GB2312" panose="02010609030101010101" pitchFamily="49" charset="-122"/>
+                  <a:cs typeface="Times New Roman" panose="02020603050405020304" pitchFamily="18" charset="0"/>
+                </a:rPr>
+                <a:t>红色结点表示算法当前看到的数。</a:t>
+              </a:r>
+              <a:endParaRPr lang="en-US" altLang="zh-CN" sz="1400" dirty="0">
+                <a:solidFill>
+                  <a:schemeClr val="bg1"/>
+                </a:solidFill>
+                <a:latin typeface="Times New Roman" panose="02020603050405020304" pitchFamily="18" charset="0"/>
+                <a:ea typeface="KaiTi_GB2312" panose="02010609030101010101" pitchFamily="49" charset="-122"/>
+                <a:cs typeface="Times New Roman" panose="02020603050405020304" pitchFamily="18" charset="0"/>
+              </a:endParaRPr>
+            </a:p>
+          </p:txBody>
+        </p:sp>
+        <p:sp>
+          <p:nvSpPr>
+            <p:cNvPr id="22" name="矩形 21">
+              <a:extLst>
+                <a:ext uri="{FF2B5EF4-FFF2-40B4-BE49-F238E27FC236}">
+                  <a16:creationId xmlns:a16="http://schemas.microsoft.com/office/drawing/2014/main" id="{936CF63B-FE84-304B-8B92-27A83CC20152}"/>
+                </a:ext>
+              </a:extLst>
+            </p:cNvPr>
+            <p:cNvSpPr/>
+            <p:nvPr/>
+          </p:nvSpPr>
+          <p:spPr>
+            <a:xfrm>
+              <a:off x="6625392" y="2231453"/>
+              <a:ext cx="5097216" cy="307777"/>
+            </a:xfrm>
+            <a:prstGeom prst="rect">
+              <a:avLst/>
+            </a:prstGeom>
+            <a:solidFill>
+              <a:srgbClr val="FF40FF"/>
+            </a:solidFill>
+            <a:effectLst>
+              <a:softEdge rad="31750"/>
+            </a:effectLst>
+          </p:spPr>
+          <p:txBody>
+            <a:bodyPr wrap="square">
+              <a:spAutoFit/>
+            </a:bodyPr>
+            <a:lstStyle/>
+            <a:p>
+              <a:r>
+                <a:rPr lang="zh-CN" altLang="en-US" sz="1400" dirty="0">
+                  <a:solidFill>
+                    <a:schemeClr val="bg1"/>
+                  </a:solidFill>
+                  <a:latin typeface="Times New Roman" panose="02020603050405020304" pitchFamily="18" charset="0"/>
+                  <a:ea typeface="KaiTi_GB2312" panose="02010609030101010101" pitchFamily="49" charset="-122"/>
+                  <a:cs typeface="Times New Roman" panose="02020603050405020304" pitchFamily="18" charset="0"/>
+                </a:rPr>
+                <a:t>粉色结点表示之前遍历过的数里，</a:t>
+              </a:r>
+              <a:r>
+                <a:rPr lang="zh-CN" altLang="en-US" sz="1400" b="1" dirty="0">
+                  <a:solidFill>
+                    <a:schemeClr val="bg1"/>
+                  </a:solidFill>
+                  <a:latin typeface="Times New Roman" panose="02020603050405020304" pitchFamily="18" charset="0"/>
+                  <a:ea typeface="KaiTi_GB2312" panose="02010609030101010101" pitchFamily="49" charset="-122"/>
+                  <a:cs typeface="Times New Roman" panose="02020603050405020304" pitchFamily="18" charset="0"/>
+                </a:rPr>
+                <a:t>严格</a:t>
+              </a:r>
+              <a:r>
+                <a:rPr lang="zh-CN" altLang="en-US" sz="1400" dirty="0">
+                  <a:solidFill>
+                    <a:schemeClr val="bg1"/>
+                  </a:solidFill>
+                  <a:latin typeface="Times New Roman" panose="02020603050405020304" pitchFamily="18" charset="0"/>
+                  <a:ea typeface="KaiTi_GB2312" panose="02010609030101010101" pitchFamily="49" charset="-122"/>
+                  <a:cs typeface="Times New Roman" panose="02020603050405020304" pitchFamily="18" charset="0"/>
+                </a:rPr>
+                <a:t>小于当前遍历看到的数。</a:t>
+              </a:r>
+              <a:endParaRPr lang="en-US" altLang="zh-CN" sz="1400" dirty="0">
+                <a:solidFill>
+                  <a:schemeClr val="bg1"/>
+                </a:solidFill>
+                <a:latin typeface="Times New Roman" panose="02020603050405020304" pitchFamily="18" charset="0"/>
+                <a:ea typeface="KaiTi_GB2312" panose="02010609030101010101" pitchFamily="49" charset="-122"/>
+                <a:cs typeface="Times New Roman" panose="02020603050405020304" pitchFamily="18" charset="0"/>
+              </a:endParaRPr>
+            </a:p>
+          </p:txBody>
+        </p:sp>
+        <p:sp>
+          <p:nvSpPr>
+            <p:cNvPr id="23" name="矩形 22">
+              <a:extLst>
+                <a:ext uri="{FF2B5EF4-FFF2-40B4-BE49-F238E27FC236}">
+                  <a16:creationId xmlns:a16="http://schemas.microsoft.com/office/drawing/2014/main" id="{F9691188-90C8-5047-AEF1-9613770D2789}"/>
+                </a:ext>
+              </a:extLst>
+            </p:cNvPr>
+            <p:cNvSpPr/>
+            <p:nvPr/>
+          </p:nvSpPr>
+          <p:spPr>
+            <a:xfrm>
+              <a:off x="6625392" y="1084169"/>
+              <a:ext cx="790598" cy="338554"/>
+            </a:xfrm>
+            <a:prstGeom prst="rect">
+              <a:avLst/>
+            </a:prstGeom>
+          </p:spPr>
+          <p:txBody>
+            <a:bodyPr wrap="square">
+              <a:spAutoFit/>
+            </a:bodyPr>
+            <a:lstStyle/>
+            <a:p>
+              <a:r>
+                <a:rPr lang="zh-CN" altLang="en-US" sz="1600" dirty="0">
+                  <a:latin typeface="Times New Roman" charset="0"/>
+                  <a:ea typeface="楷体" charset="-122"/>
+                  <a:cs typeface="Times New Roman" charset="0"/>
+                </a:rPr>
+                <a:t>图例：</a:t>
+              </a:r>
+            </a:p>
+          </p:txBody>
+        </p:sp>
+      </p:grpSp>
       <p:sp>
         <p:nvSpPr>
-          <p:cNvPr id="16" name="矩形 15">
+          <p:cNvPr id="24" name="矩形 23">
             <a:extLst>
               <a:ext uri="{FF2B5EF4-FFF2-40B4-BE49-F238E27FC236}">
-                <a16:creationId xmlns:a16="http://schemas.microsoft.com/office/drawing/2014/main" id="{4BA42A15-4881-714D-8C62-B2FD07847C09}"/>
+                <a16:creationId xmlns:a16="http://schemas.microsoft.com/office/drawing/2014/main" id="{70F2537E-DED4-E444-99E2-AD47FE7023F2}"/>
               </a:ext>
             </a:extLst>
           </p:cNvPr>
@@ -2091,8 +3062,8 @@
         </p:nvSpPr>
         <p:spPr>
           <a:xfrm>
-            <a:off x="808475" y="1516857"/>
-            <a:ext cx="8448276" cy="400110"/>
+            <a:off x="808474" y="1370591"/>
+            <a:ext cx="9451093" cy="1015663"/>
           </a:xfrm>
           <a:prstGeom prst="rect">
             <a:avLst/>
@@ -2110,7 +3081,47 @@
                 <a:ea typeface="KaiTi_GB2312" panose="02010609030101010101" pitchFamily="49" charset="-122"/>
                 <a:cs typeface="Times New Roman" panose="02020603050405020304" pitchFamily="18" charset="0"/>
               </a:rPr>
-              <a:t>状态：以 </a:t>
+              <a:t>状态 </a:t>
+            </a:r>
+            <a:r>
+              <a:rPr lang="en-US" altLang="zh-CN" sz="2000" dirty="0" err="1">
+                <a:latin typeface="Times New Roman" panose="02020603050405020304" pitchFamily="18" charset="0"/>
+                <a:ea typeface="KaiTi_GB2312" panose="02010609030101010101" pitchFamily="49" charset="-122"/>
+                <a:cs typeface="Times New Roman" panose="02020603050405020304" pitchFamily="18" charset="0"/>
+              </a:rPr>
+              <a:t>dp</a:t>
+            </a:r>
+            <a:r>
+              <a:rPr lang="en-US" altLang="zh-CN" sz="2000" dirty="0">
+                <a:latin typeface="Times New Roman" panose="02020603050405020304" pitchFamily="18" charset="0"/>
+                <a:ea typeface="KaiTi_GB2312" panose="02010609030101010101" pitchFamily="49" charset="-122"/>
+                <a:cs typeface="Times New Roman" panose="02020603050405020304" pitchFamily="18" charset="0"/>
+              </a:rPr>
+              <a:t>[</a:t>
+            </a:r>
+            <a:r>
+              <a:rPr lang="en-US" altLang="zh-CN" sz="2000" dirty="0" err="1">
+                <a:latin typeface="Times New Roman" panose="02020603050405020304" pitchFamily="18" charset="0"/>
+                <a:ea typeface="KaiTi_GB2312" panose="02010609030101010101" pitchFamily="49" charset="-122"/>
+                <a:cs typeface="Times New Roman" panose="02020603050405020304" pitchFamily="18" charset="0"/>
+              </a:rPr>
+              <a:t>i</a:t>
+            </a:r>
+            <a:r>
+              <a:rPr lang="en-US" altLang="zh-CN" sz="2000" dirty="0">
+                <a:latin typeface="Times New Roman" panose="02020603050405020304" pitchFamily="18" charset="0"/>
+                <a:ea typeface="KaiTi_GB2312" panose="02010609030101010101" pitchFamily="49" charset="-122"/>
+                <a:cs typeface="Times New Roman" panose="02020603050405020304" pitchFamily="18" charset="0"/>
+              </a:rPr>
+              <a:t>]</a:t>
+            </a:r>
+            <a:r>
+              <a:rPr lang="zh-CN" altLang="en-US" sz="2000" dirty="0">
+                <a:latin typeface="Times New Roman" panose="02020603050405020304" pitchFamily="18" charset="0"/>
+                <a:ea typeface="KaiTi_GB2312" panose="02010609030101010101" pitchFamily="49" charset="-122"/>
+                <a:cs typeface="Times New Roman" panose="02020603050405020304" pitchFamily="18" charset="0"/>
+              </a:rPr>
+              <a:t>：以 </a:t>
             </a:r>
             <a:r>
               <a:rPr lang="en-US" altLang="zh-CN" sz="2000" dirty="0" err="1">
@@ -2177,14 +3188,180 @@
               <a:cs typeface="Times New Roman" panose="02020603050405020304" pitchFamily="18" charset="0"/>
             </a:endParaRPr>
           </a:p>
+          <a:p>
+            <a:endParaRPr lang="en-US" altLang="zh-CN" sz="2000" dirty="0">
+              <a:latin typeface="Times New Roman" panose="02020603050405020304" pitchFamily="18" charset="0"/>
+              <a:ea typeface="KaiTi_GB2312" panose="02010609030101010101" pitchFamily="49" charset="-122"/>
+              <a:cs typeface="Times New Roman" panose="02020603050405020304" pitchFamily="18" charset="0"/>
+            </a:endParaRPr>
+          </a:p>
+          <a:p>
+            <a:r>
+              <a:rPr lang="zh-CN" altLang="en-US" sz="2000" dirty="0">
+                <a:latin typeface="Times New Roman" panose="02020603050405020304" pitchFamily="18" charset="0"/>
+                <a:ea typeface="KaiTi_GB2312" panose="02010609030101010101" pitchFamily="49" charset="-122"/>
+                <a:cs typeface="Times New Roman" panose="02020603050405020304" pitchFamily="18" charset="0"/>
+              </a:rPr>
+              <a:t>状态转移方程：</a:t>
+            </a:r>
+            <a:r>
+              <a:rPr lang="en-US" altLang="zh-CN" dirty="0" err="1">
+                <a:latin typeface="Consolas" panose="020B0609020204030204" pitchFamily="49" charset="0"/>
+                <a:cs typeface="Consolas" panose="020B0609020204030204" pitchFamily="49" charset="0"/>
+              </a:rPr>
+              <a:t>dp</a:t>
+            </a:r>
+            <a:r>
+              <a:rPr lang="en-US" altLang="zh-CN" dirty="0">
+                <a:latin typeface="Consolas" panose="020B0609020204030204" pitchFamily="49" charset="0"/>
+                <a:cs typeface="Consolas" panose="020B0609020204030204" pitchFamily="49" charset="0"/>
+              </a:rPr>
+              <a:t>[</a:t>
+            </a:r>
+            <a:r>
+              <a:rPr lang="en-US" altLang="zh-CN" dirty="0" err="1">
+                <a:latin typeface="Consolas" panose="020B0609020204030204" pitchFamily="49" charset="0"/>
+                <a:cs typeface="Consolas" panose="020B0609020204030204" pitchFamily="49" charset="0"/>
+              </a:rPr>
+              <a:t>i</a:t>
+            </a:r>
+            <a:r>
+              <a:rPr lang="en-US" altLang="zh-CN" dirty="0">
+                <a:latin typeface="Consolas" panose="020B0609020204030204" pitchFamily="49" charset="0"/>
+                <a:cs typeface="Consolas" panose="020B0609020204030204" pitchFamily="49" charset="0"/>
+              </a:rPr>
+              <a:t>] = </a:t>
+            </a:r>
+            <a:r>
+              <a:rPr lang="en-US" altLang="zh-CN" dirty="0">
+                <a:solidFill>
+                  <a:srgbClr val="FF40FF"/>
+                </a:solidFill>
+                <a:latin typeface="Consolas" panose="020B0609020204030204" pitchFamily="49" charset="0"/>
+                <a:cs typeface="Consolas" panose="020B0609020204030204" pitchFamily="49" charset="0"/>
+              </a:rPr>
+              <a:t>max</a:t>
+            </a:r>
+            <a:r>
+              <a:rPr lang="en-US" altLang="zh-CN" dirty="0">
+                <a:latin typeface="Consolas" panose="020B0609020204030204" pitchFamily="49" charset="0"/>
+                <a:cs typeface="Consolas" panose="020B0609020204030204" pitchFamily="49" charset="0"/>
+              </a:rPr>
+              <a:t>{1 + </a:t>
+            </a:r>
+            <a:r>
+              <a:rPr lang="en-US" altLang="zh-CN" dirty="0" err="1">
+                <a:latin typeface="Consolas" panose="020B0609020204030204" pitchFamily="49" charset="0"/>
+                <a:cs typeface="Consolas" panose="020B0609020204030204" pitchFamily="49" charset="0"/>
+              </a:rPr>
+              <a:t>dp</a:t>
+            </a:r>
+            <a:r>
+              <a:rPr lang="en-US" altLang="zh-CN" dirty="0">
+                <a:latin typeface="Consolas" panose="020B0609020204030204" pitchFamily="49" charset="0"/>
+                <a:cs typeface="Consolas" panose="020B0609020204030204" pitchFamily="49" charset="0"/>
+              </a:rPr>
+              <a:t>[j] </a:t>
+            </a:r>
+            <a:r>
+              <a:rPr lang="en-US" altLang="zh-CN" dirty="0">
+                <a:solidFill>
+                  <a:srgbClr val="FF40FF"/>
+                </a:solidFill>
+                <a:latin typeface="Consolas" panose="020B0609020204030204" pitchFamily="49" charset="0"/>
+                <a:cs typeface="Consolas" panose="020B0609020204030204" pitchFamily="49" charset="0"/>
+              </a:rPr>
+              <a:t>for</a:t>
+            </a:r>
+            <a:r>
+              <a:rPr lang="en-US" altLang="zh-CN" dirty="0">
+                <a:latin typeface="Consolas" panose="020B0609020204030204" pitchFamily="49" charset="0"/>
+                <a:cs typeface="Consolas" panose="020B0609020204030204" pitchFamily="49" charset="0"/>
+              </a:rPr>
+              <a:t> j &lt; </a:t>
+            </a:r>
+            <a:r>
+              <a:rPr lang="en-US" altLang="zh-CN" dirty="0" err="1">
+                <a:latin typeface="Consolas" panose="020B0609020204030204" pitchFamily="49" charset="0"/>
+                <a:cs typeface="Consolas" panose="020B0609020204030204" pitchFamily="49" charset="0"/>
+              </a:rPr>
+              <a:t>i</a:t>
+            </a:r>
+            <a:r>
+              <a:rPr lang="en-US" altLang="zh-CN" dirty="0">
+                <a:latin typeface="Consolas" panose="020B0609020204030204" pitchFamily="49" charset="0"/>
+                <a:cs typeface="Consolas" panose="020B0609020204030204" pitchFamily="49" charset="0"/>
+              </a:rPr>
+              <a:t> </a:t>
+            </a:r>
+            <a:r>
+              <a:rPr lang="en-US" altLang="zh-CN" dirty="0">
+                <a:solidFill>
+                  <a:srgbClr val="FF40FF"/>
+                </a:solidFill>
+                <a:latin typeface="Consolas" panose="020B0609020204030204" pitchFamily="49" charset="0"/>
+                <a:cs typeface="Consolas" panose="020B0609020204030204" pitchFamily="49" charset="0"/>
+              </a:rPr>
+              <a:t>if</a:t>
+            </a:r>
+            <a:r>
+              <a:rPr lang="en-US" altLang="zh-CN" dirty="0">
+                <a:latin typeface="Consolas" panose="020B0609020204030204" pitchFamily="49" charset="0"/>
+                <a:cs typeface="Consolas" panose="020B0609020204030204" pitchFamily="49" charset="0"/>
+              </a:rPr>
+              <a:t> </a:t>
+            </a:r>
+            <a:r>
+              <a:rPr lang="en-US" altLang="zh-CN" dirty="0" err="1">
+                <a:latin typeface="Consolas" panose="020B0609020204030204" pitchFamily="49" charset="0"/>
+                <a:cs typeface="Consolas" panose="020B0609020204030204" pitchFamily="49" charset="0"/>
+              </a:rPr>
+              <a:t>nums</a:t>
+            </a:r>
+            <a:r>
+              <a:rPr lang="en-US" altLang="zh-CN" dirty="0">
+                <a:latin typeface="Consolas" panose="020B0609020204030204" pitchFamily="49" charset="0"/>
+                <a:cs typeface="Consolas" panose="020B0609020204030204" pitchFamily="49" charset="0"/>
+              </a:rPr>
+              <a:t>[j] &lt; </a:t>
+            </a:r>
+            <a:r>
+              <a:rPr lang="en-US" altLang="zh-CN" dirty="0" err="1">
+                <a:latin typeface="Consolas" panose="020B0609020204030204" pitchFamily="49" charset="0"/>
+                <a:cs typeface="Consolas" panose="020B0609020204030204" pitchFamily="49" charset="0"/>
+              </a:rPr>
+              <a:t>nums</a:t>
+            </a:r>
+            <a:r>
+              <a:rPr lang="en-US" altLang="zh-CN" dirty="0">
+                <a:latin typeface="Consolas" panose="020B0609020204030204" pitchFamily="49" charset="0"/>
+                <a:cs typeface="Consolas" panose="020B0609020204030204" pitchFamily="49" charset="0"/>
+              </a:rPr>
+              <a:t>[</a:t>
+            </a:r>
+            <a:r>
+              <a:rPr lang="en-US" altLang="zh-CN" dirty="0" err="1">
+                <a:latin typeface="Consolas" panose="020B0609020204030204" pitchFamily="49" charset="0"/>
+                <a:cs typeface="Consolas" panose="020B0609020204030204" pitchFamily="49" charset="0"/>
+              </a:rPr>
+              <a:t>i</a:t>
+            </a:r>
+            <a:r>
+              <a:rPr lang="en-US" altLang="zh-CN" dirty="0">
+                <a:latin typeface="Consolas" panose="020B0609020204030204" pitchFamily="49" charset="0"/>
+                <a:cs typeface="Consolas" panose="020B0609020204030204" pitchFamily="49" charset="0"/>
+              </a:rPr>
+              <a:t>]}</a:t>
+            </a:r>
+          </a:p>
         </p:txBody>
       </p:sp>
       <p:sp>
         <p:nvSpPr>
-          <p:cNvPr id="17" name="文本框 16">
+          <p:cNvPr id="25" name="文本框 24">
             <a:extLst>
               <a:ext uri="{FF2B5EF4-FFF2-40B4-BE49-F238E27FC236}">
-                <a16:creationId xmlns:a16="http://schemas.microsoft.com/office/drawing/2014/main" id="{00EC9755-0768-EF45-A640-34A37F2ADAEE}"/>
+                <a16:creationId xmlns:a16="http://schemas.microsoft.com/office/drawing/2014/main" id="{F73D1645-9BCA-A046-9191-E3AE747D8389}"/>
               </a:ext>
             </a:extLst>
           </p:cNvPr>
@@ -2193,8 +3370,8 @@
         </p:nvSpPr>
         <p:spPr>
           <a:xfrm flipH="1">
-            <a:off x="808475" y="804715"/>
-            <a:ext cx="3050881" cy="461665"/>
+            <a:off x="808474" y="835492"/>
+            <a:ext cx="2472607" cy="400110"/>
           </a:xfrm>
           <a:prstGeom prst="rect">
             <a:avLst/>
@@ -2224,7 +3401,7 @@
               <a:buChar char="Ø"/>
             </a:pPr>
             <a:r>
-              <a:rPr kumimoji="1" lang="zh-CN" altLang="en-US" sz="2400" b="1" dirty="0">
+              <a:rPr kumimoji="1" lang="zh-CN" altLang="en-US" sz="2000" b="1" dirty="0">
                 <a:solidFill>
                   <a:schemeClr val="bg1"/>
                 </a:solidFill>
@@ -2239,10 +3416,10 @@
       </p:sp>
       <p:sp>
         <p:nvSpPr>
-          <p:cNvPr id="13" name="矩形 12">
+          <p:cNvPr id="8" name="矩形 7">
             <a:extLst>
               <a:ext uri="{FF2B5EF4-FFF2-40B4-BE49-F238E27FC236}">
-                <a16:creationId xmlns:a16="http://schemas.microsoft.com/office/drawing/2014/main" id="{86C59EA6-8840-7B4C-88B7-7DAF3D2199BE}"/>
+                <a16:creationId xmlns:a16="http://schemas.microsoft.com/office/drawing/2014/main" id="{50C958EE-4211-6C46-916B-94AB9B3B8134}"/>
               </a:ext>
             </a:extLst>
           </p:cNvPr>
@@ -2251,8 +3428,8 @@
         </p:nvSpPr>
         <p:spPr>
           <a:xfrm>
-            <a:off x="808475" y="1876685"/>
-            <a:ext cx="7144283" cy="738664"/>
+            <a:off x="3662897" y="4978302"/>
+            <a:ext cx="8869762" cy="1015663"/>
           </a:xfrm>
           <a:prstGeom prst="rect">
             <a:avLst/>
@@ -2265,14 +3442,56 @@
           <a:lstStyle/>
           <a:p>
             <a:r>
-              <a:rPr lang="zh-CN" altLang="en-US" sz="1400" dirty="0">
-                <a:latin typeface="Times New Roman" panose="02020603050405020304" pitchFamily="18" charset="0"/>
-                <a:ea typeface="KaiTi_GB2312" panose="02010609030101010101" pitchFamily="49" charset="-122"/>
-                <a:cs typeface="Times New Roman" panose="02020603050405020304" pitchFamily="18" charset="0"/>
-              </a:rPr>
-              <a:t>图例：</a:t>
-            </a:r>
-            <a:endParaRPr lang="en-US" altLang="zh-CN" sz="1400" dirty="0">
+              <a:rPr lang="en-US" altLang="zh-CN" sz="2000" dirty="0">
+                <a:latin typeface="Times New Roman" panose="02020603050405020304" pitchFamily="18" charset="0"/>
+                <a:ea typeface="KaiTi_GB2312" panose="02010609030101010101" pitchFamily="49" charset="-122"/>
+                <a:cs typeface="Times New Roman" panose="02020603050405020304" pitchFamily="18" charset="0"/>
+              </a:rPr>
+              <a:t>14</a:t>
+            </a:r>
+            <a:r>
+              <a:rPr lang="zh-CN" altLang="en-US" sz="2000" dirty="0">
+                <a:latin typeface="Times New Roman" panose="02020603050405020304" pitchFamily="18" charset="0"/>
+                <a:ea typeface="KaiTi_GB2312" panose="02010609030101010101" pitchFamily="49" charset="-122"/>
+                <a:cs typeface="Times New Roman" panose="02020603050405020304" pitchFamily="18" charset="0"/>
+              </a:rPr>
+              <a:t> 可以接在 </a:t>
+            </a:r>
+            <a:r>
+              <a:rPr lang="en-US" altLang="zh-CN" sz="2000" dirty="0">
+                <a:latin typeface="Times New Roman" panose="02020603050405020304" pitchFamily="18" charset="0"/>
+                <a:ea typeface="KaiTi_GB2312" panose="02010609030101010101" pitchFamily="49" charset="-122"/>
+                <a:cs typeface="Times New Roman" panose="02020603050405020304" pitchFamily="18" charset="0"/>
+              </a:rPr>
+              <a:t>9</a:t>
+            </a:r>
+            <a:r>
+              <a:rPr lang="zh-CN" altLang="en-US" sz="2000" dirty="0">
+                <a:latin typeface="Times New Roman" panose="02020603050405020304" pitchFamily="18" charset="0"/>
+                <a:ea typeface="KaiTi_GB2312" panose="02010609030101010101" pitchFamily="49" charset="-122"/>
+                <a:cs typeface="Times New Roman" panose="02020603050405020304" pitchFamily="18" charset="0"/>
+              </a:rPr>
+              <a:t> 的后面，形成一个以 </a:t>
+            </a:r>
+            <a:r>
+              <a:rPr lang="en-US" altLang="zh-CN" sz="2000" dirty="0">
+                <a:latin typeface="Times New Roman" panose="02020603050405020304" pitchFamily="18" charset="0"/>
+                <a:ea typeface="KaiTi_GB2312" panose="02010609030101010101" pitchFamily="49" charset="-122"/>
+                <a:cs typeface="Times New Roman" panose="02020603050405020304" pitchFamily="18" charset="0"/>
+              </a:rPr>
+              <a:t>14</a:t>
+            </a:r>
+            <a:r>
+              <a:rPr lang="zh-CN" altLang="en-US" sz="2000" dirty="0">
+                <a:latin typeface="Times New Roman" panose="02020603050405020304" pitchFamily="18" charset="0"/>
+                <a:ea typeface="KaiTi_GB2312" panose="02010609030101010101" pitchFamily="49" charset="-122"/>
+                <a:cs typeface="Times New Roman" panose="02020603050405020304" pitchFamily="18" charset="0"/>
+              </a:rPr>
+              <a:t> 结尾的更长的“上升子序列” 。</a:t>
+            </a:r>
+          </a:p>
+          <a:p>
+            <a:endParaRPr lang="en-US" altLang="zh-CN" sz="2000" dirty="0">
               <a:latin typeface="Times New Roman" panose="02020603050405020304" pitchFamily="18" charset="0"/>
               <a:ea typeface="KaiTi_GB2312" panose="02010609030101010101" pitchFamily="49" charset="-122"/>
               <a:cs typeface="Times New Roman" panose="02020603050405020304" pitchFamily="18" charset="0"/>
@@ -2280,56 +3499,162 @@
           </a:p>
           <a:p>
             <a:r>
-              <a:rPr lang="zh-CN" altLang="en-US" sz="1400" b="1" dirty="0">
-                <a:solidFill>
-                  <a:schemeClr val="bg1"/>
-                </a:solidFill>
-                <a:highlight>
-                  <a:srgbClr val="FF0000"/>
-                </a:highlight>
-                <a:latin typeface="Times New Roman" panose="02020603050405020304" pitchFamily="18" charset="0"/>
-                <a:ea typeface="KaiTi_GB2312" panose="02010609030101010101" pitchFamily="49" charset="-122"/>
-                <a:cs typeface="Times New Roman" panose="02020603050405020304" pitchFamily="18" charset="0"/>
-              </a:rPr>
-              <a:t>红色</a:t>
-            </a:r>
-            <a:r>
-              <a:rPr lang="zh-CN" altLang="en-US" sz="1400" dirty="0">
-                <a:latin typeface="Times New Roman" panose="02020603050405020304" pitchFamily="18" charset="0"/>
-                <a:ea typeface="KaiTi_GB2312" panose="02010609030101010101" pitchFamily="49" charset="-122"/>
-                <a:cs typeface="Times New Roman" panose="02020603050405020304" pitchFamily="18" charset="0"/>
-              </a:rPr>
-              <a:t>表示代码在当前遍历看到的数；</a:t>
-            </a:r>
-            <a:endParaRPr lang="en-US" altLang="zh-CN" sz="1400" dirty="0">
+              <a:rPr lang="zh-CN" altLang="en-US" sz="2000" dirty="0">
+                <a:latin typeface="Times New Roman" panose="02020603050405020304" pitchFamily="18" charset="0"/>
+                <a:ea typeface="KaiTi_GB2312" panose="02010609030101010101" pitchFamily="49" charset="-122"/>
+                <a:cs typeface="Times New Roman" panose="02020603050405020304" pitchFamily="18" charset="0"/>
+              </a:rPr>
+              <a:t>因此 </a:t>
+            </a:r>
+            <a:r>
+              <a:rPr lang="en-US" altLang="zh-CN" sz="2000" dirty="0">
+                <a:latin typeface="Times New Roman" panose="02020603050405020304" pitchFamily="18" charset="0"/>
+                <a:ea typeface="KaiTi_GB2312" panose="02010609030101010101" pitchFamily="49" charset="-122"/>
+                <a:cs typeface="Times New Roman" panose="02020603050405020304" pitchFamily="18" charset="0"/>
+              </a:rPr>
+              <a:t>14</a:t>
+            </a:r>
+            <a:r>
+              <a:rPr lang="zh-CN" altLang="en-US" sz="2000" dirty="0">
+                <a:latin typeface="Times New Roman" panose="02020603050405020304" pitchFamily="18" charset="0"/>
+                <a:ea typeface="KaiTi_GB2312" panose="02010609030101010101" pitchFamily="49" charset="-122"/>
+                <a:cs typeface="Times New Roman" panose="02020603050405020304" pitchFamily="18" charset="0"/>
+              </a:rPr>
+              <a:t> 的下面填写 </a:t>
+            </a:r>
+            <a:r>
+              <a:rPr lang="en-US" altLang="zh-CN" sz="2000" dirty="0">
+                <a:latin typeface="Times New Roman" panose="02020603050405020304" pitchFamily="18" charset="0"/>
+                <a:ea typeface="KaiTi_GB2312" panose="02010609030101010101" pitchFamily="49" charset="-122"/>
+                <a:cs typeface="Times New Roman" panose="02020603050405020304" pitchFamily="18" charset="0"/>
+              </a:rPr>
+              <a:t>9</a:t>
+            </a:r>
+            <a:r>
+              <a:rPr lang="zh-CN" altLang="en-US" sz="2000" dirty="0">
+                <a:latin typeface="Times New Roman" panose="02020603050405020304" pitchFamily="18" charset="0"/>
+                <a:ea typeface="KaiTi_GB2312" panose="02010609030101010101" pitchFamily="49" charset="-122"/>
+                <a:cs typeface="Times New Roman" panose="02020603050405020304" pitchFamily="18" charset="0"/>
+              </a:rPr>
+              <a:t> 下面的数 </a:t>
+            </a:r>
+            <a:r>
+              <a:rPr lang="en-US" altLang="zh-CN" sz="2000" dirty="0">
+                <a:latin typeface="Times New Roman" panose="02020603050405020304" pitchFamily="18" charset="0"/>
+                <a:ea typeface="KaiTi_GB2312" panose="02010609030101010101" pitchFamily="49" charset="-122"/>
+                <a:cs typeface="Times New Roman" panose="02020603050405020304" pitchFamily="18" charset="0"/>
+              </a:rPr>
+              <a:t>+</a:t>
+            </a:r>
+            <a:r>
+              <a:rPr lang="zh-CN" altLang="en-US" sz="2000" dirty="0">
+                <a:latin typeface="Times New Roman" panose="02020603050405020304" pitchFamily="18" charset="0"/>
+                <a:ea typeface="KaiTi_GB2312" panose="02010609030101010101" pitchFamily="49" charset="-122"/>
+                <a:cs typeface="Times New Roman" panose="02020603050405020304" pitchFamily="18" charset="0"/>
+              </a:rPr>
+              <a:t> </a:t>
+            </a:r>
+            <a:r>
+              <a:rPr lang="en-US" altLang="zh-CN" sz="2000" dirty="0">
+                <a:latin typeface="Times New Roman" panose="02020603050405020304" pitchFamily="18" charset="0"/>
+                <a:ea typeface="KaiTi_GB2312" panose="02010609030101010101" pitchFamily="49" charset="-122"/>
+                <a:cs typeface="Times New Roman" panose="02020603050405020304" pitchFamily="18" charset="0"/>
+              </a:rPr>
+              <a:t>1</a:t>
+            </a:r>
+            <a:r>
+              <a:rPr lang="zh-CN" altLang="en-US" sz="2000" dirty="0">
+                <a:latin typeface="Times New Roman" panose="02020603050405020304" pitchFamily="18" charset="0"/>
+                <a:ea typeface="KaiTi_GB2312" panose="02010609030101010101" pitchFamily="49" charset="-122"/>
+                <a:cs typeface="Times New Roman" panose="02020603050405020304" pitchFamily="18" charset="0"/>
+              </a:rPr>
+              <a:t>，即 </a:t>
+            </a:r>
+            <a:r>
+              <a:rPr lang="en-US" altLang="zh-CN" sz="2000" dirty="0">
+                <a:latin typeface="Times New Roman" panose="02020603050405020304" pitchFamily="18" charset="0"/>
+                <a:ea typeface="KaiTi_GB2312" panose="02010609030101010101" pitchFamily="49" charset="-122"/>
+                <a:cs typeface="Times New Roman" panose="02020603050405020304" pitchFamily="18" charset="0"/>
+              </a:rPr>
+              <a:t>1</a:t>
+            </a:r>
+            <a:r>
+              <a:rPr lang="zh-CN" altLang="en-US" sz="2000" dirty="0">
+                <a:latin typeface="Times New Roman" panose="02020603050405020304" pitchFamily="18" charset="0"/>
+                <a:ea typeface="KaiTi_GB2312" panose="02010609030101010101" pitchFamily="49" charset="-122"/>
+                <a:cs typeface="Times New Roman" panose="02020603050405020304" pitchFamily="18" charset="0"/>
+              </a:rPr>
+              <a:t> </a:t>
+            </a:r>
+            <a:r>
+              <a:rPr lang="en-US" altLang="zh-CN" sz="2000" dirty="0">
+                <a:latin typeface="Times New Roman" panose="02020603050405020304" pitchFamily="18" charset="0"/>
+                <a:ea typeface="KaiTi_GB2312" panose="02010609030101010101" pitchFamily="49" charset="-122"/>
+                <a:cs typeface="Times New Roman" panose="02020603050405020304" pitchFamily="18" charset="0"/>
+              </a:rPr>
+              <a:t>+</a:t>
+            </a:r>
+            <a:r>
+              <a:rPr lang="zh-CN" altLang="en-US" sz="2000" dirty="0">
+                <a:latin typeface="Times New Roman" panose="02020603050405020304" pitchFamily="18" charset="0"/>
+                <a:ea typeface="KaiTi_GB2312" panose="02010609030101010101" pitchFamily="49" charset="-122"/>
+                <a:cs typeface="Times New Roman" panose="02020603050405020304" pitchFamily="18" charset="0"/>
+              </a:rPr>
+              <a:t> </a:t>
+            </a:r>
+            <a:r>
+              <a:rPr lang="en-US" altLang="zh-CN" sz="2000" dirty="0">
+                <a:latin typeface="Times New Roman" panose="02020603050405020304" pitchFamily="18" charset="0"/>
+                <a:ea typeface="KaiTi_GB2312" panose="02010609030101010101" pitchFamily="49" charset="-122"/>
+                <a:cs typeface="Times New Roman" panose="02020603050405020304" pitchFamily="18" charset="0"/>
+              </a:rPr>
+              <a:t>1</a:t>
+            </a:r>
+            <a:r>
+              <a:rPr lang="zh-CN" altLang="en-US" sz="2000" dirty="0">
+                <a:latin typeface="Times New Roman" panose="02020603050405020304" pitchFamily="18" charset="0"/>
+                <a:ea typeface="KaiTi_GB2312" panose="02010609030101010101" pitchFamily="49" charset="-122"/>
+                <a:cs typeface="Times New Roman" panose="02020603050405020304" pitchFamily="18" charset="0"/>
+              </a:rPr>
+              <a:t> </a:t>
+            </a:r>
+            <a:r>
+              <a:rPr lang="en-US" altLang="zh-CN" sz="2000" dirty="0">
+                <a:latin typeface="Times New Roman" panose="02020603050405020304" pitchFamily="18" charset="0"/>
+                <a:ea typeface="KaiTi_GB2312" panose="02010609030101010101" pitchFamily="49" charset="-122"/>
+                <a:cs typeface="Times New Roman" panose="02020603050405020304" pitchFamily="18" charset="0"/>
+              </a:rPr>
+              <a:t>=</a:t>
+            </a:r>
+            <a:r>
+              <a:rPr lang="zh-CN" altLang="en-US" sz="2000" dirty="0">
+                <a:latin typeface="Times New Roman" panose="02020603050405020304" pitchFamily="18" charset="0"/>
+                <a:ea typeface="KaiTi_GB2312" panose="02010609030101010101" pitchFamily="49" charset="-122"/>
+                <a:cs typeface="Times New Roman" panose="02020603050405020304" pitchFamily="18" charset="0"/>
+              </a:rPr>
+              <a:t> </a:t>
+            </a:r>
+            <a:r>
+              <a:rPr lang="en-US" altLang="zh-CN" sz="2000" dirty="0">
+                <a:latin typeface="Times New Roman" panose="02020603050405020304" pitchFamily="18" charset="0"/>
+                <a:ea typeface="KaiTi_GB2312" panose="02010609030101010101" pitchFamily="49" charset="-122"/>
+                <a:cs typeface="Times New Roman" panose="02020603050405020304" pitchFamily="18" charset="0"/>
+              </a:rPr>
+              <a:t>2</a:t>
+            </a:r>
+            <a:r>
+              <a:rPr lang="zh-CN" altLang="en-US" sz="2000" dirty="0">
+                <a:latin typeface="Times New Roman" panose="02020603050405020304" pitchFamily="18" charset="0"/>
+                <a:ea typeface="KaiTi_GB2312" panose="02010609030101010101" pitchFamily="49" charset="-122"/>
+                <a:cs typeface="Times New Roman" panose="02020603050405020304" pitchFamily="18" charset="0"/>
+              </a:rPr>
+              <a:t>。</a:t>
+            </a:r>
+            <a:endParaRPr lang="en-US" altLang="zh-CN" sz="2000" dirty="0">
               <a:latin typeface="Times New Roman" panose="02020603050405020304" pitchFamily="18" charset="0"/>
               <a:ea typeface="KaiTi_GB2312" panose="02010609030101010101" pitchFamily="49" charset="-122"/>
               <a:cs typeface="Times New Roman" panose="02020603050405020304" pitchFamily="18" charset="0"/>
             </a:endParaRPr>
-          </a:p>
-          <a:p>
-            <a:r>
-              <a:rPr lang="zh-CN" altLang="en-US" sz="1400" dirty="0">
-                <a:solidFill>
-                  <a:schemeClr val="bg1"/>
-                </a:solidFill>
-                <a:highlight>
-                  <a:srgbClr val="FF00FF"/>
-                </a:highlight>
-                <a:latin typeface="Times New Roman" panose="02020603050405020304" pitchFamily="18" charset="0"/>
-                <a:ea typeface="KaiTi_GB2312" panose="02010609030101010101" pitchFamily="49" charset="-122"/>
-                <a:cs typeface="Times New Roman" panose="02020603050405020304" pitchFamily="18" charset="0"/>
-              </a:rPr>
-              <a:t>粉红色</a:t>
-            </a:r>
-            <a:r>
-              <a:rPr lang="zh-CN" altLang="en-US" sz="1400" dirty="0">
-                <a:latin typeface="Times New Roman" panose="02020603050405020304" pitchFamily="18" charset="0"/>
-                <a:ea typeface="KaiTi_GB2312" panose="02010609030101010101" pitchFamily="49" charset="-122"/>
-                <a:cs typeface="Times New Roman" panose="02020603050405020304" pitchFamily="18" charset="0"/>
-              </a:rPr>
-              <a:t>表示，之前遍历过的数里，（严格）小于当前遍历看到的数（被红色标注）。</a:t>
-            </a:r>
           </a:p>
         </p:txBody>
       </p:sp>
@@ -2393,247 +3718,6 @@
           </a:prstGeom>
         </p:spPr>
       </p:pic>
-      <p:sp>
-        <p:nvSpPr>
-          <p:cNvPr id="8" name="矩形 7">
-            <a:extLst>
-              <a:ext uri="{FF2B5EF4-FFF2-40B4-BE49-F238E27FC236}">
-                <a16:creationId xmlns:a16="http://schemas.microsoft.com/office/drawing/2014/main" id="{50C958EE-4211-6C46-916B-94AB9B3B8134}"/>
-              </a:ext>
-            </a:extLst>
-          </p:cNvPr>
-          <p:cNvSpPr/>
-          <p:nvPr/>
-        </p:nvSpPr>
-        <p:spPr>
-          <a:xfrm>
-            <a:off x="2417916" y="5156303"/>
-            <a:ext cx="8185254" cy="1015663"/>
-          </a:xfrm>
-          <a:prstGeom prst="rect">
-            <a:avLst/>
-          </a:prstGeom>
-        </p:spPr>
-        <p:txBody>
-          <a:bodyPr wrap="none">
-            <a:spAutoFit/>
-          </a:bodyPr>
-          <a:lstStyle/>
-          <a:p>
-            <a:r>
-              <a:rPr lang="en-US" altLang="zh-CN" sz="2000" dirty="0">
-                <a:latin typeface="Times New Roman" panose="02020603050405020304" pitchFamily="18" charset="0"/>
-                <a:ea typeface="KaiTi_GB2312" panose="02010609030101010101" pitchFamily="49" charset="-122"/>
-                <a:cs typeface="Times New Roman" panose="02020603050405020304" pitchFamily="18" charset="0"/>
-              </a:rPr>
-              <a:t>24</a:t>
-            </a:r>
-            <a:r>
-              <a:rPr lang="zh-CN" altLang="en-US" sz="2000" dirty="0">
-                <a:latin typeface="Times New Roman" panose="02020603050405020304" pitchFamily="18" charset="0"/>
-                <a:ea typeface="KaiTi_GB2312" panose="02010609030101010101" pitchFamily="49" charset="-122"/>
-                <a:cs typeface="Times New Roman" panose="02020603050405020304" pitchFamily="18" charset="0"/>
-              </a:rPr>
-              <a:t> 可以接在 </a:t>
-            </a:r>
-            <a:r>
-              <a:rPr lang="en-US" altLang="zh-CN" sz="2000" dirty="0">
-                <a:latin typeface="Times New Roman" panose="02020603050405020304" pitchFamily="18" charset="0"/>
-                <a:ea typeface="KaiTi_GB2312" panose="02010609030101010101" pitchFamily="49" charset="-122"/>
-                <a:cs typeface="Times New Roman" panose="02020603050405020304" pitchFamily="18" charset="0"/>
-              </a:rPr>
-              <a:t>14</a:t>
-            </a:r>
-            <a:r>
-              <a:rPr lang="zh-CN" altLang="en-US" sz="2000" dirty="0">
-                <a:latin typeface="Times New Roman" panose="02020603050405020304" pitchFamily="18" charset="0"/>
-                <a:ea typeface="KaiTi_GB2312" panose="02010609030101010101" pitchFamily="49" charset="-122"/>
-                <a:cs typeface="Times New Roman" panose="02020603050405020304" pitchFamily="18" charset="0"/>
-              </a:rPr>
-              <a:t> 的后面形成一个更长的“上升子序列”（以 </a:t>
-            </a:r>
-            <a:r>
-              <a:rPr lang="en-US" altLang="zh-CN" sz="2000" dirty="0">
-                <a:latin typeface="Times New Roman" panose="02020603050405020304" pitchFamily="18" charset="0"/>
-                <a:ea typeface="KaiTi_GB2312" panose="02010609030101010101" pitchFamily="49" charset="-122"/>
-                <a:cs typeface="Times New Roman" panose="02020603050405020304" pitchFamily="18" charset="0"/>
-              </a:rPr>
-              <a:t>24</a:t>
-            </a:r>
-            <a:r>
-              <a:rPr lang="zh-CN" altLang="en-US" sz="2000" dirty="0">
-                <a:latin typeface="Times New Roman" panose="02020603050405020304" pitchFamily="18" charset="0"/>
-                <a:ea typeface="KaiTi_GB2312" panose="02010609030101010101" pitchFamily="49" charset="-122"/>
-                <a:cs typeface="Times New Roman" panose="02020603050405020304" pitchFamily="18" charset="0"/>
-              </a:rPr>
-              <a:t> 结尾）。</a:t>
-            </a:r>
-            <a:endParaRPr lang="en-US" altLang="zh-CN" sz="2000" dirty="0">
-              <a:latin typeface="Times New Roman" panose="02020603050405020304" pitchFamily="18" charset="0"/>
-              <a:ea typeface="KaiTi_GB2312" panose="02010609030101010101" pitchFamily="49" charset="-122"/>
-              <a:cs typeface="Times New Roman" panose="02020603050405020304" pitchFamily="18" charset="0"/>
-            </a:endParaRPr>
-          </a:p>
-          <a:p>
-            <a:endParaRPr lang="en-US" altLang="zh-CN" sz="2000" dirty="0">
-              <a:latin typeface="Times New Roman" panose="02020603050405020304" pitchFamily="18" charset="0"/>
-              <a:ea typeface="KaiTi_GB2312" panose="02010609030101010101" pitchFamily="49" charset="-122"/>
-              <a:cs typeface="Times New Roman" panose="02020603050405020304" pitchFamily="18" charset="0"/>
-            </a:endParaRPr>
-          </a:p>
-          <a:p>
-            <a:r>
-              <a:rPr lang="en-US" altLang="zh-CN" sz="2000" dirty="0">
-                <a:latin typeface="Times New Roman" panose="02020603050405020304" pitchFamily="18" charset="0"/>
-                <a:ea typeface="KaiTi_GB2312" panose="02010609030101010101" pitchFamily="49" charset="-122"/>
-                <a:cs typeface="Times New Roman" panose="02020603050405020304" pitchFamily="18" charset="0"/>
-              </a:rPr>
-              <a:t>9</a:t>
-            </a:r>
-            <a:r>
-              <a:rPr lang="zh-CN" altLang="en-US" sz="2000" dirty="0">
-                <a:latin typeface="Times New Roman" panose="02020603050405020304" pitchFamily="18" charset="0"/>
-                <a:ea typeface="KaiTi_GB2312" panose="02010609030101010101" pitchFamily="49" charset="-122"/>
-                <a:cs typeface="Times New Roman" panose="02020603050405020304" pitchFamily="18" charset="0"/>
-              </a:rPr>
-              <a:t> 、</a:t>
-            </a:r>
-            <a:r>
-              <a:rPr lang="en-US" altLang="zh-CN" sz="2000" dirty="0">
-                <a:latin typeface="Times New Roman" panose="02020603050405020304" pitchFamily="18" charset="0"/>
-                <a:ea typeface="KaiTi_GB2312" panose="02010609030101010101" pitchFamily="49" charset="-122"/>
-                <a:cs typeface="Times New Roman" panose="02020603050405020304" pitchFamily="18" charset="0"/>
-              </a:rPr>
-              <a:t>14</a:t>
-            </a:r>
-            <a:r>
-              <a:rPr lang="zh-CN" altLang="en-US" sz="2000" dirty="0">
-                <a:latin typeface="Times New Roman" panose="02020603050405020304" pitchFamily="18" charset="0"/>
-                <a:ea typeface="KaiTi_GB2312" panose="02010609030101010101" pitchFamily="49" charset="-122"/>
-                <a:cs typeface="Times New Roman" panose="02020603050405020304" pitchFamily="18" charset="0"/>
-              </a:rPr>
-              <a:t> 下面的数最大为 </a:t>
-            </a:r>
-            <a:r>
-              <a:rPr lang="en-US" altLang="zh-CN" sz="2000" dirty="0">
-                <a:latin typeface="Times New Roman" panose="02020603050405020304" pitchFamily="18" charset="0"/>
-                <a:ea typeface="KaiTi_GB2312" panose="02010609030101010101" pitchFamily="49" charset="-122"/>
-                <a:cs typeface="Times New Roman" panose="02020603050405020304" pitchFamily="18" charset="0"/>
-              </a:rPr>
-              <a:t>2</a:t>
-            </a:r>
-            <a:r>
-              <a:rPr lang="zh-CN" altLang="en-US" sz="2000" dirty="0">
-                <a:latin typeface="Times New Roman" panose="02020603050405020304" pitchFamily="18" charset="0"/>
-                <a:ea typeface="KaiTi_GB2312" panose="02010609030101010101" pitchFamily="49" charset="-122"/>
-                <a:cs typeface="Times New Roman" panose="02020603050405020304" pitchFamily="18" charset="0"/>
-              </a:rPr>
-              <a:t>，因此 </a:t>
-            </a:r>
-            <a:r>
-              <a:rPr lang="en-US" altLang="zh-CN" sz="2000" dirty="0">
-                <a:latin typeface="Times New Roman" panose="02020603050405020304" pitchFamily="18" charset="0"/>
-                <a:ea typeface="KaiTi_GB2312" panose="02010609030101010101" pitchFamily="49" charset="-122"/>
-                <a:cs typeface="Times New Roman" panose="02020603050405020304" pitchFamily="18" charset="0"/>
-              </a:rPr>
-              <a:t>24</a:t>
-            </a:r>
-            <a:r>
-              <a:rPr lang="zh-CN" altLang="en-US" sz="2000" dirty="0">
-                <a:latin typeface="Times New Roman" panose="02020603050405020304" pitchFamily="18" charset="0"/>
-                <a:ea typeface="KaiTi_GB2312" panose="02010609030101010101" pitchFamily="49" charset="-122"/>
-                <a:cs typeface="Times New Roman" panose="02020603050405020304" pitchFamily="18" charset="0"/>
-              </a:rPr>
-              <a:t> 的下面填 </a:t>
-            </a:r>
-            <a:r>
-              <a:rPr lang="en-US" altLang="zh-CN" sz="2000" dirty="0">
-                <a:latin typeface="Times New Roman" panose="02020603050405020304" pitchFamily="18" charset="0"/>
-                <a:ea typeface="KaiTi_GB2312" panose="02010609030101010101" pitchFamily="49" charset="-122"/>
-                <a:cs typeface="Times New Roman" panose="02020603050405020304" pitchFamily="18" charset="0"/>
-              </a:rPr>
-              <a:t>2</a:t>
-            </a:r>
-            <a:r>
-              <a:rPr lang="zh-CN" altLang="en-US" sz="2000" dirty="0">
-                <a:latin typeface="Times New Roman" panose="02020603050405020304" pitchFamily="18" charset="0"/>
-                <a:ea typeface="KaiTi_GB2312" panose="02010609030101010101" pitchFamily="49" charset="-122"/>
-                <a:cs typeface="Times New Roman" panose="02020603050405020304" pitchFamily="18" charset="0"/>
-              </a:rPr>
-              <a:t> </a:t>
-            </a:r>
-            <a:r>
-              <a:rPr lang="en-US" altLang="zh-CN" sz="2000" dirty="0">
-                <a:latin typeface="Times New Roman" panose="02020603050405020304" pitchFamily="18" charset="0"/>
-                <a:ea typeface="KaiTi_GB2312" panose="02010609030101010101" pitchFamily="49" charset="-122"/>
-                <a:cs typeface="Times New Roman" panose="02020603050405020304" pitchFamily="18" charset="0"/>
-              </a:rPr>
-              <a:t>+</a:t>
-            </a:r>
-            <a:r>
-              <a:rPr lang="zh-CN" altLang="en-US" sz="2000" dirty="0">
-                <a:latin typeface="Times New Roman" panose="02020603050405020304" pitchFamily="18" charset="0"/>
-                <a:ea typeface="KaiTi_GB2312" panose="02010609030101010101" pitchFamily="49" charset="-122"/>
-                <a:cs typeface="Times New Roman" panose="02020603050405020304" pitchFamily="18" charset="0"/>
-              </a:rPr>
-              <a:t> </a:t>
-            </a:r>
-            <a:r>
-              <a:rPr lang="en-US" altLang="zh-CN" sz="2000" dirty="0">
-                <a:latin typeface="Times New Roman" panose="02020603050405020304" pitchFamily="18" charset="0"/>
-                <a:ea typeface="KaiTi_GB2312" panose="02010609030101010101" pitchFamily="49" charset="-122"/>
-                <a:cs typeface="Times New Roman" panose="02020603050405020304" pitchFamily="18" charset="0"/>
-              </a:rPr>
-              <a:t>1</a:t>
-            </a:r>
-            <a:r>
-              <a:rPr lang="zh-CN" altLang="en-US" sz="2000" dirty="0">
-                <a:latin typeface="Times New Roman" panose="02020603050405020304" pitchFamily="18" charset="0"/>
-                <a:ea typeface="KaiTi_GB2312" panose="02010609030101010101" pitchFamily="49" charset="-122"/>
-                <a:cs typeface="Times New Roman" panose="02020603050405020304" pitchFamily="18" charset="0"/>
-              </a:rPr>
-              <a:t> </a:t>
-            </a:r>
-            <a:r>
-              <a:rPr lang="en-US" altLang="zh-CN" sz="2000" dirty="0">
-                <a:latin typeface="Times New Roman" panose="02020603050405020304" pitchFamily="18" charset="0"/>
-                <a:ea typeface="KaiTi_GB2312" panose="02010609030101010101" pitchFamily="49" charset="-122"/>
-                <a:cs typeface="Times New Roman" panose="02020603050405020304" pitchFamily="18" charset="0"/>
-              </a:rPr>
-              <a:t>=</a:t>
-            </a:r>
-            <a:r>
-              <a:rPr lang="zh-CN" altLang="en-US" sz="2000" dirty="0">
-                <a:latin typeface="Times New Roman" panose="02020603050405020304" pitchFamily="18" charset="0"/>
-                <a:ea typeface="KaiTi_GB2312" panose="02010609030101010101" pitchFamily="49" charset="-122"/>
-                <a:cs typeface="Times New Roman" panose="02020603050405020304" pitchFamily="18" charset="0"/>
-              </a:rPr>
-              <a:t> </a:t>
-            </a:r>
-            <a:r>
-              <a:rPr lang="en-US" altLang="zh-CN" sz="2000" dirty="0">
-                <a:latin typeface="Times New Roman" panose="02020603050405020304" pitchFamily="18" charset="0"/>
-                <a:ea typeface="KaiTi_GB2312" panose="02010609030101010101" pitchFamily="49" charset="-122"/>
-                <a:cs typeface="Times New Roman" panose="02020603050405020304" pitchFamily="18" charset="0"/>
-              </a:rPr>
-              <a:t>3 </a:t>
-            </a:r>
-            <a:r>
-              <a:rPr lang="zh-CN" altLang="en-US" sz="2000" dirty="0">
-                <a:latin typeface="Times New Roman" panose="02020603050405020304" pitchFamily="18" charset="0"/>
-                <a:ea typeface="KaiTi_GB2312" panose="02010609030101010101" pitchFamily="49" charset="-122"/>
-                <a:cs typeface="Times New Roman" panose="02020603050405020304" pitchFamily="18" charset="0"/>
-              </a:rPr>
-              <a:t>。</a:t>
-            </a:r>
-            <a:endParaRPr lang="en-US" altLang="zh-CN" sz="2000" dirty="0">
-              <a:latin typeface="Times New Roman" panose="02020603050405020304" pitchFamily="18" charset="0"/>
-              <a:ea typeface="KaiTi_GB2312" panose="02010609030101010101" pitchFamily="49" charset="-122"/>
-              <a:cs typeface="Times New Roman" panose="02020603050405020304" pitchFamily="18" charset="0"/>
-            </a:endParaRPr>
-          </a:p>
-        </p:txBody>
-      </p:sp>
       <p:sp>
         <p:nvSpPr>
           <p:cNvPr id="10" name="矩形 9">
@@ -2905,12 +3989,312 @@
           </a:p>
         </p:txBody>
       </p:sp>
+      <p:grpSp>
+        <p:nvGrpSpPr>
+          <p:cNvPr id="18" name="组合 17">
+            <a:extLst>
+              <a:ext uri="{FF2B5EF4-FFF2-40B4-BE49-F238E27FC236}">
+                <a16:creationId xmlns:a16="http://schemas.microsoft.com/office/drawing/2014/main" id="{70F8E30D-3220-B24E-8393-7A62B4385A41}"/>
+              </a:ext>
+            </a:extLst>
+          </p:cNvPr>
+          <p:cNvGrpSpPr/>
+          <p:nvPr/>
+        </p:nvGrpSpPr>
+        <p:grpSpPr>
+          <a:xfrm>
+            <a:off x="180985" y="5154034"/>
+            <a:ext cx="5353035" cy="1604167"/>
+            <a:chOff x="6519671" y="1084169"/>
+            <a:chExt cx="5353035" cy="1604167"/>
+          </a:xfrm>
+        </p:grpSpPr>
+        <p:sp>
+          <p:nvSpPr>
+            <p:cNvPr id="19" name="矩形 18">
+              <a:extLst>
+                <a:ext uri="{FF2B5EF4-FFF2-40B4-BE49-F238E27FC236}">
+                  <a16:creationId xmlns:a16="http://schemas.microsoft.com/office/drawing/2014/main" id="{9E91313A-0062-1446-AD7F-1F69CBE2E119}"/>
+                </a:ext>
+              </a:extLst>
+            </p:cNvPr>
+            <p:cNvSpPr/>
+            <p:nvPr/>
+          </p:nvSpPr>
+          <p:spPr>
+            <a:xfrm>
+              <a:off x="6519671" y="1084170"/>
+              <a:ext cx="5353035" cy="1604166"/>
+            </a:xfrm>
+            <a:prstGeom prst="rect">
+              <a:avLst/>
+            </a:prstGeom>
+            <a:solidFill>
+              <a:srgbClr val="FFFF00">
+                <a:alpha val="20000"/>
+              </a:srgbClr>
+            </a:solidFill>
+            <a:ln>
+              <a:noFill/>
+            </a:ln>
+          </p:spPr>
+          <p:style>
+            <a:lnRef idx="2">
+              <a:schemeClr val="accent1">
+                <a:shade val="50000"/>
+              </a:schemeClr>
+            </a:lnRef>
+            <a:fillRef idx="1">
+              <a:schemeClr val="accent1"/>
+            </a:fillRef>
+            <a:effectRef idx="0">
+              <a:schemeClr val="accent1"/>
+            </a:effectRef>
+            <a:fontRef idx="minor">
+              <a:schemeClr val="lt1"/>
+            </a:fontRef>
+          </p:style>
+          <p:txBody>
+            <a:bodyPr rtlCol="0" anchor="ctr"/>
+            <a:lstStyle/>
+            <a:p>
+              <a:pPr algn="ctr"/>
+              <a:endParaRPr kumimoji="1" lang="zh-CN" altLang="en-US" dirty="0"/>
+            </a:p>
+          </p:txBody>
+        </p:sp>
+        <p:sp>
+          <p:nvSpPr>
+            <p:cNvPr id="20" name="矩形 19">
+              <a:extLst>
+                <a:ext uri="{FF2B5EF4-FFF2-40B4-BE49-F238E27FC236}">
+                  <a16:creationId xmlns:a16="http://schemas.microsoft.com/office/drawing/2014/main" id="{E786679E-AF29-004D-8ADF-766184874496}"/>
+                </a:ext>
+              </a:extLst>
+            </p:cNvPr>
+            <p:cNvSpPr/>
+            <p:nvPr/>
+          </p:nvSpPr>
+          <p:spPr>
+            <a:xfrm>
+              <a:off x="6625393" y="1471134"/>
+              <a:ext cx="2756351" cy="307777"/>
+            </a:xfrm>
+            <a:prstGeom prst="rect">
+              <a:avLst/>
+            </a:prstGeom>
+            <a:solidFill>
+              <a:srgbClr val="0432FF"/>
+            </a:solidFill>
+            <a:effectLst>
+              <a:softEdge rad="31750"/>
+            </a:effectLst>
+          </p:spPr>
+          <p:txBody>
+            <a:bodyPr wrap="square">
+              <a:spAutoFit/>
+            </a:bodyPr>
+            <a:lstStyle/>
+            <a:p>
+              <a:r>
+                <a:rPr lang="zh-CN" altLang="en-US" sz="1400" dirty="0">
+                  <a:solidFill>
+                    <a:schemeClr val="bg1"/>
+                  </a:solidFill>
+                  <a:latin typeface="Times New Roman" panose="02020603050405020304" pitchFamily="18" charset="0"/>
+                  <a:ea typeface="KaiTi_GB2312" panose="02010609030101010101" pitchFamily="49" charset="-122"/>
+                  <a:cs typeface="Times New Roman" panose="02020603050405020304" pitchFamily="18" charset="0"/>
+                </a:rPr>
+                <a:t>蓝色结点表示算法还没看到的数。</a:t>
+              </a:r>
+              <a:endParaRPr lang="en-US" altLang="zh-CN" sz="1400" dirty="0">
+                <a:solidFill>
+                  <a:schemeClr val="bg1"/>
+                </a:solidFill>
+                <a:latin typeface="Times New Roman" panose="02020603050405020304" pitchFamily="18" charset="0"/>
+                <a:ea typeface="KaiTi_GB2312" panose="02010609030101010101" pitchFamily="49" charset="-122"/>
+                <a:cs typeface="Times New Roman" panose="02020603050405020304" pitchFamily="18" charset="0"/>
+              </a:endParaRPr>
+            </a:p>
+          </p:txBody>
+        </p:sp>
+        <p:sp>
+          <p:nvSpPr>
+            <p:cNvPr id="21" name="矩形 20">
+              <a:extLst>
+                <a:ext uri="{FF2B5EF4-FFF2-40B4-BE49-F238E27FC236}">
+                  <a16:creationId xmlns:a16="http://schemas.microsoft.com/office/drawing/2014/main" id="{45ACB1DD-8271-9A40-A6C0-5AEEB0ADEFB4}"/>
+                </a:ext>
+              </a:extLst>
+            </p:cNvPr>
+            <p:cNvSpPr/>
+            <p:nvPr/>
+          </p:nvSpPr>
+          <p:spPr>
+            <a:xfrm>
+              <a:off x="6625393" y="1850720"/>
+              <a:ext cx="2756352" cy="307777"/>
+            </a:xfrm>
+            <a:prstGeom prst="rect">
+              <a:avLst/>
+            </a:prstGeom>
+            <a:solidFill>
+              <a:srgbClr val="FF0000"/>
+            </a:solidFill>
+            <a:effectLst>
+              <a:softEdge rad="31750"/>
+            </a:effectLst>
+          </p:spPr>
+          <p:txBody>
+            <a:bodyPr wrap="square">
+              <a:spAutoFit/>
+            </a:bodyPr>
+            <a:lstStyle/>
+            <a:p>
+              <a:r>
+                <a:rPr lang="zh-CN" altLang="en-US" sz="1400" dirty="0">
+                  <a:solidFill>
+                    <a:schemeClr val="bg1"/>
+                  </a:solidFill>
+                  <a:latin typeface="Times New Roman" panose="02020603050405020304" pitchFamily="18" charset="0"/>
+                  <a:ea typeface="KaiTi_GB2312" panose="02010609030101010101" pitchFamily="49" charset="-122"/>
+                  <a:cs typeface="Times New Roman" panose="02020603050405020304" pitchFamily="18" charset="0"/>
+                </a:rPr>
+                <a:t>红色结点表示算法当前看到的数。</a:t>
+              </a:r>
+              <a:endParaRPr lang="en-US" altLang="zh-CN" sz="1400" dirty="0">
+                <a:solidFill>
+                  <a:schemeClr val="bg1"/>
+                </a:solidFill>
+                <a:latin typeface="Times New Roman" panose="02020603050405020304" pitchFamily="18" charset="0"/>
+                <a:ea typeface="KaiTi_GB2312" panose="02010609030101010101" pitchFamily="49" charset="-122"/>
+                <a:cs typeface="Times New Roman" panose="02020603050405020304" pitchFamily="18" charset="0"/>
+              </a:endParaRPr>
+            </a:p>
+          </p:txBody>
+        </p:sp>
+        <p:sp>
+          <p:nvSpPr>
+            <p:cNvPr id="22" name="矩形 21">
+              <a:extLst>
+                <a:ext uri="{FF2B5EF4-FFF2-40B4-BE49-F238E27FC236}">
+                  <a16:creationId xmlns:a16="http://schemas.microsoft.com/office/drawing/2014/main" id="{AC624095-335A-2D45-AD1E-A784EEB5900C}"/>
+                </a:ext>
+              </a:extLst>
+            </p:cNvPr>
+            <p:cNvSpPr/>
+            <p:nvPr/>
+          </p:nvSpPr>
+          <p:spPr>
+            <a:xfrm>
+              <a:off x="6625392" y="2231453"/>
+              <a:ext cx="5097216" cy="307777"/>
+            </a:xfrm>
+            <a:prstGeom prst="rect">
+              <a:avLst/>
+            </a:prstGeom>
+            <a:solidFill>
+              <a:srgbClr val="FF40FF"/>
+            </a:solidFill>
+            <a:effectLst>
+              <a:softEdge rad="31750"/>
+            </a:effectLst>
+          </p:spPr>
+          <p:txBody>
+            <a:bodyPr wrap="square">
+              <a:spAutoFit/>
+            </a:bodyPr>
+            <a:lstStyle/>
+            <a:p>
+              <a:r>
+                <a:rPr lang="zh-CN" altLang="en-US" sz="1400" dirty="0">
+                  <a:solidFill>
+                    <a:schemeClr val="bg1"/>
+                  </a:solidFill>
+                  <a:latin typeface="Times New Roman" panose="02020603050405020304" pitchFamily="18" charset="0"/>
+                  <a:ea typeface="KaiTi_GB2312" panose="02010609030101010101" pitchFamily="49" charset="-122"/>
+                  <a:cs typeface="Times New Roman" panose="02020603050405020304" pitchFamily="18" charset="0"/>
+                </a:rPr>
+                <a:t>粉色结点表示之前遍历过的数里，</a:t>
+              </a:r>
+              <a:r>
+                <a:rPr lang="zh-CN" altLang="en-US" sz="1400" b="1" dirty="0">
+                  <a:solidFill>
+                    <a:schemeClr val="bg1"/>
+                  </a:solidFill>
+                  <a:latin typeface="Times New Roman" panose="02020603050405020304" pitchFamily="18" charset="0"/>
+                  <a:ea typeface="KaiTi_GB2312" panose="02010609030101010101" pitchFamily="49" charset="-122"/>
+                  <a:cs typeface="Times New Roman" panose="02020603050405020304" pitchFamily="18" charset="0"/>
+                </a:rPr>
+                <a:t>严格</a:t>
+              </a:r>
+              <a:r>
+                <a:rPr lang="zh-CN" altLang="en-US" sz="1400" dirty="0">
+                  <a:solidFill>
+                    <a:schemeClr val="bg1"/>
+                  </a:solidFill>
+                  <a:latin typeface="Times New Roman" panose="02020603050405020304" pitchFamily="18" charset="0"/>
+                  <a:ea typeface="KaiTi_GB2312" panose="02010609030101010101" pitchFamily="49" charset="-122"/>
+                  <a:cs typeface="Times New Roman" panose="02020603050405020304" pitchFamily="18" charset="0"/>
+                </a:rPr>
+                <a:t>小于当前遍历看到的数。</a:t>
+              </a:r>
+              <a:endParaRPr lang="en-US" altLang="zh-CN" sz="1400" dirty="0">
+                <a:solidFill>
+                  <a:schemeClr val="bg1"/>
+                </a:solidFill>
+                <a:latin typeface="Times New Roman" panose="02020603050405020304" pitchFamily="18" charset="0"/>
+                <a:ea typeface="KaiTi_GB2312" panose="02010609030101010101" pitchFamily="49" charset="-122"/>
+                <a:cs typeface="Times New Roman" panose="02020603050405020304" pitchFamily="18" charset="0"/>
+              </a:endParaRPr>
+            </a:p>
+          </p:txBody>
+        </p:sp>
+        <p:sp>
+          <p:nvSpPr>
+            <p:cNvPr id="23" name="矩形 22">
+              <a:extLst>
+                <a:ext uri="{FF2B5EF4-FFF2-40B4-BE49-F238E27FC236}">
+                  <a16:creationId xmlns:a16="http://schemas.microsoft.com/office/drawing/2014/main" id="{50A4E39E-60D6-294B-B634-C60EB3DB48B1}"/>
+                </a:ext>
+              </a:extLst>
+            </p:cNvPr>
+            <p:cNvSpPr/>
+            <p:nvPr/>
+          </p:nvSpPr>
+          <p:spPr>
+            <a:xfrm>
+              <a:off x="6625392" y="1084169"/>
+              <a:ext cx="790598" cy="338554"/>
+            </a:xfrm>
+            <a:prstGeom prst="rect">
+              <a:avLst/>
+            </a:prstGeom>
+          </p:spPr>
+          <p:txBody>
+            <a:bodyPr wrap="square">
+              <a:spAutoFit/>
+            </a:bodyPr>
+            <a:lstStyle/>
+            <a:p>
+              <a:r>
+                <a:rPr lang="zh-CN" altLang="en-US" sz="1600" dirty="0">
+                  <a:latin typeface="Times New Roman" charset="0"/>
+                  <a:ea typeface="楷体" charset="-122"/>
+                  <a:cs typeface="Times New Roman" charset="0"/>
+                </a:rPr>
+                <a:t>图例：</a:t>
+              </a:r>
+            </a:p>
+          </p:txBody>
+        </p:sp>
+      </p:grpSp>
       <p:sp>
         <p:nvSpPr>
-          <p:cNvPr id="16" name="矩形 15">
+          <p:cNvPr id="24" name="矩形 23">
             <a:extLst>
               <a:ext uri="{FF2B5EF4-FFF2-40B4-BE49-F238E27FC236}">
-                <a16:creationId xmlns:a16="http://schemas.microsoft.com/office/drawing/2014/main" id="{86470241-5A53-594B-B6A6-6BC04359ED40}"/>
+                <a16:creationId xmlns:a16="http://schemas.microsoft.com/office/drawing/2014/main" id="{04B1EE19-D568-FB4D-96F7-4C53CDF68E82}"/>
               </a:ext>
             </a:extLst>
           </p:cNvPr>
@@ -2919,8 +4303,8 @@
         </p:nvSpPr>
         <p:spPr>
           <a:xfrm>
-            <a:off x="808475" y="1516857"/>
-            <a:ext cx="8448276" cy="400110"/>
+            <a:off x="808474" y="1370591"/>
+            <a:ext cx="9451093" cy="1015663"/>
           </a:xfrm>
           <a:prstGeom prst="rect">
             <a:avLst/>
@@ -2938,7 +4322,47 @@
                 <a:ea typeface="KaiTi_GB2312" panose="02010609030101010101" pitchFamily="49" charset="-122"/>
                 <a:cs typeface="Times New Roman" panose="02020603050405020304" pitchFamily="18" charset="0"/>
               </a:rPr>
-              <a:t>状态：以 </a:t>
+              <a:t>状态 </a:t>
+            </a:r>
+            <a:r>
+              <a:rPr lang="en-US" altLang="zh-CN" sz="2000" dirty="0" err="1">
+                <a:latin typeface="Times New Roman" panose="02020603050405020304" pitchFamily="18" charset="0"/>
+                <a:ea typeface="KaiTi_GB2312" panose="02010609030101010101" pitchFamily="49" charset="-122"/>
+                <a:cs typeface="Times New Roman" panose="02020603050405020304" pitchFamily="18" charset="0"/>
+              </a:rPr>
+              <a:t>dp</a:t>
+            </a:r>
+            <a:r>
+              <a:rPr lang="en-US" altLang="zh-CN" sz="2000" dirty="0">
+                <a:latin typeface="Times New Roman" panose="02020603050405020304" pitchFamily="18" charset="0"/>
+                <a:ea typeface="KaiTi_GB2312" panose="02010609030101010101" pitchFamily="49" charset="-122"/>
+                <a:cs typeface="Times New Roman" panose="02020603050405020304" pitchFamily="18" charset="0"/>
+              </a:rPr>
+              <a:t>[</a:t>
+            </a:r>
+            <a:r>
+              <a:rPr lang="en-US" altLang="zh-CN" sz="2000" dirty="0" err="1">
+                <a:latin typeface="Times New Roman" panose="02020603050405020304" pitchFamily="18" charset="0"/>
+                <a:ea typeface="KaiTi_GB2312" panose="02010609030101010101" pitchFamily="49" charset="-122"/>
+                <a:cs typeface="Times New Roman" panose="02020603050405020304" pitchFamily="18" charset="0"/>
+              </a:rPr>
+              <a:t>i</a:t>
+            </a:r>
+            <a:r>
+              <a:rPr lang="en-US" altLang="zh-CN" sz="2000" dirty="0">
+                <a:latin typeface="Times New Roman" panose="02020603050405020304" pitchFamily="18" charset="0"/>
+                <a:ea typeface="KaiTi_GB2312" panose="02010609030101010101" pitchFamily="49" charset="-122"/>
+                <a:cs typeface="Times New Roman" panose="02020603050405020304" pitchFamily="18" charset="0"/>
+              </a:rPr>
+              <a:t>]</a:t>
+            </a:r>
+            <a:r>
+              <a:rPr lang="zh-CN" altLang="en-US" sz="2000" dirty="0">
+                <a:latin typeface="Times New Roman" panose="02020603050405020304" pitchFamily="18" charset="0"/>
+                <a:ea typeface="KaiTi_GB2312" panose="02010609030101010101" pitchFamily="49" charset="-122"/>
+                <a:cs typeface="Times New Roman" panose="02020603050405020304" pitchFamily="18" charset="0"/>
+              </a:rPr>
+              <a:t>：以 </a:t>
             </a:r>
             <a:r>
               <a:rPr lang="en-US" altLang="zh-CN" sz="2000" dirty="0" err="1">
@@ -3005,14 +4429,180 @@
               <a:cs typeface="Times New Roman" panose="02020603050405020304" pitchFamily="18" charset="0"/>
             </a:endParaRPr>
           </a:p>
+          <a:p>
+            <a:endParaRPr lang="en-US" altLang="zh-CN" sz="2000" dirty="0">
+              <a:latin typeface="Times New Roman" panose="02020603050405020304" pitchFamily="18" charset="0"/>
+              <a:ea typeface="KaiTi_GB2312" panose="02010609030101010101" pitchFamily="49" charset="-122"/>
+              <a:cs typeface="Times New Roman" panose="02020603050405020304" pitchFamily="18" charset="0"/>
+            </a:endParaRPr>
+          </a:p>
+          <a:p>
+            <a:r>
+              <a:rPr lang="zh-CN" altLang="en-US" sz="2000" dirty="0">
+                <a:latin typeface="Times New Roman" panose="02020603050405020304" pitchFamily="18" charset="0"/>
+                <a:ea typeface="KaiTi_GB2312" panose="02010609030101010101" pitchFamily="49" charset="-122"/>
+                <a:cs typeface="Times New Roman" panose="02020603050405020304" pitchFamily="18" charset="0"/>
+              </a:rPr>
+              <a:t>状态转移方程：</a:t>
+            </a:r>
+            <a:r>
+              <a:rPr lang="en-US" altLang="zh-CN" dirty="0" err="1">
+                <a:latin typeface="Consolas" panose="020B0609020204030204" pitchFamily="49" charset="0"/>
+                <a:cs typeface="Consolas" panose="020B0609020204030204" pitchFamily="49" charset="0"/>
+              </a:rPr>
+              <a:t>dp</a:t>
+            </a:r>
+            <a:r>
+              <a:rPr lang="en-US" altLang="zh-CN" dirty="0">
+                <a:latin typeface="Consolas" panose="020B0609020204030204" pitchFamily="49" charset="0"/>
+                <a:cs typeface="Consolas" panose="020B0609020204030204" pitchFamily="49" charset="0"/>
+              </a:rPr>
+              <a:t>[</a:t>
+            </a:r>
+            <a:r>
+              <a:rPr lang="en-US" altLang="zh-CN" dirty="0" err="1">
+                <a:latin typeface="Consolas" panose="020B0609020204030204" pitchFamily="49" charset="0"/>
+                <a:cs typeface="Consolas" panose="020B0609020204030204" pitchFamily="49" charset="0"/>
+              </a:rPr>
+              <a:t>i</a:t>
+            </a:r>
+            <a:r>
+              <a:rPr lang="en-US" altLang="zh-CN" dirty="0">
+                <a:latin typeface="Consolas" panose="020B0609020204030204" pitchFamily="49" charset="0"/>
+                <a:cs typeface="Consolas" panose="020B0609020204030204" pitchFamily="49" charset="0"/>
+              </a:rPr>
+              <a:t>] = </a:t>
+            </a:r>
+            <a:r>
+              <a:rPr lang="en-US" altLang="zh-CN" dirty="0">
+                <a:solidFill>
+                  <a:srgbClr val="FF40FF"/>
+                </a:solidFill>
+                <a:latin typeface="Consolas" panose="020B0609020204030204" pitchFamily="49" charset="0"/>
+                <a:cs typeface="Consolas" panose="020B0609020204030204" pitchFamily="49" charset="0"/>
+              </a:rPr>
+              <a:t>max</a:t>
+            </a:r>
+            <a:r>
+              <a:rPr lang="en-US" altLang="zh-CN" dirty="0">
+                <a:latin typeface="Consolas" panose="020B0609020204030204" pitchFamily="49" charset="0"/>
+                <a:cs typeface="Consolas" panose="020B0609020204030204" pitchFamily="49" charset="0"/>
+              </a:rPr>
+              <a:t>{1 + </a:t>
+            </a:r>
+            <a:r>
+              <a:rPr lang="en-US" altLang="zh-CN" dirty="0" err="1">
+                <a:latin typeface="Consolas" panose="020B0609020204030204" pitchFamily="49" charset="0"/>
+                <a:cs typeface="Consolas" panose="020B0609020204030204" pitchFamily="49" charset="0"/>
+              </a:rPr>
+              <a:t>dp</a:t>
+            </a:r>
+            <a:r>
+              <a:rPr lang="en-US" altLang="zh-CN" dirty="0">
+                <a:latin typeface="Consolas" panose="020B0609020204030204" pitchFamily="49" charset="0"/>
+                <a:cs typeface="Consolas" panose="020B0609020204030204" pitchFamily="49" charset="0"/>
+              </a:rPr>
+              <a:t>[j] </a:t>
+            </a:r>
+            <a:r>
+              <a:rPr lang="en-US" altLang="zh-CN" dirty="0">
+                <a:solidFill>
+                  <a:srgbClr val="FF40FF"/>
+                </a:solidFill>
+                <a:latin typeface="Consolas" panose="020B0609020204030204" pitchFamily="49" charset="0"/>
+                <a:cs typeface="Consolas" panose="020B0609020204030204" pitchFamily="49" charset="0"/>
+              </a:rPr>
+              <a:t>for</a:t>
+            </a:r>
+            <a:r>
+              <a:rPr lang="en-US" altLang="zh-CN" dirty="0">
+                <a:latin typeface="Consolas" panose="020B0609020204030204" pitchFamily="49" charset="0"/>
+                <a:cs typeface="Consolas" panose="020B0609020204030204" pitchFamily="49" charset="0"/>
+              </a:rPr>
+              <a:t> j &lt; </a:t>
+            </a:r>
+            <a:r>
+              <a:rPr lang="en-US" altLang="zh-CN" dirty="0" err="1">
+                <a:latin typeface="Consolas" panose="020B0609020204030204" pitchFamily="49" charset="0"/>
+                <a:cs typeface="Consolas" panose="020B0609020204030204" pitchFamily="49" charset="0"/>
+              </a:rPr>
+              <a:t>i</a:t>
+            </a:r>
+            <a:r>
+              <a:rPr lang="en-US" altLang="zh-CN" dirty="0">
+                <a:latin typeface="Consolas" panose="020B0609020204030204" pitchFamily="49" charset="0"/>
+                <a:cs typeface="Consolas" panose="020B0609020204030204" pitchFamily="49" charset="0"/>
+              </a:rPr>
+              <a:t> </a:t>
+            </a:r>
+            <a:r>
+              <a:rPr lang="en-US" altLang="zh-CN" dirty="0">
+                <a:solidFill>
+                  <a:srgbClr val="FF40FF"/>
+                </a:solidFill>
+                <a:latin typeface="Consolas" panose="020B0609020204030204" pitchFamily="49" charset="0"/>
+                <a:cs typeface="Consolas" panose="020B0609020204030204" pitchFamily="49" charset="0"/>
+              </a:rPr>
+              <a:t>if</a:t>
+            </a:r>
+            <a:r>
+              <a:rPr lang="en-US" altLang="zh-CN" dirty="0">
+                <a:latin typeface="Consolas" panose="020B0609020204030204" pitchFamily="49" charset="0"/>
+                <a:cs typeface="Consolas" panose="020B0609020204030204" pitchFamily="49" charset="0"/>
+              </a:rPr>
+              <a:t> </a:t>
+            </a:r>
+            <a:r>
+              <a:rPr lang="en-US" altLang="zh-CN" dirty="0" err="1">
+                <a:latin typeface="Consolas" panose="020B0609020204030204" pitchFamily="49" charset="0"/>
+                <a:cs typeface="Consolas" panose="020B0609020204030204" pitchFamily="49" charset="0"/>
+              </a:rPr>
+              <a:t>nums</a:t>
+            </a:r>
+            <a:r>
+              <a:rPr lang="en-US" altLang="zh-CN" dirty="0">
+                <a:latin typeface="Consolas" panose="020B0609020204030204" pitchFamily="49" charset="0"/>
+                <a:cs typeface="Consolas" panose="020B0609020204030204" pitchFamily="49" charset="0"/>
+              </a:rPr>
+              <a:t>[j] &lt; </a:t>
+            </a:r>
+            <a:r>
+              <a:rPr lang="en-US" altLang="zh-CN" dirty="0" err="1">
+                <a:latin typeface="Consolas" panose="020B0609020204030204" pitchFamily="49" charset="0"/>
+                <a:cs typeface="Consolas" panose="020B0609020204030204" pitchFamily="49" charset="0"/>
+              </a:rPr>
+              <a:t>nums</a:t>
+            </a:r>
+            <a:r>
+              <a:rPr lang="en-US" altLang="zh-CN" dirty="0">
+                <a:latin typeface="Consolas" panose="020B0609020204030204" pitchFamily="49" charset="0"/>
+                <a:cs typeface="Consolas" panose="020B0609020204030204" pitchFamily="49" charset="0"/>
+              </a:rPr>
+              <a:t>[</a:t>
+            </a:r>
+            <a:r>
+              <a:rPr lang="en-US" altLang="zh-CN" dirty="0" err="1">
+                <a:latin typeface="Consolas" panose="020B0609020204030204" pitchFamily="49" charset="0"/>
+                <a:cs typeface="Consolas" panose="020B0609020204030204" pitchFamily="49" charset="0"/>
+              </a:rPr>
+              <a:t>i</a:t>
+            </a:r>
+            <a:r>
+              <a:rPr lang="en-US" altLang="zh-CN" dirty="0">
+                <a:latin typeface="Consolas" panose="020B0609020204030204" pitchFamily="49" charset="0"/>
+                <a:cs typeface="Consolas" panose="020B0609020204030204" pitchFamily="49" charset="0"/>
+              </a:rPr>
+              <a:t>]}</a:t>
+            </a:r>
+          </a:p>
         </p:txBody>
       </p:sp>
       <p:sp>
         <p:nvSpPr>
-          <p:cNvPr id="17" name="文本框 16">
+          <p:cNvPr id="25" name="文本框 24">
             <a:extLst>
               <a:ext uri="{FF2B5EF4-FFF2-40B4-BE49-F238E27FC236}">
-                <a16:creationId xmlns:a16="http://schemas.microsoft.com/office/drawing/2014/main" id="{FFDFDD3F-2B56-2A4F-BC43-5418BC830DDE}"/>
+                <a16:creationId xmlns:a16="http://schemas.microsoft.com/office/drawing/2014/main" id="{98E755D5-E6A9-554F-9F5B-32D2CA555039}"/>
               </a:ext>
             </a:extLst>
           </p:cNvPr>
@@ -3021,8 +4611,8 @@
         </p:nvSpPr>
         <p:spPr>
           <a:xfrm flipH="1">
-            <a:off x="808475" y="804715"/>
-            <a:ext cx="3050881" cy="461665"/>
+            <a:off x="808474" y="835492"/>
+            <a:ext cx="2472607" cy="400110"/>
           </a:xfrm>
           <a:prstGeom prst="rect">
             <a:avLst/>
@@ -3052,7 +4642,7 @@
               <a:buChar char="Ø"/>
             </a:pPr>
             <a:r>
-              <a:rPr kumimoji="1" lang="zh-CN" altLang="en-US" sz="2400" b="1" dirty="0">
+              <a:rPr kumimoji="1" lang="zh-CN" altLang="en-US" sz="2000" b="1" dirty="0">
                 <a:solidFill>
                   <a:schemeClr val="bg1"/>
                 </a:solidFill>
@@ -3067,10 +4657,10 @@
       </p:sp>
       <p:sp>
         <p:nvSpPr>
-          <p:cNvPr id="11" name="矩形 10">
+          <p:cNvPr id="8" name="矩形 7">
             <a:extLst>
               <a:ext uri="{FF2B5EF4-FFF2-40B4-BE49-F238E27FC236}">
-                <a16:creationId xmlns:a16="http://schemas.microsoft.com/office/drawing/2014/main" id="{1C9D0AE9-829E-224F-B5C7-23496DC52FAC}"/>
+                <a16:creationId xmlns:a16="http://schemas.microsoft.com/office/drawing/2014/main" id="{50C958EE-4211-6C46-916B-94AB9B3B8134}"/>
               </a:ext>
             </a:extLst>
           </p:cNvPr>
@@ -3079,57 +4669,75 @@
         </p:nvSpPr>
         <p:spPr>
           <a:xfrm>
-            <a:off x="808475" y="1876685"/>
-            <a:ext cx="7144283" cy="738664"/>
+            <a:off x="4421272" y="4923012"/>
+            <a:ext cx="7943200" cy="1015663"/>
           </a:xfrm>
           <a:prstGeom prst="rect">
             <a:avLst/>
           </a:prstGeom>
         </p:spPr>
         <p:txBody>
-          <a:bodyPr wrap="square">
+          <a:bodyPr wrap="none">
             <a:spAutoFit/>
           </a:bodyPr>
           <a:lstStyle/>
           <a:p>
             <a:r>
-              <a:rPr lang="zh-CN" altLang="en-US" sz="1400" dirty="0">
-                <a:latin typeface="Times New Roman" panose="02020603050405020304" pitchFamily="18" charset="0"/>
-                <a:ea typeface="KaiTi_GB2312" panose="02010609030101010101" pitchFamily="49" charset="-122"/>
-                <a:cs typeface="Times New Roman" panose="02020603050405020304" pitchFamily="18" charset="0"/>
-              </a:rPr>
-              <a:t>图例：</a:t>
-            </a:r>
-            <a:endParaRPr lang="en-US" altLang="zh-CN" sz="1400" dirty="0">
+              <a:rPr lang="en-US" altLang="zh-CN" sz="2000" dirty="0">
+                <a:latin typeface="Times New Roman" panose="02020603050405020304" pitchFamily="18" charset="0"/>
+                <a:ea typeface="KaiTi_GB2312" panose="02010609030101010101" pitchFamily="49" charset="-122"/>
+                <a:cs typeface="Times New Roman" panose="02020603050405020304" pitchFamily="18" charset="0"/>
+              </a:rPr>
+              <a:t>24</a:t>
+            </a:r>
+            <a:r>
+              <a:rPr lang="zh-CN" altLang="en-US" sz="2000" dirty="0">
+                <a:latin typeface="Times New Roman" panose="02020603050405020304" pitchFamily="18" charset="0"/>
+                <a:ea typeface="KaiTi_GB2312" panose="02010609030101010101" pitchFamily="49" charset="-122"/>
+                <a:cs typeface="Times New Roman" panose="02020603050405020304" pitchFamily="18" charset="0"/>
+              </a:rPr>
+              <a:t> 可以接在 </a:t>
+            </a:r>
+            <a:r>
+              <a:rPr lang="en-US" altLang="zh-CN" sz="2000" dirty="0">
+                <a:latin typeface="Times New Roman" panose="02020603050405020304" pitchFamily="18" charset="0"/>
+                <a:ea typeface="KaiTi_GB2312" panose="02010609030101010101" pitchFamily="49" charset="-122"/>
+                <a:cs typeface="Times New Roman" panose="02020603050405020304" pitchFamily="18" charset="0"/>
+              </a:rPr>
+              <a:t>14</a:t>
+            </a:r>
+            <a:r>
+              <a:rPr lang="zh-CN" altLang="en-US" sz="2000" dirty="0">
+                <a:latin typeface="Times New Roman" panose="02020603050405020304" pitchFamily="18" charset="0"/>
+                <a:ea typeface="KaiTi_GB2312" panose="02010609030101010101" pitchFamily="49" charset="-122"/>
+                <a:cs typeface="Times New Roman" panose="02020603050405020304" pitchFamily="18" charset="0"/>
+              </a:rPr>
+              <a:t> 的后面形成一个以 </a:t>
+            </a:r>
+            <a:r>
+              <a:rPr lang="en-US" altLang="zh-CN" sz="2000" dirty="0">
+                <a:latin typeface="Times New Roman" panose="02020603050405020304" pitchFamily="18" charset="0"/>
+                <a:ea typeface="KaiTi_GB2312" panose="02010609030101010101" pitchFamily="49" charset="-122"/>
+                <a:cs typeface="Times New Roman" panose="02020603050405020304" pitchFamily="18" charset="0"/>
+              </a:rPr>
+              <a:t>24</a:t>
+            </a:r>
+            <a:r>
+              <a:rPr lang="zh-CN" altLang="en-US" sz="2000" dirty="0">
+                <a:latin typeface="Times New Roman" panose="02020603050405020304" pitchFamily="18" charset="0"/>
+                <a:ea typeface="KaiTi_GB2312" panose="02010609030101010101" pitchFamily="49" charset="-122"/>
+                <a:cs typeface="Times New Roman" panose="02020603050405020304" pitchFamily="18" charset="0"/>
+              </a:rPr>
+              <a:t> 结尾的更长的“上升子序列”。</a:t>
+            </a:r>
+            <a:endParaRPr lang="en-US" altLang="zh-CN" sz="2000" dirty="0">
               <a:latin typeface="Times New Roman" panose="02020603050405020304" pitchFamily="18" charset="0"/>
               <a:ea typeface="KaiTi_GB2312" panose="02010609030101010101" pitchFamily="49" charset="-122"/>
               <a:cs typeface="Times New Roman" panose="02020603050405020304" pitchFamily="18" charset="0"/>
             </a:endParaRPr>
           </a:p>
           <a:p>
-            <a:r>
-              <a:rPr lang="zh-CN" altLang="en-US" sz="1400" b="1" dirty="0">
-                <a:solidFill>
-                  <a:schemeClr val="bg1"/>
-                </a:solidFill>
-                <a:highlight>
-                  <a:srgbClr val="FF0000"/>
-                </a:highlight>
-                <a:latin typeface="Times New Roman" panose="02020603050405020304" pitchFamily="18" charset="0"/>
-                <a:ea typeface="KaiTi_GB2312" panose="02010609030101010101" pitchFamily="49" charset="-122"/>
-                <a:cs typeface="Times New Roman" panose="02020603050405020304" pitchFamily="18" charset="0"/>
-              </a:rPr>
-              <a:t>红色</a:t>
-            </a:r>
-            <a:r>
-              <a:rPr lang="zh-CN" altLang="en-US" sz="1400" dirty="0">
-                <a:latin typeface="Times New Roman" panose="02020603050405020304" pitchFamily="18" charset="0"/>
-                <a:ea typeface="KaiTi_GB2312" panose="02010609030101010101" pitchFamily="49" charset="-122"/>
-                <a:cs typeface="Times New Roman" panose="02020603050405020304" pitchFamily="18" charset="0"/>
-              </a:rPr>
-              <a:t>表示代码在当前遍历看到的数；</a:t>
-            </a:r>
-            <a:endParaRPr lang="en-US" altLang="zh-CN" sz="1400" dirty="0">
+            <a:endParaRPr lang="en-US" altLang="zh-CN" sz="2000" dirty="0">
               <a:latin typeface="Times New Roman" panose="02020603050405020304" pitchFamily="18" charset="0"/>
               <a:ea typeface="KaiTi_GB2312" panose="02010609030101010101" pitchFamily="49" charset="-122"/>
               <a:cs typeface="Times New Roman" panose="02020603050405020304" pitchFamily="18" charset="0"/>
@@ -3137,27 +4745,154 @@
           </a:p>
           <a:p>
             <a:r>
-              <a:rPr lang="zh-CN" altLang="en-US" sz="1400" dirty="0">
-                <a:solidFill>
-                  <a:schemeClr val="bg1"/>
-                </a:solidFill>
-                <a:highlight>
-                  <a:srgbClr val="FF00FF"/>
-                </a:highlight>
-                <a:latin typeface="Times New Roman" panose="02020603050405020304" pitchFamily="18" charset="0"/>
-                <a:ea typeface="KaiTi_GB2312" panose="02010609030101010101" pitchFamily="49" charset="-122"/>
-                <a:cs typeface="Times New Roman" panose="02020603050405020304" pitchFamily="18" charset="0"/>
-              </a:rPr>
-              <a:t>粉红色</a:t>
-            </a:r>
-            <a:r>
-              <a:rPr lang="zh-CN" altLang="en-US" sz="1400" dirty="0">
-                <a:latin typeface="Times New Roman" panose="02020603050405020304" pitchFamily="18" charset="0"/>
-                <a:ea typeface="KaiTi_GB2312" panose="02010609030101010101" pitchFamily="49" charset="-122"/>
-                <a:cs typeface="Times New Roman" panose="02020603050405020304" pitchFamily="18" charset="0"/>
-              </a:rPr>
-              <a:t>表示，之前遍历过的数里，（严格）小于当前遍历看到的数（被红色标注）。</a:t>
-            </a:r>
+              <a:rPr lang="en-US" altLang="zh-CN" sz="2000" dirty="0">
+                <a:latin typeface="Times New Roman" panose="02020603050405020304" pitchFamily="18" charset="0"/>
+                <a:ea typeface="KaiTi_GB2312" panose="02010609030101010101" pitchFamily="49" charset="-122"/>
+                <a:cs typeface="Times New Roman" panose="02020603050405020304" pitchFamily="18" charset="0"/>
+              </a:rPr>
+              <a:t>9</a:t>
+            </a:r>
+            <a:r>
+              <a:rPr lang="zh-CN" altLang="en-US" sz="2000" dirty="0">
+                <a:latin typeface="Times New Roman" panose="02020603050405020304" pitchFamily="18" charset="0"/>
+                <a:ea typeface="KaiTi_GB2312" panose="02010609030101010101" pitchFamily="49" charset="-122"/>
+                <a:cs typeface="Times New Roman" panose="02020603050405020304" pitchFamily="18" charset="0"/>
+              </a:rPr>
+              <a:t> 、</a:t>
+            </a:r>
+            <a:r>
+              <a:rPr lang="en-US" altLang="zh-CN" sz="2000" dirty="0">
+                <a:latin typeface="Times New Roman" panose="02020603050405020304" pitchFamily="18" charset="0"/>
+                <a:ea typeface="KaiTi_GB2312" panose="02010609030101010101" pitchFamily="49" charset="-122"/>
+                <a:cs typeface="Times New Roman" panose="02020603050405020304" pitchFamily="18" charset="0"/>
+              </a:rPr>
+              <a:t>14</a:t>
+            </a:r>
+            <a:r>
+              <a:rPr lang="zh-CN" altLang="en-US" sz="2000" dirty="0">
+                <a:latin typeface="Times New Roman" panose="02020603050405020304" pitchFamily="18" charset="0"/>
+                <a:ea typeface="KaiTi_GB2312" panose="02010609030101010101" pitchFamily="49" charset="-122"/>
+                <a:cs typeface="Times New Roman" panose="02020603050405020304" pitchFamily="18" charset="0"/>
+              </a:rPr>
+              <a:t> 下面的数最大为 </a:t>
+            </a:r>
+            <a:r>
+              <a:rPr lang="en-US" altLang="zh-CN" sz="2000" dirty="0">
+                <a:latin typeface="Times New Roman" panose="02020603050405020304" pitchFamily="18" charset="0"/>
+                <a:ea typeface="KaiTi_GB2312" panose="02010609030101010101" pitchFamily="49" charset="-122"/>
+                <a:cs typeface="Times New Roman" panose="02020603050405020304" pitchFamily="18" charset="0"/>
+              </a:rPr>
+              <a:t>2</a:t>
+            </a:r>
+            <a:r>
+              <a:rPr lang="zh-CN" altLang="en-US" sz="2000" dirty="0">
+                <a:latin typeface="Times New Roman" panose="02020603050405020304" pitchFamily="18" charset="0"/>
+                <a:ea typeface="KaiTi_GB2312" panose="02010609030101010101" pitchFamily="49" charset="-122"/>
+                <a:cs typeface="Times New Roman" panose="02020603050405020304" pitchFamily="18" charset="0"/>
+              </a:rPr>
+              <a:t>，因此 </a:t>
+            </a:r>
+            <a:r>
+              <a:rPr lang="en-US" altLang="zh-CN" sz="2000" dirty="0">
+                <a:latin typeface="Times New Roman" panose="02020603050405020304" pitchFamily="18" charset="0"/>
+                <a:ea typeface="KaiTi_GB2312" panose="02010609030101010101" pitchFamily="49" charset="-122"/>
+                <a:cs typeface="Times New Roman" panose="02020603050405020304" pitchFamily="18" charset="0"/>
+              </a:rPr>
+              <a:t>24</a:t>
+            </a:r>
+            <a:r>
+              <a:rPr lang="zh-CN" altLang="en-US" sz="2000" dirty="0">
+                <a:latin typeface="Times New Roman" panose="02020603050405020304" pitchFamily="18" charset="0"/>
+                <a:ea typeface="KaiTi_GB2312" panose="02010609030101010101" pitchFamily="49" charset="-122"/>
+                <a:cs typeface="Times New Roman" panose="02020603050405020304" pitchFamily="18" charset="0"/>
+              </a:rPr>
+              <a:t> 的下面填 </a:t>
+            </a:r>
+            <a:r>
+              <a:rPr lang="en-US" altLang="zh-CN" sz="2000" dirty="0">
+                <a:latin typeface="Times New Roman" panose="02020603050405020304" pitchFamily="18" charset="0"/>
+                <a:ea typeface="KaiTi_GB2312" panose="02010609030101010101" pitchFamily="49" charset="-122"/>
+                <a:cs typeface="Times New Roman" panose="02020603050405020304" pitchFamily="18" charset="0"/>
+              </a:rPr>
+              <a:t>2</a:t>
+            </a:r>
+            <a:r>
+              <a:rPr lang="zh-CN" altLang="en-US" sz="2000" dirty="0">
+                <a:latin typeface="Times New Roman" panose="02020603050405020304" pitchFamily="18" charset="0"/>
+                <a:ea typeface="KaiTi_GB2312" panose="02010609030101010101" pitchFamily="49" charset="-122"/>
+                <a:cs typeface="Times New Roman" panose="02020603050405020304" pitchFamily="18" charset="0"/>
+              </a:rPr>
+              <a:t> </a:t>
+            </a:r>
+            <a:r>
+              <a:rPr lang="en-US" altLang="zh-CN" sz="2000" dirty="0">
+                <a:latin typeface="Times New Roman" panose="02020603050405020304" pitchFamily="18" charset="0"/>
+                <a:ea typeface="KaiTi_GB2312" panose="02010609030101010101" pitchFamily="49" charset="-122"/>
+                <a:cs typeface="Times New Roman" panose="02020603050405020304" pitchFamily="18" charset="0"/>
+              </a:rPr>
+              <a:t>+</a:t>
+            </a:r>
+            <a:r>
+              <a:rPr lang="zh-CN" altLang="en-US" sz="2000" dirty="0">
+                <a:latin typeface="Times New Roman" panose="02020603050405020304" pitchFamily="18" charset="0"/>
+                <a:ea typeface="KaiTi_GB2312" panose="02010609030101010101" pitchFamily="49" charset="-122"/>
+                <a:cs typeface="Times New Roman" panose="02020603050405020304" pitchFamily="18" charset="0"/>
+              </a:rPr>
+              <a:t> </a:t>
+            </a:r>
+            <a:r>
+              <a:rPr lang="en-US" altLang="zh-CN" sz="2000" dirty="0">
+                <a:latin typeface="Times New Roman" panose="02020603050405020304" pitchFamily="18" charset="0"/>
+                <a:ea typeface="KaiTi_GB2312" panose="02010609030101010101" pitchFamily="49" charset="-122"/>
+                <a:cs typeface="Times New Roman" panose="02020603050405020304" pitchFamily="18" charset="0"/>
+              </a:rPr>
+              <a:t>1</a:t>
+            </a:r>
+            <a:r>
+              <a:rPr lang="zh-CN" altLang="en-US" sz="2000" dirty="0">
+                <a:latin typeface="Times New Roman" panose="02020603050405020304" pitchFamily="18" charset="0"/>
+                <a:ea typeface="KaiTi_GB2312" panose="02010609030101010101" pitchFamily="49" charset="-122"/>
+                <a:cs typeface="Times New Roman" panose="02020603050405020304" pitchFamily="18" charset="0"/>
+              </a:rPr>
+              <a:t> </a:t>
+            </a:r>
+            <a:r>
+              <a:rPr lang="en-US" altLang="zh-CN" sz="2000" dirty="0">
+                <a:latin typeface="Times New Roman" panose="02020603050405020304" pitchFamily="18" charset="0"/>
+                <a:ea typeface="KaiTi_GB2312" panose="02010609030101010101" pitchFamily="49" charset="-122"/>
+                <a:cs typeface="Times New Roman" panose="02020603050405020304" pitchFamily="18" charset="0"/>
+              </a:rPr>
+              <a:t>=</a:t>
+            </a:r>
+            <a:r>
+              <a:rPr lang="zh-CN" altLang="en-US" sz="2000" dirty="0">
+                <a:latin typeface="Times New Roman" panose="02020603050405020304" pitchFamily="18" charset="0"/>
+                <a:ea typeface="KaiTi_GB2312" panose="02010609030101010101" pitchFamily="49" charset="-122"/>
+                <a:cs typeface="Times New Roman" panose="02020603050405020304" pitchFamily="18" charset="0"/>
+              </a:rPr>
+              <a:t> </a:t>
+            </a:r>
+            <a:r>
+              <a:rPr lang="en-US" altLang="zh-CN" sz="2000" dirty="0">
+                <a:latin typeface="Times New Roman" panose="02020603050405020304" pitchFamily="18" charset="0"/>
+                <a:ea typeface="KaiTi_GB2312" panose="02010609030101010101" pitchFamily="49" charset="-122"/>
+                <a:cs typeface="Times New Roman" panose="02020603050405020304" pitchFamily="18" charset="0"/>
+              </a:rPr>
+              <a:t>3 </a:t>
+            </a:r>
+            <a:r>
+              <a:rPr lang="zh-CN" altLang="en-US" sz="2000" dirty="0">
+                <a:latin typeface="Times New Roman" panose="02020603050405020304" pitchFamily="18" charset="0"/>
+                <a:ea typeface="KaiTi_GB2312" panose="02010609030101010101" pitchFamily="49" charset="-122"/>
+                <a:cs typeface="Times New Roman" panose="02020603050405020304" pitchFamily="18" charset="0"/>
+              </a:rPr>
+              <a:t>。</a:t>
+            </a:r>
+            <a:endParaRPr lang="en-US" altLang="zh-CN" sz="2000" dirty="0">
+              <a:latin typeface="Times New Roman" panose="02020603050405020304" pitchFamily="18" charset="0"/>
+              <a:ea typeface="KaiTi_GB2312" panose="02010609030101010101" pitchFamily="49" charset="-122"/>
+              <a:cs typeface="Times New Roman" panose="02020603050405020304" pitchFamily="18" charset="0"/>
+            </a:endParaRPr>
           </a:p>
         </p:txBody>
       </p:sp>
@@ -3310,8 +5045,8 @@
         </p:nvSpPr>
         <p:spPr>
           <a:xfrm>
-            <a:off x="2417916" y="5206699"/>
-            <a:ext cx="8599818" cy="1015663"/>
+            <a:off x="5612351" y="4904923"/>
+            <a:ext cx="5884551" cy="1323439"/>
           </a:xfrm>
           <a:prstGeom prst="rect">
             <a:avLst/>
@@ -3353,14 +5088,29 @@
                 <a:ea typeface="KaiTi_GB2312" panose="02010609030101010101" pitchFamily="49" charset="-122"/>
                 <a:cs typeface="Times New Roman" panose="02020603050405020304" pitchFamily="18" charset="0"/>
               </a:rPr>
-              <a:t> 的后面，才会形成一个更长的“上升子序列”（以 </a:t>
-            </a:r>
-            <a:r>
+              <a:t> 的后面，</a:t>
+            </a:r>
+            <a:br>
               <a:rPr lang="en-US" altLang="zh-CN" sz="2000" dirty="0">
                 <a:latin typeface="Times New Roman" panose="02020603050405020304" pitchFamily="18" charset="0"/>
                 <a:ea typeface="KaiTi_GB2312" panose="02010609030101010101" pitchFamily="49" charset="-122"/>
                 <a:cs typeface="Times New Roman" panose="02020603050405020304" pitchFamily="18" charset="0"/>
               </a:rPr>
+            </a:br>
+            <a:r>
+              <a:rPr lang="zh-CN" altLang="en-US" sz="2000" dirty="0">
+                <a:latin typeface="Times New Roman" panose="02020603050405020304" pitchFamily="18" charset="0"/>
+                <a:ea typeface="KaiTi_GB2312" panose="02010609030101010101" pitchFamily="49" charset="-122"/>
+                <a:cs typeface="Times New Roman" panose="02020603050405020304" pitchFamily="18" charset="0"/>
+              </a:rPr>
+              <a:t>才会形成一个以 </a:t>
+            </a:r>
+            <a:r>
+              <a:rPr lang="en-US" altLang="zh-CN" sz="2000" dirty="0">
+                <a:latin typeface="Times New Roman" panose="02020603050405020304" pitchFamily="18" charset="0"/>
+                <a:ea typeface="KaiTi_GB2312" panose="02010609030101010101" pitchFamily="49" charset="-122"/>
+                <a:cs typeface="Times New Roman" panose="02020603050405020304" pitchFamily="18" charset="0"/>
+              </a:rPr>
               <a:t>12</a:t>
             </a:r>
             <a:r>
@@ -3369,7 +5119,7 @@
                 <a:ea typeface="KaiTi_GB2312" panose="02010609030101010101" pitchFamily="49" charset="-122"/>
                 <a:cs typeface="Times New Roman" panose="02020603050405020304" pitchFamily="18" charset="0"/>
               </a:rPr>
-              <a:t> 结尾） 。</a:t>
+              <a:t> 结尾的更长的“上升子序列”。</a:t>
             </a:r>
             <a:endParaRPr lang="en-US" altLang="zh-CN" sz="2000" dirty="0">
               <a:latin typeface="Times New Roman" panose="02020603050405020304" pitchFamily="18" charset="0"/>
@@ -3644,108 +5394,6 @@
       </p:sp>
       <p:sp>
         <p:nvSpPr>
-          <p:cNvPr id="15" name="矩形 14">
-            <a:extLst>
-              <a:ext uri="{FF2B5EF4-FFF2-40B4-BE49-F238E27FC236}">
-                <a16:creationId xmlns:a16="http://schemas.microsoft.com/office/drawing/2014/main" id="{F6D7FBC6-FE88-6541-AB5C-42DDF828EBF0}"/>
-              </a:ext>
-            </a:extLst>
-          </p:cNvPr>
-          <p:cNvSpPr/>
-          <p:nvPr/>
-        </p:nvSpPr>
-        <p:spPr>
-          <a:xfrm>
-            <a:off x="808475" y="1516857"/>
-            <a:ext cx="8448276" cy="400110"/>
-          </a:xfrm>
-          <a:prstGeom prst="rect">
-            <a:avLst/>
-          </a:prstGeom>
-        </p:spPr>
-        <p:txBody>
-          <a:bodyPr wrap="square">
-            <a:spAutoFit/>
-          </a:bodyPr>
-          <a:lstStyle/>
-          <a:p>
-            <a:r>
-              <a:rPr lang="zh-CN" altLang="en-US" sz="2000" dirty="0">
-                <a:latin typeface="Times New Roman" panose="02020603050405020304" pitchFamily="18" charset="0"/>
-                <a:ea typeface="KaiTi_GB2312" panose="02010609030101010101" pitchFamily="49" charset="-122"/>
-                <a:cs typeface="Times New Roman" panose="02020603050405020304" pitchFamily="18" charset="0"/>
-              </a:rPr>
-              <a:t>状态：以 </a:t>
-            </a:r>
-            <a:r>
-              <a:rPr lang="en-US" altLang="zh-CN" sz="2000" dirty="0" err="1">
-                <a:latin typeface="Times New Roman" panose="02020603050405020304" pitchFamily="18" charset="0"/>
-                <a:ea typeface="KaiTi_GB2312" panose="02010609030101010101" pitchFamily="49" charset="-122"/>
-                <a:cs typeface="Times New Roman" panose="02020603050405020304" pitchFamily="18" charset="0"/>
-              </a:rPr>
-              <a:t>nums</a:t>
-            </a:r>
-            <a:r>
-              <a:rPr lang="en-US" altLang="zh-CN" sz="2000" dirty="0">
-                <a:latin typeface="Times New Roman" panose="02020603050405020304" pitchFamily="18" charset="0"/>
-                <a:ea typeface="KaiTi_GB2312" panose="02010609030101010101" pitchFamily="49" charset="-122"/>
-                <a:cs typeface="Times New Roman" panose="02020603050405020304" pitchFamily="18" charset="0"/>
-              </a:rPr>
-              <a:t>[</a:t>
-            </a:r>
-            <a:r>
-              <a:rPr lang="en-US" altLang="zh-CN" sz="2000" dirty="0" err="1">
-                <a:latin typeface="Times New Roman" panose="02020603050405020304" pitchFamily="18" charset="0"/>
-                <a:ea typeface="KaiTi_GB2312" panose="02010609030101010101" pitchFamily="49" charset="-122"/>
-                <a:cs typeface="Times New Roman" panose="02020603050405020304" pitchFamily="18" charset="0"/>
-              </a:rPr>
-              <a:t>i</a:t>
-            </a:r>
-            <a:r>
-              <a:rPr lang="en-US" altLang="zh-CN" sz="2000" dirty="0">
-                <a:latin typeface="Times New Roman" panose="02020603050405020304" pitchFamily="18" charset="0"/>
-                <a:ea typeface="KaiTi_GB2312" panose="02010609030101010101" pitchFamily="49" charset="-122"/>
-                <a:cs typeface="Times New Roman" panose="02020603050405020304" pitchFamily="18" charset="0"/>
-              </a:rPr>
-              <a:t>]</a:t>
-            </a:r>
-            <a:r>
-              <a:rPr lang="zh-CN" altLang="en-US" sz="2000" dirty="0">
-                <a:latin typeface="Times New Roman" panose="02020603050405020304" pitchFamily="18" charset="0"/>
-                <a:ea typeface="KaiTi_GB2312" panose="02010609030101010101" pitchFamily="49" charset="-122"/>
-                <a:cs typeface="Times New Roman" panose="02020603050405020304" pitchFamily="18" charset="0"/>
-              </a:rPr>
-              <a:t> </a:t>
-            </a:r>
-            <a:r>
-              <a:rPr lang="zh-CN" altLang="en-US" sz="2000" b="1" dirty="0">
-                <a:solidFill>
-                  <a:srgbClr val="FF0000"/>
-                </a:solidFill>
-                <a:latin typeface="Times New Roman" panose="02020603050405020304" pitchFamily="18" charset="0"/>
-                <a:ea typeface="KaiTi_GB2312" panose="02010609030101010101" pitchFamily="49" charset="-122"/>
-                <a:cs typeface="Times New Roman" panose="02020603050405020304" pitchFamily="18" charset="0"/>
-              </a:rPr>
-              <a:t>结尾</a:t>
-            </a:r>
-            <a:r>
-              <a:rPr lang="zh-CN" altLang="en-US" sz="2000" dirty="0">
-                <a:latin typeface="Times New Roman" panose="02020603050405020304" pitchFamily="18" charset="0"/>
-                <a:ea typeface="KaiTi_GB2312" panose="02010609030101010101" pitchFamily="49" charset="-122"/>
-                <a:cs typeface="Times New Roman" panose="02020603050405020304" pitchFamily="18" charset="0"/>
-              </a:rPr>
-              <a:t>的“最长上升子序列”的长度。</a:t>
-            </a:r>
-            <a:endParaRPr lang="en-US" altLang="zh-CN" sz="2000" dirty="0">
-              <a:latin typeface="Times New Roman" panose="02020603050405020304" pitchFamily="18" charset="0"/>
-              <a:ea typeface="KaiTi_GB2312" panose="02010609030101010101" pitchFamily="49" charset="-122"/>
-              <a:cs typeface="Times New Roman" panose="02020603050405020304" pitchFamily="18" charset="0"/>
-            </a:endParaRPr>
-          </a:p>
-        </p:txBody>
-      </p:sp>
-      <p:sp>
-        <p:nvSpPr>
           <p:cNvPr id="17" name="文本框 16">
             <a:extLst>
               <a:ext uri="{FF2B5EF4-FFF2-40B4-BE49-F238E27FC236}">
@@ -3802,12 +5450,312 @@
           </a:p>
         </p:txBody>
       </p:sp>
+      <p:grpSp>
+        <p:nvGrpSpPr>
+          <p:cNvPr id="13" name="组合 12">
+            <a:extLst>
+              <a:ext uri="{FF2B5EF4-FFF2-40B4-BE49-F238E27FC236}">
+                <a16:creationId xmlns:a16="http://schemas.microsoft.com/office/drawing/2014/main" id="{68950014-743B-2448-B12E-0EC9C08A62AF}"/>
+              </a:ext>
+            </a:extLst>
+          </p:cNvPr>
+          <p:cNvGrpSpPr/>
+          <p:nvPr/>
+        </p:nvGrpSpPr>
+        <p:grpSpPr>
+          <a:xfrm>
+            <a:off x="180985" y="5154034"/>
+            <a:ext cx="5353035" cy="1604167"/>
+            <a:chOff x="6519671" y="1084169"/>
+            <a:chExt cx="5353035" cy="1604167"/>
+          </a:xfrm>
+        </p:grpSpPr>
+        <p:sp>
+          <p:nvSpPr>
+            <p:cNvPr id="18" name="矩形 17">
+              <a:extLst>
+                <a:ext uri="{FF2B5EF4-FFF2-40B4-BE49-F238E27FC236}">
+                  <a16:creationId xmlns:a16="http://schemas.microsoft.com/office/drawing/2014/main" id="{70F19A18-4402-8B4C-80D6-C77A4284B0E6}"/>
+                </a:ext>
+              </a:extLst>
+            </p:cNvPr>
+            <p:cNvSpPr/>
+            <p:nvPr/>
+          </p:nvSpPr>
+          <p:spPr>
+            <a:xfrm>
+              <a:off x="6519671" y="1084170"/>
+              <a:ext cx="5353035" cy="1604166"/>
+            </a:xfrm>
+            <a:prstGeom prst="rect">
+              <a:avLst/>
+            </a:prstGeom>
+            <a:solidFill>
+              <a:srgbClr val="FFFF00">
+                <a:alpha val="20000"/>
+              </a:srgbClr>
+            </a:solidFill>
+            <a:ln>
+              <a:noFill/>
+            </a:ln>
+          </p:spPr>
+          <p:style>
+            <a:lnRef idx="2">
+              <a:schemeClr val="accent1">
+                <a:shade val="50000"/>
+              </a:schemeClr>
+            </a:lnRef>
+            <a:fillRef idx="1">
+              <a:schemeClr val="accent1"/>
+            </a:fillRef>
+            <a:effectRef idx="0">
+              <a:schemeClr val="accent1"/>
+            </a:effectRef>
+            <a:fontRef idx="minor">
+              <a:schemeClr val="lt1"/>
+            </a:fontRef>
+          </p:style>
+          <p:txBody>
+            <a:bodyPr rtlCol="0" anchor="ctr"/>
+            <a:lstStyle/>
+            <a:p>
+              <a:pPr algn="ctr"/>
+              <a:endParaRPr kumimoji="1" lang="zh-CN" altLang="en-US" dirty="0"/>
+            </a:p>
+          </p:txBody>
+        </p:sp>
+        <p:sp>
+          <p:nvSpPr>
+            <p:cNvPr id="19" name="矩形 18">
+              <a:extLst>
+                <a:ext uri="{FF2B5EF4-FFF2-40B4-BE49-F238E27FC236}">
+                  <a16:creationId xmlns:a16="http://schemas.microsoft.com/office/drawing/2014/main" id="{7EC06602-1648-E445-A81D-25038C9251D9}"/>
+                </a:ext>
+              </a:extLst>
+            </p:cNvPr>
+            <p:cNvSpPr/>
+            <p:nvPr/>
+          </p:nvSpPr>
+          <p:spPr>
+            <a:xfrm>
+              <a:off x="6625393" y="1471134"/>
+              <a:ext cx="2756351" cy="307777"/>
+            </a:xfrm>
+            <a:prstGeom prst="rect">
+              <a:avLst/>
+            </a:prstGeom>
+            <a:solidFill>
+              <a:srgbClr val="0432FF"/>
+            </a:solidFill>
+            <a:effectLst>
+              <a:softEdge rad="31750"/>
+            </a:effectLst>
+          </p:spPr>
+          <p:txBody>
+            <a:bodyPr wrap="square">
+              <a:spAutoFit/>
+            </a:bodyPr>
+            <a:lstStyle/>
+            <a:p>
+              <a:r>
+                <a:rPr lang="zh-CN" altLang="en-US" sz="1400" dirty="0">
+                  <a:solidFill>
+                    <a:schemeClr val="bg1"/>
+                  </a:solidFill>
+                  <a:latin typeface="Times New Roman" panose="02020603050405020304" pitchFamily="18" charset="0"/>
+                  <a:ea typeface="KaiTi_GB2312" panose="02010609030101010101" pitchFamily="49" charset="-122"/>
+                  <a:cs typeface="Times New Roman" panose="02020603050405020304" pitchFamily="18" charset="0"/>
+                </a:rPr>
+                <a:t>蓝色结点表示算法还没看到的数。</a:t>
+              </a:r>
+              <a:endParaRPr lang="en-US" altLang="zh-CN" sz="1400" dirty="0">
+                <a:solidFill>
+                  <a:schemeClr val="bg1"/>
+                </a:solidFill>
+                <a:latin typeface="Times New Roman" panose="02020603050405020304" pitchFamily="18" charset="0"/>
+                <a:ea typeface="KaiTi_GB2312" panose="02010609030101010101" pitchFamily="49" charset="-122"/>
+                <a:cs typeface="Times New Roman" panose="02020603050405020304" pitchFamily="18" charset="0"/>
+              </a:endParaRPr>
+            </a:p>
+          </p:txBody>
+        </p:sp>
+        <p:sp>
+          <p:nvSpPr>
+            <p:cNvPr id="20" name="矩形 19">
+              <a:extLst>
+                <a:ext uri="{FF2B5EF4-FFF2-40B4-BE49-F238E27FC236}">
+                  <a16:creationId xmlns:a16="http://schemas.microsoft.com/office/drawing/2014/main" id="{C21D5EDF-EA18-7241-8C65-4B0902D0DB3A}"/>
+                </a:ext>
+              </a:extLst>
+            </p:cNvPr>
+            <p:cNvSpPr/>
+            <p:nvPr/>
+          </p:nvSpPr>
+          <p:spPr>
+            <a:xfrm>
+              <a:off x="6625393" y="1850720"/>
+              <a:ext cx="2756352" cy="307777"/>
+            </a:xfrm>
+            <a:prstGeom prst="rect">
+              <a:avLst/>
+            </a:prstGeom>
+            <a:solidFill>
+              <a:srgbClr val="FF0000"/>
+            </a:solidFill>
+            <a:effectLst>
+              <a:softEdge rad="31750"/>
+            </a:effectLst>
+          </p:spPr>
+          <p:txBody>
+            <a:bodyPr wrap="square">
+              <a:spAutoFit/>
+            </a:bodyPr>
+            <a:lstStyle/>
+            <a:p>
+              <a:r>
+                <a:rPr lang="zh-CN" altLang="en-US" sz="1400" dirty="0">
+                  <a:solidFill>
+                    <a:schemeClr val="bg1"/>
+                  </a:solidFill>
+                  <a:latin typeface="Times New Roman" panose="02020603050405020304" pitchFamily="18" charset="0"/>
+                  <a:ea typeface="KaiTi_GB2312" panose="02010609030101010101" pitchFamily="49" charset="-122"/>
+                  <a:cs typeface="Times New Roman" panose="02020603050405020304" pitchFamily="18" charset="0"/>
+                </a:rPr>
+                <a:t>红色结点表示算法当前看到的数。</a:t>
+              </a:r>
+              <a:endParaRPr lang="en-US" altLang="zh-CN" sz="1400" dirty="0">
+                <a:solidFill>
+                  <a:schemeClr val="bg1"/>
+                </a:solidFill>
+                <a:latin typeface="Times New Roman" panose="02020603050405020304" pitchFamily="18" charset="0"/>
+                <a:ea typeface="KaiTi_GB2312" panose="02010609030101010101" pitchFamily="49" charset="-122"/>
+                <a:cs typeface="Times New Roman" panose="02020603050405020304" pitchFamily="18" charset="0"/>
+              </a:endParaRPr>
+            </a:p>
+          </p:txBody>
+        </p:sp>
+        <p:sp>
+          <p:nvSpPr>
+            <p:cNvPr id="21" name="矩形 20">
+              <a:extLst>
+                <a:ext uri="{FF2B5EF4-FFF2-40B4-BE49-F238E27FC236}">
+                  <a16:creationId xmlns:a16="http://schemas.microsoft.com/office/drawing/2014/main" id="{7F1854EA-E826-2B46-9DE1-7E0FE362CAB3}"/>
+                </a:ext>
+              </a:extLst>
+            </p:cNvPr>
+            <p:cNvSpPr/>
+            <p:nvPr/>
+          </p:nvSpPr>
+          <p:spPr>
+            <a:xfrm>
+              <a:off x="6625392" y="2231453"/>
+              <a:ext cx="5097216" cy="307777"/>
+            </a:xfrm>
+            <a:prstGeom prst="rect">
+              <a:avLst/>
+            </a:prstGeom>
+            <a:solidFill>
+              <a:srgbClr val="FF40FF"/>
+            </a:solidFill>
+            <a:effectLst>
+              <a:softEdge rad="31750"/>
+            </a:effectLst>
+          </p:spPr>
+          <p:txBody>
+            <a:bodyPr wrap="square">
+              <a:spAutoFit/>
+            </a:bodyPr>
+            <a:lstStyle/>
+            <a:p>
+              <a:r>
+                <a:rPr lang="zh-CN" altLang="en-US" sz="1400" dirty="0">
+                  <a:solidFill>
+                    <a:schemeClr val="bg1"/>
+                  </a:solidFill>
+                  <a:latin typeface="Times New Roman" panose="02020603050405020304" pitchFamily="18" charset="0"/>
+                  <a:ea typeface="KaiTi_GB2312" panose="02010609030101010101" pitchFamily="49" charset="-122"/>
+                  <a:cs typeface="Times New Roman" panose="02020603050405020304" pitchFamily="18" charset="0"/>
+                </a:rPr>
+                <a:t>粉色结点表示之前遍历过的数里，</a:t>
+              </a:r>
+              <a:r>
+                <a:rPr lang="zh-CN" altLang="en-US" sz="1400" b="1" dirty="0">
+                  <a:solidFill>
+                    <a:schemeClr val="bg1"/>
+                  </a:solidFill>
+                  <a:latin typeface="Times New Roman" panose="02020603050405020304" pitchFamily="18" charset="0"/>
+                  <a:ea typeface="KaiTi_GB2312" panose="02010609030101010101" pitchFamily="49" charset="-122"/>
+                  <a:cs typeface="Times New Roman" panose="02020603050405020304" pitchFamily="18" charset="0"/>
+                </a:rPr>
+                <a:t>严格</a:t>
+              </a:r>
+              <a:r>
+                <a:rPr lang="zh-CN" altLang="en-US" sz="1400" dirty="0">
+                  <a:solidFill>
+                    <a:schemeClr val="bg1"/>
+                  </a:solidFill>
+                  <a:latin typeface="Times New Roman" panose="02020603050405020304" pitchFamily="18" charset="0"/>
+                  <a:ea typeface="KaiTi_GB2312" panose="02010609030101010101" pitchFamily="49" charset="-122"/>
+                  <a:cs typeface="Times New Roman" panose="02020603050405020304" pitchFamily="18" charset="0"/>
+                </a:rPr>
+                <a:t>小于当前遍历看到的数。</a:t>
+              </a:r>
+              <a:endParaRPr lang="en-US" altLang="zh-CN" sz="1400" dirty="0">
+                <a:solidFill>
+                  <a:schemeClr val="bg1"/>
+                </a:solidFill>
+                <a:latin typeface="Times New Roman" panose="02020603050405020304" pitchFamily="18" charset="0"/>
+                <a:ea typeface="KaiTi_GB2312" panose="02010609030101010101" pitchFamily="49" charset="-122"/>
+                <a:cs typeface="Times New Roman" panose="02020603050405020304" pitchFamily="18" charset="0"/>
+              </a:endParaRPr>
+            </a:p>
+          </p:txBody>
+        </p:sp>
+        <p:sp>
+          <p:nvSpPr>
+            <p:cNvPr id="22" name="矩形 21">
+              <a:extLst>
+                <a:ext uri="{FF2B5EF4-FFF2-40B4-BE49-F238E27FC236}">
+                  <a16:creationId xmlns:a16="http://schemas.microsoft.com/office/drawing/2014/main" id="{6CF25ED7-2BF3-3E46-BB21-C1579D45864F}"/>
+                </a:ext>
+              </a:extLst>
+            </p:cNvPr>
+            <p:cNvSpPr/>
+            <p:nvPr/>
+          </p:nvSpPr>
+          <p:spPr>
+            <a:xfrm>
+              <a:off x="6625392" y="1084169"/>
+              <a:ext cx="790598" cy="338554"/>
+            </a:xfrm>
+            <a:prstGeom prst="rect">
+              <a:avLst/>
+            </a:prstGeom>
+          </p:spPr>
+          <p:txBody>
+            <a:bodyPr wrap="square">
+              <a:spAutoFit/>
+            </a:bodyPr>
+            <a:lstStyle/>
+            <a:p>
+              <a:r>
+                <a:rPr lang="zh-CN" altLang="en-US" sz="1600" dirty="0">
+                  <a:latin typeface="Times New Roman" charset="0"/>
+                  <a:ea typeface="楷体" charset="-122"/>
+                  <a:cs typeface="Times New Roman" charset="0"/>
+                </a:rPr>
+                <a:t>图例：</a:t>
+              </a:r>
+            </a:p>
+          </p:txBody>
+        </p:sp>
+      </p:grpSp>
       <p:sp>
         <p:nvSpPr>
-          <p:cNvPr id="9" name="矩形 8">
+          <p:cNvPr id="23" name="矩形 22">
             <a:extLst>
               <a:ext uri="{FF2B5EF4-FFF2-40B4-BE49-F238E27FC236}">
-                <a16:creationId xmlns:a16="http://schemas.microsoft.com/office/drawing/2014/main" id="{093C1E52-8371-8A4C-AAA2-F90ECF9BF77B}"/>
+                <a16:creationId xmlns:a16="http://schemas.microsoft.com/office/drawing/2014/main" id="{82AEDAC7-773B-2740-9F0C-8C0B09A16752}"/>
               </a:ext>
             </a:extLst>
           </p:cNvPr>
@@ -3816,8 +5764,8 @@
         </p:nvSpPr>
         <p:spPr>
           <a:xfrm>
-            <a:off x="808475" y="1876685"/>
-            <a:ext cx="7144283" cy="738664"/>
+            <a:off x="808474" y="1370591"/>
+            <a:ext cx="9451093" cy="1015663"/>
           </a:xfrm>
           <a:prstGeom prst="rect">
             <a:avLst/>
@@ -3830,43 +5778,120 @@
           <a:lstStyle/>
           <a:p>
             <a:r>
-              <a:rPr lang="zh-CN" altLang="en-US" sz="1400" dirty="0">
-                <a:latin typeface="Times New Roman" panose="02020603050405020304" pitchFamily="18" charset="0"/>
-                <a:ea typeface="KaiTi_GB2312" panose="02010609030101010101" pitchFamily="49" charset="-122"/>
-                <a:cs typeface="Times New Roman" panose="02020603050405020304" pitchFamily="18" charset="0"/>
-              </a:rPr>
-              <a:t>图例：</a:t>
-            </a:r>
-            <a:endParaRPr lang="en-US" altLang="zh-CN" sz="1400" dirty="0">
+              <a:rPr lang="zh-CN" altLang="en-US" sz="2000" dirty="0">
+                <a:latin typeface="Times New Roman" panose="02020603050405020304" pitchFamily="18" charset="0"/>
+                <a:ea typeface="KaiTi_GB2312" panose="02010609030101010101" pitchFamily="49" charset="-122"/>
+                <a:cs typeface="Times New Roman" panose="02020603050405020304" pitchFamily="18" charset="0"/>
+              </a:rPr>
+              <a:t>状态 </a:t>
+            </a:r>
+            <a:r>
+              <a:rPr lang="en-US" altLang="zh-CN" sz="2000" dirty="0" err="1">
+                <a:latin typeface="Times New Roman" panose="02020603050405020304" pitchFamily="18" charset="0"/>
+                <a:ea typeface="KaiTi_GB2312" panose="02010609030101010101" pitchFamily="49" charset="-122"/>
+                <a:cs typeface="Times New Roman" panose="02020603050405020304" pitchFamily="18" charset="0"/>
+              </a:rPr>
+              <a:t>dp</a:t>
+            </a:r>
+            <a:r>
+              <a:rPr lang="en-US" altLang="zh-CN" sz="2000" dirty="0">
+                <a:latin typeface="Times New Roman" panose="02020603050405020304" pitchFamily="18" charset="0"/>
+                <a:ea typeface="KaiTi_GB2312" panose="02010609030101010101" pitchFamily="49" charset="-122"/>
+                <a:cs typeface="Times New Roman" panose="02020603050405020304" pitchFamily="18" charset="0"/>
+              </a:rPr>
+              <a:t>[</a:t>
+            </a:r>
+            <a:r>
+              <a:rPr lang="en-US" altLang="zh-CN" sz="2000" dirty="0" err="1">
+                <a:latin typeface="Times New Roman" panose="02020603050405020304" pitchFamily="18" charset="0"/>
+                <a:ea typeface="KaiTi_GB2312" panose="02010609030101010101" pitchFamily="49" charset="-122"/>
+                <a:cs typeface="Times New Roman" panose="02020603050405020304" pitchFamily="18" charset="0"/>
+              </a:rPr>
+              <a:t>i</a:t>
+            </a:r>
+            <a:r>
+              <a:rPr lang="en-US" altLang="zh-CN" sz="2000" dirty="0">
+                <a:latin typeface="Times New Roman" panose="02020603050405020304" pitchFamily="18" charset="0"/>
+                <a:ea typeface="KaiTi_GB2312" panose="02010609030101010101" pitchFamily="49" charset="-122"/>
+                <a:cs typeface="Times New Roman" panose="02020603050405020304" pitchFamily="18" charset="0"/>
+              </a:rPr>
+              <a:t>]</a:t>
+            </a:r>
+            <a:r>
+              <a:rPr lang="zh-CN" altLang="en-US" sz="2000" dirty="0">
+                <a:latin typeface="Times New Roman" panose="02020603050405020304" pitchFamily="18" charset="0"/>
+                <a:ea typeface="KaiTi_GB2312" panose="02010609030101010101" pitchFamily="49" charset="-122"/>
+                <a:cs typeface="Times New Roman" panose="02020603050405020304" pitchFamily="18" charset="0"/>
+              </a:rPr>
+              <a:t>：以 </a:t>
+            </a:r>
+            <a:r>
+              <a:rPr lang="en-US" altLang="zh-CN" sz="2000" dirty="0" err="1">
+                <a:latin typeface="Times New Roman" panose="02020603050405020304" pitchFamily="18" charset="0"/>
+                <a:ea typeface="KaiTi_GB2312" panose="02010609030101010101" pitchFamily="49" charset="-122"/>
+                <a:cs typeface="Times New Roman" panose="02020603050405020304" pitchFamily="18" charset="0"/>
+              </a:rPr>
+              <a:t>nums</a:t>
+            </a:r>
+            <a:r>
+              <a:rPr lang="en-US" altLang="zh-CN" sz="2000" dirty="0">
+                <a:latin typeface="Times New Roman" panose="02020603050405020304" pitchFamily="18" charset="0"/>
+                <a:ea typeface="KaiTi_GB2312" panose="02010609030101010101" pitchFamily="49" charset="-122"/>
+                <a:cs typeface="Times New Roman" panose="02020603050405020304" pitchFamily="18" charset="0"/>
+              </a:rPr>
+              <a:t>[</a:t>
+            </a:r>
+            <a:r>
+              <a:rPr lang="en-US" altLang="zh-CN" sz="2000" dirty="0" err="1">
+                <a:latin typeface="Times New Roman" panose="02020603050405020304" pitchFamily="18" charset="0"/>
+                <a:ea typeface="KaiTi_GB2312" panose="02010609030101010101" pitchFamily="49" charset="-122"/>
+                <a:cs typeface="Times New Roman" panose="02020603050405020304" pitchFamily="18" charset="0"/>
+              </a:rPr>
+              <a:t>i</a:t>
+            </a:r>
+            <a:r>
+              <a:rPr lang="en-US" altLang="zh-CN" sz="2000" dirty="0">
+                <a:latin typeface="Times New Roman" panose="02020603050405020304" pitchFamily="18" charset="0"/>
+                <a:ea typeface="KaiTi_GB2312" panose="02010609030101010101" pitchFamily="49" charset="-122"/>
+                <a:cs typeface="Times New Roman" panose="02020603050405020304" pitchFamily="18" charset="0"/>
+              </a:rPr>
+              <a:t>]</a:t>
+            </a:r>
+            <a:r>
+              <a:rPr lang="zh-CN" altLang="en-US" sz="2000" dirty="0">
+                <a:latin typeface="Times New Roman" panose="02020603050405020304" pitchFamily="18" charset="0"/>
+                <a:ea typeface="KaiTi_GB2312" panose="02010609030101010101" pitchFamily="49" charset="-122"/>
+                <a:cs typeface="Times New Roman" panose="02020603050405020304" pitchFamily="18" charset="0"/>
+              </a:rPr>
+              <a:t> </a:t>
+            </a:r>
+            <a:r>
+              <a:rPr lang="zh-CN" altLang="en-US" sz="2000" b="1" dirty="0">
+                <a:solidFill>
+                  <a:srgbClr val="FF0000"/>
+                </a:solidFill>
+                <a:latin typeface="Times New Roman" panose="02020603050405020304" pitchFamily="18" charset="0"/>
+                <a:ea typeface="KaiTi_GB2312" panose="02010609030101010101" pitchFamily="49" charset="-122"/>
+                <a:cs typeface="Times New Roman" panose="02020603050405020304" pitchFamily="18" charset="0"/>
+              </a:rPr>
+              <a:t>结尾</a:t>
+            </a:r>
+            <a:r>
+              <a:rPr lang="zh-CN" altLang="en-US" sz="2000" dirty="0">
+                <a:latin typeface="Times New Roman" panose="02020603050405020304" pitchFamily="18" charset="0"/>
+                <a:ea typeface="KaiTi_GB2312" panose="02010609030101010101" pitchFamily="49" charset="-122"/>
+                <a:cs typeface="Times New Roman" panose="02020603050405020304" pitchFamily="18" charset="0"/>
+              </a:rPr>
+              <a:t>的“最长上升子序列”的长度。</a:t>
+            </a:r>
+            <a:endParaRPr lang="en-US" altLang="zh-CN" sz="2000" dirty="0">
               <a:latin typeface="Times New Roman" panose="02020603050405020304" pitchFamily="18" charset="0"/>
               <a:ea typeface="KaiTi_GB2312" panose="02010609030101010101" pitchFamily="49" charset="-122"/>
               <a:cs typeface="Times New Roman" panose="02020603050405020304" pitchFamily="18" charset="0"/>
             </a:endParaRPr>
           </a:p>
           <a:p>
-            <a:r>
-              <a:rPr lang="zh-CN" altLang="en-US" sz="1400" b="1" dirty="0">
-                <a:solidFill>
-                  <a:schemeClr val="bg1"/>
-                </a:solidFill>
-                <a:highlight>
-                  <a:srgbClr val="FF0000"/>
-                </a:highlight>
-                <a:latin typeface="Times New Roman" panose="02020603050405020304" pitchFamily="18" charset="0"/>
-                <a:ea typeface="KaiTi_GB2312" panose="02010609030101010101" pitchFamily="49" charset="-122"/>
-                <a:cs typeface="Times New Roman" panose="02020603050405020304" pitchFamily="18" charset="0"/>
-              </a:rPr>
-              <a:t>红色</a:t>
-            </a:r>
-            <a:r>
-              <a:rPr lang="zh-CN" altLang="en-US" sz="1400" dirty="0">
-                <a:latin typeface="Times New Roman" panose="02020603050405020304" pitchFamily="18" charset="0"/>
-                <a:ea typeface="KaiTi_GB2312" panose="02010609030101010101" pitchFamily="49" charset="-122"/>
-                <a:cs typeface="Times New Roman" panose="02020603050405020304" pitchFamily="18" charset="0"/>
-              </a:rPr>
-              <a:t>表示代码在当前遍历看到的数；</a:t>
-            </a:r>
-            <a:endParaRPr lang="en-US" altLang="zh-CN" sz="1400" dirty="0">
+            <a:endParaRPr lang="en-US" altLang="zh-CN" sz="2000" dirty="0">
               <a:latin typeface="Times New Roman" panose="02020603050405020304" pitchFamily="18" charset="0"/>
               <a:ea typeface="KaiTi_GB2312" panose="02010609030101010101" pitchFamily="49" charset="-122"/>
               <a:cs typeface="Times New Roman" panose="02020603050405020304" pitchFamily="18" charset="0"/>
@@ -3874,26 +5899,219 @@
           </a:p>
           <a:p>
             <a:r>
-              <a:rPr lang="zh-CN" altLang="en-US" sz="1400" dirty="0">
+              <a:rPr lang="zh-CN" altLang="en-US" sz="2000" dirty="0">
+                <a:latin typeface="Times New Roman" panose="02020603050405020304" pitchFamily="18" charset="0"/>
+                <a:ea typeface="KaiTi_GB2312" panose="02010609030101010101" pitchFamily="49" charset="-122"/>
+                <a:cs typeface="Times New Roman" panose="02020603050405020304" pitchFamily="18" charset="0"/>
+              </a:rPr>
+              <a:t>状态转移方程：</a:t>
+            </a:r>
+            <a:r>
+              <a:rPr lang="en-US" altLang="zh-CN" dirty="0" err="1">
+                <a:latin typeface="Consolas" panose="020B0609020204030204" pitchFamily="49" charset="0"/>
+                <a:cs typeface="Consolas" panose="020B0609020204030204" pitchFamily="49" charset="0"/>
+              </a:rPr>
+              <a:t>dp</a:t>
+            </a:r>
+            <a:r>
+              <a:rPr lang="en-US" altLang="zh-CN" dirty="0">
+                <a:latin typeface="Consolas" panose="020B0609020204030204" pitchFamily="49" charset="0"/>
+                <a:cs typeface="Consolas" panose="020B0609020204030204" pitchFamily="49" charset="0"/>
+              </a:rPr>
+              <a:t>[</a:t>
+            </a:r>
+            <a:r>
+              <a:rPr lang="en-US" altLang="zh-CN" dirty="0" err="1">
+                <a:latin typeface="Consolas" panose="020B0609020204030204" pitchFamily="49" charset="0"/>
+                <a:cs typeface="Consolas" panose="020B0609020204030204" pitchFamily="49" charset="0"/>
+              </a:rPr>
+              <a:t>i</a:t>
+            </a:r>
+            <a:r>
+              <a:rPr lang="en-US" altLang="zh-CN" dirty="0">
+                <a:latin typeface="Consolas" panose="020B0609020204030204" pitchFamily="49" charset="0"/>
+                <a:cs typeface="Consolas" panose="020B0609020204030204" pitchFamily="49" charset="0"/>
+              </a:rPr>
+              <a:t>] = </a:t>
+            </a:r>
+            <a:r>
+              <a:rPr lang="en-US" altLang="zh-CN" dirty="0">
+                <a:solidFill>
+                  <a:srgbClr val="FF40FF"/>
+                </a:solidFill>
+                <a:latin typeface="Consolas" panose="020B0609020204030204" pitchFamily="49" charset="0"/>
+                <a:cs typeface="Consolas" panose="020B0609020204030204" pitchFamily="49" charset="0"/>
+              </a:rPr>
+              <a:t>max</a:t>
+            </a:r>
+            <a:r>
+              <a:rPr lang="en-US" altLang="zh-CN" dirty="0">
+                <a:latin typeface="Consolas" panose="020B0609020204030204" pitchFamily="49" charset="0"/>
+                <a:cs typeface="Consolas" panose="020B0609020204030204" pitchFamily="49" charset="0"/>
+              </a:rPr>
+              <a:t>{1 + </a:t>
+            </a:r>
+            <a:r>
+              <a:rPr lang="en-US" altLang="zh-CN" dirty="0" err="1">
+                <a:latin typeface="Consolas" panose="020B0609020204030204" pitchFamily="49" charset="0"/>
+                <a:cs typeface="Consolas" panose="020B0609020204030204" pitchFamily="49" charset="0"/>
+              </a:rPr>
+              <a:t>dp</a:t>
+            </a:r>
+            <a:r>
+              <a:rPr lang="en-US" altLang="zh-CN" dirty="0">
+                <a:latin typeface="Consolas" panose="020B0609020204030204" pitchFamily="49" charset="0"/>
+                <a:cs typeface="Consolas" panose="020B0609020204030204" pitchFamily="49" charset="0"/>
+              </a:rPr>
+              <a:t>[j] </a:t>
+            </a:r>
+            <a:r>
+              <a:rPr lang="en-US" altLang="zh-CN" dirty="0">
+                <a:solidFill>
+                  <a:srgbClr val="FF40FF"/>
+                </a:solidFill>
+                <a:latin typeface="Consolas" panose="020B0609020204030204" pitchFamily="49" charset="0"/>
+                <a:cs typeface="Consolas" panose="020B0609020204030204" pitchFamily="49" charset="0"/>
+              </a:rPr>
+              <a:t>for</a:t>
+            </a:r>
+            <a:r>
+              <a:rPr lang="en-US" altLang="zh-CN" dirty="0">
+                <a:latin typeface="Consolas" panose="020B0609020204030204" pitchFamily="49" charset="0"/>
+                <a:cs typeface="Consolas" panose="020B0609020204030204" pitchFamily="49" charset="0"/>
+              </a:rPr>
+              <a:t> j &lt; </a:t>
+            </a:r>
+            <a:r>
+              <a:rPr lang="en-US" altLang="zh-CN" dirty="0" err="1">
+                <a:latin typeface="Consolas" panose="020B0609020204030204" pitchFamily="49" charset="0"/>
+                <a:cs typeface="Consolas" panose="020B0609020204030204" pitchFamily="49" charset="0"/>
+              </a:rPr>
+              <a:t>i</a:t>
+            </a:r>
+            <a:r>
+              <a:rPr lang="en-US" altLang="zh-CN" dirty="0">
+                <a:latin typeface="Consolas" panose="020B0609020204030204" pitchFamily="49" charset="0"/>
+                <a:cs typeface="Consolas" panose="020B0609020204030204" pitchFamily="49" charset="0"/>
+              </a:rPr>
+              <a:t> </a:t>
+            </a:r>
+            <a:r>
+              <a:rPr lang="en-US" altLang="zh-CN" dirty="0">
+                <a:solidFill>
+                  <a:srgbClr val="FF40FF"/>
+                </a:solidFill>
+                <a:latin typeface="Consolas" panose="020B0609020204030204" pitchFamily="49" charset="0"/>
+                <a:cs typeface="Consolas" panose="020B0609020204030204" pitchFamily="49" charset="0"/>
+              </a:rPr>
+              <a:t>if</a:t>
+            </a:r>
+            <a:r>
+              <a:rPr lang="en-US" altLang="zh-CN" dirty="0">
+                <a:latin typeface="Consolas" panose="020B0609020204030204" pitchFamily="49" charset="0"/>
+                <a:cs typeface="Consolas" panose="020B0609020204030204" pitchFamily="49" charset="0"/>
+              </a:rPr>
+              <a:t> </a:t>
+            </a:r>
+            <a:r>
+              <a:rPr lang="en-US" altLang="zh-CN" dirty="0" err="1">
+                <a:latin typeface="Consolas" panose="020B0609020204030204" pitchFamily="49" charset="0"/>
+                <a:cs typeface="Consolas" panose="020B0609020204030204" pitchFamily="49" charset="0"/>
+              </a:rPr>
+              <a:t>nums</a:t>
+            </a:r>
+            <a:r>
+              <a:rPr lang="en-US" altLang="zh-CN" dirty="0">
+                <a:latin typeface="Consolas" panose="020B0609020204030204" pitchFamily="49" charset="0"/>
+                <a:cs typeface="Consolas" panose="020B0609020204030204" pitchFamily="49" charset="0"/>
+              </a:rPr>
+              <a:t>[j] &lt; </a:t>
+            </a:r>
+            <a:r>
+              <a:rPr lang="en-US" altLang="zh-CN" dirty="0" err="1">
+                <a:latin typeface="Consolas" panose="020B0609020204030204" pitchFamily="49" charset="0"/>
+                <a:cs typeface="Consolas" panose="020B0609020204030204" pitchFamily="49" charset="0"/>
+              </a:rPr>
+              <a:t>nums</a:t>
+            </a:r>
+            <a:r>
+              <a:rPr lang="en-US" altLang="zh-CN" dirty="0">
+                <a:latin typeface="Consolas" panose="020B0609020204030204" pitchFamily="49" charset="0"/>
+                <a:cs typeface="Consolas" panose="020B0609020204030204" pitchFamily="49" charset="0"/>
+              </a:rPr>
+              <a:t>[</a:t>
+            </a:r>
+            <a:r>
+              <a:rPr lang="en-US" altLang="zh-CN" dirty="0" err="1">
+                <a:latin typeface="Consolas" panose="020B0609020204030204" pitchFamily="49" charset="0"/>
+                <a:cs typeface="Consolas" panose="020B0609020204030204" pitchFamily="49" charset="0"/>
+              </a:rPr>
+              <a:t>i</a:t>
+            </a:r>
+            <a:r>
+              <a:rPr lang="en-US" altLang="zh-CN" dirty="0">
+                <a:latin typeface="Consolas" panose="020B0609020204030204" pitchFamily="49" charset="0"/>
+                <a:cs typeface="Consolas" panose="020B0609020204030204" pitchFamily="49" charset="0"/>
+              </a:rPr>
+              <a:t>]}</a:t>
+            </a:r>
+          </a:p>
+        </p:txBody>
+      </p:sp>
+      <p:sp>
+        <p:nvSpPr>
+          <p:cNvPr id="24" name="文本框 23">
+            <a:extLst>
+              <a:ext uri="{FF2B5EF4-FFF2-40B4-BE49-F238E27FC236}">
+                <a16:creationId xmlns:a16="http://schemas.microsoft.com/office/drawing/2014/main" id="{20A77710-BCCD-6D4C-974A-B8F832F0CAEE}"/>
+              </a:ext>
+            </a:extLst>
+          </p:cNvPr>
+          <p:cNvSpPr txBox="1"/>
+          <p:nvPr/>
+        </p:nvSpPr>
+        <p:spPr>
+          <a:xfrm flipH="1">
+            <a:off x="808474" y="835492"/>
+            <a:ext cx="2472607" cy="400110"/>
+          </a:xfrm>
+          <a:prstGeom prst="rect">
+            <a:avLst/>
+          </a:prstGeom>
+          <a:solidFill>
+            <a:srgbClr val="FF0000"/>
+          </a:solidFill>
+          <a:ln>
+            <a:noFill/>
+          </a:ln>
+          <a:effectLst>
+            <a:outerShdw blurRad="50800" dist="38100" dir="2700000" algn="tl" rotWithShape="0">
+              <a:prstClr val="black">
+                <a:alpha val="40000"/>
+              </a:prstClr>
+            </a:outerShdw>
+          </a:effectLst>
+        </p:spPr>
+        <p:txBody>
+          <a:bodyPr wrap="square" rtlCol="0">
+            <a:spAutoFit/>
+          </a:bodyPr>
+          <a:lstStyle/>
+          <a:p>
+            <a:pPr marL="342900" indent="-342900">
+              <a:buFont typeface="Wingdings" pitchFamily="2" charset="2"/>
+              <a:buChar char="Ø"/>
+            </a:pPr>
+            <a:r>
+              <a:rPr kumimoji="1" lang="zh-CN" altLang="en-US" sz="2000" b="1" dirty="0">
                 <a:solidFill>
                   <a:schemeClr val="bg1"/>
                 </a:solidFill>
-                <a:highlight>
-                  <a:srgbClr val="FF00FF"/>
-                </a:highlight>
-                <a:latin typeface="Times New Roman" panose="02020603050405020304" pitchFamily="18" charset="0"/>
-                <a:ea typeface="KaiTi_GB2312" panose="02010609030101010101" pitchFamily="49" charset="-122"/>
-                <a:cs typeface="Times New Roman" panose="02020603050405020304" pitchFamily="18" charset="0"/>
-              </a:rPr>
-              <a:t>粉红色</a:t>
-            </a:r>
-            <a:r>
-              <a:rPr lang="zh-CN" altLang="en-US" sz="1400" dirty="0">
-                <a:latin typeface="Times New Roman" panose="02020603050405020304" pitchFamily="18" charset="0"/>
-                <a:ea typeface="KaiTi_GB2312" panose="02010609030101010101" pitchFamily="49" charset="-122"/>
-                <a:cs typeface="Times New Roman" panose="02020603050405020304" pitchFamily="18" charset="0"/>
-              </a:rPr>
-              <a:t>表示，之前遍历过的数里，（严格）小于当前遍历看到的数（被红色标注）。</a:t>
+                <a:latin typeface="Times New Roman" panose="02020603050405020304" pitchFamily="18" charset="0"/>
+                <a:ea typeface="KaiTi_GB2312" panose="02010609030101010101" pitchFamily="49" charset="-122"/>
+                <a:cs typeface="Times New Roman" panose="02020603050405020304" pitchFamily="18" charset="0"/>
+              </a:rPr>
+              <a:t>思想：动态规划。</a:t>
             </a:r>
           </a:p>
         </p:txBody>
@@ -4031,8 +6249,8 @@
         </p:nvSpPr>
         <p:spPr>
           <a:xfrm>
-            <a:off x="2460255" y="5066704"/>
-            <a:ext cx="8924545" cy="400110"/>
+            <a:off x="6715952" y="4969368"/>
+            <a:ext cx="5350542" cy="707886"/>
           </a:xfrm>
           <a:prstGeom prst="rect">
             <a:avLst/>
@@ -4183,12 +6401,312 @@
           </a:p>
         </p:txBody>
       </p:sp>
+      <p:grpSp>
+        <p:nvGrpSpPr>
+          <p:cNvPr id="13" name="组合 12">
+            <a:extLst>
+              <a:ext uri="{FF2B5EF4-FFF2-40B4-BE49-F238E27FC236}">
+                <a16:creationId xmlns:a16="http://schemas.microsoft.com/office/drawing/2014/main" id="{B8807BF5-DD83-D149-833A-B9A2A0CC787A}"/>
+              </a:ext>
+            </a:extLst>
+          </p:cNvPr>
+          <p:cNvGrpSpPr/>
+          <p:nvPr/>
+        </p:nvGrpSpPr>
+        <p:grpSpPr>
+          <a:xfrm>
+            <a:off x="180985" y="5154034"/>
+            <a:ext cx="5353035" cy="1604167"/>
+            <a:chOff x="6519671" y="1084169"/>
+            <a:chExt cx="5353035" cy="1604167"/>
+          </a:xfrm>
+        </p:grpSpPr>
+        <p:sp>
+          <p:nvSpPr>
+            <p:cNvPr id="15" name="矩形 14">
+              <a:extLst>
+                <a:ext uri="{FF2B5EF4-FFF2-40B4-BE49-F238E27FC236}">
+                  <a16:creationId xmlns:a16="http://schemas.microsoft.com/office/drawing/2014/main" id="{EBC13E6D-6F52-534E-B69B-92D896DC4CB7}"/>
+                </a:ext>
+              </a:extLst>
+            </p:cNvPr>
+            <p:cNvSpPr/>
+            <p:nvPr/>
+          </p:nvSpPr>
+          <p:spPr>
+            <a:xfrm>
+              <a:off x="6519671" y="1084170"/>
+              <a:ext cx="5353035" cy="1604166"/>
+            </a:xfrm>
+            <a:prstGeom prst="rect">
+              <a:avLst/>
+            </a:prstGeom>
+            <a:solidFill>
+              <a:srgbClr val="FFFF00">
+                <a:alpha val="20000"/>
+              </a:srgbClr>
+            </a:solidFill>
+            <a:ln>
+              <a:noFill/>
+            </a:ln>
+          </p:spPr>
+          <p:style>
+            <a:lnRef idx="2">
+              <a:schemeClr val="accent1">
+                <a:shade val="50000"/>
+              </a:schemeClr>
+            </a:lnRef>
+            <a:fillRef idx="1">
+              <a:schemeClr val="accent1"/>
+            </a:fillRef>
+            <a:effectRef idx="0">
+              <a:schemeClr val="accent1"/>
+            </a:effectRef>
+            <a:fontRef idx="minor">
+              <a:schemeClr val="lt1"/>
+            </a:fontRef>
+          </p:style>
+          <p:txBody>
+            <a:bodyPr rtlCol="0" anchor="ctr"/>
+            <a:lstStyle/>
+            <a:p>
+              <a:pPr algn="ctr"/>
+              <a:endParaRPr kumimoji="1" lang="zh-CN" altLang="en-US" dirty="0"/>
+            </a:p>
+          </p:txBody>
+        </p:sp>
+        <p:sp>
+          <p:nvSpPr>
+            <p:cNvPr id="16" name="矩形 15">
+              <a:extLst>
+                <a:ext uri="{FF2B5EF4-FFF2-40B4-BE49-F238E27FC236}">
+                  <a16:creationId xmlns:a16="http://schemas.microsoft.com/office/drawing/2014/main" id="{E63EEA99-E129-0C4A-B71C-BA73C2C313E9}"/>
+                </a:ext>
+              </a:extLst>
+            </p:cNvPr>
+            <p:cNvSpPr/>
+            <p:nvPr/>
+          </p:nvSpPr>
+          <p:spPr>
+            <a:xfrm>
+              <a:off x="6625393" y="1471134"/>
+              <a:ext cx="2756351" cy="307777"/>
+            </a:xfrm>
+            <a:prstGeom prst="rect">
+              <a:avLst/>
+            </a:prstGeom>
+            <a:solidFill>
+              <a:srgbClr val="0432FF"/>
+            </a:solidFill>
+            <a:effectLst>
+              <a:softEdge rad="31750"/>
+            </a:effectLst>
+          </p:spPr>
+          <p:txBody>
+            <a:bodyPr wrap="square">
+              <a:spAutoFit/>
+            </a:bodyPr>
+            <a:lstStyle/>
+            <a:p>
+              <a:r>
+                <a:rPr lang="zh-CN" altLang="en-US" sz="1400" dirty="0">
+                  <a:solidFill>
+                    <a:schemeClr val="bg1"/>
+                  </a:solidFill>
+                  <a:latin typeface="Times New Roman" panose="02020603050405020304" pitchFamily="18" charset="0"/>
+                  <a:ea typeface="KaiTi_GB2312" panose="02010609030101010101" pitchFamily="49" charset="-122"/>
+                  <a:cs typeface="Times New Roman" panose="02020603050405020304" pitchFamily="18" charset="0"/>
+                </a:rPr>
+                <a:t>蓝色结点表示算法还没看到的数。</a:t>
+              </a:r>
+              <a:endParaRPr lang="en-US" altLang="zh-CN" sz="1400" dirty="0">
+                <a:solidFill>
+                  <a:schemeClr val="bg1"/>
+                </a:solidFill>
+                <a:latin typeface="Times New Roman" panose="02020603050405020304" pitchFamily="18" charset="0"/>
+                <a:ea typeface="KaiTi_GB2312" panose="02010609030101010101" pitchFamily="49" charset="-122"/>
+                <a:cs typeface="Times New Roman" panose="02020603050405020304" pitchFamily="18" charset="0"/>
+              </a:endParaRPr>
+            </a:p>
+          </p:txBody>
+        </p:sp>
+        <p:sp>
+          <p:nvSpPr>
+            <p:cNvPr id="17" name="矩形 16">
+              <a:extLst>
+                <a:ext uri="{FF2B5EF4-FFF2-40B4-BE49-F238E27FC236}">
+                  <a16:creationId xmlns:a16="http://schemas.microsoft.com/office/drawing/2014/main" id="{501793B1-98F4-B04C-92CC-DEF8879B5E23}"/>
+                </a:ext>
+              </a:extLst>
+            </p:cNvPr>
+            <p:cNvSpPr/>
+            <p:nvPr/>
+          </p:nvSpPr>
+          <p:spPr>
+            <a:xfrm>
+              <a:off x="6625393" y="1850720"/>
+              <a:ext cx="2756352" cy="307777"/>
+            </a:xfrm>
+            <a:prstGeom prst="rect">
+              <a:avLst/>
+            </a:prstGeom>
+            <a:solidFill>
+              <a:srgbClr val="FF0000"/>
+            </a:solidFill>
+            <a:effectLst>
+              <a:softEdge rad="31750"/>
+            </a:effectLst>
+          </p:spPr>
+          <p:txBody>
+            <a:bodyPr wrap="square">
+              <a:spAutoFit/>
+            </a:bodyPr>
+            <a:lstStyle/>
+            <a:p>
+              <a:r>
+                <a:rPr lang="zh-CN" altLang="en-US" sz="1400" dirty="0">
+                  <a:solidFill>
+                    <a:schemeClr val="bg1"/>
+                  </a:solidFill>
+                  <a:latin typeface="Times New Roman" panose="02020603050405020304" pitchFamily="18" charset="0"/>
+                  <a:ea typeface="KaiTi_GB2312" panose="02010609030101010101" pitchFamily="49" charset="-122"/>
+                  <a:cs typeface="Times New Roman" panose="02020603050405020304" pitchFamily="18" charset="0"/>
+                </a:rPr>
+                <a:t>红色结点表示算法当前看到的数。</a:t>
+              </a:r>
+              <a:endParaRPr lang="en-US" altLang="zh-CN" sz="1400" dirty="0">
+                <a:solidFill>
+                  <a:schemeClr val="bg1"/>
+                </a:solidFill>
+                <a:latin typeface="Times New Roman" panose="02020603050405020304" pitchFamily="18" charset="0"/>
+                <a:ea typeface="KaiTi_GB2312" panose="02010609030101010101" pitchFamily="49" charset="-122"/>
+                <a:cs typeface="Times New Roman" panose="02020603050405020304" pitchFamily="18" charset="0"/>
+              </a:endParaRPr>
+            </a:p>
+          </p:txBody>
+        </p:sp>
+        <p:sp>
+          <p:nvSpPr>
+            <p:cNvPr id="18" name="矩形 17">
+              <a:extLst>
+                <a:ext uri="{FF2B5EF4-FFF2-40B4-BE49-F238E27FC236}">
+                  <a16:creationId xmlns:a16="http://schemas.microsoft.com/office/drawing/2014/main" id="{E8585B70-9C22-0941-88AE-28B886652136}"/>
+                </a:ext>
+              </a:extLst>
+            </p:cNvPr>
+            <p:cNvSpPr/>
+            <p:nvPr/>
+          </p:nvSpPr>
+          <p:spPr>
+            <a:xfrm>
+              <a:off x="6625392" y="2231453"/>
+              <a:ext cx="5097216" cy="307777"/>
+            </a:xfrm>
+            <a:prstGeom prst="rect">
+              <a:avLst/>
+            </a:prstGeom>
+            <a:solidFill>
+              <a:srgbClr val="FF40FF"/>
+            </a:solidFill>
+            <a:effectLst>
+              <a:softEdge rad="31750"/>
+            </a:effectLst>
+          </p:spPr>
+          <p:txBody>
+            <a:bodyPr wrap="square">
+              <a:spAutoFit/>
+            </a:bodyPr>
+            <a:lstStyle/>
+            <a:p>
+              <a:r>
+                <a:rPr lang="zh-CN" altLang="en-US" sz="1400" dirty="0">
+                  <a:solidFill>
+                    <a:schemeClr val="bg1"/>
+                  </a:solidFill>
+                  <a:latin typeface="Times New Roman" panose="02020603050405020304" pitchFamily="18" charset="0"/>
+                  <a:ea typeface="KaiTi_GB2312" panose="02010609030101010101" pitchFamily="49" charset="-122"/>
+                  <a:cs typeface="Times New Roman" panose="02020603050405020304" pitchFamily="18" charset="0"/>
+                </a:rPr>
+                <a:t>粉色结点表示之前遍历过的数里，</a:t>
+              </a:r>
+              <a:r>
+                <a:rPr lang="zh-CN" altLang="en-US" sz="1400" b="1" dirty="0">
+                  <a:solidFill>
+                    <a:schemeClr val="bg1"/>
+                  </a:solidFill>
+                  <a:latin typeface="Times New Roman" panose="02020603050405020304" pitchFamily="18" charset="0"/>
+                  <a:ea typeface="KaiTi_GB2312" panose="02010609030101010101" pitchFamily="49" charset="-122"/>
+                  <a:cs typeface="Times New Roman" panose="02020603050405020304" pitchFamily="18" charset="0"/>
+                </a:rPr>
+                <a:t>严格</a:t>
+              </a:r>
+              <a:r>
+                <a:rPr lang="zh-CN" altLang="en-US" sz="1400" dirty="0">
+                  <a:solidFill>
+                    <a:schemeClr val="bg1"/>
+                  </a:solidFill>
+                  <a:latin typeface="Times New Roman" panose="02020603050405020304" pitchFamily="18" charset="0"/>
+                  <a:ea typeface="KaiTi_GB2312" panose="02010609030101010101" pitchFamily="49" charset="-122"/>
+                  <a:cs typeface="Times New Roman" panose="02020603050405020304" pitchFamily="18" charset="0"/>
+                </a:rPr>
+                <a:t>小于当前遍历看到的数。</a:t>
+              </a:r>
+              <a:endParaRPr lang="en-US" altLang="zh-CN" sz="1400" dirty="0">
+                <a:solidFill>
+                  <a:schemeClr val="bg1"/>
+                </a:solidFill>
+                <a:latin typeface="Times New Roman" panose="02020603050405020304" pitchFamily="18" charset="0"/>
+                <a:ea typeface="KaiTi_GB2312" panose="02010609030101010101" pitchFamily="49" charset="-122"/>
+                <a:cs typeface="Times New Roman" panose="02020603050405020304" pitchFamily="18" charset="0"/>
+              </a:endParaRPr>
+            </a:p>
+          </p:txBody>
+        </p:sp>
+        <p:sp>
+          <p:nvSpPr>
+            <p:cNvPr id="19" name="矩形 18">
+              <a:extLst>
+                <a:ext uri="{FF2B5EF4-FFF2-40B4-BE49-F238E27FC236}">
+                  <a16:creationId xmlns:a16="http://schemas.microsoft.com/office/drawing/2014/main" id="{EEB7D99A-5CA4-4540-8A23-0697ED887DED}"/>
+                </a:ext>
+              </a:extLst>
+            </p:cNvPr>
+            <p:cNvSpPr/>
+            <p:nvPr/>
+          </p:nvSpPr>
+          <p:spPr>
+            <a:xfrm>
+              <a:off x="6625392" y="1084169"/>
+              <a:ext cx="790598" cy="338554"/>
+            </a:xfrm>
+            <a:prstGeom prst="rect">
+              <a:avLst/>
+            </a:prstGeom>
+          </p:spPr>
+          <p:txBody>
+            <a:bodyPr wrap="square">
+              <a:spAutoFit/>
+            </a:bodyPr>
+            <a:lstStyle/>
+            <a:p>
+              <a:r>
+                <a:rPr lang="zh-CN" altLang="en-US" sz="1600" dirty="0">
+                  <a:latin typeface="Times New Roman" charset="0"/>
+                  <a:ea typeface="楷体" charset="-122"/>
+                  <a:cs typeface="Times New Roman" charset="0"/>
+                </a:rPr>
+                <a:t>图例：</a:t>
+              </a:r>
+            </a:p>
+          </p:txBody>
+        </p:sp>
+      </p:grpSp>
       <p:sp>
         <p:nvSpPr>
-          <p:cNvPr id="10" name="矩形 9">
+          <p:cNvPr id="20" name="矩形 19">
             <a:extLst>
               <a:ext uri="{FF2B5EF4-FFF2-40B4-BE49-F238E27FC236}">
-                <a16:creationId xmlns:a16="http://schemas.microsoft.com/office/drawing/2014/main" id="{F0943BB4-77BE-584C-A0F9-43D2AD363F62}"/>
+                <a16:creationId xmlns:a16="http://schemas.microsoft.com/office/drawing/2014/main" id="{78DC495E-1CC0-E245-B0EB-43DFEFD68F91}"/>
               </a:ext>
             </a:extLst>
           </p:cNvPr>
@@ -4197,8 +6715,8 @@
         </p:nvSpPr>
         <p:spPr>
           <a:xfrm>
-            <a:off x="808475" y="1516857"/>
-            <a:ext cx="8448276" cy="400110"/>
+            <a:off x="808474" y="1370591"/>
+            <a:ext cx="9451093" cy="1015663"/>
           </a:xfrm>
           <a:prstGeom prst="rect">
             <a:avLst/>
@@ -4216,7 +6734,47 @@
                 <a:ea typeface="KaiTi_GB2312" panose="02010609030101010101" pitchFamily="49" charset="-122"/>
                 <a:cs typeface="Times New Roman" panose="02020603050405020304" pitchFamily="18" charset="0"/>
               </a:rPr>
-              <a:t>状态：以 </a:t>
+              <a:t>状态 </a:t>
+            </a:r>
+            <a:r>
+              <a:rPr lang="en-US" altLang="zh-CN" sz="2000" dirty="0" err="1">
+                <a:latin typeface="Times New Roman" panose="02020603050405020304" pitchFamily="18" charset="0"/>
+                <a:ea typeface="KaiTi_GB2312" panose="02010609030101010101" pitchFamily="49" charset="-122"/>
+                <a:cs typeface="Times New Roman" panose="02020603050405020304" pitchFamily="18" charset="0"/>
+              </a:rPr>
+              <a:t>dp</a:t>
+            </a:r>
+            <a:r>
+              <a:rPr lang="en-US" altLang="zh-CN" sz="2000" dirty="0">
+                <a:latin typeface="Times New Roman" panose="02020603050405020304" pitchFamily="18" charset="0"/>
+                <a:ea typeface="KaiTi_GB2312" panose="02010609030101010101" pitchFamily="49" charset="-122"/>
+                <a:cs typeface="Times New Roman" panose="02020603050405020304" pitchFamily="18" charset="0"/>
+              </a:rPr>
+              <a:t>[</a:t>
+            </a:r>
+            <a:r>
+              <a:rPr lang="en-US" altLang="zh-CN" sz="2000" dirty="0" err="1">
+                <a:latin typeface="Times New Roman" panose="02020603050405020304" pitchFamily="18" charset="0"/>
+                <a:ea typeface="KaiTi_GB2312" panose="02010609030101010101" pitchFamily="49" charset="-122"/>
+                <a:cs typeface="Times New Roman" panose="02020603050405020304" pitchFamily="18" charset="0"/>
+              </a:rPr>
+              <a:t>i</a:t>
+            </a:r>
+            <a:r>
+              <a:rPr lang="en-US" altLang="zh-CN" sz="2000" dirty="0">
+                <a:latin typeface="Times New Roman" panose="02020603050405020304" pitchFamily="18" charset="0"/>
+                <a:ea typeface="KaiTi_GB2312" panose="02010609030101010101" pitchFamily="49" charset="-122"/>
+                <a:cs typeface="Times New Roman" panose="02020603050405020304" pitchFamily="18" charset="0"/>
+              </a:rPr>
+              <a:t>]</a:t>
+            </a:r>
+            <a:r>
+              <a:rPr lang="zh-CN" altLang="en-US" sz="2000" dirty="0">
+                <a:latin typeface="Times New Roman" panose="02020603050405020304" pitchFamily="18" charset="0"/>
+                <a:ea typeface="KaiTi_GB2312" panose="02010609030101010101" pitchFamily="49" charset="-122"/>
+                <a:cs typeface="Times New Roman" panose="02020603050405020304" pitchFamily="18" charset="0"/>
+              </a:rPr>
+              <a:t>：以 </a:t>
             </a:r>
             <a:r>
               <a:rPr lang="en-US" altLang="zh-CN" sz="2000" dirty="0" err="1">
@@ -4283,14 +6841,180 @@
               <a:cs typeface="Times New Roman" panose="02020603050405020304" pitchFamily="18" charset="0"/>
             </a:endParaRPr>
           </a:p>
+          <a:p>
+            <a:endParaRPr lang="en-US" altLang="zh-CN" sz="2000" dirty="0">
+              <a:latin typeface="Times New Roman" panose="02020603050405020304" pitchFamily="18" charset="0"/>
+              <a:ea typeface="KaiTi_GB2312" panose="02010609030101010101" pitchFamily="49" charset="-122"/>
+              <a:cs typeface="Times New Roman" panose="02020603050405020304" pitchFamily="18" charset="0"/>
+            </a:endParaRPr>
+          </a:p>
+          <a:p>
+            <a:r>
+              <a:rPr lang="zh-CN" altLang="en-US" sz="2000" dirty="0">
+                <a:latin typeface="Times New Roman" panose="02020603050405020304" pitchFamily="18" charset="0"/>
+                <a:ea typeface="KaiTi_GB2312" panose="02010609030101010101" pitchFamily="49" charset="-122"/>
+                <a:cs typeface="Times New Roman" panose="02020603050405020304" pitchFamily="18" charset="0"/>
+              </a:rPr>
+              <a:t>状态转移方程：</a:t>
+            </a:r>
+            <a:r>
+              <a:rPr lang="en-US" altLang="zh-CN" dirty="0" err="1">
+                <a:latin typeface="Consolas" panose="020B0609020204030204" pitchFamily="49" charset="0"/>
+                <a:cs typeface="Consolas" panose="020B0609020204030204" pitchFamily="49" charset="0"/>
+              </a:rPr>
+              <a:t>dp</a:t>
+            </a:r>
+            <a:r>
+              <a:rPr lang="en-US" altLang="zh-CN" dirty="0">
+                <a:latin typeface="Consolas" panose="020B0609020204030204" pitchFamily="49" charset="0"/>
+                <a:cs typeface="Consolas" panose="020B0609020204030204" pitchFamily="49" charset="0"/>
+              </a:rPr>
+              <a:t>[</a:t>
+            </a:r>
+            <a:r>
+              <a:rPr lang="en-US" altLang="zh-CN" dirty="0" err="1">
+                <a:latin typeface="Consolas" panose="020B0609020204030204" pitchFamily="49" charset="0"/>
+                <a:cs typeface="Consolas" panose="020B0609020204030204" pitchFamily="49" charset="0"/>
+              </a:rPr>
+              <a:t>i</a:t>
+            </a:r>
+            <a:r>
+              <a:rPr lang="en-US" altLang="zh-CN" dirty="0">
+                <a:latin typeface="Consolas" panose="020B0609020204030204" pitchFamily="49" charset="0"/>
+                <a:cs typeface="Consolas" panose="020B0609020204030204" pitchFamily="49" charset="0"/>
+              </a:rPr>
+              <a:t>] = </a:t>
+            </a:r>
+            <a:r>
+              <a:rPr lang="en-US" altLang="zh-CN" dirty="0">
+                <a:solidFill>
+                  <a:srgbClr val="FF40FF"/>
+                </a:solidFill>
+                <a:latin typeface="Consolas" panose="020B0609020204030204" pitchFamily="49" charset="0"/>
+                <a:cs typeface="Consolas" panose="020B0609020204030204" pitchFamily="49" charset="0"/>
+              </a:rPr>
+              <a:t>max</a:t>
+            </a:r>
+            <a:r>
+              <a:rPr lang="en-US" altLang="zh-CN" dirty="0">
+                <a:latin typeface="Consolas" panose="020B0609020204030204" pitchFamily="49" charset="0"/>
+                <a:cs typeface="Consolas" panose="020B0609020204030204" pitchFamily="49" charset="0"/>
+              </a:rPr>
+              <a:t>{1 + </a:t>
+            </a:r>
+            <a:r>
+              <a:rPr lang="en-US" altLang="zh-CN" dirty="0" err="1">
+                <a:latin typeface="Consolas" panose="020B0609020204030204" pitchFamily="49" charset="0"/>
+                <a:cs typeface="Consolas" panose="020B0609020204030204" pitchFamily="49" charset="0"/>
+              </a:rPr>
+              <a:t>dp</a:t>
+            </a:r>
+            <a:r>
+              <a:rPr lang="en-US" altLang="zh-CN" dirty="0">
+                <a:latin typeface="Consolas" panose="020B0609020204030204" pitchFamily="49" charset="0"/>
+                <a:cs typeface="Consolas" panose="020B0609020204030204" pitchFamily="49" charset="0"/>
+              </a:rPr>
+              <a:t>[j] </a:t>
+            </a:r>
+            <a:r>
+              <a:rPr lang="en-US" altLang="zh-CN" dirty="0">
+                <a:solidFill>
+                  <a:srgbClr val="FF40FF"/>
+                </a:solidFill>
+                <a:latin typeface="Consolas" panose="020B0609020204030204" pitchFamily="49" charset="0"/>
+                <a:cs typeface="Consolas" panose="020B0609020204030204" pitchFamily="49" charset="0"/>
+              </a:rPr>
+              <a:t>for</a:t>
+            </a:r>
+            <a:r>
+              <a:rPr lang="en-US" altLang="zh-CN" dirty="0">
+                <a:latin typeface="Consolas" panose="020B0609020204030204" pitchFamily="49" charset="0"/>
+                <a:cs typeface="Consolas" panose="020B0609020204030204" pitchFamily="49" charset="0"/>
+              </a:rPr>
+              <a:t> j &lt; </a:t>
+            </a:r>
+            <a:r>
+              <a:rPr lang="en-US" altLang="zh-CN" dirty="0" err="1">
+                <a:latin typeface="Consolas" panose="020B0609020204030204" pitchFamily="49" charset="0"/>
+                <a:cs typeface="Consolas" panose="020B0609020204030204" pitchFamily="49" charset="0"/>
+              </a:rPr>
+              <a:t>i</a:t>
+            </a:r>
+            <a:r>
+              <a:rPr lang="en-US" altLang="zh-CN" dirty="0">
+                <a:latin typeface="Consolas" panose="020B0609020204030204" pitchFamily="49" charset="0"/>
+                <a:cs typeface="Consolas" panose="020B0609020204030204" pitchFamily="49" charset="0"/>
+              </a:rPr>
+              <a:t> </a:t>
+            </a:r>
+            <a:r>
+              <a:rPr lang="en-US" altLang="zh-CN" dirty="0">
+                <a:solidFill>
+                  <a:srgbClr val="FF40FF"/>
+                </a:solidFill>
+                <a:latin typeface="Consolas" panose="020B0609020204030204" pitchFamily="49" charset="0"/>
+                <a:cs typeface="Consolas" panose="020B0609020204030204" pitchFamily="49" charset="0"/>
+              </a:rPr>
+              <a:t>if</a:t>
+            </a:r>
+            <a:r>
+              <a:rPr lang="en-US" altLang="zh-CN" dirty="0">
+                <a:latin typeface="Consolas" panose="020B0609020204030204" pitchFamily="49" charset="0"/>
+                <a:cs typeface="Consolas" panose="020B0609020204030204" pitchFamily="49" charset="0"/>
+              </a:rPr>
+              <a:t> </a:t>
+            </a:r>
+            <a:r>
+              <a:rPr lang="en-US" altLang="zh-CN" dirty="0" err="1">
+                <a:latin typeface="Consolas" panose="020B0609020204030204" pitchFamily="49" charset="0"/>
+                <a:cs typeface="Consolas" panose="020B0609020204030204" pitchFamily="49" charset="0"/>
+              </a:rPr>
+              <a:t>nums</a:t>
+            </a:r>
+            <a:r>
+              <a:rPr lang="en-US" altLang="zh-CN" dirty="0">
+                <a:latin typeface="Consolas" panose="020B0609020204030204" pitchFamily="49" charset="0"/>
+                <a:cs typeface="Consolas" panose="020B0609020204030204" pitchFamily="49" charset="0"/>
+              </a:rPr>
+              <a:t>[j] &lt; </a:t>
+            </a:r>
+            <a:r>
+              <a:rPr lang="en-US" altLang="zh-CN" dirty="0" err="1">
+                <a:latin typeface="Consolas" panose="020B0609020204030204" pitchFamily="49" charset="0"/>
+                <a:cs typeface="Consolas" panose="020B0609020204030204" pitchFamily="49" charset="0"/>
+              </a:rPr>
+              <a:t>nums</a:t>
+            </a:r>
+            <a:r>
+              <a:rPr lang="en-US" altLang="zh-CN" dirty="0">
+                <a:latin typeface="Consolas" panose="020B0609020204030204" pitchFamily="49" charset="0"/>
+                <a:cs typeface="Consolas" panose="020B0609020204030204" pitchFamily="49" charset="0"/>
+              </a:rPr>
+              <a:t>[</a:t>
+            </a:r>
+            <a:r>
+              <a:rPr lang="en-US" altLang="zh-CN" dirty="0" err="1">
+                <a:latin typeface="Consolas" panose="020B0609020204030204" pitchFamily="49" charset="0"/>
+                <a:cs typeface="Consolas" panose="020B0609020204030204" pitchFamily="49" charset="0"/>
+              </a:rPr>
+              <a:t>i</a:t>
+            </a:r>
+            <a:r>
+              <a:rPr lang="en-US" altLang="zh-CN" dirty="0">
+                <a:latin typeface="Consolas" panose="020B0609020204030204" pitchFamily="49" charset="0"/>
+                <a:cs typeface="Consolas" panose="020B0609020204030204" pitchFamily="49" charset="0"/>
+              </a:rPr>
+              <a:t>]}</a:t>
+            </a:r>
+          </a:p>
         </p:txBody>
       </p:sp>
       <p:sp>
         <p:nvSpPr>
-          <p:cNvPr id="14" name="文本框 13">
+          <p:cNvPr id="21" name="文本框 20">
             <a:extLst>
               <a:ext uri="{FF2B5EF4-FFF2-40B4-BE49-F238E27FC236}">
-                <a16:creationId xmlns:a16="http://schemas.microsoft.com/office/drawing/2014/main" id="{75601869-A42A-DC44-8049-EAC1AFA28AE4}"/>
+                <a16:creationId xmlns:a16="http://schemas.microsoft.com/office/drawing/2014/main" id="{5E0CEEF1-F929-644E-B14A-B18479710203}"/>
               </a:ext>
             </a:extLst>
           </p:cNvPr>
@@ -4299,8 +7023,8 @@
         </p:nvSpPr>
         <p:spPr>
           <a:xfrm flipH="1">
-            <a:off x="808475" y="804715"/>
-            <a:ext cx="3050881" cy="461665"/>
+            <a:off x="808474" y="835492"/>
+            <a:ext cx="2472607" cy="400110"/>
           </a:xfrm>
           <a:prstGeom prst="rect">
             <a:avLst/>
@@ -4330,7 +7054,7 @@
               <a:buChar char="Ø"/>
             </a:pPr>
             <a:r>
-              <a:rPr kumimoji="1" lang="zh-CN" altLang="en-US" sz="2400" b="1" dirty="0">
+              <a:rPr kumimoji="1" lang="zh-CN" altLang="en-US" sz="2000" b="1" dirty="0">
                 <a:solidFill>
                   <a:schemeClr val="bg1"/>
                 </a:solidFill>
@@ -4339,102 +7063,6 @@
                 <a:cs typeface="Times New Roman" panose="02020603050405020304" pitchFamily="18" charset="0"/>
               </a:rPr>
               <a:t>思想：动态规划。</a:t>
-            </a:r>
-          </a:p>
-        </p:txBody>
-      </p:sp>
-      <p:sp>
-        <p:nvSpPr>
-          <p:cNvPr id="8" name="矩形 7">
-            <a:extLst>
-              <a:ext uri="{FF2B5EF4-FFF2-40B4-BE49-F238E27FC236}">
-                <a16:creationId xmlns:a16="http://schemas.microsoft.com/office/drawing/2014/main" id="{BFB3228E-EFBE-5F40-A193-AFE11A8D32DF}"/>
-              </a:ext>
-            </a:extLst>
-          </p:cNvPr>
-          <p:cNvSpPr/>
-          <p:nvPr/>
-        </p:nvSpPr>
-        <p:spPr>
-          <a:xfrm>
-            <a:off x="808475" y="1876685"/>
-            <a:ext cx="7144283" cy="738664"/>
-          </a:xfrm>
-          <a:prstGeom prst="rect">
-            <a:avLst/>
-          </a:prstGeom>
-        </p:spPr>
-        <p:txBody>
-          <a:bodyPr wrap="square">
-            <a:spAutoFit/>
-          </a:bodyPr>
-          <a:lstStyle/>
-          <a:p>
-            <a:r>
-              <a:rPr lang="zh-CN" altLang="en-US" sz="1400" dirty="0">
-                <a:latin typeface="Times New Roman" panose="02020603050405020304" pitchFamily="18" charset="0"/>
-                <a:ea typeface="KaiTi_GB2312" panose="02010609030101010101" pitchFamily="49" charset="-122"/>
-                <a:cs typeface="Times New Roman" panose="02020603050405020304" pitchFamily="18" charset="0"/>
-              </a:rPr>
-              <a:t>图例：</a:t>
-            </a:r>
-            <a:endParaRPr lang="en-US" altLang="zh-CN" sz="1400" dirty="0">
-              <a:latin typeface="Times New Roman" panose="02020603050405020304" pitchFamily="18" charset="0"/>
-              <a:ea typeface="KaiTi_GB2312" panose="02010609030101010101" pitchFamily="49" charset="-122"/>
-              <a:cs typeface="Times New Roman" panose="02020603050405020304" pitchFamily="18" charset="0"/>
-            </a:endParaRPr>
-          </a:p>
-          <a:p>
-            <a:r>
-              <a:rPr lang="zh-CN" altLang="en-US" sz="1400" b="1" dirty="0">
-                <a:solidFill>
-                  <a:schemeClr val="bg1"/>
-                </a:solidFill>
-                <a:highlight>
-                  <a:srgbClr val="FF0000"/>
-                </a:highlight>
-                <a:latin typeface="Times New Roman" panose="02020603050405020304" pitchFamily="18" charset="0"/>
-                <a:ea typeface="KaiTi_GB2312" panose="02010609030101010101" pitchFamily="49" charset="-122"/>
-                <a:cs typeface="Times New Roman" panose="02020603050405020304" pitchFamily="18" charset="0"/>
-              </a:rPr>
-              <a:t>红色</a:t>
-            </a:r>
-            <a:r>
-              <a:rPr lang="zh-CN" altLang="en-US" sz="1400" dirty="0">
-                <a:latin typeface="Times New Roman" panose="02020603050405020304" pitchFamily="18" charset="0"/>
-                <a:ea typeface="KaiTi_GB2312" panose="02010609030101010101" pitchFamily="49" charset="-122"/>
-                <a:cs typeface="Times New Roman" panose="02020603050405020304" pitchFamily="18" charset="0"/>
-              </a:rPr>
-              <a:t>表示代码在当前遍历看到的数；</a:t>
-            </a:r>
-            <a:endParaRPr lang="en-US" altLang="zh-CN" sz="1400" dirty="0">
-              <a:latin typeface="Times New Roman" panose="02020603050405020304" pitchFamily="18" charset="0"/>
-              <a:ea typeface="KaiTi_GB2312" panose="02010609030101010101" pitchFamily="49" charset="-122"/>
-              <a:cs typeface="Times New Roman" panose="02020603050405020304" pitchFamily="18" charset="0"/>
-            </a:endParaRPr>
-          </a:p>
-          <a:p>
-            <a:r>
-              <a:rPr lang="zh-CN" altLang="en-US" sz="1400" dirty="0">
-                <a:solidFill>
-                  <a:schemeClr val="bg1"/>
-                </a:solidFill>
-                <a:highlight>
-                  <a:srgbClr val="FF00FF"/>
-                </a:highlight>
-                <a:latin typeface="Times New Roman" panose="02020603050405020304" pitchFamily="18" charset="0"/>
-                <a:ea typeface="KaiTi_GB2312" panose="02010609030101010101" pitchFamily="49" charset="-122"/>
-                <a:cs typeface="Times New Roman" panose="02020603050405020304" pitchFamily="18" charset="0"/>
-              </a:rPr>
-              <a:t>粉红色</a:t>
-            </a:r>
-            <a:r>
-              <a:rPr lang="zh-CN" altLang="en-US" sz="1400" dirty="0">
-                <a:latin typeface="Times New Roman" panose="02020603050405020304" pitchFamily="18" charset="0"/>
-                <a:ea typeface="KaiTi_GB2312" panose="02010609030101010101" pitchFamily="49" charset="-122"/>
-                <a:cs typeface="Times New Roman" panose="02020603050405020304" pitchFamily="18" charset="0"/>
-              </a:rPr>
-              <a:t>表示，之前遍历过的数里，（严格）小于当前遍历看到的数（被红色标注）。</a:t>
             </a:r>
           </a:p>
         </p:txBody>
@@ -4525,258 +7153,6 @@
               <a:ea typeface="KaiTi_GB2312" panose="02010609030101010101" pitchFamily="49" charset="-122"/>
               <a:cs typeface="Times New Roman" panose="02020603050405020304" pitchFamily="18" charset="0"/>
             </a:endParaRPr>
-          </a:p>
-        </p:txBody>
-      </p:sp>
-      <p:sp>
-        <p:nvSpPr>
-          <p:cNvPr id="12" name="矩形 11">
-            <a:extLst>
-              <a:ext uri="{FF2B5EF4-FFF2-40B4-BE49-F238E27FC236}">
-                <a16:creationId xmlns:a16="http://schemas.microsoft.com/office/drawing/2014/main" id="{E3B7233A-E05D-B04A-8C56-A01682D1D716}"/>
-              </a:ext>
-            </a:extLst>
-          </p:cNvPr>
-          <p:cNvSpPr/>
-          <p:nvPr/>
-        </p:nvSpPr>
-        <p:spPr>
-          <a:xfrm>
-            <a:off x="154191" y="5203156"/>
-            <a:ext cx="11945923" cy="1015663"/>
-          </a:xfrm>
-          <a:prstGeom prst="rect">
-            <a:avLst/>
-          </a:prstGeom>
-        </p:spPr>
-        <p:txBody>
-          <a:bodyPr wrap="square">
-            <a:spAutoFit/>
-          </a:bodyPr>
-          <a:lstStyle/>
-          <a:p>
-            <a:r>
-              <a:rPr lang="zh-CN" altLang="en-US" sz="2000" dirty="0">
-                <a:latin typeface="Times New Roman" panose="02020603050405020304" pitchFamily="18" charset="0"/>
-                <a:ea typeface="KaiTi_GB2312" panose="02010609030101010101" pitchFamily="49" charset="-122"/>
-                <a:cs typeface="Times New Roman" panose="02020603050405020304" pitchFamily="18" charset="0"/>
-              </a:rPr>
-              <a:t>以 </a:t>
-            </a:r>
-            <a:r>
-              <a:rPr lang="en-US" altLang="zh-CN" sz="2000" dirty="0">
-                <a:latin typeface="Times New Roman" panose="02020603050405020304" pitchFamily="18" charset="0"/>
-                <a:ea typeface="KaiTi_GB2312" panose="02010609030101010101" pitchFamily="49" charset="-122"/>
-                <a:cs typeface="Times New Roman" panose="02020603050405020304" pitchFamily="18" charset="0"/>
-              </a:rPr>
-              <a:t>30</a:t>
-            </a:r>
-            <a:r>
-              <a:rPr lang="zh-CN" altLang="en-US" sz="2000" dirty="0">
-                <a:latin typeface="Times New Roman" panose="02020603050405020304" pitchFamily="18" charset="0"/>
-                <a:ea typeface="KaiTi_GB2312" panose="02010609030101010101" pitchFamily="49" charset="-122"/>
-                <a:cs typeface="Times New Roman" panose="02020603050405020304" pitchFamily="18" charset="0"/>
-              </a:rPr>
-              <a:t> 结尾的“上升子序列”</a:t>
-            </a:r>
-            <a:r>
-              <a:rPr lang="en-US" altLang="zh-CN" sz="2000" dirty="0">
-                <a:latin typeface="Times New Roman" panose="02020603050405020304" pitchFamily="18" charset="0"/>
-                <a:ea typeface="KaiTi_GB2312" panose="02010609030101010101" pitchFamily="49" charset="-122"/>
-                <a:cs typeface="Times New Roman" panose="02020603050405020304" pitchFamily="18" charset="0"/>
-              </a:rPr>
-              <a:t> </a:t>
-            </a:r>
-            <a:r>
-              <a:rPr lang="zh-CN" altLang="en-US" sz="2000" dirty="0">
-                <a:latin typeface="Times New Roman" panose="02020603050405020304" pitchFamily="18" charset="0"/>
-                <a:ea typeface="KaiTi_GB2312" panose="02010609030101010101" pitchFamily="49" charset="-122"/>
-                <a:cs typeface="Times New Roman" panose="02020603050405020304" pitchFamily="18" charset="0"/>
-              </a:rPr>
-              <a:t>的长度是，它的前面比它小的所有数下面的数字的最大者 </a:t>
-            </a:r>
-            <a:r>
-              <a:rPr lang="en-US" altLang="zh-CN" sz="2000" dirty="0">
-                <a:latin typeface="Times New Roman" panose="02020603050405020304" pitchFamily="18" charset="0"/>
-                <a:ea typeface="KaiTi_GB2312" panose="02010609030101010101" pitchFamily="49" charset="-122"/>
-                <a:cs typeface="Times New Roman" panose="02020603050405020304" pitchFamily="18" charset="0"/>
-              </a:rPr>
-              <a:t>+</a:t>
-            </a:r>
-            <a:r>
-              <a:rPr lang="zh-CN" altLang="en-US" sz="2000" dirty="0">
-                <a:latin typeface="Times New Roman" panose="02020603050405020304" pitchFamily="18" charset="0"/>
-                <a:ea typeface="KaiTi_GB2312" panose="02010609030101010101" pitchFamily="49" charset="-122"/>
-                <a:cs typeface="Times New Roman" panose="02020603050405020304" pitchFamily="18" charset="0"/>
-              </a:rPr>
-              <a:t> </a:t>
-            </a:r>
-            <a:r>
-              <a:rPr lang="en-US" altLang="zh-CN" sz="2000" dirty="0">
-                <a:latin typeface="Times New Roman" panose="02020603050405020304" pitchFamily="18" charset="0"/>
-                <a:ea typeface="KaiTi_GB2312" panose="02010609030101010101" pitchFamily="49" charset="-122"/>
-                <a:cs typeface="Times New Roman" panose="02020603050405020304" pitchFamily="18" charset="0"/>
-              </a:rPr>
-              <a:t>1</a:t>
-            </a:r>
-            <a:r>
-              <a:rPr lang="zh-CN" altLang="en-US" sz="2000" dirty="0">
-                <a:latin typeface="Times New Roman" panose="02020603050405020304" pitchFamily="18" charset="0"/>
-                <a:ea typeface="KaiTi_GB2312" panose="02010609030101010101" pitchFamily="49" charset="-122"/>
-                <a:cs typeface="Times New Roman" panose="02020603050405020304" pitchFamily="18" charset="0"/>
-              </a:rPr>
-              <a:t>，即 </a:t>
-            </a:r>
-            <a:r>
-              <a:rPr lang="en-US" altLang="zh-CN" sz="2000" dirty="0">
-                <a:latin typeface="Times New Roman" panose="02020603050405020304" pitchFamily="18" charset="0"/>
-                <a:ea typeface="KaiTi_GB2312" panose="02010609030101010101" pitchFamily="49" charset="-122"/>
-                <a:cs typeface="Times New Roman" panose="02020603050405020304" pitchFamily="18" charset="0"/>
-              </a:rPr>
-              <a:t>3</a:t>
-            </a:r>
-            <a:r>
-              <a:rPr lang="zh-CN" altLang="en-US" sz="2000" dirty="0">
-                <a:latin typeface="Times New Roman" panose="02020603050405020304" pitchFamily="18" charset="0"/>
-                <a:ea typeface="KaiTi_GB2312" panose="02010609030101010101" pitchFamily="49" charset="-122"/>
-                <a:cs typeface="Times New Roman" panose="02020603050405020304" pitchFamily="18" charset="0"/>
-              </a:rPr>
-              <a:t> </a:t>
-            </a:r>
-            <a:r>
-              <a:rPr lang="en-US" altLang="zh-CN" sz="2000" dirty="0">
-                <a:latin typeface="Times New Roman" panose="02020603050405020304" pitchFamily="18" charset="0"/>
-                <a:ea typeface="KaiTi_GB2312" panose="02010609030101010101" pitchFamily="49" charset="-122"/>
-                <a:cs typeface="Times New Roman" panose="02020603050405020304" pitchFamily="18" charset="0"/>
-              </a:rPr>
-              <a:t>+</a:t>
-            </a:r>
-            <a:r>
-              <a:rPr lang="zh-CN" altLang="en-US" sz="2000" dirty="0">
-                <a:latin typeface="Times New Roman" panose="02020603050405020304" pitchFamily="18" charset="0"/>
-                <a:ea typeface="KaiTi_GB2312" panose="02010609030101010101" pitchFamily="49" charset="-122"/>
-                <a:cs typeface="Times New Roman" panose="02020603050405020304" pitchFamily="18" charset="0"/>
-              </a:rPr>
-              <a:t> </a:t>
-            </a:r>
-            <a:r>
-              <a:rPr lang="en-US" altLang="zh-CN" sz="2000" dirty="0">
-                <a:latin typeface="Times New Roman" panose="02020603050405020304" pitchFamily="18" charset="0"/>
-                <a:ea typeface="KaiTi_GB2312" panose="02010609030101010101" pitchFamily="49" charset="-122"/>
-                <a:cs typeface="Times New Roman" panose="02020603050405020304" pitchFamily="18" charset="0"/>
-              </a:rPr>
-              <a:t>1</a:t>
-            </a:r>
-            <a:r>
-              <a:rPr lang="zh-CN" altLang="en-US" sz="2000" dirty="0">
-                <a:latin typeface="Times New Roman" panose="02020603050405020304" pitchFamily="18" charset="0"/>
-                <a:ea typeface="KaiTi_GB2312" panose="02010609030101010101" pitchFamily="49" charset="-122"/>
-                <a:cs typeface="Times New Roman" panose="02020603050405020304" pitchFamily="18" charset="0"/>
-              </a:rPr>
-              <a:t> </a:t>
-            </a:r>
-            <a:r>
-              <a:rPr lang="en-US" altLang="zh-CN" sz="2000" dirty="0">
-                <a:latin typeface="Times New Roman" panose="02020603050405020304" pitchFamily="18" charset="0"/>
-                <a:ea typeface="KaiTi_GB2312" panose="02010609030101010101" pitchFamily="49" charset="-122"/>
-                <a:cs typeface="Times New Roman" panose="02020603050405020304" pitchFamily="18" charset="0"/>
-              </a:rPr>
-              <a:t>=</a:t>
-            </a:r>
-            <a:r>
-              <a:rPr lang="zh-CN" altLang="en-US" sz="2000" dirty="0">
-                <a:latin typeface="Times New Roman" panose="02020603050405020304" pitchFamily="18" charset="0"/>
-                <a:ea typeface="KaiTi_GB2312" panose="02010609030101010101" pitchFamily="49" charset="-122"/>
-                <a:cs typeface="Times New Roman" panose="02020603050405020304" pitchFamily="18" charset="0"/>
-              </a:rPr>
-              <a:t> </a:t>
-            </a:r>
-            <a:r>
-              <a:rPr lang="en-US" altLang="zh-CN" sz="2000" dirty="0">
-                <a:latin typeface="Times New Roman" panose="02020603050405020304" pitchFamily="18" charset="0"/>
-                <a:ea typeface="KaiTi_GB2312" panose="02010609030101010101" pitchFamily="49" charset="-122"/>
-                <a:cs typeface="Times New Roman" panose="02020603050405020304" pitchFamily="18" charset="0"/>
-              </a:rPr>
-              <a:t>4</a:t>
-            </a:r>
-            <a:r>
-              <a:rPr lang="zh-CN" altLang="en-US" sz="2000" dirty="0">
-                <a:latin typeface="Times New Roman" panose="02020603050405020304" pitchFamily="18" charset="0"/>
-                <a:ea typeface="KaiTi_GB2312" panose="02010609030101010101" pitchFamily="49" charset="-122"/>
-                <a:cs typeface="Times New Roman" panose="02020603050405020304" pitchFamily="18" charset="0"/>
-              </a:rPr>
-              <a:t>。</a:t>
-            </a:r>
-            <a:endParaRPr lang="en-US" altLang="zh-CN" sz="2000" dirty="0">
-              <a:latin typeface="Times New Roman" panose="02020603050405020304" pitchFamily="18" charset="0"/>
-              <a:ea typeface="KaiTi_GB2312" panose="02010609030101010101" pitchFamily="49" charset="-122"/>
-              <a:cs typeface="Times New Roman" panose="02020603050405020304" pitchFamily="18" charset="0"/>
-            </a:endParaRPr>
-          </a:p>
-          <a:p>
-            <a:endParaRPr lang="en-US" altLang="zh-CN" sz="2000" dirty="0">
-              <a:latin typeface="Times New Roman" panose="02020603050405020304" pitchFamily="18" charset="0"/>
-              <a:ea typeface="KaiTi_GB2312" panose="02010609030101010101" pitchFamily="49" charset="-122"/>
-              <a:cs typeface="Times New Roman" panose="02020603050405020304" pitchFamily="18" charset="0"/>
-            </a:endParaRPr>
-          </a:p>
-          <a:p>
-            <a:r>
-              <a:rPr lang="zh-CN" altLang="en-US" sz="2000" dirty="0">
-                <a:latin typeface="Times New Roman" panose="02020603050405020304" pitchFamily="18" charset="0"/>
-                <a:ea typeface="KaiTi_GB2312" panose="02010609030101010101" pitchFamily="49" charset="-122"/>
-                <a:cs typeface="Times New Roman" panose="02020603050405020304" pitchFamily="18" charset="0"/>
-              </a:rPr>
-              <a:t>说明 </a:t>
-            </a:r>
-            <a:r>
-              <a:rPr lang="en-US" altLang="zh-CN" sz="2000" dirty="0">
-                <a:latin typeface="Times New Roman" panose="02020603050405020304" pitchFamily="18" charset="0"/>
-                <a:ea typeface="KaiTi_GB2312" panose="02010609030101010101" pitchFamily="49" charset="-122"/>
-                <a:cs typeface="Times New Roman" panose="02020603050405020304" pitchFamily="18" charset="0"/>
-              </a:rPr>
-              <a:t>30</a:t>
-            </a:r>
-            <a:r>
-              <a:rPr lang="zh-CN" altLang="en-US" sz="2000" dirty="0">
-                <a:latin typeface="Times New Roman" panose="02020603050405020304" pitchFamily="18" charset="0"/>
-                <a:ea typeface="KaiTi_GB2312" panose="02010609030101010101" pitchFamily="49" charset="-122"/>
-                <a:cs typeface="Times New Roman" panose="02020603050405020304" pitchFamily="18" charset="0"/>
-              </a:rPr>
-              <a:t> 可以接在以 </a:t>
-            </a:r>
-            <a:r>
-              <a:rPr lang="en-US" altLang="zh-CN" sz="2000" dirty="0">
-                <a:latin typeface="Times New Roman" panose="02020603050405020304" pitchFamily="18" charset="0"/>
-                <a:ea typeface="KaiTi_GB2312" panose="02010609030101010101" pitchFamily="49" charset="-122"/>
-                <a:cs typeface="Times New Roman" panose="02020603050405020304" pitchFamily="18" charset="0"/>
-              </a:rPr>
-              <a:t>24</a:t>
-            </a:r>
-            <a:r>
-              <a:rPr lang="zh-CN" altLang="en-US" sz="2000" dirty="0">
-                <a:latin typeface="Times New Roman" panose="02020603050405020304" pitchFamily="18" charset="0"/>
-                <a:ea typeface="KaiTi_GB2312" panose="02010609030101010101" pitchFamily="49" charset="-122"/>
-                <a:cs typeface="Times New Roman" panose="02020603050405020304" pitchFamily="18" charset="0"/>
-              </a:rPr>
-              <a:t> 结尾的“上升子序列”的后面，形成一个更长的“上升子序列”（以 </a:t>
-            </a:r>
-            <a:r>
-              <a:rPr lang="en-US" altLang="zh-CN" sz="2000" dirty="0">
-                <a:latin typeface="Times New Roman" panose="02020603050405020304" pitchFamily="18" charset="0"/>
-                <a:ea typeface="KaiTi_GB2312" panose="02010609030101010101" pitchFamily="49" charset="-122"/>
-                <a:cs typeface="Times New Roman" panose="02020603050405020304" pitchFamily="18" charset="0"/>
-              </a:rPr>
-              <a:t>30</a:t>
-            </a:r>
-            <a:r>
-              <a:rPr lang="zh-CN" altLang="en-US" sz="2000" dirty="0">
-                <a:latin typeface="Times New Roman" panose="02020603050405020304" pitchFamily="18" charset="0"/>
-                <a:ea typeface="KaiTi_GB2312" panose="02010609030101010101" pitchFamily="49" charset="-122"/>
-                <a:cs typeface="Times New Roman" panose="02020603050405020304" pitchFamily="18" charset="0"/>
-              </a:rPr>
-              <a:t> 结尾）。</a:t>
-            </a:r>
           </a:p>
         </p:txBody>
       </p:sp>
@@ -4990,12 +7366,312 @@
           </a:p>
         </p:txBody>
       </p:sp>
+      <p:grpSp>
+        <p:nvGrpSpPr>
+          <p:cNvPr id="18" name="组合 17">
+            <a:extLst>
+              <a:ext uri="{FF2B5EF4-FFF2-40B4-BE49-F238E27FC236}">
+                <a16:creationId xmlns:a16="http://schemas.microsoft.com/office/drawing/2014/main" id="{C4DDF92B-A3BB-6C44-BF7E-37C9B3898466}"/>
+              </a:ext>
+            </a:extLst>
+          </p:cNvPr>
+          <p:cNvGrpSpPr/>
+          <p:nvPr/>
+        </p:nvGrpSpPr>
+        <p:grpSpPr>
+          <a:xfrm>
+            <a:off x="180985" y="5154034"/>
+            <a:ext cx="5353035" cy="1604167"/>
+            <a:chOff x="6519671" y="1084169"/>
+            <a:chExt cx="5353035" cy="1604167"/>
+          </a:xfrm>
+        </p:grpSpPr>
+        <p:sp>
+          <p:nvSpPr>
+            <p:cNvPr id="19" name="矩形 18">
+              <a:extLst>
+                <a:ext uri="{FF2B5EF4-FFF2-40B4-BE49-F238E27FC236}">
+                  <a16:creationId xmlns:a16="http://schemas.microsoft.com/office/drawing/2014/main" id="{3CC6C124-F1CB-6643-B27C-5421FFDA7426}"/>
+                </a:ext>
+              </a:extLst>
+            </p:cNvPr>
+            <p:cNvSpPr/>
+            <p:nvPr/>
+          </p:nvSpPr>
+          <p:spPr>
+            <a:xfrm>
+              <a:off x="6519671" y="1084170"/>
+              <a:ext cx="5353035" cy="1604166"/>
+            </a:xfrm>
+            <a:prstGeom prst="rect">
+              <a:avLst/>
+            </a:prstGeom>
+            <a:solidFill>
+              <a:srgbClr val="FFFF00">
+                <a:alpha val="20000"/>
+              </a:srgbClr>
+            </a:solidFill>
+            <a:ln>
+              <a:noFill/>
+            </a:ln>
+          </p:spPr>
+          <p:style>
+            <a:lnRef idx="2">
+              <a:schemeClr val="accent1">
+                <a:shade val="50000"/>
+              </a:schemeClr>
+            </a:lnRef>
+            <a:fillRef idx="1">
+              <a:schemeClr val="accent1"/>
+            </a:fillRef>
+            <a:effectRef idx="0">
+              <a:schemeClr val="accent1"/>
+            </a:effectRef>
+            <a:fontRef idx="minor">
+              <a:schemeClr val="lt1"/>
+            </a:fontRef>
+          </p:style>
+          <p:txBody>
+            <a:bodyPr rtlCol="0" anchor="ctr"/>
+            <a:lstStyle/>
+            <a:p>
+              <a:pPr algn="ctr"/>
+              <a:endParaRPr kumimoji="1" lang="zh-CN" altLang="en-US" dirty="0"/>
+            </a:p>
+          </p:txBody>
+        </p:sp>
+        <p:sp>
+          <p:nvSpPr>
+            <p:cNvPr id="20" name="矩形 19">
+              <a:extLst>
+                <a:ext uri="{FF2B5EF4-FFF2-40B4-BE49-F238E27FC236}">
+                  <a16:creationId xmlns:a16="http://schemas.microsoft.com/office/drawing/2014/main" id="{6F0AADE2-C046-F045-8CEA-E7D030BFA0E5}"/>
+                </a:ext>
+              </a:extLst>
+            </p:cNvPr>
+            <p:cNvSpPr/>
+            <p:nvPr/>
+          </p:nvSpPr>
+          <p:spPr>
+            <a:xfrm>
+              <a:off x="6625393" y="1471134"/>
+              <a:ext cx="2756351" cy="307777"/>
+            </a:xfrm>
+            <a:prstGeom prst="rect">
+              <a:avLst/>
+            </a:prstGeom>
+            <a:solidFill>
+              <a:srgbClr val="0432FF"/>
+            </a:solidFill>
+            <a:effectLst>
+              <a:softEdge rad="31750"/>
+            </a:effectLst>
+          </p:spPr>
+          <p:txBody>
+            <a:bodyPr wrap="square">
+              <a:spAutoFit/>
+            </a:bodyPr>
+            <a:lstStyle/>
+            <a:p>
+              <a:r>
+                <a:rPr lang="zh-CN" altLang="en-US" sz="1400" dirty="0">
+                  <a:solidFill>
+                    <a:schemeClr val="bg1"/>
+                  </a:solidFill>
+                  <a:latin typeface="Times New Roman" panose="02020603050405020304" pitchFamily="18" charset="0"/>
+                  <a:ea typeface="KaiTi_GB2312" panose="02010609030101010101" pitchFamily="49" charset="-122"/>
+                  <a:cs typeface="Times New Roman" panose="02020603050405020304" pitchFamily="18" charset="0"/>
+                </a:rPr>
+                <a:t>蓝色结点表示算法还没看到的数。</a:t>
+              </a:r>
+              <a:endParaRPr lang="en-US" altLang="zh-CN" sz="1400" dirty="0">
+                <a:solidFill>
+                  <a:schemeClr val="bg1"/>
+                </a:solidFill>
+                <a:latin typeface="Times New Roman" panose="02020603050405020304" pitchFamily="18" charset="0"/>
+                <a:ea typeface="KaiTi_GB2312" panose="02010609030101010101" pitchFamily="49" charset="-122"/>
+                <a:cs typeface="Times New Roman" panose="02020603050405020304" pitchFamily="18" charset="0"/>
+              </a:endParaRPr>
+            </a:p>
+          </p:txBody>
+        </p:sp>
+        <p:sp>
+          <p:nvSpPr>
+            <p:cNvPr id="21" name="矩形 20">
+              <a:extLst>
+                <a:ext uri="{FF2B5EF4-FFF2-40B4-BE49-F238E27FC236}">
+                  <a16:creationId xmlns:a16="http://schemas.microsoft.com/office/drawing/2014/main" id="{1AC36009-EB26-E14A-9537-8993F0331B25}"/>
+                </a:ext>
+              </a:extLst>
+            </p:cNvPr>
+            <p:cNvSpPr/>
+            <p:nvPr/>
+          </p:nvSpPr>
+          <p:spPr>
+            <a:xfrm>
+              <a:off x="6625393" y="1850720"/>
+              <a:ext cx="2756352" cy="307777"/>
+            </a:xfrm>
+            <a:prstGeom prst="rect">
+              <a:avLst/>
+            </a:prstGeom>
+            <a:solidFill>
+              <a:srgbClr val="FF0000"/>
+            </a:solidFill>
+            <a:effectLst>
+              <a:softEdge rad="31750"/>
+            </a:effectLst>
+          </p:spPr>
+          <p:txBody>
+            <a:bodyPr wrap="square">
+              <a:spAutoFit/>
+            </a:bodyPr>
+            <a:lstStyle/>
+            <a:p>
+              <a:r>
+                <a:rPr lang="zh-CN" altLang="en-US" sz="1400" dirty="0">
+                  <a:solidFill>
+                    <a:schemeClr val="bg1"/>
+                  </a:solidFill>
+                  <a:latin typeface="Times New Roman" panose="02020603050405020304" pitchFamily="18" charset="0"/>
+                  <a:ea typeface="KaiTi_GB2312" panose="02010609030101010101" pitchFamily="49" charset="-122"/>
+                  <a:cs typeface="Times New Roman" panose="02020603050405020304" pitchFamily="18" charset="0"/>
+                </a:rPr>
+                <a:t>红色结点表示算法当前看到的数。</a:t>
+              </a:r>
+              <a:endParaRPr lang="en-US" altLang="zh-CN" sz="1400" dirty="0">
+                <a:solidFill>
+                  <a:schemeClr val="bg1"/>
+                </a:solidFill>
+                <a:latin typeface="Times New Roman" panose="02020603050405020304" pitchFamily="18" charset="0"/>
+                <a:ea typeface="KaiTi_GB2312" panose="02010609030101010101" pitchFamily="49" charset="-122"/>
+                <a:cs typeface="Times New Roman" panose="02020603050405020304" pitchFamily="18" charset="0"/>
+              </a:endParaRPr>
+            </a:p>
+          </p:txBody>
+        </p:sp>
+        <p:sp>
+          <p:nvSpPr>
+            <p:cNvPr id="22" name="矩形 21">
+              <a:extLst>
+                <a:ext uri="{FF2B5EF4-FFF2-40B4-BE49-F238E27FC236}">
+                  <a16:creationId xmlns:a16="http://schemas.microsoft.com/office/drawing/2014/main" id="{6F86CEC6-F846-4245-A477-55755394A611}"/>
+                </a:ext>
+              </a:extLst>
+            </p:cNvPr>
+            <p:cNvSpPr/>
+            <p:nvPr/>
+          </p:nvSpPr>
+          <p:spPr>
+            <a:xfrm>
+              <a:off x="6625392" y="2231453"/>
+              <a:ext cx="5097216" cy="307777"/>
+            </a:xfrm>
+            <a:prstGeom prst="rect">
+              <a:avLst/>
+            </a:prstGeom>
+            <a:solidFill>
+              <a:srgbClr val="FF40FF"/>
+            </a:solidFill>
+            <a:effectLst>
+              <a:softEdge rad="31750"/>
+            </a:effectLst>
+          </p:spPr>
+          <p:txBody>
+            <a:bodyPr wrap="square">
+              <a:spAutoFit/>
+            </a:bodyPr>
+            <a:lstStyle/>
+            <a:p>
+              <a:r>
+                <a:rPr lang="zh-CN" altLang="en-US" sz="1400" dirty="0">
+                  <a:solidFill>
+                    <a:schemeClr val="bg1"/>
+                  </a:solidFill>
+                  <a:latin typeface="Times New Roman" panose="02020603050405020304" pitchFamily="18" charset="0"/>
+                  <a:ea typeface="KaiTi_GB2312" panose="02010609030101010101" pitchFamily="49" charset="-122"/>
+                  <a:cs typeface="Times New Roman" panose="02020603050405020304" pitchFamily="18" charset="0"/>
+                </a:rPr>
+                <a:t>粉色结点表示之前遍历过的数里，</a:t>
+              </a:r>
+              <a:r>
+                <a:rPr lang="zh-CN" altLang="en-US" sz="1400" b="1" dirty="0">
+                  <a:solidFill>
+                    <a:schemeClr val="bg1"/>
+                  </a:solidFill>
+                  <a:latin typeface="Times New Roman" panose="02020603050405020304" pitchFamily="18" charset="0"/>
+                  <a:ea typeface="KaiTi_GB2312" panose="02010609030101010101" pitchFamily="49" charset="-122"/>
+                  <a:cs typeface="Times New Roman" panose="02020603050405020304" pitchFamily="18" charset="0"/>
+                </a:rPr>
+                <a:t>严格</a:t>
+              </a:r>
+              <a:r>
+                <a:rPr lang="zh-CN" altLang="en-US" sz="1400" dirty="0">
+                  <a:solidFill>
+                    <a:schemeClr val="bg1"/>
+                  </a:solidFill>
+                  <a:latin typeface="Times New Roman" panose="02020603050405020304" pitchFamily="18" charset="0"/>
+                  <a:ea typeface="KaiTi_GB2312" panose="02010609030101010101" pitchFamily="49" charset="-122"/>
+                  <a:cs typeface="Times New Roman" panose="02020603050405020304" pitchFamily="18" charset="0"/>
+                </a:rPr>
+                <a:t>小于当前遍历看到的数。</a:t>
+              </a:r>
+              <a:endParaRPr lang="en-US" altLang="zh-CN" sz="1400" dirty="0">
+                <a:solidFill>
+                  <a:schemeClr val="bg1"/>
+                </a:solidFill>
+                <a:latin typeface="Times New Roman" panose="02020603050405020304" pitchFamily="18" charset="0"/>
+                <a:ea typeface="KaiTi_GB2312" panose="02010609030101010101" pitchFamily="49" charset="-122"/>
+                <a:cs typeface="Times New Roman" panose="02020603050405020304" pitchFamily="18" charset="0"/>
+              </a:endParaRPr>
+            </a:p>
+          </p:txBody>
+        </p:sp>
+        <p:sp>
+          <p:nvSpPr>
+            <p:cNvPr id="23" name="矩形 22">
+              <a:extLst>
+                <a:ext uri="{FF2B5EF4-FFF2-40B4-BE49-F238E27FC236}">
+                  <a16:creationId xmlns:a16="http://schemas.microsoft.com/office/drawing/2014/main" id="{27760857-8F50-354E-A968-4A1F33971A00}"/>
+                </a:ext>
+              </a:extLst>
+            </p:cNvPr>
+            <p:cNvSpPr/>
+            <p:nvPr/>
+          </p:nvSpPr>
+          <p:spPr>
+            <a:xfrm>
+              <a:off x="6625392" y="1084169"/>
+              <a:ext cx="790598" cy="338554"/>
+            </a:xfrm>
+            <a:prstGeom prst="rect">
+              <a:avLst/>
+            </a:prstGeom>
+          </p:spPr>
+          <p:txBody>
+            <a:bodyPr wrap="square">
+              <a:spAutoFit/>
+            </a:bodyPr>
+            <a:lstStyle/>
+            <a:p>
+              <a:r>
+                <a:rPr lang="zh-CN" altLang="en-US" sz="1600" dirty="0">
+                  <a:latin typeface="Times New Roman" charset="0"/>
+                  <a:ea typeface="楷体" charset="-122"/>
+                  <a:cs typeface="Times New Roman" charset="0"/>
+                </a:rPr>
+                <a:t>图例：</a:t>
+              </a:r>
+            </a:p>
+          </p:txBody>
+        </p:sp>
+      </p:grpSp>
       <p:sp>
         <p:nvSpPr>
-          <p:cNvPr id="16" name="矩形 15">
+          <p:cNvPr id="24" name="矩形 23">
             <a:extLst>
               <a:ext uri="{FF2B5EF4-FFF2-40B4-BE49-F238E27FC236}">
-                <a16:creationId xmlns:a16="http://schemas.microsoft.com/office/drawing/2014/main" id="{BBAA2BB4-98BA-954D-9235-76129BB7FA60}"/>
+                <a16:creationId xmlns:a16="http://schemas.microsoft.com/office/drawing/2014/main" id="{B2F14B78-289D-9E47-A80D-F9E2878A9D7F}"/>
               </a:ext>
             </a:extLst>
           </p:cNvPr>
@@ -5004,8 +7680,8 @@
         </p:nvSpPr>
         <p:spPr>
           <a:xfrm>
-            <a:off x="808475" y="1516857"/>
-            <a:ext cx="8448276" cy="400110"/>
+            <a:off x="808474" y="1370591"/>
+            <a:ext cx="9451093" cy="1015663"/>
           </a:xfrm>
           <a:prstGeom prst="rect">
             <a:avLst/>
@@ -5023,7 +7699,47 @@
                 <a:ea typeface="KaiTi_GB2312" panose="02010609030101010101" pitchFamily="49" charset="-122"/>
                 <a:cs typeface="Times New Roman" panose="02020603050405020304" pitchFamily="18" charset="0"/>
               </a:rPr>
-              <a:t>状态：以 </a:t>
+              <a:t>状态 </a:t>
+            </a:r>
+            <a:r>
+              <a:rPr lang="en-US" altLang="zh-CN" sz="2000" dirty="0" err="1">
+                <a:latin typeface="Times New Roman" panose="02020603050405020304" pitchFamily="18" charset="0"/>
+                <a:ea typeface="KaiTi_GB2312" panose="02010609030101010101" pitchFamily="49" charset="-122"/>
+                <a:cs typeface="Times New Roman" panose="02020603050405020304" pitchFamily="18" charset="0"/>
+              </a:rPr>
+              <a:t>dp</a:t>
+            </a:r>
+            <a:r>
+              <a:rPr lang="en-US" altLang="zh-CN" sz="2000" dirty="0">
+                <a:latin typeface="Times New Roman" panose="02020603050405020304" pitchFamily="18" charset="0"/>
+                <a:ea typeface="KaiTi_GB2312" panose="02010609030101010101" pitchFamily="49" charset="-122"/>
+                <a:cs typeface="Times New Roman" panose="02020603050405020304" pitchFamily="18" charset="0"/>
+              </a:rPr>
+              <a:t>[</a:t>
+            </a:r>
+            <a:r>
+              <a:rPr lang="en-US" altLang="zh-CN" sz="2000" dirty="0" err="1">
+                <a:latin typeface="Times New Roman" panose="02020603050405020304" pitchFamily="18" charset="0"/>
+                <a:ea typeface="KaiTi_GB2312" panose="02010609030101010101" pitchFamily="49" charset="-122"/>
+                <a:cs typeface="Times New Roman" panose="02020603050405020304" pitchFamily="18" charset="0"/>
+              </a:rPr>
+              <a:t>i</a:t>
+            </a:r>
+            <a:r>
+              <a:rPr lang="en-US" altLang="zh-CN" sz="2000" dirty="0">
+                <a:latin typeface="Times New Roman" panose="02020603050405020304" pitchFamily="18" charset="0"/>
+                <a:ea typeface="KaiTi_GB2312" panose="02010609030101010101" pitchFamily="49" charset="-122"/>
+                <a:cs typeface="Times New Roman" panose="02020603050405020304" pitchFamily="18" charset="0"/>
+              </a:rPr>
+              <a:t>]</a:t>
+            </a:r>
+            <a:r>
+              <a:rPr lang="zh-CN" altLang="en-US" sz="2000" dirty="0">
+                <a:latin typeface="Times New Roman" panose="02020603050405020304" pitchFamily="18" charset="0"/>
+                <a:ea typeface="KaiTi_GB2312" panose="02010609030101010101" pitchFamily="49" charset="-122"/>
+                <a:cs typeface="Times New Roman" panose="02020603050405020304" pitchFamily="18" charset="0"/>
+              </a:rPr>
+              <a:t>：以 </a:t>
             </a:r>
             <a:r>
               <a:rPr lang="en-US" altLang="zh-CN" sz="2000" dirty="0" err="1">
@@ -5090,14 +7806,180 @@
               <a:cs typeface="Times New Roman" panose="02020603050405020304" pitchFamily="18" charset="0"/>
             </a:endParaRPr>
           </a:p>
+          <a:p>
+            <a:endParaRPr lang="en-US" altLang="zh-CN" sz="2000" dirty="0">
+              <a:latin typeface="Times New Roman" panose="02020603050405020304" pitchFamily="18" charset="0"/>
+              <a:ea typeface="KaiTi_GB2312" panose="02010609030101010101" pitchFamily="49" charset="-122"/>
+              <a:cs typeface="Times New Roman" panose="02020603050405020304" pitchFamily="18" charset="0"/>
+            </a:endParaRPr>
+          </a:p>
+          <a:p>
+            <a:r>
+              <a:rPr lang="zh-CN" altLang="en-US" sz="2000" dirty="0">
+                <a:latin typeface="Times New Roman" panose="02020603050405020304" pitchFamily="18" charset="0"/>
+                <a:ea typeface="KaiTi_GB2312" panose="02010609030101010101" pitchFamily="49" charset="-122"/>
+                <a:cs typeface="Times New Roman" panose="02020603050405020304" pitchFamily="18" charset="0"/>
+              </a:rPr>
+              <a:t>状态转移方程：</a:t>
+            </a:r>
+            <a:r>
+              <a:rPr lang="en-US" altLang="zh-CN" dirty="0" err="1">
+                <a:latin typeface="Consolas" panose="020B0609020204030204" pitchFamily="49" charset="0"/>
+                <a:cs typeface="Consolas" panose="020B0609020204030204" pitchFamily="49" charset="0"/>
+              </a:rPr>
+              <a:t>dp</a:t>
+            </a:r>
+            <a:r>
+              <a:rPr lang="en-US" altLang="zh-CN" dirty="0">
+                <a:latin typeface="Consolas" panose="020B0609020204030204" pitchFamily="49" charset="0"/>
+                <a:cs typeface="Consolas" panose="020B0609020204030204" pitchFamily="49" charset="0"/>
+              </a:rPr>
+              <a:t>[</a:t>
+            </a:r>
+            <a:r>
+              <a:rPr lang="en-US" altLang="zh-CN" dirty="0" err="1">
+                <a:latin typeface="Consolas" panose="020B0609020204030204" pitchFamily="49" charset="0"/>
+                <a:cs typeface="Consolas" panose="020B0609020204030204" pitchFamily="49" charset="0"/>
+              </a:rPr>
+              <a:t>i</a:t>
+            </a:r>
+            <a:r>
+              <a:rPr lang="en-US" altLang="zh-CN" dirty="0">
+                <a:latin typeface="Consolas" panose="020B0609020204030204" pitchFamily="49" charset="0"/>
+                <a:cs typeface="Consolas" panose="020B0609020204030204" pitchFamily="49" charset="0"/>
+              </a:rPr>
+              <a:t>] = </a:t>
+            </a:r>
+            <a:r>
+              <a:rPr lang="en-US" altLang="zh-CN" dirty="0">
+                <a:solidFill>
+                  <a:srgbClr val="FF40FF"/>
+                </a:solidFill>
+                <a:latin typeface="Consolas" panose="020B0609020204030204" pitchFamily="49" charset="0"/>
+                <a:cs typeface="Consolas" panose="020B0609020204030204" pitchFamily="49" charset="0"/>
+              </a:rPr>
+              <a:t>max</a:t>
+            </a:r>
+            <a:r>
+              <a:rPr lang="en-US" altLang="zh-CN" dirty="0">
+                <a:latin typeface="Consolas" panose="020B0609020204030204" pitchFamily="49" charset="0"/>
+                <a:cs typeface="Consolas" panose="020B0609020204030204" pitchFamily="49" charset="0"/>
+              </a:rPr>
+              <a:t>{1 + </a:t>
+            </a:r>
+            <a:r>
+              <a:rPr lang="en-US" altLang="zh-CN" dirty="0" err="1">
+                <a:latin typeface="Consolas" panose="020B0609020204030204" pitchFamily="49" charset="0"/>
+                <a:cs typeface="Consolas" panose="020B0609020204030204" pitchFamily="49" charset="0"/>
+              </a:rPr>
+              <a:t>dp</a:t>
+            </a:r>
+            <a:r>
+              <a:rPr lang="en-US" altLang="zh-CN" dirty="0">
+                <a:latin typeface="Consolas" panose="020B0609020204030204" pitchFamily="49" charset="0"/>
+                <a:cs typeface="Consolas" panose="020B0609020204030204" pitchFamily="49" charset="0"/>
+              </a:rPr>
+              <a:t>[j] </a:t>
+            </a:r>
+            <a:r>
+              <a:rPr lang="en-US" altLang="zh-CN" dirty="0">
+                <a:solidFill>
+                  <a:srgbClr val="FF40FF"/>
+                </a:solidFill>
+                <a:latin typeface="Consolas" panose="020B0609020204030204" pitchFamily="49" charset="0"/>
+                <a:cs typeface="Consolas" panose="020B0609020204030204" pitchFamily="49" charset="0"/>
+              </a:rPr>
+              <a:t>for</a:t>
+            </a:r>
+            <a:r>
+              <a:rPr lang="en-US" altLang="zh-CN" dirty="0">
+                <a:latin typeface="Consolas" panose="020B0609020204030204" pitchFamily="49" charset="0"/>
+                <a:cs typeface="Consolas" panose="020B0609020204030204" pitchFamily="49" charset="0"/>
+              </a:rPr>
+              <a:t> j &lt; </a:t>
+            </a:r>
+            <a:r>
+              <a:rPr lang="en-US" altLang="zh-CN" dirty="0" err="1">
+                <a:latin typeface="Consolas" panose="020B0609020204030204" pitchFamily="49" charset="0"/>
+                <a:cs typeface="Consolas" panose="020B0609020204030204" pitchFamily="49" charset="0"/>
+              </a:rPr>
+              <a:t>i</a:t>
+            </a:r>
+            <a:r>
+              <a:rPr lang="en-US" altLang="zh-CN" dirty="0">
+                <a:latin typeface="Consolas" panose="020B0609020204030204" pitchFamily="49" charset="0"/>
+                <a:cs typeface="Consolas" panose="020B0609020204030204" pitchFamily="49" charset="0"/>
+              </a:rPr>
+              <a:t> </a:t>
+            </a:r>
+            <a:r>
+              <a:rPr lang="en-US" altLang="zh-CN" dirty="0">
+                <a:solidFill>
+                  <a:srgbClr val="FF40FF"/>
+                </a:solidFill>
+                <a:latin typeface="Consolas" panose="020B0609020204030204" pitchFamily="49" charset="0"/>
+                <a:cs typeface="Consolas" panose="020B0609020204030204" pitchFamily="49" charset="0"/>
+              </a:rPr>
+              <a:t>if</a:t>
+            </a:r>
+            <a:r>
+              <a:rPr lang="en-US" altLang="zh-CN" dirty="0">
+                <a:latin typeface="Consolas" panose="020B0609020204030204" pitchFamily="49" charset="0"/>
+                <a:cs typeface="Consolas" panose="020B0609020204030204" pitchFamily="49" charset="0"/>
+              </a:rPr>
+              <a:t> </a:t>
+            </a:r>
+            <a:r>
+              <a:rPr lang="en-US" altLang="zh-CN" dirty="0" err="1">
+                <a:latin typeface="Consolas" panose="020B0609020204030204" pitchFamily="49" charset="0"/>
+                <a:cs typeface="Consolas" panose="020B0609020204030204" pitchFamily="49" charset="0"/>
+              </a:rPr>
+              <a:t>nums</a:t>
+            </a:r>
+            <a:r>
+              <a:rPr lang="en-US" altLang="zh-CN" dirty="0">
+                <a:latin typeface="Consolas" panose="020B0609020204030204" pitchFamily="49" charset="0"/>
+                <a:cs typeface="Consolas" panose="020B0609020204030204" pitchFamily="49" charset="0"/>
+              </a:rPr>
+              <a:t>[j] &lt; </a:t>
+            </a:r>
+            <a:r>
+              <a:rPr lang="en-US" altLang="zh-CN" dirty="0" err="1">
+                <a:latin typeface="Consolas" panose="020B0609020204030204" pitchFamily="49" charset="0"/>
+                <a:cs typeface="Consolas" panose="020B0609020204030204" pitchFamily="49" charset="0"/>
+              </a:rPr>
+              <a:t>nums</a:t>
+            </a:r>
+            <a:r>
+              <a:rPr lang="en-US" altLang="zh-CN" dirty="0">
+                <a:latin typeface="Consolas" panose="020B0609020204030204" pitchFamily="49" charset="0"/>
+                <a:cs typeface="Consolas" panose="020B0609020204030204" pitchFamily="49" charset="0"/>
+              </a:rPr>
+              <a:t>[</a:t>
+            </a:r>
+            <a:r>
+              <a:rPr lang="en-US" altLang="zh-CN" dirty="0" err="1">
+                <a:latin typeface="Consolas" panose="020B0609020204030204" pitchFamily="49" charset="0"/>
+                <a:cs typeface="Consolas" panose="020B0609020204030204" pitchFamily="49" charset="0"/>
+              </a:rPr>
+              <a:t>i</a:t>
+            </a:r>
+            <a:r>
+              <a:rPr lang="en-US" altLang="zh-CN" dirty="0">
+                <a:latin typeface="Consolas" panose="020B0609020204030204" pitchFamily="49" charset="0"/>
+                <a:cs typeface="Consolas" panose="020B0609020204030204" pitchFamily="49" charset="0"/>
+              </a:rPr>
+              <a:t>]}</a:t>
+            </a:r>
+          </a:p>
         </p:txBody>
       </p:sp>
       <p:sp>
         <p:nvSpPr>
-          <p:cNvPr id="17" name="文本框 16">
+          <p:cNvPr id="25" name="文本框 24">
             <a:extLst>
               <a:ext uri="{FF2B5EF4-FFF2-40B4-BE49-F238E27FC236}">
-                <a16:creationId xmlns:a16="http://schemas.microsoft.com/office/drawing/2014/main" id="{C3333FAF-BCF6-8846-97DB-24E88D31A8A0}"/>
+                <a16:creationId xmlns:a16="http://schemas.microsoft.com/office/drawing/2014/main" id="{1C9A256D-918E-F04B-BF61-8E6A4D027A9F}"/>
               </a:ext>
             </a:extLst>
           </p:cNvPr>
@@ -5106,8 +7988,8 @@
         </p:nvSpPr>
         <p:spPr>
           <a:xfrm flipH="1">
-            <a:off x="808475" y="804715"/>
-            <a:ext cx="3050881" cy="461665"/>
+            <a:off x="808474" y="835492"/>
+            <a:ext cx="2472607" cy="400110"/>
           </a:xfrm>
           <a:prstGeom prst="rect">
             <a:avLst/>
@@ -5137,7 +8019,7 @@
               <a:buChar char="Ø"/>
             </a:pPr>
             <a:r>
-              <a:rPr kumimoji="1" lang="zh-CN" altLang="en-US" sz="2400" b="1" dirty="0">
+              <a:rPr kumimoji="1" lang="zh-CN" altLang="en-US" sz="2000" b="1" dirty="0">
                 <a:solidFill>
                   <a:schemeClr val="bg1"/>
                 </a:solidFill>
@@ -5152,10 +8034,10 @@
       </p:sp>
       <p:sp>
         <p:nvSpPr>
-          <p:cNvPr id="10" name="矩形 9">
+          <p:cNvPr id="12" name="矩形 11">
             <a:extLst>
               <a:ext uri="{FF2B5EF4-FFF2-40B4-BE49-F238E27FC236}">
-                <a16:creationId xmlns:a16="http://schemas.microsoft.com/office/drawing/2014/main" id="{7BB2F39A-9DF7-3047-930D-75301B1800B8}"/>
+                <a16:creationId xmlns:a16="http://schemas.microsoft.com/office/drawing/2014/main" id="{E3B7233A-E05D-B04A-8C56-A01682D1D716}"/>
               </a:ext>
             </a:extLst>
           </p:cNvPr>
@@ -5164,8 +8046,8 @@
         </p:nvSpPr>
         <p:spPr>
           <a:xfrm>
-            <a:off x="808475" y="1876685"/>
-            <a:ext cx="7144283" cy="738664"/>
+            <a:off x="5914240" y="4819209"/>
+            <a:ext cx="6394301" cy="1938992"/>
           </a:xfrm>
           <a:prstGeom prst="rect">
             <a:avLst/>
@@ -5178,43 +8060,195 @@
           <a:lstStyle/>
           <a:p>
             <a:r>
-              <a:rPr lang="zh-CN" altLang="en-US" sz="1400" dirty="0">
-                <a:latin typeface="Times New Roman" panose="02020603050405020304" pitchFamily="18" charset="0"/>
-                <a:ea typeface="KaiTi_GB2312" panose="02010609030101010101" pitchFamily="49" charset="-122"/>
-                <a:cs typeface="Times New Roman" panose="02020603050405020304" pitchFamily="18" charset="0"/>
-              </a:rPr>
-              <a:t>图例：</a:t>
-            </a:r>
-            <a:endParaRPr lang="en-US" altLang="zh-CN" sz="1400" dirty="0">
+              <a:rPr lang="zh-CN" altLang="en-US" sz="2000" dirty="0">
+                <a:latin typeface="Times New Roman" panose="02020603050405020304" pitchFamily="18" charset="0"/>
+                <a:ea typeface="KaiTi_GB2312" panose="02010609030101010101" pitchFamily="49" charset="-122"/>
+                <a:cs typeface="Times New Roman" panose="02020603050405020304" pitchFamily="18" charset="0"/>
+              </a:rPr>
+              <a:t>以 </a:t>
+            </a:r>
+            <a:r>
+              <a:rPr lang="en-US" altLang="zh-CN" sz="2000" dirty="0">
+                <a:latin typeface="Times New Roman" panose="02020603050405020304" pitchFamily="18" charset="0"/>
+                <a:ea typeface="KaiTi_GB2312" panose="02010609030101010101" pitchFamily="49" charset="-122"/>
+                <a:cs typeface="Times New Roman" panose="02020603050405020304" pitchFamily="18" charset="0"/>
+              </a:rPr>
+              <a:t>30</a:t>
+            </a:r>
+            <a:r>
+              <a:rPr lang="zh-CN" altLang="en-US" sz="2000" dirty="0">
+                <a:latin typeface="Times New Roman" panose="02020603050405020304" pitchFamily="18" charset="0"/>
+                <a:ea typeface="KaiTi_GB2312" panose="02010609030101010101" pitchFamily="49" charset="-122"/>
+                <a:cs typeface="Times New Roman" panose="02020603050405020304" pitchFamily="18" charset="0"/>
+              </a:rPr>
+              <a:t> 结尾的“最长上升子序列”</a:t>
+            </a:r>
+            <a:r>
+              <a:rPr lang="en-US" altLang="zh-CN" sz="2000" dirty="0">
+                <a:latin typeface="Times New Roman" panose="02020603050405020304" pitchFamily="18" charset="0"/>
+                <a:ea typeface="KaiTi_GB2312" panose="02010609030101010101" pitchFamily="49" charset="-122"/>
+                <a:cs typeface="Times New Roman" panose="02020603050405020304" pitchFamily="18" charset="0"/>
+              </a:rPr>
+              <a:t> </a:t>
+            </a:r>
+            <a:r>
+              <a:rPr lang="zh-CN" altLang="en-US" sz="2000" dirty="0">
+                <a:latin typeface="Times New Roman" panose="02020603050405020304" pitchFamily="18" charset="0"/>
+                <a:ea typeface="KaiTi_GB2312" panose="02010609030101010101" pitchFamily="49" charset="-122"/>
+                <a:cs typeface="Times New Roman" panose="02020603050405020304" pitchFamily="18" charset="0"/>
+              </a:rPr>
+              <a:t>的长度是，</a:t>
+            </a:r>
+            <a:br>
+              <a:rPr lang="en-US" altLang="zh-CN" sz="2000" dirty="0">
+                <a:latin typeface="Times New Roman" panose="02020603050405020304" pitchFamily="18" charset="0"/>
+                <a:ea typeface="KaiTi_GB2312" panose="02010609030101010101" pitchFamily="49" charset="-122"/>
+                <a:cs typeface="Times New Roman" panose="02020603050405020304" pitchFamily="18" charset="0"/>
+              </a:rPr>
+            </a:br>
+            <a:r>
+              <a:rPr lang="zh-CN" altLang="en-US" sz="2000" dirty="0">
+                <a:latin typeface="Times New Roman" panose="02020603050405020304" pitchFamily="18" charset="0"/>
+                <a:ea typeface="KaiTi_GB2312" panose="02010609030101010101" pitchFamily="49" charset="-122"/>
+                <a:cs typeface="Times New Roman" panose="02020603050405020304" pitchFamily="18" charset="0"/>
+              </a:rPr>
+              <a:t>它的前面比它小的所有数下面的数字的最大者 </a:t>
+            </a:r>
+            <a:r>
+              <a:rPr lang="en-US" altLang="zh-CN" sz="2000" dirty="0">
+                <a:latin typeface="Times New Roman" panose="02020603050405020304" pitchFamily="18" charset="0"/>
+                <a:ea typeface="KaiTi_GB2312" panose="02010609030101010101" pitchFamily="49" charset="-122"/>
+                <a:cs typeface="Times New Roman" panose="02020603050405020304" pitchFamily="18" charset="0"/>
+              </a:rPr>
+              <a:t>+</a:t>
+            </a:r>
+            <a:r>
+              <a:rPr lang="zh-CN" altLang="en-US" sz="2000" dirty="0">
+                <a:latin typeface="Times New Roman" panose="02020603050405020304" pitchFamily="18" charset="0"/>
+                <a:ea typeface="KaiTi_GB2312" panose="02010609030101010101" pitchFamily="49" charset="-122"/>
+                <a:cs typeface="Times New Roman" panose="02020603050405020304" pitchFamily="18" charset="0"/>
+              </a:rPr>
+              <a:t> </a:t>
+            </a:r>
+            <a:r>
+              <a:rPr lang="en-US" altLang="zh-CN" sz="2000" dirty="0">
+                <a:latin typeface="Times New Roman" panose="02020603050405020304" pitchFamily="18" charset="0"/>
+                <a:ea typeface="KaiTi_GB2312" panose="02010609030101010101" pitchFamily="49" charset="-122"/>
+                <a:cs typeface="Times New Roman" panose="02020603050405020304" pitchFamily="18" charset="0"/>
+              </a:rPr>
+              <a:t>1</a:t>
+            </a:r>
+            <a:r>
+              <a:rPr lang="zh-CN" altLang="en-US" sz="2000" dirty="0">
+                <a:latin typeface="Times New Roman" panose="02020603050405020304" pitchFamily="18" charset="0"/>
+                <a:ea typeface="KaiTi_GB2312" panose="02010609030101010101" pitchFamily="49" charset="-122"/>
+                <a:cs typeface="Times New Roman" panose="02020603050405020304" pitchFamily="18" charset="0"/>
+              </a:rPr>
+              <a:t>，</a:t>
+            </a:r>
+            <a:br>
+              <a:rPr lang="en-US" altLang="zh-CN" sz="2000" dirty="0">
+                <a:latin typeface="Times New Roman" panose="02020603050405020304" pitchFamily="18" charset="0"/>
+                <a:ea typeface="KaiTi_GB2312" panose="02010609030101010101" pitchFamily="49" charset="-122"/>
+                <a:cs typeface="Times New Roman" panose="02020603050405020304" pitchFamily="18" charset="0"/>
+              </a:rPr>
+            </a:br>
+            <a:r>
+              <a:rPr lang="zh-CN" altLang="en-US" sz="2000" dirty="0">
+                <a:latin typeface="Times New Roman" panose="02020603050405020304" pitchFamily="18" charset="0"/>
+                <a:ea typeface="KaiTi_GB2312" panose="02010609030101010101" pitchFamily="49" charset="-122"/>
+                <a:cs typeface="Times New Roman" panose="02020603050405020304" pitchFamily="18" charset="0"/>
+              </a:rPr>
+              <a:t>即 </a:t>
+            </a:r>
+            <a:r>
+              <a:rPr lang="en-US" altLang="zh-CN" sz="2000" dirty="0">
+                <a:latin typeface="Times New Roman" panose="02020603050405020304" pitchFamily="18" charset="0"/>
+                <a:ea typeface="KaiTi_GB2312" panose="02010609030101010101" pitchFamily="49" charset="-122"/>
+                <a:cs typeface="Times New Roman" panose="02020603050405020304" pitchFamily="18" charset="0"/>
+              </a:rPr>
+              <a:t>3</a:t>
+            </a:r>
+            <a:r>
+              <a:rPr lang="zh-CN" altLang="en-US" sz="2000" dirty="0">
+                <a:latin typeface="Times New Roman" panose="02020603050405020304" pitchFamily="18" charset="0"/>
+                <a:ea typeface="KaiTi_GB2312" panose="02010609030101010101" pitchFamily="49" charset="-122"/>
+                <a:cs typeface="Times New Roman" panose="02020603050405020304" pitchFamily="18" charset="0"/>
+              </a:rPr>
+              <a:t> </a:t>
+            </a:r>
+            <a:r>
+              <a:rPr lang="en-US" altLang="zh-CN" sz="2000" dirty="0">
+                <a:latin typeface="Times New Roman" panose="02020603050405020304" pitchFamily="18" charset="0"/>
+                <a:ea typeface="KaiTi_GB2312" panose="02010609030101010101" pitchFamily="49" charset="-122"/>
+                <a:cs typeface="Times New Roman" panose="02020603050405020304" pitchFamily="18" charset="0"/>
+              </a:rPr>
+              <a:t>+</a:t>
+            </a:r>
+            <a:r>
+              <a:rPr lang="zh-CN" altLang="en-US" sz="2000" dirty="0">
+                <a:latin typeface="Times New Roman" panose="02020603050405020304" pitchFamily="18" charset="0"/>
+                <a:ea typeface="KaiTi_GB2312" panose="02010609030101010101" pitchFamily="49" charset="-122"/>
+                <a:cs typeface="Times New Roman" panose="02020603050405020304" pitchFamily="18" charset="0"/>
+              </a:rPr>
+              <a:t> </a:t>
+            </a:r>
+            <a:r>
+              <a:rPr lang="en-US" altLang="zh-CN" sz="2000" dirty="0">
+                <a:latin typeface="Times New Roman" panose="02020603050405020304" pitchFamily="18" charset="0"/>
+                <a:ea typeface="KaiTi_GB2312" panose="02010609030101010101" pitchFamily="49" charset="-122"/>
+                <a:cs typeface="Times New Roman" panose="02020603050405020304" pitchFamily="18" charset="0"/>
+              </a:rPr>
+              <a:t>1</a:t>
+            </a:r>
+            <a:r>
+              <a:rPr lang="zh-CN" altLang="en-US" sz="2000" dirty="0">
+                <a:latin typeface="Times New Roman" panose="02020603050405020304" pitchFamily="18" charset="0"/>
+                <a:ea typeface="KaiTi_GB2312" panose="02010609030101010101" pitchFamily="49" charset="-122"/>
+                <a:cs typeface="Times New Roman" panose="02020603050405020304" pitchFamily="18" charset="0"/>
+              </a:rPr>
+              <a:t> </a:t>
+            </a:r>
+            <a:r>
+              <a:rPr lang="en-US" altLang="zh-CN" sz="2000" dirty="0">
+                <a:latin typeface="Times New Roman" panose="02020603050405020304" pitchFamily="18" charset="0"/>
+                <a:ea typeface="KaiTi_GB2312" panose="02010609030101010101" pitchFamily="49" charset="-122"/>
+                <a:cs typeface="Times New Roman" panose="02020603050405020304" pitchFamily="18" charset="0"/>
+              </a:rPr>
+              <a:t>=</a:t>
+            </a:r>
+            <a:r>
+              <a:rPr lang="zh-CN" altLang="en-US" sz="2000" dirty="0">
+                <a:latin typeface="Times New Roman" panose="02020603050405020304" pitchFamily="18" charset="0"/>
+                <a:ea typeface="KaiTi_GB2312" panose="02010609030101010101" pitchFamily="49" charset="-122"/>
+                <a:cs typeface="Times New Roman" panose="02020603050405020304" pitchFamily="18" charset="0"/>
+              </a:rPr>
+              <a:t> </a:t>
+            </a:r>
+            <a:r>
+              <a:rPr lang="en-US" altLang="zh-CN" sz="2000" dirty="0">
+                <a:latin typeface="Times New Roman" panose="02020603050405020304" pitchFamily="18" charset="0"/>
+                <a:ea typeface="KaiTi_GB2312" panose="02010609030101010101" pitchFamily="49" charset="-122"/>
+                <a:cs typeface="Times New Roman" panose="02020603050405020304" pitchFamily="18" charset="0"/>
+              </a:rPr>
+              <a:t>4</a:t>
+            </a:r>
+            <a:r>
+              <a:rPr lang="zh-CN" altLang="en-US" sz="2000" dirty="0">
+                <a:latin typeface="Times New Roman" panose="02020603050405020304" pitchFamily="18" charset="0"/>
+                <a:ea typeface="KaiTi_GB2312" panose="02010609030101010101" pitchFamily="49" charset="-122"/>
+                <a:cs typeface="Times New Roman" panose="02020603050405020304" pitchFamily="18" charset="0"/>
+              </a:rPr>
+              <a:t>。</a:t>
+            </a:r>
+            <a:endParaRPr lang="en-US" altLang="zh-CN" sz="2000" dirty="0">
               <a:latin typeface="Times New Roman" panose="02020603050405020304" pitchFamily="18" charset="0"/>
               <a:ea typeface="KaiTi_GB2312" panose="02010609030101010101" pitchFamily="49" charset="-122"/>
               <a:cs typeface="Times New Roman" panose="02020603050405020304" pitchFamily="18" charset="0"/>
             </a:endParaRPr>
           </a:p>
           <a:p>
-            <a:r>
-              <a:rPr lang="zh-CN" altLang="en-US" sz="1400" b="1" dirty="0">
-                <a:solidFill>
-                  <a:schemeClr val="bg1"/>
-                </a:solidFill>
-                <a:highlight>
-                  <a:srgbClr val="FF0000"/>
-                </a:highlight>
-                <a:latin typeface="Times New Roman" panose="02020603050405020304" pitchFamily="18" charset="0"/>
-                <a:ea typeface="KaiTi_GB2312" panose="02010609030101010101" pitchFamily="49" charset="-122"/>
-                <a:cs typeface="Times New Roman" panose="02020603050405020304" pitchFamily="18" charset="0"/>
-              </a:rPr>
-              <a:t>红色</a:t>
-            </a:r>
-            <a:r>
-              <a:rPr lang="zh-CN" altLang="en-US" sz="1400" dirty="0">
-                <a:latin typeface="Times New Roman" panose="02020603050405020304" pitchFamily="18" charset="0"/>
-                <a:ea typeface="KaiTi_GB2312" panose="02010609030101010101" pitchFamily="49" charset="-122"/>
-                <a:cs typeface="Times New Roman" panose="02020603050405020304" pitchFamily="18" charset="0"/>
-              </a:rPr>
-              <a:t>表示代码在当前遍历看到的数；</a:t>
-            </a:r>
-            <a:endParaRPr lang="en-US" altLang="zh-CN" sz="1400" dirty="0">
+            <a:endParaRPr lang="en-US" altLang="zh-CN" sz="2000" dirty="0">
               <a:latin typeface="Times New Roman" panose="02020603050405020304" pitchFamily="18" charset="0"/>
               <a:ea typeface="KaiTi_GB2312" panose="02010609030101010101" pitchFamily="49" charset="-122"/>
               <a:cs typeface="Times New Roman" panose="02020603050405020304" pitchFamily="18" charset="0"/>
@@ -5222,26 +8256,75 @@
           </a:p>
           <a:p>
             <a:r>
-              <a:rPr lang="zh-CN" altLang="en-US" sz="1400" dirty="0">
-                <a:solidFill>
-                  <a:schemeClr val="bg1"/>
-                </a:solidFill>
-                <a:highlight>
-                  <a:srgbClr val="FF00FF"/>
-                </a:highlight>
-                <a:latin typeface="Times New Roman" panose="02020603050405020304" pitchFamily="18" charset="0"/>
-                <a:ea typeface="KaiTi_GB2312" panose="02010609030101010101" pitchFamily="49" charset="-122"/>
-                <a:cs typeface="Times New Roman" panose="02020603050405020304" pitchFamily="18" charset="0"/>
-              </a:rPr>
-              <a:t>粉红色</a:t>
-            </a:r>
-            <a:r>
-              <a:rPr lang="zh-CN" altLang="en-US" sz="1400" dirty="0">
-                <a:latin typeface="Times New Roman" panose="02020603050405020304" pitchFamily="18" charset="0"/>
-                <a:ea typeface="KaiTi_GB2312" panose="02010609030101010101" pitchFamily="49" charset="-122"/>
-                <a:cs typeface="Times New Roman" panose="02020603050405020304" pitchFamily="18" charset="0"/>
-              </a:rPr>
-              <a:t>表示，之前遍历过的数里，（严格）小于当前遍历看到的数（被红色标注）。</a:t>
+              <a:rPr lang="zh-CN" altLang="en-US" sz="2000" dirty="0">
+                <a:latin typeface="Times New Roman" panose="02020603050405020304" pitchFamily="18" charset="0"/>
+                <a:ea typeface="KaiTi_GB2312" panose="02010609030101010101" pitchFamily="49" charset="-122"/>
+                <a:cs typeface="Times New Roman" panose="02020603050405020304" pitchFamily="18" charset="0"/>
+              </a:rPr>
+              <a:t>说明 </a:t>
+            </a:r>
+            <a:r>
+              <a:rPr lang="en-US" altLang="zh-CN" sz="2000" dirty="0">
+                <a:latin typeface="Times New Roman" panose="02020603050405020304" pitchFamily="18" charset="0"/>
+                <a:ea typeface="KaiTi_GB2312" panose="02010609030101010101" pitchFamily="49" charset="-122"/>
+                <a:cs typeface="Times New Roman" panose="02020603050405020304" pitchFamily="18" charset="0"/>
+              </a:rPr>
+              <a:t>30</a:t>
+            </a:r>
+            <a:r>
+              <a:rPr lang="zh-CN" altLang="en-US" sz="2000" dirty="0">
+                <a:latin typeface="Times New Roman" panose="02020603050405020304" pitchFamily="18" charset="0"/>
+                <a:ea typeface="KaiTi_GB2312" panose="02010609030101010101" pitchFamily="49" charset="-122"/>
+                <a:cs typeface="Times New Roman" panose="02020603050405020304" pitchFamily="18" charset="0"/>
+              </a:rPr>
+              <a:t> 可以接在以 </a:t>
+            </a:r>
+            <a:r>
+              <a:rPr lang="en-US" altLang="zh-CN" sz="2000" dirty="0">
+                <a:latin typeface="Times New Roman" panose="02020603050405020304" pitchFamily="18" charset="0"/>
+                <a:ea typeface="KaiTi_GB2312" panose="02010609030101010101" pitchFamily="49" charset="-122"/>
+                <a:cs typeface="Times New Roman" panose="02020603050405020304" pitchFamily="18" charset="0"/>
+              </a:rPr>
+              <a:t>24</a:t>
+            </a:r>
+            <a:r>
+              <a:rPr lang="zh-CN" altLang="en-US" sz="2000" dirty="0">
+                <a:latin typeface="Times New Roman" panose="02020603050405020304" pitchFamily="18" charset="0"/>
+                <a:ea typeface="KaiTi_GB2312" panose="02010609030101010101" pitchFamily="49" charset="-122"/>
+                <a:cs typeface="Times New Roman" panose="02020603050405020304" pitchFamily="18" charset="0"/>
+              </a:rPr>
+              <a:t> 结尾的“上升子序列”的后面，</a:t>
+            </a:r>
+            <a:br>
+              <a:rPr lang="en-US" altLang="zh-CN" sz="2000" dirty="0">
+                <a:latin typeface="Times New Roman" panose="02020603050405020304" pitchFamily="18" charset="0"/>
+                <a:ea typeface="KaiTi_GB2312" panose="02010609030101010101" pitchFamily="49" charset="-122"/>
+                <a:cs typeface="Times New Roman" panose="02020603050405020304" pitchFamily="18" charset="0"/>
+              </a:rPr>
+            </a:br>
+            <a:r>
+              <a:rPr lang="zh-CN" altLang="en-US" sz="2000" dirty="0">
+                <a:latin typeface="Times New Roman" panose="02020603050405020304" pitchFamily="18" charset="0"/>
+                <a:ea typeface="KaiTi_GB2312" panose="02010609030101010101" pitchFamily="49" charset="-122"/>
+                <a:cs typeface="Times New Roman" panose="02020603050405020304" pitchFamily="18" charset="0"/>
+              </a:rPr>
+              <a:t>形成一个以 </a:t>
+            </a:r>
+            <a:r>
+              <a:rPr lang="en-US" altLang="zh-CN" sz="2000" dirty="0">
+                <a:latin typeface="Times New Roman" panose="02020603050405020304" pitchFamily="18" charset="0"/>
+                <a:ea typeface="KaiTi_GB2312" panose="02010609030101010101" pitchFamily="49" charset="-122"/>
+                <a:cs typeface="Times New Roman" panose="02020603050405020304" pitchFamily="18" charset="0"/>
+              </a:rPr>
+              <a:t>30</a:t>
+            </a:r>
+            <a:r>
+              <a:rPr lang="zh-CN" altLang="en-US" sz="2000" dirty="0">
+                <a:latin typeface="Times New Roman" panose="02020603050405020304" pitchFamily="18" charset="0"/>
+                <a:ea typeface="KaiTi_GB2312" panose="02010609030101010101" pitchFamily="49" charset="-122"/>
+                <a:cs typeface="Times New Roman" panose="02020603050405020304" pitchFamily="18" charset="0"/>
+              </a:rPr>
+              <a:t> 结尾更长的“上升子序列” 。</a:t>
             </a:r>
           </a:p>
         </p:txBody>
@@ -5379,8 +8462,8 @@
         </p:nvSpPr>
         <p:spPr>
           <a:xfrm>
-            <a:off x="2460255" y="5066704"/>
-            <a:ext cx="8924545" cy="400110"/>
+            <a:off x="6161712" y="4969368"/>
+            <a:ext cx="5616945" cy="707886"/>
           </a:xfrm>
           <a:prstGeom prst="rect">
             <a:avLst/>
@@ -5528,262 +8611,6 @@
                 <a:schemeClr val="bg1"/>
               </a:solidFill>
             </a:endParaRPr>
-          </a:p>
-        </p:txBody>
-      </p:sp>
-      <p:sp>
-        <p:nvSpPr>
-          <p:cNvPr id="11" name="矩形 10">
-            <a:extLst>
-              <a:ext uri="{FF2B5EF4-FFF2-40B4-BE49-F238E27FC236}">
-                <a16:creationId xmlns:a16="http://schemas.microsoft.com/office/drawing/2014/main" id="{ED76E635-B9F9-C34A-B3B2-FA3670EF0086}"/>
-              </a:ext>
-            </a:extLst>
-          </p:cNvPr>
-          <p:cNvSpPr/>
-          <p:nvPr/>
-        </p:nvSpPr>
-        <p:spPr>
-          <a:xfrm>
-            <a:off x="808475" y="1516857"/>
-            <a:ext cx="8448276" cy="400110"/>
-          </a:xfrm>
-          <a:prstGeom prst="rect">
-            <a:avLst/>
-          </a:prstGeom>
-        </p:spPr>
-        <p:txBody>
-          <a:bodyPr wrap="square">
-            <a:spAutoFit/>
-          </a:bodyPr>
-          <a:lstStyle/>
-          <a:p>
-            <a:r>
-              <a:rPr lang="zh-CN" altLang="en-US" sz="2000" dirty="0">
-                <a:latin typeface="Times New Roman" panose="02020603050405020304" pitchFamily="18" charset="0"/>
-                <a:ea typeface="KaiTi_GB2312" panose="02010609030101010101" pitchFamily="49" charset="-122"/>
-                <a:cs typeface="Times New Roman" panose="02020603050405020304" pitchFamily="18" charset="0"/>
-              </a:rPr>
-              <a:t>状态：以 </a:t>
-            </a:r>
-            <a:r>
-              <a:rPr lang="en-US" altLang="zh-CN" sz="2000" dirty="0" err="1">
-                <a:latin typeface="Times New Roman" panose="02020603050405020304" pitchFamily="18" charset="0"/>
-                <a:ea typeface="KaiTi_GB2312" panose="02010609030101010101" pitchFamily="49" charset="-122"/>
-                <a:cs typeface="Times New Roman" panose="02020603050405020304" pitchFamily="18" charset="0"/>
-              </a:rPr>
-              <a:t>nums</a:t>
-            </a:r>
-            <a:r>
-              <a:rPr lang="en-US" altLang="zh-CN" sz="2000" dirty="0">
-                <a:latin typeface="Times New Roman" panose="02020603050405020304" pitchFamily="18" charset="0"/>
-                <a:ea typeface="KaiTi_GB2312" panose="02010609030101010101" pitchFamily="49" charset="-122"/>
-                <a:cs typeface="Times New Roman" panose="02020603050405020304" pitchFamily="18" charset="0"/>
-              </a:rPr>
-              <a:t>[</a:t>
-            </a:r>
-            <a:r>
-              <a:rPr lang="en-US" altLang="zh-CN" sz="2000" dirty="0" err="1">
-                <a:latin typeface="Times New Roman" panose="02020603050405020304" pitchFamily="18" charset="0"/>
-                <a:ea typeface="KaiTi_GB2312" panose="02010609030101010101" pitchFamily="49" charset="-122"/>
-                <a:cs typeface="Times New Roman" panose="02020603050405020304" pitchFamily="18" charset="0"/>
-              </a:rPr>
-              <a:t>i</a:t>
-            </a:r>
-            <a:r>
-              <a:rPr lang="en-US" altLang="zh-CN" sz="2000" dirty="0">
-                <a:latin typeface="Times New Roman" panose="02020603050405020304" pitchFamily="18" charset="0"/>
-                <a:ea typeface="KaiTi_GB2312" panose="02010609030101010101" pitchFamily="49" charset="-122"/>
-                <a:cs typeface="Times New Roman" panose="02020603050405020304" pitchFamily="18" charset="0"/>
-              </a:rPr>
-              <a:t>]</a:t>
-            </a:r>
-            <a:r>
-              <a:rPr lang="zh-CN" altLang="en-US" sz="2000" dirty="0">
-                <a:latin typeface="Times New Roman" panose="02020603050405020304" pitchFamily="18" charset="0"/>
-                <a:ea typeface="KaiTi_GB2312" panose="02010609030101010101" pitchFamily="49" charset="-122"/>
-                <a:cs typeface="Times New Roman" panose="02020603050405020304" pitchFamily="18" charset="0"/>
-              </a:rPr>
-              <a:t> </a:t>
-            </a:r>
-            <a:r>
-              <a:rPr lang="zh-CN" altLang="en-US" sz="2000" b="1" dirty="0">
-                <a:solidFill>
-                  <a:srgbClr val="FF0000"/>
-                </a:solidFill>
-                <a:latin typeface="Times New Roman" panose="02020603050405020304" pitchFamily="18" charset="0"/>
-                <a:ea typeface="KaiTi_GB2312" panose="02010609030101010101" pitchFamily="49" charset="-122"/>
-                <a:cs typeface="Times New Roman" panose="02020603050405020304" pitchFamily="18" charset="0"/>
-              </a:rPr>
-              <a:t>结尾</a:t>
-            </a:r>
-            <a:r>
-              <a:rPr lang="zh-CN" altLang="en-US" sz="2000" dirty="0">
-                <a:latin typeface="Times New Roman" panose="02020603050405020304" pitchFamily="18" charset="0"/>
-                <a:ea typeface="KaiTi_GB2312" panose="02010609030101010101" pitchFamily="49" charset="-122"/>
-                <a:cs typeface="Times New Roman" panose="02020603050405020304" pitchFamily="18" charset="0"/>
-              </a:rPr>
-              <a:t>的“最长上升子序列”的长度。</a:t>
-            </a:r>
-            <a:endParaRPr lang="en-US" altLang="zh-CN" sz="2000" dirty="0">
-              <a:latin typeface="Times New Roman" panose="02020603050405020304" pitchFamily="18" charset="0"/>
-              <a:ea typeface="KaiTi_GB2312" panose="02010609030101010101" pitchFamily="49" charset="-122"/>
-              <a:cs typeface="Times New Roman" panose="02020603050405020304" pitchFamily="18" charset="0"/>
-            </a:endParaRPr>
-          </a:p>
-        </p:txBody>
-      </p:sp>
-      <p:sp>
-        <p:nvSpPr>
-          <p:cNvPr id="12" name="文本框 11">
-            <a:extLst>
-              <a:ext uri="{FF2B5EF4-FFF2-40B4-BE49-F238E27FC236}">
-                <a16:creationId xmlns:a16="http://schemas.microsoft.com/office/drawing/2014/main" id="{6D029C96-7410-1A49-8F24-D9E260B34736}"/>
-              </a:ext>
-            </a:extLst>
-          </p:cNvPr>
-          <p:cNvSpPr txBox="1"/>
-          <p:nvPr/>
-        </p:nvSpPr>
-        <p:spPr>
-          <a:xfrm flipH="1">
-            <a:off x="808475" y="804715"/>
-            <a:ext cx="3050881" cy="461665"/>
-          </a:xfrm>
-          <a:prstGeom prst="rect">
-            <a:avLst/>
-          </a:prstGeom>
-          <a:solidFill>
-            <a:srgbClr val="FF0000"/>
-          </a:solidFill>
-          <a:ln>
-            <a:noFill/>
-          </a:ln>
-          <a:effectLst>
-            <a:outerShdw blurRad="50800" dist="38100" dir="2700000" algn="tl" rotWithShape="0">
-              <a:prstClr val="black">
-                <a:alpha val="40000"/>
-              </a:prstClr>
-            </a:outerShdw>
-          </a:effectLst>
-        </p:spPr>
-        <p:txBody>
-          <a:bodyPr wrap="square" rtlCol="0">
-            <a:spAutoFit/>
-          </a:bodyPr>
-          <a:lstStyle/>
-          <a:p>
-            <a:pPr marL="342900" indent="-342900">
-              <a:buFont typeface="Wingdings" pitchFamily="2" charset="2"/>
-              <a:buChar char="Ø"/>
-            </a:pPr>
-            <a:r>
-              <a:rPr kumimoji="1" lang="zh-CN" altLang="en-US" sz="2400" b="1" dirty="0">
-                <a:solidFill>
-                  <a:schemeClr val="bg1"/>
-                </a:solidFill>
-                <a:latin typeface="Times New Roman" panose="02020603050405020304" pitchFamily="18" charset="0"/>
-                <a:ea typeface="KaiTi_GB2312" panose="02010609030101010101" pitchFamily="49" charset="-122"/>
-                <a:cs typeface="Times New Roman" panose="02020603050405020304" pitchFamily="18" charset="0"/>
-              </a:rPr>
-              <a:t>思想：动态规划。</a:t>
-            </a:r>
-          </a:p>
-        </p:txBody>
-      </p:sp>
-      <p:sp>
-        <p:nvSpPr>
-          <p:cNvPr id="8" name="矩形 7">
-            <a:extLst>
-              <a:ext uri="{FF2B5EF4-FFF2-40B4-BE49-F238E27FC236}">
-                <a16:creationId xmlns:a16="http://schemas.microsoft.com/office/drawing/2014/main" id="{E753687C-FF2F-9641-80F6-513D6D6C1A12}"/>
-              </a:ext>
-            </a:extLst>
-          </p:cNvPr>
-          <p:cNvSpPr/>
-          <p:nvPr/>
-        </p:nvSpPr>
-        <p:spPr>
-          <a:xfrm>
-            <a:off x="808475" y="1876685"/>
-            <a:ext cx="7144283" cy="738664"/>
-          </a:xfrm>
-          <a:prstGeom prst="rect">
-            <a:avLst/>
-          </a:prstGeom>
-        </p:spPr>
-        <p:txBody>
-          <a:bodyPr wrap="square">
-            <a:spAutoFit/>
-          </a:bodyPr>
-          <a:lstStyle/>
-          <a:p>
-            <a:r>
-              <a:rPr lang="zh-CN" altLang="en-US" sz="1400" dirty="0">
-                <a:latin typeface="Times New Roman" panose="02020603050405020304" pitchFamily="18" charset="0"/>
-                <a:ea typeface="KaiTi_GB2312" panose="02010609030101010101" pitchFamily="49" charset="-122"/>
-                <a:cs typeface="Times New Roman" panose="02020603050405020304" pitchFamily="18" charset="0"/>
-              </a:rPr>
-              <a:t>图例：</a:t>
-            </a:r>
-            <a:endParaRPr lang="en-US" altLang="zh-CN" sz="1400" dirty="0">
-              <a:latin typeface="Times New Roman" panose="02020603050405020304" pitchFamily="18" charset="0"/>
-              <a:ea typeface="KaiTi_GB2312" panose="02010609030101010101" pitchFamily="49" charset="-122"/>
-              <a:cs typeface="Times New Roman" panose="02020603050405020304" pitchFamily="18" charset="0"/>
-            </a:endParaRPr>
-          </a:p>
-          <a:p>
-            <a:r>
-              <a:rPr lang="zh-CN" altLang="en-US" sz="1400" b="1" dirty="0">
-                <a:solidFill>
-                  <a:schemeClr val="bg1"/>
-                </a:solidFill>
-                <a:highlight>
-                  <a:srgbClr val="FF0000"/>
-                </a:highlight>
-                <a:latin typeface="Times New Roman" panose="02020603050405020304" pitchFamily="18" charset="0"/>
-                <a:ea typeface="KaiTi_GB2312" panose="02010609030101010101" pitchFamily="49" charset="-122"/>
-                <a:cs typeface="Times New Roman" panose="02020603050405020304" pitchFamily="18" charset="0"/>
-              </a:rPr>
-              <a:t>红色</a:t>
-            </a:r>
-            <a:r>
-              <a:rPr lang="zh-CN" altLang="en-US" sz="1400" dirty="0">
-                <a:latin typeface="Times New Roman" panose="02020603050405020304" pitchFamily="18" charset="0"/>
-                <a:ea typeface="KaiTi_GB2312" panose="02010609030101010101" pitchFamily="49" charset="-122"/>
-                <a:cs typeface="Times New Roman" panose="02020603050405020304" pitchFamily="18" charset="0"/>
-              </a:rPr>
-              <a:t>表示代码在当前遍历看到的数；</a:t>
-            </a:r>
-            <a:endParaRPr lang="en-US" altLang="zh-CN" sz="1400" dirty="0">
-              <a:latin typeface="Times New Roman" panose="02020603050405020304" pitchFamily="18" charset="0"/>
-              <a:ea typeface="KaiTi_GB2312" panose="02010609030101010101" pitchFamily="49" charset="-122"/>
-              <a:cs typeface="Times New Roman" panose="02020603050405020304" pitchFamily="18" charset="0"/>
-            </a:endParaRPr>
-          </a:p>
-          <a:p>
-            <a:r>
-              <a:rPr lang="zh-CN" altLang="en-US" sz="1400" dirty="0">
-                <a:solidFill>
-                  <a:schemeClr val="bg1"/>
-                </a:solidFill>
-                <a:highlight>
-                  <a:srgbClr val="FF00FF"/>
-                </a:highlight>
-                <a:latin typeface="Times New Roman" panose="02020603050405020304" pitchFamily="18" charset="0"/>
-                <a:ea typeface="KaiTi_GB2312" panose="02010609030101010101" pitchFamily="49" charset="-122"/>
-                <a:cs typeface="Times New Roman" panose="02020603050405020304" pitchFamily="18" charset="0"/>
-              </a:rPr>
-              <a:t>粉红色</a:t>
-            </a:r>
-            <a:r>
-              <a:rPr lang="zh-CN" altLang="en-US" sz="1400" dirty="0">
-                <a:latin typeface="Times New Roman" panose="02020603050405020304" pitchFamily="18" charset="0"/>
-                <a:ea typeface="KaiTi_GB2312" panose="02010609030101010101" pitchFamily="49" charset="-122"/>
-                <a:cs typeface="Times New Roman" panose="02020603050405020304" pitchFamily="18" charset="0"/>
-              </a:rPr>
-              <a:t>表示，之前遍历过的数里，（严格）小于当前遍历看到的数（被红色标注）。</a:t>
-            </a:r>
           </a:p>
         </p:txBody>
       </p:sp>
@@ -5817,6 +8644,672 @@
           </a:prstGeom>
         </p:spPr>
       </p:pic>
+      <p:grpSp>
+        <p:nvGrpSpPr>
+          <p:cNvPr id="13" name="组合 12">
+            <a:extLst>
+              <a:ext uri="{FF2B5EF4-FFF2-40B4-BE49-F238E27FC236}">
+                <a16:creationId xmlns:a16="http://schemas.microsoft.com/office/drawing/2014/main" id="{0C911C1B-61C3-F645-A446-CB6FCB3A2833}"/>
+              </a:ext>
+            </a:extLst>
+          </p:cNvPr>
+          <p:cNvGrpSpPr/>
+          <p:nvPr/>
+        </p:nvGrpSpPr>
+        <p:grpSpPr>
+          <a:xfrm>
+            <a:off x="180985" y="5154034"/>
+            <a:ext cx="5353035" cy="1604167"/>
+            <a:chOff x="6519671" y="1084169"/>
+            <a:chExt cx="5353035" cy="1604167"/>
+          </a:xfrm>
+        </p:grpSpPr>
+        <p:sp>
+          <p:nvSpPr>
+            <p:cNvPr id="14" name="矩形 13">
+              <a:extLst>
+                <a:ext uri="{FF2B5EF4-FFF2-40B4-BE49-F238E27FC236}">
+                  <a16:creationId xmlns:a16="http://schemas.microsoft.com/office/drawing/2014/main" id="{6B5CDC34-2F10-6D4E-955E-0E716750BB22}"/>
+                </a:ext>
+              </a:extLst>
+            </p:cNvPr>
+            <p:cNvSpPr/>
+            <p:nvPr/>
+          </p:nvSpPr>
+          <p:spPr>
+            <a:xfrm>
+              <a:off x="6519671" y="1084170"/>
+              <a:ext cx="5353035" cy="1604166"/>
+            </a:xfrm>
+            <a:prstGeom prst="rect">
+              <a:avLst/>
+            </a:prstGeom>
+            <a:solidFill>
+              <a:srgbClr val="FFFF00">
+                <a:alpha val="20000"/>
+              </a:srgbClr>
+            </a:solidFill>
+            <a:ln>
+              <a:noFill/>
+            </a:ln>
+          </p:spPr>
+          <p:style>
+            <a:lnRef idx="2">
+              <a:schemeClr val="accent1">
+                <a:shade val="50000"/>
+              </a:schemeClr>
+            </a:lnRef>
+            <a:fillRef idx="1">
+              <a:schemeClr val="accent1"/>
+            </a:fillRef>
+            <a:effectRef idx="0">
+              <a:schemeClr val="accent1"/>
+            </a:effectRef>
+            <a:fontRef idx="minor">
+              <a:schemeClr val="lt1"/>
+            </a:fontRef>
+          </p:style>
+          <p:txBody>
+            <a:bodyPr rtlCol="0" anchor="ctr"/>
+            <a:lstStyle/>
+            <a:p>
+              <a:pPr algn="ctr"/>
+              <a:endParaRPr kumimoji="1" lang="zh-CN" altLang="en-US" dirty="0"/>
+            </a:p>
+          </p:txBody>
+        </p:sp>
+        <p:sp>
+          <p:nvSpPr>
+            <p:cNvPr id="17" name="矩形 16">
+              <a:extLst>
+                <a:ext uri="{FF2B5EF4-FFF2-40B4-BE49-F238E27FC236}">
+                  <a16:creationId xmlns:a16="http://schemas.microsoft.com/office/drawing/2014/main" id="{7F60832B-99AF-7E4A-A61C-0B12D246F952}"/>
+                </a:ext>
+              </a:extLst>
+            </p:cNvPr>
+            <p:cNvSpPr/>
+            <p:nvPr/>
+          </p:nvSpPr>
+          <p:spPr>
+            <a:xfrm>
+              <a:off x="6625393" y="1471134"/>
+              <a:ext cx="2756351" cy="307777"/>
+            </a:xfrm>
+            <a:prstGeom prst="rect">
+              <a:avLst/>
+            </a:prstGeom>
+            <a:solidFill>
+              <a:srgbClr val="0432FF"/>
+            </a:solidFill>
+            <a:effectLst>
+              <a:softEdge rad="31750"/>
+            </a:effectLst>
+          </p:spPr>
+          <p:txBody>
+            <a:bodyPr wrap="square">
+              <a:spAutoFit/>
+            </a:bodyPr>
+            <a:lstStyle/>
+            <a:p>
+              <a:r>
+                <a:rPr lang="zh-CN" altLang="en-US" sz="1400" dirty="0">
+                  <a:solidFill>
+                    <a:schemeClr val="bg1"/>
+                  </a:solidFill>
+                  <a:latin typeface="Times New Roman" panose="02020603050405020304" pitchFamily="18" charset="0"/>
+                  <a:ea typeface="KaiTi_GB2312" panose="02010609030101010101" pitchFamily="49" charset="-122"/>
+                  <a:cs typeface="Times New Roman" panose="02020603050405020304" pitchFamily="18" charset="0"/>
+                </a:rPr>
+                <a:t>蓝色结点表示算法还没看到的数。</a:t>
+              </a:r>
+              <a:endParaRPr lang="en-US" altLang="zh-CN" sz="1400" dirty="0">
+                <a:solidFill>
+                  <a:schemeClr val="bg1"/>
+                </a:solidFill>
+                <a:latin typeface="Times New Roman" panose="02020603050405020304" pitchFamily="18" charset="0"/>
+                <a:ea typeface="KaiTi_GB2312" panose="02010609030101010101" pitchFamily="49" charset="-122"/>
+                <a:cs typeface="Times New Roman" panose="02020603050405020304" pitchFamily="18" charset="0"/>
+              </a:endParaRPr>
+            </a:p>
+          </p:txBody>
+        </p:sp>
+        <p:sp>
+          <p:nvSpPr>
+            <p:cNvPr id="18" name="矩形 17">
+              <a:extLst>
+                <a:ext uri="{FF2B5EF4-FFF2-40B4-BE49-F238E27FC236}">
+                  <a16:creationId xmlns:a16="http://schemas.microsoft.com/office/drawing/2014/main" id="{F2A30B49-6EE2-6F4A-AD7D-B21AFD24E11A}"/>
+                </a:ext>
+              </a:extLst>
+            </p:cNvPr>
+            <p:cNvSpPr/>
+            <p:nvPr/>
+          </p:nvSpPr>
+          <p:spPr>
+            <a:xfrm>
+              <a:off x="6625393" y="1850720"/>
+              <a:ext cx="2756352" cy="307777"/>
+            </a:xfrm>
+            <a:prstGeom prst="rect">
+              <a:avLst/>
+            </a:prstGeom>
+            <a:solidFill>
+              <a:srgbClr val="FF0000"/>
+            </a:solidFill>
+            <a:effectLst>
+              <a:softEdge rad="31750"/>
+            </a:effectLst>
+          </p:spPr>
+          <p:txBody>
+            <a:bodyPr wrap="square">
+              <a:spAutoFit/>
+            </a:bodyPr>
+            <a:lstStyle/>
+            <a:p>
+              <a:r>
+                <a:rPr lang="zh-CN" altLang="en-US" sz="1400" dirty="0">
+                  <a:solidFill>
+                    <a:schemeClr val="bg1"/>
+                  </a:solidFill>
+                  <a:latin typeface="Times New Roman" panose="02020603050405020304" pitchFamily="18" charset="0"/>
+                  <a:ea typeface="KaiTi_GB2312" panose="02010609030101010101" pitchFamily="49" charset="-122"/>
+                  <a:cs typeface="Times New Roman" panose="02020603050405020304" pitchFamily="18" charset="0"/>
+                </a:rPr>
+                <a:t>红色结点表示算法当前看到的数。</a:t>
+              </a:r>
+              <a:endParaRPr lang="en-US" altLang="zh-CN" sz="1400" dirty="0">
+                <a:solidFill>
+                  <a:schemeClr val="bg1"/>
+                </a:solidFill>
+                <a:latin typeface="Times New Roman" panose="02020603050405020304" pitchFamily="18" charset="0"/>
+                <a:ea typeface="KaiTi_GB2312" panose="02010609030101010101" pitchFamily="49" charset="-122"/>
+                <a:cs typeface="Times New Roman" panose="02020603050405020304" pitchFamily="18" charset="0"/>
+              </a:endParaRPr>
+            </a:p>
+          </p:txBody>
+        </p:sp>
+        <p:sp>
+          <p:nvSpPr>
+            <p:cNvPr id="19" name="矩形 18">
+              <a:extLst>
+                <a:ext uri="{FF2B5EF4-FFF2-40B4-BE49-F238E27FC236}">
+                  <a16:creationId xmlns:a16="http://schemas.microsoft.com/office/drawing/2014/main" id="{F83B3C79-60BA-9C49-9B93-619E04FFBED8}"/>
+                </a:ext>
+              </a:extLst>
+            </p:cNvPr>
+            <p:cNvSpPr/>
+            <p:nvPr/>
+          </p:nvSpPr>
+          <p:spPr>
+            <a:xfrm>
+              <a:off x="6625392" y="2231453"/>
+              <a:ext cx="5097216" cy="307777"/>
+            </a:xfrm>
+            <a:prstGeom prst="rect">
+              <a:avLst/>
+            </a:prstGeom>
+            <a:solidFill>
+              <a:srgbClr val="FF40FF"/>
+            </a:solidFill>
+            <a:effectLst>
+              <a:softEdge rad="31750"/>
+            </a:effectLst>
+          </p:spPr>
+          <p:txBody>
+            <a:bodyPr wrap="square">
+              <a:spAutoFit/>
+            </a:bodyPr>
+            <a:lstStyle/>
+            <a:p>
+              <a:r>
+                <a:rPr lang="zh-CN" altLang="en-US" sz="1400" dirty="0">
+                  <a:solidFill>
+                    <a:schemeClr val="bg1"/>
+                  </a:solidFill>
+                  <a:latin typeface="Times New Roman" panose="02020603050405020304" pitchFamily="18" charset="0"/>
+                  <a:ea typeface="KaiTi_GB2312" panose="02010609030101010101" pitchFamily="49" charset="-122"/>
+                  <a:cs typeface="Times New Roman" panose="02020603050405020304" pitchFamily="18" charset="0"/>
+                </a:rPr>
+                <a:t>粉色结点表示之前遍历过的数里，</a:t>
+              </a:r>
+              <a:r>
+                <a:rPr lang="zh-CN" altLang="en-US" sz="1400" b="1" dirty="0">
+                  <a:solidFill>
+                    <a:schemeClr val="bg1"/>
+                  </a:solidFill>
+                  <a:latin typeface="Times New Roman" panose="02020603050405020304" pitchFamily="18" charset="0"/>
+                  <a:ea typeface="KaiTi_GB2312" panose="02010609030101010101" pitchFamily="49" charset="-122"/>
+                  <a:cs typeface="Times New Roman" panose="02020603050405020304" pitchFamily="18" charset="0"/>
+                </a:rPr>
+                <a:t>严格</a:t>
+              </a:r>
+              <a:r>
+                <a:rPr lang="zh-CN" altLang="en-US" sz="1400" dirty="0">
+                  <a:solidFill>
+                    <a:schemeClr val="bg1"/>
+                  </a:solidFill>
+                  <a:latin typeface="Times New Roman" panose="02020603050405020304" pitchFamily="18" charset="0"/>
+                  <a:ea typeface="KaiTi_GB2312" panose="02010609030101010101" pitchFamily="49" charset="-122"/>
+                  <a:cs typeface="Times New Roman" panose="02020603050405020304" pitchFamily="18" charset="0"/>
+                </a:rPr>
+                <a:t>小于当前遍历看到的数。</a:t>
+              </a:r>
+              <a:endParaRPr lang="en-US" altLang="zh-CN" sz="1400" dirty="0">
+                <a:solidFill>
+                  <a:schemeClr val="bg1"/>
+                </a:solidFill>
+                <a:latin typeface="Times New Roman" panose="02020603050405020304" pitchFamily="18" charset="0"/>
+                <a:ea typeface="KaiTi_GB2312" panose="02010609030101010101" pitchFamily="49" charset="-122"/>
+                <a:cs typeface="Times New Roman" panose="02020603050405020304" pitchFamily="18" charset="0"/>
+              </a:endParaRPr>
+            </a:p>
+          </p:txBody>
+        </p:sp>
+        <p:sp>
+          <p:nvSpPr>
+            <p:cNvPr id="20" name="矩形 19">
+              <a:extLst>
+                <a:ext uri="{FF2B5EF4-FFF2-40B4-BE49-F238E27FC236}">
+                  <a16:creationId xmlns:a16="http://schemas.microsoft.com/office/drawing/2014/main" id="{2EE0384A-6910-5A4A-A592-42CA53AEE4F2}"/>
+                </a:ext>
+              </a:extLst>
+            </p:cNvPr>
+            <p:cNvSpPr/>
+            <p:nvPr/>
+          </p:nvSpPr>
+          <p:spPr>
+            <a:xfrm>
+              <a:off x="6625392" y="1084169"/>
+              <a:ext cx="790598" cy="338554"/>
+            </a:xfrm>
+            <a:prstGeom prst="rect">
+              <a:avLst/>
+            </a:prstGeom>
+          </p:spPr>
+          <p:txBody>
+            <a:bodyPr wrap="square">
+              <a:spAutoFit/>
+            </a:bodyPr>
+            <a:lstStyle/>
+            <a:p>
+              <a:r>
+                <a:rPr lang="zh-CN" altLang="en-US" sz="1600" dirty="0">
+                  <a:latin typeface="Times New Roman" charset="0"/>
+                  <a:ea typeface="楷体" charset="-122"/>
+                  <a:cs typeface="Times New Roman" charset="0"/>
+                </a:rPr>
+                <a:t>图例：</a:t>
+              </a:r>
+            </a:p>
+          </p:txBody>
+        </p:sp>
+      </p:grpSp>
+      <p:sp>
+        <p:nvSpPr>
+          <p:cNvPr id="21" name="矩形 20">
+            <a:extLst>
+              <a:ext uri="{FF2B5EF4-FFF2-40B4-BE49-F238E27FC236}">
+                <a16:creationId xmlns:a16="http://schemas.microsoft.com/office/drawing/2014/main" id="{47A339C6-854C-C647-B3F6-F606BD91BB07}"/>
+              </a:ext>
+            </a:extLst>
+          </p:cNvPr>
+          <p:cNvSpPr/>
+          <p:nvPr/>
+        </p:nvSpPr>
+        <p:spPr>
+          <a:xfrm>
+            <a:off x="808474" y="1370591"/>
+            <a:ext cx="9451093" cy="1015663"/>
+          </a:xfrm>
+          <a:prstGeom prst="rect">
+            <a:avLst/>
+          </a:prstGeom>
+        </p:spPr>
+        <p:txBody>
+          <a:bodyPr wrap="square">
+            <a:spAutoFit/>
+          </a:bodyPr>
+          <a:lstStyle/>
+          <a:p>
+            <a:r>
+              <a:rPr lang="zh-CN" altLang="en-US" sz="2000" dirty="0">
+                <a:latin typeface="Times New Roman" panose="02020603050405020304" pitchFamily="18" charset="0"/>
+                <a:ea typeface="KaiTi_GB2312" panose="02010609030101010101" pitchFamily="49" charset="-122"/>
+                <a:cs typeface="Times New Roman" panose="02020603050405020304" pitchFamily="18" charset="0"/>
+              </a:rPr>
+              <a:t>状态 </a:t>
+            </a:r>
+            <a:r>
+              <a:rPr lang="en-US" altLang="zh-CN" sz="2000" dirty="0" err="1">
+                <a:latin typeface="Times New Roman" panose="02020603050405020304" pitchFamily="18" charset="0"/>
+                <a:ea typeface="KaiTi_GB2312" panose="02010609030101010101" pitchFamily="49" charset="-122"/>
+                <a:cs typeface="Times New Roman" panose="02020603050405020304" pitchFamily="18" charset="0"/>
+              </a:rPr>
+              <a:t>dp</a:t>
+            </a:r>
+            <a:r>
+              <a:rPr lang="en-US" altLang="zh-CN" sz="2000" dirty="0">
+                <a:latin typeface="Times New Roman" panose="02020603050405020304" pitchFamily="18" charset="0"/>
+                <a:ea typeface="KaiTi_GB2312" panose="02010609030101010101" pitchFamily="49" charset="-122"/>
+                <a:cs typeface="Times New Roman" panose="02020603050405020304" pitchFamily="18" charset="0"/>
+              </a:rPr>
+              <a:t>[</a:t>
+            </a:r>
+            <a:r>
+              <a:rPr lang="en-US" altLang="zh-CN" sz="2000" dirty="0" err="1">
+                <a:latin typeface="Times New Roman" panose="02020603050405020304" pitchFamily="18" charset="0"/>
+                <a:ea typeface="KaiTi_GB2312" panose="02010609030101010101" pitchFamily="49" charset="-122"/>
+                <a:cs typeface="Times New Roman" panose="02020603050405020304" pitchFamily="18" charset="0"/>
+              </a:rPr>
+              <a:t>i</a:t>
+            </a:r>
+            <a:r>
+              <a:rPr lang="en-US" altLang="zh-CN" sz="2000" dirty="0">
+                <a:latin typeface="Times New Roman" panose="02020603050405020304" pitchFamily="18" charset="0"/>
+                <a:ea typeface="KaiTi_GB2312" panose="02010609030101010101" pitchFamily="49" charset="-122"/>
+                <a:cs typeface="Times New Roman" panose="02020603050405020304" pitchFamily="18" charset="0"/>
+              </a:rPr>
+              <a:t>]</a:t>
+            </a:r>
+            <a:r>
+              <a:rPr lang="zh-CN" altLang="en-US" sz="2000" dirty="0">
+                <a:latin typeface="Times New Roman" panose="02020603050405020304" pitchFamily="18" charset="0"/>
+                <a:ea typeface="KaiTi_GB2312" panose="02010609030101010101" pitchFamily="49" charset="-122"/>
+                <a:cs typeface="Times New Roman" panose="02020603050405020304" pitchFamily="18" charset="0"/>
+              </a:rPr>
+              <a:t>：以 </a:t>
+            </a:r>
+            <a:r>
+              <a:rPr lang="en-US" altLang="zh-CN" sz="2000" dirty="0" err="1">
+                <a:latin typeface="Times New Roman" panose="02020603050405020304" pitchFamily="18" charset="0"/>
+                <a:ea typeface="KaiTi_GB2312" panose="02010609030101010101" pitchFamily="49" charset="-122"/>
+                <a:cs typeface="Times New Roman" panose="02020603050405020304" pitchFamily="18" charset="0"/>
+              </a:rPr>
+              <a:t>nums</a:t>
+            </a:r>
+            <a:r>
+              <a:rPr lang="en-US" altLang="zh-CN" sz="2000" dirty="0">
+                <a:latin typeface="Times New Roman" panose="02020603050405020304" pitchFamily="18" charset="0"/>
+                <a:ea typeface="KaiTi_GB2312" panose="02010609030101010101" pitchFamily="49" charset="-122"/>
+                <a:cs typeface="Times New Roman" panose="02020603050405020304" pitchFamily="18" charset="0"/>
+              </a:rPr>
+              <a:t>[</a:t>
+            </a:r>
+            <a:r>
+              <a:rPr lang="en-US" altLang="zh-CN" sz="2000" dirty="0" err="1">
+                <a:latin typeface="Times New Roman" panose="02020603050405020304" pitchFamily="18" charset="0"/>
+                <a:ea typeface="KaiTi_GB2312" panose="02010609030101010101" pitchFamily="49" charset="-122"/>
+                <a:cs typeface="Times New Roman" panose="02020603050405020304" pitchFamily="18" charset="0"/>
+              </a:rPr>
+              <a:t>i</a:t>
+            </a:r>
+            <a:r>
+              <a:rPr lang="en-US" altLang="zh-CN" sz="2000" dirty="0">
+                <a:latin typeface="Times New Roman" panose="02020603050405020304" pitchFamily="18" charset="0"/>
+                <a:ea typeface="KaiTi_GB2312" panose="02010609030101010101" pitchFamily="49" charset="-122"/>
+                <a:cs typeface="Times New Roman" panose="02020603050405020304" pitchFamily="18" charset="0"/>
+              </a:rPr>
+              <a:t>]</a:t>
+            </a:r>
+            <a:r>
+              <a:rPr lang="zh-CN" altLang="en-US" sz="2000" dirty="0">
+                <a:latin typeface="Times New Roman" panose="02020603050405020304" pitchFamily="18" charset="0"/>
+                <a:ea typeface="KaiTi_GB2312" panose="02010609030101010101" pitchFamily="49" charset="-122"/>
+                <a:cs typeface="Times New Roman" panose="02020603050405020304" pitchFamily="18" charset="0"/>
+              </a:rPr>
+              <a:t> </a:t>
+            </a:r>
+            <a:r>
+              <a:rPr lang="zh-CN" altLang="en-US" sz="2000" b="1" dirty="0">
+                <a:solidFill>
+                  <a:srgbClr val="FF0000"/>
+                </a:solidFill>
+                <a:latin typeface="Times New Roman" panose="02020603050405020304" pitchFamily="18" charset="0"/>
+                <a:ea typeface="KaiTi_GB2312" panose="02010609030101010101" pitchFamily="49" charset="-122"/>
+                <a:cs typeface="Times New Roman" panose="02020603050405020304" pitchFamily="18" charset="0"/>
+              </a:rPr>
+              <a:t>结尾</a:t>
+            </a:r>
+            <a:r>
+              <a:rPr lang="zh-CN" altLang="en-US" sz="2000" dirty="0">
+                <a:latin typeface="Times New Roman" panose="02020603050405020304" pitchFamily="18" charset="0"/>
+                <a:ea typeface="KaiTi_GB2312" panose="02010609030101010101" pitchFamily="49" charset="-122"/>
+                <a:cs typeface="Times New Roman" panose="02020603050405020304" pitchFamily="18" charset="0"/>
+              </a:rPr>
+              <a:t>的“最长上升子序列”的长度。</a:t>
+            </a:r>
+            <a:endParaRPr lang="en-US" altLang="zh-CN" sz="2000" dirty="0">
+              <a:latin typeface="Times New Roman" panose="02020603050405020304" pitchFamily="18" charset="0"/>
+              <a:ea typeface="KaiTi_GB2312" panose="02010609030101010101" pitchFamily="49" charset="-122"/>
+              <a:cs typeface="Times New Roman" panose="02020603050405020304" pitchFamily="18" charset="0"/>
+            </a:endParaRPr>
+          </a:p>
+          <a:p>
+            <a:endParaRPr lang="en-US" altLang="zh-CN" sz="2000" dirty="0">
+              <a:latin typeface="Times New Roman" panose="02020603050405020304" pitchFamily="18" charset="0"/>
+              <a:ea typeface="KaiTi_GB2312" panose="02010609030101010101" pitchFamily="49" charset="-122"/>
+              <a:cs typeface="Times New Roman" panose="02020603050405020304" pitchFamily="18" charset="0"/>
+            </a:endParaRPr>
+          </a:p>
+          <a:p>
+            <a:r>
+              <a:rPr lang="zh-CN" altLang="en-US" sz="2000" dirty="0">
+                <a:latin typeface="Times New Roman" panose="02020603050405020304" pitchFamily="18" charset="0"/>
+                <a:ea typeface="KaiTi_GB2312" panose="02010609030101010101" pitchFamily="49" charset="-122"/>
+                <a:cs typeface="Times New Roman" panose="02020603050405020304" pitchFamily="18" charset="0"/>
+              </a:rPr>
+              <a:t>状态转移方程：</a:t>
+            </a:r>
+            <a:r>
+              <a:rPr lang="en-US" altLang="zh-CN" dirty="0" err="1">
+                <a:latin typeface="Consolas" panose="020B0609020204030204" pitchFamily="49" charset="0"/>
+                <a:cs typeface="Consolas" panose="020B0609020204030204" pitchFamily="49" charset="0"/>
+              </a:rPr>
+              <a:t>dp</a:t>
+            </a:r>
+            <a:r>
+              <a:rPr lang="en-US" altLang="zh-CN" dirty="0">
+                <a:latin typeface="Consolas" panose="020B0609020204030204" pitchFamily="49" charset="0"/>
+                <a:cs typeface="Consolas" panose="020B0609020204030204" pitchFamily="49" charset="0"/>
+              </a:rPr>
+              <a:t>[</a:t>
+            </a:r>
+            <a:r>
+              <a:rPr lang="en-US" altLang="zh-CN" dirty="0" err="1">
+                <a:latin typeface="Consolas" panose="020B0609020204030204" pitchFamily="49" charset="0"/>
+                <a:cs typeface="Consolas" panose="020B0609020204030204" pitchFamily="49" charset="0"/>
+              </a:rPr>
+              <a:t>i</a:t>
+            </a:r>
+            <a:r>
+              <a:rPr lang="en-US" altLang="zh-CN" dirty="0">
+                <a:latin typeface="Consolas" panose="020B0609020204030204" pitchFamily="49" charset="0"/>
+                <a:cs typeface="Consolas" panose="020B0609020204030204" pitchFamily="49" charset="0"/>
+              </a:rPr>
+              <a:t>] = </a:t>
+            </a:r>
+            <a:r>
+              <a:rPr lang="en-US" altLang="zh-CN" dirty="0">
+                <a:solidFill>
+                  <a:srgbClr val="FF40FF"/>
+                </a:solidFill>
+                <a:latin typeface="Consolas" panose="020B0609020204030204" pitchFamily="49" charset="0"/>
+                <a:cs typeface="Consolas" panose="020B0609020204030204" pitchFamily="49" charset="0"/>
+              </a:rPr>
+              <a:t>max</a:t>
+            </a:r>
+            <a:r>
+              <a:rPr lang="en-US" altLang="zh-CN" dirty="0">
+                <a:latin typeface="Consolas" panose="020B0609020204030204" pitchFamily="49" charset="0"/>
+                <a:cs typeface="Consolas" panose="020B0609020204030204" pitchFamily="49" charset="0"/>
+              </a:rPr>
+              <a:t>{1 + </a:t>
+            </a:r>
+            <a:r>
+              <a:rPr lang="en-US" altLang="zh-CN" dirty="0" err="1">
+                <a:latin typeface="Consolas" panose="020B0609020204030204" pitchFamily="49" charset="0"/>
+                <a:cs typeface="Consolas" panose="020B0609020204030204" pitchFamily="49" charset="0"/>
+              </a:rPr>
+              <a:t>dp</a:t>
+            </a:r>
+            <a:r>
+              <a:rPr lang="en-US" altLang="zh-CN" dirty="0">
+                <a:latin typeface="Consolas" panose="020B0609020204030204" pitchFamily="49" charset="0"/>
+                <a:cs typeface="Consolas" panose="020B0609020204030204" pitchFamily="49" charset="0"/>
+              </a:rPr>
+              <a:t>[j] </a:t>
+            </a:r>
+            <a:r>
+              <a:rPr lang="en-US" altLang="zh-CN" dirty="0">
+                <a:solidFill>
+                  <a:srgbClr val="FF40FF"/>
+                </a:solidFill>
+                <a:latin typeface="Consolas" panose="020B0609020204030204" pitchFamily="49" charset="0"/>
+                <a:cs typeface="Consolas" panose="020B0609020204030204" pitchFamily="49" charset="0"/>
+              </a:rPr>
+              <a:t>for</a:t>
+            </a:r>
+            <a:r>
+              <a:rPr lang="en-US" altLang="zh-CN" dirty="0">
+                <a:latin typeface="Consolas" panose="020B0609020204030204" pitchFamily="49" charset="0"/>
+                <a:cs typeface="Consolas" panose="020B0609020204030204" pitchFamily="49" charset="0"/>
+              </a:rPr>
+              <a:t> j &lt; </a:t>
+            </a:r>
+            <a:r>
+              <a:rPr lang="en-US" altLang="zh-CN" dirty="0" err="1">
+                <a:latin typeface="Consolas" panose="020B0609020204030204" pitchFamily="49" charset="0"/>
+                <a:cs typeface="Consolas" panose="020B0609020204030204" pitchFamily="49" charset="0"/>
+              </a:rPr>
+              <a:t>i</a:t>
+            </a:r>
+            <a:r>
+              <a:rPr lang="en-US" altLang="zh-CN" dirty="0">
+                <a:latin typeface="Consolas" panose="020B0609020204030204" pitchFamily="49" charset="0"/>
+                <a:cs typeface="Consolas" panose="020B0609020204030204" pitchFamily="49" charset="0"/>
+              </a:rPr>
+              <a:t> </a:t>
+            </a:r>
+            <a:r>
+              <a:rPr lang="en-US" altLang="zh-CN" dirty="0">
+                <a:solidFill>
+                  <a:srgbClr val="FF40FF"/>
+                </a:solidFill>
+                <a:latin typeface="Consolas" panose="020B0609020204030204" pitchFamily="49" charset="0"/>
+                <a:cs typeface="Consolas" panose="020B0609020204030204" pitchFamily="49" charset="0"/>
+              </a:rPr>
+              <a:t>if</a:t>
+            </a:r>
+            <a:r>
+              <a:rPr lang="en-US" altLang="zh-CN" dirty="0">
+                <a:latin typeface="Consolas" panose="020B0609020204030204" pitchFamily="49" charset="0"/>
+                <a:cs typeface="Consolas" panose="020B0609020204030204" pitchFamily="49" charset="0"/>
+              </a:rPr>
+              <a:t> </a:t>
+            </a:r>
+            <a:r>
+              <a:rPr lang="en-US" altLang="zh-CN" dirty="0" err="1">
+                <a:latin typeface="Consolas" panose="020B0609020204030204" pitchFamily="49" charset="0"/>
+                <a:cs typeface="Consolas" panose="020B0609020204030204" pitchFamily="49" charset="0"/>
+              </a:rPr>
+              <a:t>nums</a:t>
+            </a:r>
+            <a:r>
+              <a:rPr lang="en-US" altLang="zh-CN" dirty="0">
+                <a:latin typeface="Consolas" panose="020B0609020204030204" pitchFamily="49" charset="0"/>
+                <a:cs typeface="Consolas" panose="020B0609020204030204" pitchFamily="49" charset="0"/>
+              </a:rPr>
+              <a:t>[j] &lt; </a:t>
+            </a:r>
+            <a:r>
+              <a:rPr lang="en-US" altLang="zh-CN" dirty="0" err="1">
+                <a:latin typeface="Consolas" panose="020B0609020204030204" pitchFamily="49" charset="0"/>
+                <a:cs typeface="Consolas" panose="020B0609020204030204" pitchFamily="49" charset="0"/>
+              </a:rPr>
+              <a:t>nums</a:t>
+            </a:r>
+            <a:r>
+              <a:rPr lang="en-US" altLang="zh-CN" dirty="0">
+                <a:latin typeface="Consolas" panose="020B0609020204030204" pitchFamily="49" charset="0"/>
+                <a:cs typeface="Consolas" panose="020B0609020204030204" pitchFamily="49" charset="0"/>
+              </a:rPr>
+              <a:t>[</a:t>
+            </a:r>
+            <a:r>
+              <a:rPr lang="en-US" altLang="zh-CN" dirty="0" err="1">
+                <a:latin typeface="Consolas" panose="020B0609020204030204" pitchFamily="49" charset="0"/>
+                <a:cs typeface="Consolas" panose="020B0609020204030204" pitchFamily="49" charset="0"/>
+              </a:rPr>
+              <a:t>i</a:t>
+            </a:r>
+            <a:r>
+              <a:rPr lang="en-US" altLang="zh-CN" dirty="0">
+                <a:latin typeface="Consolas" panose="020B0609020204030204" pitchFamily="49" charset="0"/>
+                <a:cs typeface="Consolas" panose="020B0609020204030204" pitchFamily="49" charset="0"/>
+              </a:rPr>
+              <a:t>]}</a:t>
+            </a:r>
+          </a:p>
+        </p:txBody>
+      </p:sp>
+      <p:sp>
+        <p:nvSpPr>
+          <p:cNvPr id="22" name="文本框 21">
+            <a:extLst>
+              <a:ext uri="{FF2B5EF4-FFF2-40B4-BE49-F238E27FC236}">
+                <a16:creationId xmlns:a16="http://schemas.microsoft.com/office/drawing/2014/main" id="{3A70822A-958A-F14D-A2CE-B9591F62BA93}"/>
+              </a:ext>
+            </a:extLst>
+          </p:cNvPr>
+          <p:cNvSpPr txBox="1"/>
+          <p:nvPr/>
+        </p:nvSpPr>
+        <p:spPr>
+          <a:xfrm flipH="1">
+            <a:off x="808474" y="835492"/>
+            <a:ext cx="2472607" cy="400110"/>
+          </a:xfrm>
+          <a:prstGeom prst="rect">
+            <a:avLst/>
+          </a:prstGeom>
+          <a:solidFill>
+            <a:srgbClr val="FF0000"/>
+          </a:solidFill>
+          <a:ln>
+            <a:noFill/>
+          </a:ln>
+          <a:effectLst>
+            <a:outerShdw blurRad="50800" dist="38100" dir="2700000" algn="tl" rotWithShape="0">
+              <a:prstClr val="black">
+                <a:alpha val="40000"/>
+              </a:prstClr>
+            </a:outerShdw>
+          </a:effectLst>
+        </p:spPr>
+        <p:txBody>
+          <a:bodyPr wrap="square" rtlCol="0">
+            <a:spAutoFit/>
+          </a:bodyPr>
+          <a:lstStyle/>
+          <a:p>
+            <a:pPr marL="342900" indent="-342900">
+              <a:buFont typeface="Wingdings" pitchFamily="2" charset="2"/>
+              <a:buChar char="Ø"/>
+            </a:pPr>
+            <a:r>
+              <a:rPr kumimoji="1" lang="zh-CN" altLang="en-US" sz="2000" b="1" dirty="0">
+                <a:solidFill>
+                  <a:schemeClr val="bg1"/>
+                </a:solidFill>
+                <a:latin typeface="Times New Roman" panose="02020603050405020304" pitchFamily="18" charset="0"/>
+                <a:ea typeface="KaiTi_GB2312" panose="02010609030101010101" pitchFamily="49" charset="-122"/>
+                <a:cs typeface="Times New Roman" panose="02020603050405020304" pitchFamily="18" charset="0"/>
+              </a:rPr>
+              <a:t>思想：动态规划。</a:t>
+            </a:r>
+          </a:p>
+        </p:txBody>
+      </p:sp>
     </p:spTree>
     <p:extLst>
       <p:ext uri="{BB962C8B-B14F-4D97-AF65-F5344CB8AC3E}">
@@ -5847,6 +9340,60 @@
           <a:chExt cx="0" cy="0"/>
         </a:xfrm>
       </p:grpSpPr>
+      <p:sp>
+        <p:nvSpPr>
+          <p:cNvPr id="24" name="圆角矩形 23">
+            <a:extLst>
+              <a:ext uri="{FF2B5EF4-FFF2-40B4-BE49-F238E27FC236}">
+                <a16:creationId xmlns:a16="http://schemas.microsoft.com/office/drawing/2014/main" id="{7C0C7EC9-0A52-3345-8125-02F2BFC68F47}"/>
+              </a:ext>
+            </a:extLst>
+          </p:cNvPr>
+          <p:cNvSpPr/>
+          <p:nvPr/>
+        </p:nvSpPr>
+        <p:spPr>
+          <a:xfrm>
+            <a:off x="767673" y="2628571"/>
+            <a:ext cx="10931268" cy="463371"/>
+          </a:xfrm>
+          <a:prstGeom prst="roundRect">
+            <a:avLst/>
+          </a:prstGeom>
+          <a:solidFill>
+            <a:srgbClr val="FFFF00">
+              <a:alpha val="50000"/>
+            </a:srgbClr>
+          </a:solidFill>
+          <a:ln>
+            <a:noFill/>
+          </a:ln>
+        </p:spPr>
+        <p:style>
+          <a:lnRef idx="2">
+            <a:schemeClr val="accent1">
+              <a:shade val="50000"/>
+            </a:schemeClr>
+          </a:lnRef>
+          <a:fillRef idx="1">
+            <a:schemeClr val="accent1"/>
+          </a:fillRef>
+          <a:effectRef idx="0">
+            <a:schemeClr val="accent1"/>
+          </a:effectRef>
+          <a:fontRef idx="minor">
+            <a:schemeClr val="lt1"/>
+          </a:fontRef>
+        </p:style>
+        <p:txBody>
+          <a:bodyPr rtlCol="0" anchor="ctr"/>
+          <a:lstStyle/>
+          <a:p>
+            <a:pPr algn="ctr"/>
+            <a:endParaRPr kumimoji="1" lang="zh-CN" altLang="en-US"/>
+          </a:p>
+        </p:txBody>
+      </p:sp>
       <p:pic>
         <p:nvPicPr>
           <p:cNvPr id="9" name="图片 8">
@@ -5891,7 +9438,7 @@
         </p:nvSpPr>
         <p:spPr>
           <a:xfrm>
-            <a:off x="993669" y="5187284"/>
+            <a:off x="808474" y="2657056"/>
             <a:ext cx="11025505" cy="400110"/>
           </a:xfrm>
           <a:prstGeom prst="rect">
@@ -5909,7 +9456,10 @@
               <a:buChar char="Ø"/>
             </a:pPr>
             <a:r>
-              <a:rPr lang="zh-CN" altLang="en-US" sz="2000" dirty="0">
+              <a:rPr lang="zh-CN" altLang="en-US" sz="2000" b="1" dirty="0">
+                <a:solidFill>
+                  <a:srgbClr val="FF0000"/>
+                </a:solidFill>
                 <a:latin typeface="Times New Roman" panose="02020603050405020304" pitchFamily="18" charset="0"/>
                 <a:ea typeface="KaiTi_GB2312" panose="02010609030101010101" pitchFamily="49" charset="-122"/>
                 <a:cs typeface="Times New Roman" panose="02020603050405020304" pitchFamily="18" charset="0"/>
@@ -6003,50 +9553,6 @@
           </a:p>
         </p:txBody>
       </p:sp>
-      <p:cxnSp>
-        <p:nvCxnSpPr>
-          <p:cNvPr id="7" name="直线箭头连接符 6">
-            <a:extLst>
-              <a:ext uri="{FF2B5EF4-FFF2-40B4-BE49-F238E27FC236}">
-                <a16:creationId xmlns:a16="http://schemas.microsoft.com/office/drawing/2014/main" id="{4223DB3F-6B1E-BD4A-B49D-6A87B33C4CC4}"/>
-              </a:ext>
-            </a:extLst>
-          </p:cNvPr>
-          <p:cNvCxnSpPr>
-            <a:cxnSpLocks/>
-          </p:cNvCxnSpPr>
-          <p:nvPr/>
-        </p:nvCxnSpPr>
-        <p:spPr>
-          <a:xfrm>
-            <a:off x="2494814" y="5008654"/>
-            <a:ext cx="7333797" cy="0"/>
-          </a:xfrm>
-          <a:prstGeom prst="straightConnector1">
-            <a:avLst/>
-          </a:prstGeom>
-          <a:ln w="76200">
-            <a:solidFill>
-              <a:srgbClr val="FF0000"/>
-            </a:solidFill>
-            <a:tailEnd type="triangle"/>
-          </a:ln>
-        </p:spPr>
-        <p:style>
-          <a:lnRef idx="1">
-            <a:schemeClr val="accent1"/>
-          </a:lnRef>
-          <a:fillRef idx="0">
-            <a:schemeClr val="accent1"/>
-          </a:fillRef>
-          <a:effectRef idx="0">
-            <a:schemeClr val="accent1"/>
-          </a:effectRef>
-          <a:fontRef idx="minor">
-            <a:schemeClr val="tx1"/>
-          </a:fontRef>
-        </p:style>
-      </p:cxnSp>
       <p:sp>
         <p:nvSpPr>
           <p:cNvPr id="14" name="矩形 13">
@@ -6143,12 +9649,312 @@
           </a:p>
         </p:txBody>
       </p:sp>
+      <p:grpSp>
+        <p:nvGrpSpPr>
+          <p:cNvPr id="11" name="组合 10">
+            <a:extLst>
+              <a:ext uri="{FF2B5EF4-FFF2-40B4-BE49-F238E27FC236}">
+                <a16:creationId xmlns:a16="http://schemas.microsoft.com/office/drawing/2014/main" id="{FDA47307-2699-BE49-82A8-F5FDDAFCFF37}"/>
+              </a:ext>
+            </a:extLst>
+          </p:cNvPr>
+          <p:cNvGrpSpPr/>
+          <p:nvPr/>
+        </p:nvGrpSpPr>
+        <p:grpSpPr>
+          <a:xfrm>
+            <a:off x="180985" y="5154034"/>
+            <a:ext cx="5353035" cy="1604167"/>
+            <a:chOff x="6519671" y="1084169"/>
+            <a:chExt cx="5353035" cy="1604167"/>
+          </a:xfrm>
+        </p:grpSpPr>
+        <p:sp>
+          <p:nvSpPr>
+            <p:cNvPr id="12" name="矩形 11">
+              <a:extLst>
+                <a:ext uri="{FF2B5EF4-FFF2-40B4-BE49-F238E27FC236}">
+                  <a16:creationId xmlns:a16="http://schemas.microsoft.com/office/drawing/2014/main" id="{712479CA-86D2-8748-B1A1-E4B2748B8D44}"/>
+                </a:ext>
+              </a:extLst>
+            </p:cNvPr>
+            <p:cNvSpPr/>
+            <p:nvPr/>
+          </p:nvSpPr>
+          <p:spPr>
+            <a:xfrm>
+              <a:off x="6519671" y="1084170"/>
+              <a:ext cx="5353035" cy="1604166"/>
+            </a:xfrm>
+            <a:prstGeom prst="rect">
+              <a:avLst/>
+            </a:prstGeom>
+            <a:solidFill>
+              <a:srgbClr val="FFFF00">
+                <a:alpha val="20000"/>
+              </a:srgbClr>
+            </a:solidFill>
+            <a:ln>
+              <a:noFill/>
+            </a:ln>
+          </p:spPr>
+          <p:style>
+            <a:lnRef idx="2">
+              <a:schemeClr val="accent1">
+                <a:shade val="50000"/>
+              </a:schemeClr>
+            </a:lnRef>
+            <a:fillRef idx="1">
+              <a:schemeClr val="accent1"/>
+            </a:fillRef>
+            <a:effectRef idx="0">
+              <a:schemeClr val="accent1"/>
+            </a:effectRef>
+            <a:fontRef idx="minor">
+              <a:schemeClr val="lt1"/>
+            </a:fontRef>
+          </p:style>
+          <p:txBody>
+            <a:bodyPr rtlCol="0" anchor="ctr"/>
+            <a:lstStyle/>
+            <a:p>
+              <a:pPr algn="ctr"/>
+              <a:endParaRPr kumimoji="1" lang="zh-CN" altLang="en-US" dirty="0"/>
+            </a:p>
+          </p:txBody>
+        </p:sp>
+        <p:sp>
+          <p:nvSpPr>
+            <p:cNvPr id="13" name="矩形 12">
+              <a:extLst>
+                <a:ext uri="{FF2B5EF4-FFF2-40B4-BE49-F238E27FC236}">
+                  <a16:creationId xmlns:a16="http://schemas.microsoft.com/office/drawing/2014/main" id="{DFD5570A-BF5B-1B4A-8802-03BF92B5AD5F}"/>
+                </a:ext>
+              </a:extLst>
+            </p:cNvPr>
+            <p:cNvSpPr/>
+            <p:nvPr/>
+          </p:nvSpPr>
+          <p:spPr>
+            <a:xfrm>
+              <a:off x="6625393" y="1471134"/>
+              <a:ext cx="2756351" cy="307777"/>
+            </a:xfrm>
+            <a:prstGeom prst="rect">
+              <a:avLst/>
+            </a:prstGeom>
+            <a:solidFill>
+              <a:srgbClr val="0432FF"/>
+            </a:solidFill>
+            <a:effectLst>
+              <a:softEdge rad="31750"/>
+            </a:effectLst>
+          </p:spPr>
+          <p:txBody>
+            <a:bodyPr wrap="square">
+              <a:spAutoFit/>
+            </a:bodyPr>
+            <a:lstStyle/>
+            <a:p>
+              <a:r>
+                <a:rPr lang="zh-CN" altLang="en-US" sz="1400" dirty="0">
+                  <a:solidFill>
+                    <a:schemeClr val="bg1"/>
+                  </a:solidFill>
+                  <a:latin typeface="Times New Roman" panose="02020603050405020304" pitchFamily="18" charset="0"/>
+                  <a:ea typeface="KaiTi_GB2312" panose="02010609030101010101" pitchFamily="49" charset="-122"/>
+                  <a:cs typeface="Times New Roman" panose="02020603050405020304" pitchFamily="18" charset="0"/>
+                </a:rPr>
+                <a:t>蓝色结点表示算法还没看到的数。</a:t>
+              </a:r>
+              <a:endParaRPr lang="en-US" altLang="zh-CN" sz="1400" dirty="0">
+                <a:solidFill>
+                  <a:schemeClr val="bg1"/>
+                </a:solidFill>
+                <a:latin typeface="Times New Roman" panose="02020603050405020304" pitchFamily="18" charset="0"/>
+                <a:ea typeface="KaiTi_GB2312" panose="02010609030101010101" pitchFamily="49" charset="-122"/>
+                <a:cs typeface="Times New Roman" panose="02020603050405020304" pitchFamily="18" charset="0"/>
+              </a:endParaRPr>
+            </a:p>
+          </p:txBody>
+        </p:sp>
+        <p:sp>
+          <p:nvSpPr>
+            <p:cNvPr id="18" name="矩形 17">
+              <a:extLst>
+                <a:ext uri="{FF2B5EF4-FFF2-40B4-BE49-F238E27FC236}">
+                  <a16:creationId xmlns:a16="http://schemas.microsoft.com/office/drawing/2014/main" id="{F2CA97ED-2832-4A42-995E-74232DD602B4}"/>
+                </a:ext>
+              </a:extLst>
+            </p:cNvPr>
+            <p:cNvSpPr/>
+            <p:nvPr/>
+          </p:nvSpPr>
+          <p:spPr>
+            <a:xfrm>
+              <a:off x="6625393" y="1850720"/>
+              <a:ext cx="2756352" cy="307777"/>
+            </a:xfrm>
+            <a:prstGeom prst="rect">
+              <a:avLst/>
+            </a:prstGeom>
+            <a:solidFill>
+              <a:srgbClr val="FF0000"/>
+            </a:solidFill>
+            <a:effectLst>
+              <a:softEdge rad="31750"/>
+            </a:effectLst>
+          </p:spPr>
+          <p:txBody>
+            <a:bodyPr wrap="square">
+              <a:spAutoFit/>
+            </a:bodyPr>
+            <a:lstStyle/>
+            <a:p>
+              <a:r>
+                <a:rPr lang="zh-CN" altLang="en-US" sz="1400" dirty="0">
+                  <a:solidFill>
+                    <a:schemeClr val="bg1"/>
+                  </a:solidFill>
+                  <a:latin typeface="Times New Roman" panose="02020603050405020304" pitchFamily="18" charset="0"/>
+                  <a:ea typeface="KaiTi_GB2312" panose="02010609030101010101" pitchFamily="49" charset="-122"/>
+                  <a:cs typeface="Times New Roman" panose="02020603050405020304" pitchFamily="18" charset="0"/>
+                </a:rPr>
+                <a:t>红色结点表示算法当前看到的数。</a:t>
+              </a:r>
+              <a:endParaRPr lang="en-US" altLang="zh-CN" sz="1400" dirty="0">
+                <a:solidFill>
+                  <a:schemeClr val="bg1"/>
+                </a:solidFill>
+                <a:latin typeface="Times New Roman" panose="02020603050405020304" pitchFamily="18" charset="0"/>
+                <a:ea typeface="KaiTi_GB2312" panose="02010609030101010101" pitchFamily="49" charset="-122"/>
+                <a:cs typeface="Times New Roman" panose="02020603050405020304" pitchFamily="18" charset="0"/>
+              </a:endParaRPr>
+            </a:p>
+          </p:txBody>
+        </p:sp>
+        <p:sp>
+          <p:nvSpPr>
+            <p:cNvPr id="19" name="矩形 18">
+              <a:extLst>
+                <a:ext uri="{FF2B5EF4-FFF2-40B4-BE49-F238E27FC236}">
+                  <a16:creationId xmlns:a16="http://schemas.microsoft.com/office/drawing/2014/main" id="{784A2275-DE0D-A543-970D-5F7019D2B30A}"/>
+                </a:ext>
+              </a:extLst>
+            </p:cNvPr>
+            <p:cNvSpPr/>
+            <p:nvPr/>
+          </p:nvSpPr>
+          <p:spPr>
+            <a:xfrm>
+              <a:off x="6625392" y="2231453"/>
+              <a:ext cx="5097216" cy="307777"/>
+            </a:xfrm>
+            <a:prstGeom prst="rect">
+              <a:avLst/>
+            </a:prstGeom>
+            <a:solidFill>
+              <a:srgbClr val="FF40FF"/>
+            </a:solidFill>
+            <a:effectLst>
+              <a:softEdge rad="31750"/>
+            </a:effectLst>
+          </p:spPr>
+          <p:txBody>
+            <a:bodyPr wrap="square">
+              <a:spAutoFit/>
+            </a:bodyPr>
+            <a:lstStyle/>
+            <a:p>
+              <a:r>
+                <a:rPr lang="zh-CN" altLang="en-US" sz="1400" dirty="0">
+                  <a:solidFill>
+                    <a:schemeClr val="bg1"/>
+                  </a:solidFill>
+                  <a:latin typeface="Times New Roman" panose="02020603050405020304" pitchFamily="18" charset="0"/>
+                  <a:ea typeface="KaiTi_GB2312" panose="02010609030101010101" pitchFamily="49" charset="-122"/>
+                  <a:cs typeface="Times New Roman" panose="02020603050405020304" pitchFamily="18" charset="0"/>
+                </a:rPr>
+                <a:t>粉色结点表示之前遍历过的数里，</a:t>
+              </a:r>
+              <a:r>
+                <a:rPr lang="zh-CN" altLang="en-US" sz="1400" b="1" dirty="0">
+                  <a:solidFill>
+                    <a:schemeClr val="bg1"/>
+                  </a:solidFill>
+                  <a:latin typeface="Times New Roman" panose="02020603050405020304" pitchFamily="18" charset="0"/>
+                  <a:ea typeface="KaiTi_GB2312" panose="02010609030101010101" pitchFamily="49" charset="-122"/>
+                  <a:cs typeface="Times New Roman" panose="02020603050405020304" pitchFamily="18" charset="0"/>
+                </a:rPr>
+                <a:t>严格</a:t>
+              </a:r>
+              <a:r>
+                <a:rPr lang="zh-CN" altLang="en-US" sz="1400" dirty="0">
+                  <a:solidFill>
+                    <a:schemeClr val="bg1"/>
+                  </a:solidFill>
+                  <a:latin typeface="Times New Roman" panose="02020603050405020304" pitchFamily="18" charset="0"/>
+                  <a:ea typeface="KaiTi_GB2312" panose="02010609030101010101" pitchFamily="49" charset="-122"/>
+                  <a:cs typeface="Times New Roman" panose="02020603050405020304" pitchFamily="18" charset="0"/>
+                </a:rPr>
+                <a:t>小于当前遍历看到的数。</a:t>
+              </a:r>
+              <a:endParaRPr lang="en-US" altLang="zh-CN" sz="1400" dirty="0">
+                <a:solidFill>
+                  <a:schemeClr val="bg1"/>
+                </a:solidFill>
+                <a:latin typeface="Times New Roman" panose="02020603050405020304" pitchFamily="18" charset="0"/>
+                <a:ea typeface="KaiTi_GB2312" panose="02010609030101010101" pitchFamily="49" charset="-122"/>
+                <a:cs typeface="Times New Roman" panose="02020603050405020304" pitchFamily="18" charset="0"/>
+              </a:endParaRPr>
+            </a:p>
+          </p:txBody>
+        </p:sp>
+        <p:sp>
+          <p:nvSpPr>
+            <p:cNvPr id="20" name="矩形 19">
+              <a:extLst>
+                <a:ext uri="{FF2B5EF4-FFF2-40B4-BE49-F238E27FC236}">
+                  <a16:creationId xmlns:a16="http://schemas.microsoft.com/office/drawing/2014/main" id="{ADF28752-43BF-5B42-9F88-DA69B8875B1A}"/>
+                </a:ext>
+              </a:extLst>
+            </p:cNvPr>
+            <p:cNvSpPr/>
+            <p:nvPr/>
+          </p:nvSpPr>
+          <p:spPr>
+            <a:xfrm>
+              <a:off x="6625392" y="1084169"/>
+              <a:ext cx="790598" cy="338554"/>
+            </a:xfrm>
+            <a:prstGeom prst="rect">
+              <a:avLst/>
+            </a:prstGeom>
+          </p:spPr>
+          <p:txBody>
+            <a:bodyPr wrap="square">
+              <a:spAutoFit/>
+            </a:bodyPr>
+            <a:lstStyle/>
+            <a:p>
+              <a:r>
+                <a:rPr lang="zh-CN" altLang="en-US" sz="1600" dirty="0">
+                  <a:latin typeface="Times New Roman" charset="0"/>
+                  <a:ea typeface="楷体" charset="-122"/>
+                  <a:cs typeface="Times New Roman" charset="0"/>
+                </a:rPr>
+                <a:t>图例：</a:t>
+              </a:r>
+            </a:p>
+          </p:txBody>
+        </p:sp>
+      </p:grpSp>
       <p:sp>
         <p:nvSpPr>
-          <p:cNvPr id="15" name="矩形 14">
+          <p:cNvPr id="21" name="矩形 20">
             <a:extLst>
               <a:ext uri="{FF2B5EF4-FFF2-40B4-BE49-F238E27FC236}">
-                <a16:creationId xmlns:a16="http://schemas.microsoft.com/office/drawing/2014/main" id="{FECFD978-DF52-6848-9DF3-385FE99C37B4}"/>
+                <a16:creationId xmlns:a16="http://schemas.microsoft.com/office/drawing/2014/main" id="{064F63C3-6631-054D-B9D7-538DD1F38A36}"/>
               </a:ext>
             </a:extLst>
           </p:cNvPr>
@@ -6157,8 +9963,8 @@
         </p:nvSpPr>
         <p:spPr>
           <a:xfrm>
-            <a:off x="808475" y="1516857"/>
-            <a:ext cx="8448276" cy="400110"/>
+            <a:off x="808474" y="1370591"/>
+            <a:ext cx="9451093" cy="1015663"/>
           </a:xfrm>
           <a:prstGeom prst="rect">
             <a:avLst/>
@@ -6176,7 +9982,47 @@
                 <a:ea typeface="KaiTi_GB2312" panose="02010609030101010101" pitchFamily="49" charset="-122"/>
                 <a:cs typeface="Times New Roman" panose="02020603050405020304" pitchFamily="18" charset="0"/>
               </a:rPr>
-              <a:t>状态：以 </a:t>
+              <a:t>状态 </a:t>
+            </a:r>
+            <a:r>
+              <a:rPr lang="en-US" altLang="zh-CN" sz="2000" dirty="0" err="1">
+                <a:latin typeface="Times New Roman" panose="02020603050405020304" pitchFamily="18" charset="0"/>
+                <a:ea typeface="KaiTi_GB2312" panose="02010609030101010101" pitchFamily="49" charset="-122"/>
+                <a:cs typeface="Times New Roman" panose="02020603050405020304" pitchFamily="18" charset="0"/>
+              </a:rPr>
+              <a:t>dp</a:t>
+            </a:r>
+            <a:r>
+              <a:rPr lang="en-US" altLang="zh-CN" sz="2000" dirty="0">
+                <a:latin typeface="Times New Roman" panose="02020603050405020304" pitchFamily="18" charset="0"/>
+                <a:ea typeface="KaiTi_GB2312" panose="02010609030101010101" pitchFamily="49" charset="-122"/>
+                <a:cs typeface="Times New Roman" panose="02020603050405020304" pitchFamily="18" charset="0"/>
+              </a:rPr>
+              <a:t>[</a:t>
+            </a:r>
+            <a:r>
+              <a:rPr lang="en-US" altLang="zh-CN" sz="2000" dirty="0" err="1">
+                <a:latin typeface="Times New Roman" panose="02020603050405020304" pitchFamily="18" charset="0"/>
+                <a:ea typeface="KaiTi_GB2312" panose="02010609030101010101" pitchFamily="49" charset="-122"/>
+                <a:cs typeface="Times New Roman" panose="02020603050405020304" pitchFamily="18" charset="0"/>
+              </a:rPr>
+              <a:t>i</a:t>
+            </a:r>
+            <a:r>
+              <a:rPr lang="en-US" altLang="zh-CN" sz="2000" dirty="0">
+                <a:latin typeface="Times New Roman" panose="02020603050405020304" pitchFamily="18" charset="0"/>
+                <a:ea typeface="KaiTi_GB2312" panose="02010609030101010101" pitchFamily="49" charset="-122"/>
+                <a:cs typeface="Times New Roman" panose="02020603050405020304" pitchFamily="18" charset="0"/>
+              </a:rPr>
+              <a:t>]</a:t>
+            </a:r>
+            <a:r>
+              <a:rPr lang="zh-CN" altLang="en-US" sz="2000" dirty="0">
+                <a:latin typeface="Times New Roman" panose="02020603050405020304" pitchFamily="18" charset="0"/>
+                <a:ea typeface="KaiTi_GB2312" panose="02010609030101010101" pitchFamily="49" charset="-122"/>
+                <a:cs typeface="Times New Roman" panose="02020603050405020304" pitchFamily="18" charset="0"/>
+              </a:rPr>
+              <a:t>：以 </a:t>
             </a:r>
             <a:r>
               <a:rPr lang="en-US" altLang="zh-CN" sz="2000" dirty="0" err="1">
@@ -6243,14 +10089,180 @@
               <a:cs typeface="Times New Roman" panose="02020603050405020304" pitchFamily="18" charset="0"/>
             </a:endParaRPr>
           </a:p>
+          <a:p>
+            <a:endParaRPr lang="en-US" altLang="zh-CN" sz="2000" dirty="0">
+              <a:latin typeface="Times New Roman" panose="02020603050405020304" pitchFamily="18" charset="0"/>
+              <a:ea typeface="KaiTi_GB2312" panose="02010609030101010101" pitchFamily="49" charset="-122"/>
+              <a:cs typeface="Times New Roman" panose="02020603050405020304" pitchFamily="18" charset="0"/>
+            </a:endParaRPr>
+          </a:p>
+          <a:p>
+            <a:r>
+              <a:rPr lang="zh-CN" altLang="en-US" sz="2000" dirty="0">
+                <a:latin typeface="Times New Roman" panose="02020603050405020304" pitchFamily="18" charset="0"/>
+                <a:ea typeface="KaiTi_GB2312" panose="02010609030101010101" pitchFamily="49" charset="-122"/>
+                <a:cs typeface="Times New Roman" panose="02020603050405020304" pitchFamily="18" charset="0"/>
+              </a:rPr>
+              <a:t>状态转移方程：</a:t>
+            </a:r>
+            <a:r>
+              <a:rPr lang="en-US" altLang="zh-CN" dirty="0" err="1">
+                <a:latin typeface="Consolas" panose="020B0609020204030204" pitchFamily="49" charset="0"/>
+                <a:cs typeface="Consolas" panose="020B0609020204030204" pitchFamily="49" charset="0"/>
+              </a:rPr>
+              <a:t>dp</a:t>
+            </a:r>
+            <a:r>
+              <a:rPr lang="en-US" altLang="zh-CN" dirty="0">
+                <a:latin typeface="Consolas" panose="020B0609020204030204" pitchFamily="49" charset="0"/>
+                <a:cs typeface="Consolas" panose="020B0609020204030204" pitchFamily="49" charset="0"/>
+              </a:rPr>
+              <a:t>[</a:t>
+            </a:r>
+            <a:r>
+              <a:rPr lang="en-US" altLang="zh-CN" dirty="0" err="1">
+                <a:latin typeface="Consolas" panose="020B0609020204030204" pitchFamily="49" charset="0"/>
+                <a:cs typeface="Consolas" panose="020B0609020204030204" pitchFamily="49" charset="0"/>
+              </a:rPr>
+              <a:t>i</a:t>
+            </a:r>
+            <a:r>
+              <a:rPr lang="en-US" altLang="zh-CN" dirty="0">
+                <a:latin typeface="Consolas" panose="020B0609020204030204" pitchFamily="49" charset="0"/>
+                <a:cs typeface="Consolas" panose="020B0609020204030204" pitchFamily="49" charset="0"/>
+              </a:rPr>
+              <a:t>] = </a:t>
+            </a:r>
+            <a:r>
+              <a:rPr lang="en-US" altLang="zh-CN" dirty="0">
+                <a:solidFill>
+                  <a:srgbClr val="FF40FF"/>
+                </a:solidFill>
+                <a:latin typeface="Consolas" panose="020B0609020204030204" pitchFamily="49" charset="0"/>
+                <a:cs typeface="Consolas" panose="020B0609020204030204" pitchFamily="49" charset="0"/>
+              </a:rPr>
+              <a:t>max</a:t>
+            </a:r>
+            <a:r>
+              <a:rPr lang="en-US" altLang="zh-CN" dirty="0">
+                <a:latin typeface="Consolas" panose="020B0609020204030204" pitchFamily="49" charset="0"/>
+                <a:cs typeface="Consolas" panose="020B0609020204030204" pitchFamily="49" charset="0"/>
+              </a:rPr>
+              <a:t>{1 + </a:t>
+            </a:r>
+            <a:r>
+              <a:rPr lang="en-US" altLang="zh-CN" dirty="0" err="1">
+                <a:latin typeface="Consolas" panose="020B0609020204030204" pitchFamily="49" charset="0"/>
+                <a:cs typeface="Consolas" panose="020B0609020204030204" pitchFamily="49" charset="0"/>
+              </a:rPr>
+              <a:t>dp</a:t>
+            </a:r>
+            <a:r>
+              <a:rPr lang="en-US" altLang="zh-CN" dirty="0">
+                <a:latin typeface="Consolas" panose="020B0609020204030204" pitchFamily="49" charset="0"/>
+                <a:cs typeface="Consolas" panose="020B0609020204030204" pitchFamily="49" charset="0"/>
+              </a:rPr>
+              <a:t>[j] </a:t>
+            </a:r>
+            <a:r>
+              <a:rPr lang="en-US" altLang="zh-CN" dirty="0">
+                <a:solidFill>
+                  <a:srgbClr val="FF40FF"/>
+                </a:solidFill>
+                <a:latin typeface="Consolas" panose="020B0609020204030204" pitchFamily="49" charset="0"/>
+                <a:cs typeface="Consolas" panose="020B0609020204030204" pitchFamily="49" charset="0"/>
+              </a:rPr>
+              <a:t>for</a:t>
+            </a:r>
+            <a:r>
+              <a:rPr lang="en-US" altLang="zh-CN" dirty="0">
+                <a:latin typeface="Consolas" panose="020B0609020204030204" pitchFamily="49" charset="0"/>
+                <a:cs typeface="Consolas" panose="020B0609020204030204" pitchFamily="49" charset="0"/>
+              </a:rPr>
+              <a:t> j &lt; </a:t>
+            </a:r>
+            <a:r>
+              <a:rPr lang="en-US" altLang="zh-CN" dirty="0" err="1">
+                <a:latin typeface="Consolas" panose="020B0609020204030204" pitchFamily="49" charset="0"/>
+                <a:cs typeface="Consolas" panose="020B0609020204030204" pitchFamily="49" charset="0"/>
+              </a:rPr>
+              <a:t>i</a:t>
+            </a:r>
+            <a:r>
+              <a:rPr lang="en-US" altLang="zh-CN" dirty="0">
+                <a:latin typeface="Consolas" panose="020B0609020204030204" pitchFamily="49" charset="0"/>
+                <a:cs typeface="Consolas" panose="020B0609020204030204" pitchFamily="49" charset="0"/>
+              </a:rPr>
+              <a:t> </a:t>
+            </a:r>
+            <a:r>
+              <a:rPr lang="en-US" altLang="zh-CN" dirty="0">
+                <a:solidFill>
+                  <a:srgbClr val="FF40FF"/>
+                </a:solidFill>
+                <a:latin typeface="Consolas" panose="020B0609020204030204" pitchFamily="49" charset="0"/>
+                <a:cs typeface="Consolas" panose="020B0609020204030204" pitchFamily="49" charset="0"/>
+              </a:rPr>
+              <a:t>if</a:t>
+            </a:r>
+            <a:r>
+              <a:rPr lang="en-US" altLang="zh-CN" dirty="0">
+                <a:latin typeface="Consolas" panose="020B0609020204030204" pitchFamily="49" charset="0"/>
+                <a:cs typeface="Consolas" panose="020B0609020204030204" pitchFamily="49" charset="0"/>
+              </a:rPr>
+              <a:t> </a:t>
+            </a:r>
+            <a:r>
+              <a:rPr lang="en-US" altLang="zh-CN" dirty="0" err="1">
+                <a:latin typeface="Consolas" panose="020B0609020204030204" pitchFamily="49" charset="0"/>
+                <a:cs typeface="Consolas" panose="020B0609020204030204" pitchFamily="49" charset="0"/>
+              </a:rPr>
+              <a:t>nums</a:t>
+            </a:r>
+            <a:r>
+              <a:rPr lang="en-US" altLang="zh-CN" dirty="0">
+                <a:latin typeface="Consolas" panose="020B0609020204030204" pitchFamily="49" charset="0"/>
+                <a:cs typeface="Consolas" panose="020B0609020204030204" pitchFamily="49" charset="0"/>
+              </a:rPr>
+              <a:t>[j] &lt; </a:t>
+            </a:r>
+            <a:r>
+              <a:rPr lang="en-US" altLang="zh-CN" dirty="0" err="1">
+                <a:latin typeface="Consolas" panose="020B0609020204030204" pitchFamily="49" charset="0"/>
+                <a:cs typeface="Consolas" panose="020B0609020204030204" pitchFamily="49" charset="0"/>
+              </a:rPr>
+              <a:t>nums</a:t>
+            </a:r>
+            <a:r>
+              <a:rPr lang="en-US" altLang="zh-CN" dirty="0">
+                <a:latin typeface="Consolas" panose="020B0609020204030204" pitchFamily="49" charset="0"/>
+                <a:cs typeface="Consolas" panose="020B0609020204030204" pitchFamily="49" charset="0"/>
+              </a:rPr>
+              <a:t>[</a:t>
+            </a:r>
+            <a:r>
+              <a:rPr lang="en-US" altLang="zh-CN" dirty="0" err="1">
+                <a:latin typeface="Consolas" panose="020B0609020204030204" pitchFamily="49" charset="0"/>
+                <a:cs typeface="Consolas" panose="020B0609020204030204" pitchFamily="49" charset="0"/>
+              </a:rPr>
+              <a:t>i</a:t>
+            </a:r>
+            <a:r>
+              <a:rPr lang="en-US" altLang="zh-CN" dirty="0">
+                <a:latin typeface="Consolas" panose="020B0609020204030204" pitchFamily="49" charset="0"/>
+                <a:cs typeface="Consolas" panose="020B0609020204030204" pitchFamily="49" charset="0"/>
+              </a:rPr>
+              <a:t>]}</a:t>
+            </a:r>
+          </a:p>
         </p:txBody>
       </p:sp>
       <p:sp>
         <p:nvSpPr>
-          <p:cNvPr id="17" name="文本框 16">
+          <p:cNvPr id="22" name="文本框 21">
             <a:extLst>
               <a:ext uri="{FF2B5EF4-FFF2-40B4-BE49-F238E27FC236}">
-                <a16:creationId xmlns:a16="http://schemas.microsoft.com/office/drawing/2014/main" id="{85481875-2655-DA4B-8393-7F76077EFA71}"/>
+                <a16:creationId xmlns:a16="http://schemas.microsoft.com/office/drawing/2014/main" id="{17E25443-5534-9E46-BA84-0BC09025B706}"/>
               </a:ext>
             </a:extLst>
           </p:cNvPr>
@@ -6259,8 +10271,8 @@
         </p:nvSpPr>
         <p:spPr>
           <a:xfrm flipH="1">
-            <a:off x="808475" y="804715"/>
-            <a:ext cx="3050881" cy="461665"/>
+            <a:off x="808474" y="835492"/>
+            <a:ext cx="2472607" cy="400110"/>
           </a:xfrm>
           <a:prstGeom prst="rect">
             <a:avLst/>
@@ -6290,7 +10302,7 @@
               <a:buChar char="Ø"/>
             </a:pPr>
             <a:r>
-              <a:rPr kumimoji="1" lang="zh-CN" altLang="en-US" sz="2400" b="1" dirty="0">
+              <a:rPr kumimoji="1" lang="zh-CN" altLang="en-US" sz="2000" b="1" dirty="0">
                 <a:solidFill>
                   <a:schemeClr val="bg1"/>
                 </a:solidFill>
@@ -6300,6 +10312,79 @@
               </a:rPr>
               <a:t>思想：动态规划。</a:t>
             </a:r>
+          </a:p>
+        </p:txBody>
+      </p:sp>
+      <p:sp>
+        <p:nvSpPr>
+          <p:cNvPr id="23" name="下箭头 22">
+            <a:extLst>
+              <a:ext uri="{FF2B5EF4-FFF2-40B4-BE49-F238E27FC236}">
+                <a16:creationId xmlns:a16="http://schemas.microsoft.com/office/drawing/2014/main" id="{1B9A211F-CA11-A64D-9B1F-0A535C64B025}"/>
+              </a:ext>
+            </a:extLst>
+          </p:cNvPr>
+          <p:cNvSpPr/>
+          <p:nvPr/>
+        </p:nvSpPr>
+        <p:spPr>
+          <a:xfrm rot="16200000">
+            <a:off x="6004042" y="1343110"/>
+            <a:ext cx="433505" cy="7336000"/>
+          </a:xfrm>
+          <a:prstGeom prst="downArrow">
+            <a:avLst/>
+          </a:prstGeom>
+          <a:gradFill>
+            <a:gsLst>
+              <a:gs pos="0">
+                <a:schemeClr val="bg1"/>
+              </a:gs>
+              <a:gs pos="74000">
+                <a:srgbClr val="FF0000"/>
+              </a:gs>
+              <a:gs pos="83000">
+                <a:srgbClr val="C00000"/>
+              </a:gs>
+              <a:gs pos="100000">
+                <a:srgbClr val="C00000"/>
+              </a:gs>
+            </a:gsLst>
+            <a:lin ang="5400000" scaled="1"/>
+          </a:gradFill>
+          <a:ln>
+            <a:noFill/>
+          </a:ln>
+          <a:effectLst>
+            <a:outerShdw blurRad="50800" dist="38100" dir="13500000" algn="br" rotWithShape="0">
+              <a:prstClr val="black">
+                <a:alpha val="40000"/>
+              </a:prstClr>
+            </a:outerShdw>
+          </a:effectLst>
+        </p:spPr>
+        <p:style>
+          <a:lnRef idx="2">
+            <a:schemeClr val="accent1">
+              <a:shade val="50000"/>
+            </a:schemeClr>
+          </a:lnRef>
+          <a:fillRef idx="1">
+            <a:schemeClr val="accent1"/>
+          </a:fillRef>
+          <a:effectRef idx="0">
+            <a:schemeClr val="accent1"/>
+          </a:effectRef>
+          <a:fontRef idx="minor">
+            <a:schemeClr val="lt1"/>
+          </a:fontRef>
+        </p:style>
+        <p:txBody>
+          <a:bodyPr rtlCol="0" anchor="ctr"/>
+          <a:lstStyle/>
+          <a:p>
+            <a:pPr algn="ctr"/>
+            <a:endParaRPr kumimoji="1" lang="zh-CN" altLang="en-US"/>
           </a:p>
         </p:txBody>
       </p:sp>
